--- a/Präsentation/ProjectAward.pptx
+++ b/Präsentation/ProjectAward.pptx
@@ -5,10 +5,10 @@
     <p:sldMasterId id="2147483696" r:id="rId4"/>
   </p:sldMasterIdLst>
   <p:notesMasterIdLst>
-    <p:notesMasterId r:id="rId16"/>
+    <p:notesMasterId r:id="rId18"/>
   </p:notesMasterIdLst>
   <p:handoutMasterIdLst>
-    <p:handoutMasterId r:id="rId17"/>
+    <p:handoutMasterId r:id="rId19"/>
   </p:handoutMasterIdLst>
   <p:sldIdLst>
     <p:sldId id="306" r:id="rId5"/>
@@ -18,10 +18,12 @@
     <p:sldId id="323" r:id="rId9"/>
     <p:sldId id="324" r:id="rId10"/>
     <p:sldId id="310" r:id="rId11"/>
-    <p:sldId id="316" r:id="rId12"/>
-    <p:sldId id="320" r:id="rId13"/>
-    <p:sldId id="319" r:id="rId14"/>
-    <p:sldId id="312" r:id="rId15"/>
+    <p:sldId id="325" r:id="rId12"/>
+    <p:sldId id="316" r:id="rId13"/>
+    <p:sldId id="320" r:id="rId14"/>
+    <p:sldId id="326" r:id="rId15"/>
+    <p:sldId id="319" r:id="rId16"/>
+    <p:sldId id="312" r:id="rId17"/>
   </p:sldIdLst>
   <p:sldSz cx="12192000" cy="6858000"/>
   <p:notesSz cx="6858000" cy="9144000"/>
@@ -4997,10 +4999,10 @@
             <a:defRPr cap="all"/>
           </a:pPr>
           <a:r>
-            <a:rPr lang="de-AT"/>
-            <a:t>Beziehung zur Firma</a:t>
+            <a:rPr lang="de-AT" dirty="0"/>
+            <a:t>Beziehung zum Unternehmen</a:t>
           </a:r>
-          <a:endParaRPr lang="en-US"/>
+          <a:endParaRPr lang="en-US" dirty="0"/>
         </a:p>
       </dgm:t>
     </dgm:pt>
@@ -5037,10 +5039,10 @@
             <a:defRPr cap="all"/>
           </a:pPr>
           <a:r>
-            <a:rPr lang="de-AT"/>
+            <a:rPr lang="de-AT" dirty="0"/>
             <a:t>Einblick in die Lagerverwaltung</a:t>
           </a:r>
-          <a:endParaRPr lang="en-US"/>
+          <a:endParaRPr lang="en-US" dirty="0"/>
         </a:p>
       </dgm:t>
     </dgm:pt>
@@ -5077,10 +5079,11 @@
             <a:defRPr cap="all"/>
           </a:pPr>
           <a:r>
-            <a:rPr lang="de-AT"/>
-            <a:t>Benötigtes Projekt für den SYP Unterricht</a:t>
+            <a:rPr lang="de-DE"/>
+            <a:t>Benötigtes Projekt für den SYP-Unterricht
+</a:t>
           </a:r>
-          <a:endParaRPr lang="en-US"/>
+          <a:endParaRPr lang="en-US" dirty="0"/>
         </a:p>
       </dgm:t>
     </dgm:pt>
@@ -5117,10 +5120,10 @@
             <a:defRPr cap="all"/>
           </a:pPr>
           <a:r>
-            <a:rPr lang="de-AT"/>
+            <a:rPr lang="de-AT" dirty="0"/>
             <a:t>Möglicher zukünftiger Arbeitsplatz</a:t>
           </a:r>
-          <a:endParaRPr lang="en-US"/>
+          <a:endParaRPr lang="en-US" dirty="0"/>
         </a:p>
       </dgm:t>
     </dgm:pt>
@@ -5430,10 +5433,10 @@
         <a:lstStyle/>
         <a:p>
           <a:r>
-            <a:rPr lang="de-AT"/>
+            <a:rPr lang="de-AT" dirty="0"/>
             <a:t>Zentrales Lagersystem</a:t>
           </a:r>
-          <a:endParaRPr lang="en-US"/>
+          <a:endParaRPr lang="en-US" dirty="0"/>
         </a:p>
       </dgm:t>
     </dgm:pt>
@@ -5467,10 +5470,10 @@
         <a:lstStyle/>
         <a:p>
           <a:r>
-            <a:rPr lang="de-AT"/>
+            <a:rPr lang="de-AT" dirty="0"/>
             <a:t>Alle benötigten Daten in einem Fenster abrufbar</a:t>
           </a:r>
-          <a:endParaRPr lang="en-US"/>
+          <a:endParaRPr lang="en-US" dirty="0"/>
         </a:p>
       </dgm:t>
     </dgm:pt>
@@ -5504,10 +5507,10 @@
         <a:lstStyle/>
         <a:p>
           <a:r>
-            <a:rPr lang="de-AT"/>
-            <a:t>Mögliche Manipulation der Daten bei Verschleiß</a:t>
+            <a:rPr lang="de-AT" dirty="0"/>
+            <a:t>Mögliche Änderung der Daten bei Verschleiß</a:t>
           </a:r>
-          <a:endParaRPr lang="en-US"/>
+          <a:endParaRPr lang="en-US" dirty="0"/>
         </a:p>
       </dgm:t>
     </dgm:pt>
@@ -5541,10 +5544,14 @@
         <a:lstStyle/>
         <a:p>
           <a:r>
-            <a:rPr lang="de-AT"/>
-            <a:t>Aufträge von der Zahlungsapp auslesen und Anzeigen</a:t>
+            <a:rPr lang="de-DE" dirty="0"/>
+            <a:t>Auslesen und Anzeigen von Aufträgen aus </a:t>
           </a:r>
-          <a:endParaRPr lang="en-US"/>
+          <a:r>
+            <a:rPr lang="de-DE" dirty="0" err="1"/>
+            <a:t>BillBee</a:t>
+          </a:r>
+          <a:endParaRPr lang="en-US" dirty="0"/>
         </a:p>
       </dgm:t>
     </dgm:pt>
@@ -5836,7 +5843,7 @@
 <dgm:dataModel xmlns:dgm="http://schemas.openxmlformats.org/drawingml/2006/diagram" xmlns:a="http://schemas.openxmlformats.org/drawingml/2006/main">
   <dgm:ptLst>
     <dgm:pt modelId="{E0C2409B-BDCE-487A-ADD9-D9D3387CB48E}" type="doc">
-      <dgm:prSet loTypeId="urn:microsoft.com/office/officeart/2005/8/layout/list1" loCatId="list" qsTypeId="urn:microsoft.com/office/officeart/2005/8/quickstyle/simple4" qsCatId="simple" csTypeId="urn:microsoft.com/office/officeart/2005/8/colors/accent1_2" csCatId="accent1"/>
+      <dgm:prSet loTypeId="urn:microsoft.com/office/officeart/2005/8/layout/list1" loCatId="list" qsTypeId="urn:microsoft.com/office/officeart/2005/8/quickstyle/simple4" qsCatId="simple" csTypeId="urn:microsoft.com/office/officeart/2005/8/colors/accent1_2" csCatId="accent1" phldr="1"/>
       <dgm:spPr/>
       <dgm:t>
         <a:bodyPr/>
@@ -5854,10 +5861,10 @@
         <a:lstStyle/>
         <a:p>
           <a:r>
-            <a:rPr lang="de-DE"/>
+            <a:rPr lang="de-DE" dirty="0"/>
             <a:t>Zeitersparnis</a:t>
           </a:r>
-          <a:endParaRPr lang="en-US"/>
+          <a:endParaRPr lang="en-US" dirty="0"/>
         </a:p>
       </dgm:t>
     </dgm:pt>
@@ -5891,10 +5898,10 @@
         <a:lstStyle/>
         <a:p>
           <a:r>
-            <a:rPr lang="de-DE"/>
-            <a:t>Vereinfachung des Arbeitsumfelds</a:t>
+            <a:rPr lang="de-AT"/>
+            <a:t>Vereinfachung der Arbeitsumgebung</a:t>
           </a:r>
-          <a:endParaRPr lang="en-US"/>
+          <a:endParaRPr lang="en-US" dirty="0"/>
         </a:p>
       </dgm:t>
     </dgm:pt>
@@ -5928,10 +5935,10 @@
         <a:lstStyle/>
         <a:p>
           <a:r>
-            <a:rPr lang="de-DE"/>
+            <a:rPr lang="de-DE" dirty="0"/>
             <a:t>Übersichtlichkeit des Lagers</a:t>
           </a:r>
-          <a:endParaRPr lang="en-US"/>
+          <a:endParaRPr lang="en-US" dirty="0"/>
         </a:p>
       </dgm:t>
     </dgm:pt>
@@ -5965,10 +5972,10 @@
         <a:lstStyle/>
         <a:p>
           <a:r>
-            <a:rPr lang="de-DE"/>
+            <a:rPr lang="de-DE" dirty="0"/>
             <a:t>Übersicht über die Aufträge</a:t>
           </a:r>
-          <a:endParaRPr lang="en-US"/>
+          <a:endParaRPr lang="en-US" dirty="0"/>
         </a:p>
       </dgm:t>
     </dgm:pt>
@@ -7851,7 +7858,7 @@
         </a:bodyPr>
         <a:lstStyle/>
         <a:p>
-          <a:pPr marL="0" lvl="0" indent="0" algn="ctr" defTabSz="666750">
+          <a:pPr marL="0" lvl="0" indent="0" algn="ctr" defTabSz="533400">
             <a:lnSpc>
               <a:spcPct val="90000"/>
             </a:lnSpc>
@@ -7865,10 +7872,10 @@
             <a:defRPr cap="all"/>
           </a:pPr>
           <a:r>
-            <a:rPr lang="de-AT" sz="1500" kern="1200"/>
-            <a:t>Beziehung zur Firma</a:t>
+            <a:rPr lang="de-AT" sz="1200" kern="1200" dirty="0"/>
+            <a:t>Beziehung zum Unternehmen</a:t>
           </a:r>
-          <a:endParaRPr lang="en-US" sz="1500" kern="1200"/>
+          <a:endParaRPr lang="en-US" sz="1200" kern="1200" dirty="0"/>
         </a:p>
       </dsp:txBody>
       <dsp:txXfrm>
@@ -8003,7 +8010,7 @@
         </a:bodyPr>
         <a:lstStyle/>
         <a:p>
-          <a:pPr marL="0" lvl="0" indent="0" algn="ctr" defTabSz="666750">
+          <a:pPr marL="0" lvl="0" indent="0" algn="ctr" defTabSz="533400">
             <a:lnSpc>
               <a:spcPct val="90000"/>
             </a:lnSpc>
@@ -8017,10 +8024,10 @@
             <a:defRPr cap="all"/>
           </a:pPr>
           <a:r>
-            <a:rPr lang="de-AT" sz="1500" kern="1200"/>
+            <a:rPr lang="de-AT" sz="1200" kern="1200" dirty="0"/>
             <a:t>Einblick in die Lagerverwaltung</a:t>
           </a:r>
-          <a:endParaRPr lang="en-US" sz="1500" kern="1200"/>
+          <a:endParaRPr lang="en-US" sz="1200" kern="1200" dirty="0"/>
         </a:p>
       </dsp:txBody>
       <dsp:txXfrm>
@@ -8155,7 +8162,7 @@
         </a:bodyPr>
         <a:lstStyle/>
         <a:p>
-          <a:pPr marL="0" lvl="0" indent="0" algn="ctr" defTabSz="666750">
+          <a:pPr marL="0" lvl="0" indent="0" algn="ctr" defTabSz="533400">
             <a:lnSpc>
               <a:spcPct val="90000"/>
             </a:lnSpc>
@@ -8169,10 +8176,11 @@
             <a:defRPr cap="all"/>
           </a:pPr>
           <a:r>
-            <a:rPr lang="de-AT" sz="1500" kern="1200"/>
-            <a:t>Benötigtes Projekt für den SYP Unterricht</a:t>
+            <a:rPr lang="de-DE" sz="1200" kern="1200"/>
+            <a:t>Benötigtes Projekt für den SYP-Unterricht
+</a:t>
           </a:r>
-          <a:endParaRPr lang="en-US" sz="1500" kern="1200"/>
+          <a:endParaRPr lang="en-US" sz="1200" kern="1200" dirty="0"/>
         </a:p>
       </dsp:txBody>
       <dsp:txXfrm>
@@ -8307,7 +8315,7 @@
         </a:bodyPr>
         <a:lstStyle/>
         <a:p>
-          <a:pPr marL="0" lvl="0" indent="0" algn="ctr" defTabSz="666750">
+          <a:pPr marL="0" lvl="0" indent="0" algn="ctr" defTabSz="533400">
             <a:lnSpc>
               <a:spcPct val="90000"/>
             </a:lnSpc>
@@ -8321,10 +8329,10 @@
             <a:defRPr cap="all"/>
           </a:pPr>
           <a:r>
-            <a:rPr lang="de-AT" sz="1500" kern="1200"/>
+            <a:rPr lang="de-AT" sz="1200" kern="1200" dirty="0"/>
             <a:t>Möglicher zukünftiger Arbeitsplatz</a:t>
           </a:r>
-          <a:endParaRPr lang="en-US" sz="1500" kern="1200"/>
+          <a:endParaRPr lang="en-US" sz="1200" kern="1200" dirty="0"/>
         </a:p>
       </dsp:txBody>
       <dsp:txXfrm>
@@ -8486,10 +8494,10 @@
             <a:buNone/>
           </a:pPr>
           <a:r>
-            <a:rPr lang="de-AT" sz="2200" kern="1200"/>
+            <a:rPr lang="de-AT" sz="2200" kern="1200" dirty="0"/>
             <a:t>Zentrales Lagersystem</a:t>
           </a:r>
-          <a:endParaRPr lang="en-US" sz="2200" kern="1200"/>
+          <a:endParaRPr lang="en-US" sz="2200" kern="1200" dirty="0"/>
         </a:p>
       </dsp:txBody>
       <dsp:txXfrm>
@@ -8639,10 +8647,10 @@
             <a:buNone/>
           </a:pPr>
           <a:r>
-            <a:rPr lang="de-AT" sz="2200" kern="1200"/>
+            <a:rPr lang="de-AT" sz="2200" kern="1200" dirty="0"/>
             <a:t>Alle benötigten Daten in einem Fenster abrufbar</a:t>
           </a:r>
-          <a:endParaRPr lang="en-US" sz="2200" kern="1200"/>
+          <a:endParaRPr lang="en-US" sz="2200" kern="1200" dirty="0"/>
         </a:p>
       </dsp:txBody>
       <dsp:txXfrm>
@@ -8792,10 +8800,10 @@
             <a:buNone/>
           </a:pPr>
           <a:r>
-            <a:rPr lang="de-AT" sz="2200" kern="1200"/>
-            <a:t>Mögliche Manipulation der Daten bei Verschleiß</a:t>
+            <a:rPr lang="de-AT" sz="2200" kern="1200" dirty="0"/>
+            <a:t>Mögliche Änderung der Daten bei Verschleiß</a:t>
           </a:r>
-          <a:endParaRPr lang="en-US" sz="2200" kern="1200"/>
+          <a:endParaRPr lang="en-US" sz="2200" kern="1200" dirty="0"/>
         </a:p>
       </dsp:txBody>
       <dsp:txXfrm>
@@ -8945,10 +8953,14 @@
             <a:buNone/>
           </a:pPr>
           <a:r>
-            <a:rPr lang="de-AT" sz="2200" kern="1200"/>
-            <a:t>Aufträge von der Zahlungsapp auslesen und Anzeigen</a:t>
+            <a:rPr lang="de-DE" sz="2200" kern="1200" dirty="0"/>
+            <a:t>Auslesen und Anzeigen von Aufträgen aus </a:t>
           </a:r>
-          <a:endParaRPr lang="en-US" sz="2200" kern="1200"/>
+          <a:r>
+            <a:rPr lang="de-DE" sz="2200" kern="1200" dirty="0" err="1"/>
+            <a:t>BillBee</a:t>
+          </a:r>
+          <a:endParaRPr lang="en-US" sz="2200" kern="1200" dirty="0"/>
         </a:p>
       </dsp:txBody>
       <dsp:txXfrm>
@@ -9106,10 +9118,10 @@
             <a:buNone/>
           </a:pPr>
           <a:r>
-            <a:rPr lang="de-DE" sz="2400" kern="1200"/>
+            <a:rPr lang="de-DE" sz="2400" kern="1200" dirty="0"/>
             <a:t>Zeitersparnis</a:t>
           </a:r>
-          <a:endParaRPr lang="en-US" sz="2400" kern="1200"/>
+          <a:endParaRPr lang="en-US" sz="2400" kern="1200" dirty="0"/>
         </a:p>
       </dsp:txBody>
       <dsp:txXfrm>
@@ -9255,10 +9267,10 @@
             <a:buNone/>
           </a:pPr>
           <a:r>
-            <a:rPr lang="de-DE" sz="2400" kern="1200"/>
-            <a:t>Vereinfachung des Arbeitsumfelds</a:t>
+            <a:rPr lang="de-AT" sz="2400" kern="1200"/>
+            <a:t>Vereinfachung der Arbeitsumgebung</a:t>
           </a:r>
-          <a:endParaRPr lang="en-US" sz="2400" kern="1200"/>
+          <a:endParaRPr lang="en-US" sz="2400" kern="1200" dirty="0"/>
         </a:p>
       </dsp:txBody>
       <dsp:txXfrm>
@@ -9404,10 +9416,10 @@
             <a:buNone/>
           </a:pPr>
           <a:r>
-            <a:rPr lang="de-DE" sz="2400" kern="1200"/>
+            <a:rPr lang="de-DE" sz="2400" kern="1200" dirty="0"/>
             <a:t>Übersichtlichkeit des Lagers</a:t>
           </a:r>
-          <a:endParaRPr lang="en-US" sz="2400" kern="1200"/>
+          <a:endParaRPr lang="en-US" sz="2400" kern="1200" dirty="0"/>
         </a:p>
       </dsp:txBody>
       <dsp:txXfrm>
@@ -9553,10 +9565,10 @@
             <a:buNone/>
           </a:pPr>
           <a:r>
-            <a:rPr lang="de-DE" sz="2400" kern="1200"/>
+            <a:rPr lang="de-DE" sz="2400" kern="1200" dirty="0"/>
             <a:t>Übersicht über die Aufträge</a:t>
           </a:r>
-          <a:endParaRPr lang="en-US" sz="2400" kern="1200"/>
+          <a:endParaRPr lang="en-US" sz="2400" kern="1200" dirty="0"/>
         </a:p>
       </dsp:txBody>
       <dsp:txXfrm>
@@ -16060,7 +16072,7 @@
           <a:p>
             <a:fld id="{67702A17-7AE3-4B44-889C-4D77A0FC7177}" type="datetime1">
               <a:rPr lang="de-DE" smtClean="0"/>
-              <a:t>13.03.2023</a:t>
+              <a:t>15.03.2023</a:t>
             </a:fld>
             <a:endParaRPr lang="de-DE" dirty="0"/>
           </a:p>
@@ -16240,7 +16252,7 @@
             <a:fld id="{82650ACC-C7DD-445E-BC27-71FC31906D7B}" type="datetime1">
               <a:rPr lang="de-DE" smtClean="0"/>
               <a:pPr/>
-              <a:t>13.03.2023</a:t>
+              <a:t>15.03.2023</a:t>
             </a:fld>
             <a:endParaRPr lang="de-DE" dirty="0"/>
           </a:p>
@@ -16557,58 +16569,33 @@
           <a:p>
             <a:pPr algn="l" fontAlgn="base">
               <a:buFont typeface="+mj-lt"/>
-              <a:buAutoNum type="arabicPeriod"/>
+              <a:buNone/>
             </a:pPr>
             <a:r>
-              <a:rPr lang="de-DE" dirty="0" err="1"/>
-              <a:t>Wilkommen</a:t>
-            </a:r>
-            <a:r>
-              <a:rPr lang="de-DE" dirty="0"/>
-              <a:t> zu der </a:t>
-            </a:r>
-            <a:r>
-              <a:rPr lang="de-DE" dirty="0" err="1"/>
-              <a:t>präsentation</a:t>
-            </a:r>
-            <a:r>
-              <a:rPr lang="de-DE" dirty="0"/>
-              <a:t> unseres Projektes </a:t>
-            </a:r>
-            <a:r>
-              <a:rPr lang="de-DE" dirty="0" err="1"/>
-              <a:t>Multiflex</a:t>
-            </a:r>
-            <a:r>
-              <a:rPr lang="de-DE" dirty="0"/>
-              <a:t> welches wir im </a:t>
-            </a:r>
-            <a:r>
-              <a:rPr lang="de-DE" dirty="0" err="1"/>
-              <a:t>ramen</a:t>
-            </a:r>
-            <a:r>
-              <a:rPr lang="de-DE" dirty="0"/>
-              <a:t> des </a:t>
-            </a:r>
-            <a:r>
-              <a:rPr lang="de-DE" dirty="0" err="1"/>
-              <a:t>faches</a:t>
-            </a:r>
-            <a:r>
-              <a:rPr lang="de-DE" dirty="0"/>
-              <a:t> </a:t>
+              <a:rPr lang="de-AT" dirty="0"/>
+              <a:t>Sehr Geehrter Herr Direktor, Sehr Geehrter Herr Abteilungsvorstand, sehr geehrte Professoren und </a:t>
             </a:r>
             <a:r>
               <a:rPr lang="de-AT" b="0" i="0" dirty="0">
                 <a:solidFill>
-                  <a:srgbClr val="000000"/>
+                  <a:srgbClr val="D1D5DB"/>
                 </a:solidFill>
                 <a:effectLst/>
-                <a:latin typeface="inherit"/>
+                <a:latin typeface="Söhne"/>
               </a:rPr>
-              <a:t>Systemplanung und Projektentwicklung entwickelt haben</a:t>
+              <a:t>Professorinnen</a:t>
             </a:r>
+            <a:r>
+              <a:rPr lang="de-AT" dirty="0"/>
+              <a:t> und sehr geehrte Damen und Herren und sehr geehrte Kollegen und Kolleginnen</a:t>
+            </a:r>
+            <a:endParaRPr lang="de-AT" b="0" i="0" dirty="0">
+              <a:solidFill>
+                <a:srgbClr val="000000"/>
+              </a:solidFill>
+              <a:effectLst/>
+              <a:latin typeface="inherit"/>
+            </a:endParaRPr>
           </a:p>
           <a:p>
             <a:br>
@@ -16988,7 +16975,7 @@
             <a:pPr rtl="0"/>
             <a:fld id="{D5939589-3E79-4C82-AA4A-FE78234FAA59}" type="slidenum">
               <a:rPr lang="de-DE" noProof="0" smtClean="0"/>
-              <a:t>8</a:t>
+              <a:t>9</a:t>
             </a:fld>
             <a:endParaRPr lang="de-DE" noProof="0"/>
           </a:p>
@@ -17076,7 +17063,7 @@
             <a:pPr rtl="0"/>
             <a:fld id="{D5939589-3E79-4C82-AA4A-FE78234FAA59}" type="slidenum">
               <a:rPr lang="de-DE" noProof="0" smtClean="0"/>
-              <a:t>9</a:t>
+              <a:t>10</a:t>
             </a:fld>
             <a:endParaRPr lang="de-DE" noProof="0"/>
           </a:p>
@@ -17161,7 +17148,7 @@
             <a:pPr rtl="0"/>
             <a:fld id="{D5939589-3E79-4C82-AA4A-FE78234FAA59}" type="slidenum">
               <a:rPr lang="de-DE" smtClean="0"/>
-              <a:t>11</a:t>
+              <a:t>13</a:t>
             </a:fld>
             <a:endParaRPr lang="de-DE"/>
           </a:p>
@@ -28072,6 +28059,541 @@
           <a:chExt cx="0" cy="0"/>
         </a:xfrm>
       </p:grpSpPr>
+      <p:pic>
+        <p:nvPicPr>
+          <p:cNvPr id="1026" name="Picture 2" descr="Image result for docker">
+            <a:extLst>
+              <a:ext uri="{FF2B5EF4-FFF2-40B4-BE49-F238E27FC236}">
+                <a16:creationId xmlns:a16="http://schemas.microsoft.com/office/drawing/2014/main" id="{97B40304-2F3D-FB80-93EE-47DEECF887DE}"/>
+              </a:ext>
+            </a:extLst>
+          </p:cNvPr>
+          <p:cNvPicPr>
+            <a:picLocks noGrp="1" noChangeAspect="1" noChangeArrowheads="1"/>
+          </p:cNvPicPr>
+          <p:nvPr>
+            <p:ph idx="1"/>
+          </p:nvPr>
+        </p:nvPicPr>
+        <p:blipFill>
+          <a:blip r:embed="rId3">
+            <a:extLst>
+              <a:ext uri="{28A0092B-C50C-407E-A947-70E740481C1C}">
+                <a14:useLocalDpi xmlns:a14="http://schemas.microsoft.com/office/drawing/2010/main" val="0"/>
+              </a:ext>
+            </a:extLst>
+          </a:blip>
+          <a:srcRect/>
+          <a:stretch>
+            <a:fillRect/>
+          </a:stretch>
+        </p:blipFill>
+        <p:spPr bwMode="auto">
+          <a:xfrm>
+            <a:off x="1219200" y="1825625"/>
+            <a:ext cx="4356100" cy="4351338"/>
+          </a:xfrm>
+          <a:prstGeom prst="rect">
+            <a:avLst/>
+          </a:prstGeom>
+          <a:extLst>
+            <a:ext uri="{909E8E84-426E-40DD-AFC4-6F175D3DCCD1}">
+              <a14:hiddenFill xmlns:a14="http://schemas.microsoft.com/office/drawing/2010/main">
+                <a:solidFill>
+                  <a:srgbClr val="FFFFFF"/>
+                </a:solidFill>
+              </a14:hiddenFill>
+            </a:ext>
+          </a:extLst>
+        </p:spPr>
+      </p:pic>
+      <p:pic>
+        <p:nvPicPr>
+          <p:cNvPr id="1028" name="Picture 4" descr="Microframework Quarkus – ein erster Einblick – The Cattle Crew Blog">
+            <a:extLst>
+              <a:ext uri="{FF2B5EF4-FFF2-40B4-BE49-F238E27FC236}">
+                <a16:creationId xmlns:a16="http://schemas.microsoft.com/office/drawing/2014/main" id="{74F73C4F-CBAF-0275-878E-91D559190417}"/>
+              </a:ext>
+            </a:extLst>
+          </p:cNvPr>
+          <p:cNvPicPr>
+            <a:picLocks noChangeAspect="1" noChangeArrowheads="1"/>
+          </p:cNvPicPr>
+          <p:nvPr/>
+        </p:nvPicPr>
+        <p:blipFill rotWithShape="1">
+          <a:blip r:embed="rId4">
+            <a:extLst>
+              <a:ext uri="{28A0092B-C50C-407E-A947-70E740481C1C}">
+                <a14:useLocalDpi xmlns:a14="http://schemas.microsoft.com/office/drawing/2010/main" val="0"/>
+              </a:ext>
+            </a:extLst>
+          </a:blip>
+          <a:srcRect b="11199"/>
+          <a:stretch/>
+        </p:blipFill>
+        <p:spPr bwMode="auto">
+          <a:xfrm>
+            <a:off x="5641975" y="1825625"/>
+            <a:ext cx="3040063" cy="1958099"/>
+          </a:xfrm>
+          <a:prstGeom prst="rect">
+            <a:avLst/>
+          </a:prstGeom>
+          <a:extLst>
+            <a:ext uri="{909E8E84-426E-40DD-AFC4-6F175D3DCCD1}">
+              <a14:hiddenFill xmlns:a14="http://schemas.microsoft.com/office/drawing/2010/main">
+                <a:solidFill>
+                  <a:srgbClr val="FFFFFF"/>
+                </a:solidFill>
+              </a14:hiddenFill>
+            </a:ext>
+          </a:extLst>
+        </p:spPr>
+      </p:pic>
+      <p:pic>
+        <p:nvPicPr>
+          <p:cNvPr id="3" name="Picture 2" descr="Bildergebnis für mysql">
+            <a:extLst>
+              <a:ext uri="{FF2B5EF4-FFF2-40B4-BE49-F238E27FC236}">
+                <a16:creationId xmlns:a16="http://schemas.microsoft.com/office/drawing/2014/main" id="{2C578603-1426-4A27-7682-E88F0AABD984}"/>
+              </a:ext>
+            </a:extLst>
+          </p:cNvPr>
+          <p:cNvPicPr>
+            <a:picLocks noChangeAspect="1" noChangeArrowheads="1"/>
+          </p:cNvPicPr>
+          <p:nvPr/>
+        </p:nvPicPr>
+        <p:blipFill>
+          <a:blip r:embed="rId5">
+            <a:extLst>
+              <a:ext uri="{28A0092B-C50C-407E-A947-70E740481C1C}">
+                <a14:useLocalDpi xmlns:a14="http://schemas.microsoft.com/office/drawing/2010/main" val="0"/>
+              </a:ext>
+            </a:extLst>
+          </a:blip>
+          <a:srcRect/>
+          <a:stretch>
+            <a:fillRect/>
+          </a:stretch>
+        </p:blipFill>
+        <p:spPr bwMode="auto">
+          <a:xfrm>
+            <a:off x="5641975" y="4097338"/>
+            <a:ext cx="3040063" cy="2079625"/>
+          </a:xfrm>
+          <a:prstGeom prst="rect">
+            <a:avLst/>
+          </a:prstGeom>
+          <a:extLst>
+            <a:ext uri="{909E8E84-426E-40DD-AFC4-6F175D3DCCD1}">
+              <a14:hiddenFill xmlns:a14="http://schemas.microsoft.com/office/drawing/2010/main">
+                <a:solidFill>
+                  <a:srgbClr val="FFFFFF"/>
+                </a:solidFill>
+              </a14:hiddenFill>
+            </a:ext>
+          </a:extLst>
+        </p:spPr>
+      </p:pic>
+      <p:pic>
+        <p:nvPicPr>
+          <p:cNvPr id="1036" name="Picture 12" descr="Java-Technologie – Wikipedia">
+            <a:extLst>
+              <a:ext uri="{FF2B5EF4-FFF2-40B4-BE49-F238E27FC236}">
+                <a16:creationId xmlns:a16="http://schemas.microsoft.com/office/drawing/2014/main" id="{AEA00D0D-2859-069C-F2A5-114D66C7CBA4}"/>
+              </a:ext>
+            </a:extLst>
+          </p:cNvPr>
+          <p:cNvPicPr>
+            <a:picLocks noChangeAspect="1" noChangeArrowheads="1"/>
+          </p:cNvPicPr>
+          <p:nvPr/>
+        </p:nvPicPr>
+        <p:blipFill>
+          <a:blip r:embed="rId6">
+            <a:extLst>
+              <a:ext uri="{28A0092B-C50C-407E-A947-70E740481C1C}">
+                <a14:useLocalDpi xmlns:a14="http://schemas.microsoft.com/office/drawing/2010/main" val="0"/>
+              </a:ext>
+            </a:extLst>
+          </a:blip>
+          <a:srcRect/>
+          <a:stretch>
+            <a:fillRect/>
+          </a:stretch>
+        </p:blipFill>
+        <p:spPr bwMode="auto">
+          <a:xfrm>
+            <a:off x="8750300" y="1825625"/>
+            <a:ext cx="2222500" cy="4351338"/>
+          </a:xfrm>
+          <a:prstGeom prst="rect">
+            <a:avLst/>
+          </a:prstGeom>
+          <a:extLst>
+            <a:ext uri="{909E8E84-426E-40DD-AFC4-6F175D3DCCD1}">
+              <a14:hiddenFill xmlns:a14="http://schemas.microsoft.com/office/drawing/2010/main">
+                <a:solidFill>
+                  <a:srgbClr val="FFFFFF"/>
+                </a:solidFill>
+              </a14:hiddenFill>
+            </a:ext>
+          </a:extLst>
+        </p:spPr>
+      </p:pic>
+      <p:sp>
+        <p:nvSpPr>
+          <p:cNvPr id="2" name="Titel 1">
+            <a:extLst>
+              <a:ext uri="{FF2B5EF4-FFF2-40B4-BE49-F238E27FC236}">
+                <a16:creationId xmlns:a16="http://schemas.microsoft.com/office/drawing/2014/main" id="{0BE559A4-EC8A-E351-CC45-74D2A464AD0B}"/>
+              </a:ext>
+            </a:extLst>
+          </p:cNvPr>
+          <p:cNvSpPr>
+            <a:spLocks noGrp="1"/>
+          </p:cNvSpPr>
+          <p:nvPr>
+            <p:ph type="title"/>
+          </p:nvPr>
+        </p:nvSpPr>
+        <p:spPr>
+          <a:xfrm>
+            <a:off x="838200" y="365125"/>
+            <a:ext cx="10515600" cy="1325563"/>
+          </a:xfrm>
+        </p:spPr>
+        <p:txBody>
+          <a:bodyPr anchor="ctr">
+            <a:normAutofit/>
+          </a:bodyPr>
+          <a:lstStyle/>
+          <a:p>
+            <a:r>
+              <a:rPr lang="de-AT" dirty="0"/>
+              <a:t>Technologien Backend</a:t>
+            </a:r>
+          </a:p>
+        </p:txBody>
+      </p:sp>
+      <p:sp>
+        <p:nvSpPr>
+          <p:cNvPr id="6" name="Foliennummernplatzhalter 5">
+            <a:extLst>
+              <a:ext uri="{FF2B5EF4-FFF2-40B4-BE49-F238E27FC236}">
+                <a16:creationId xmlns:a16="http://schemas.microsoft.com/office/drawing/2014/main" id="{EE876BD7-2DD6-A08E-0F83-3401518CE54E}"/>
+              </a:ext>
+            </a:extLst>
+          </p:cNvPr>
+          <p:cNvSpPr>
+            <a:spLocks noGrp="1"/>
+          </p:cNvSpPr>
+          <p:nvPr>
+            <p:ph type="sldNum" sz="quarter" idx="12"/>
+          </p:nvPr>
+        </p:nvSpPr>
+        <p:spPr>
+          <a:xfrm>
+            <a:off x="8610600" y="6356350"/>
+            <a:ext cx="2743200" cy="365125"/>
+          </a:xfrm>
+        </p:spPr>
+        <p:txBody>
+          <a:bodyPr anchor="ctr">
+            <a:normAutofit/>
+          </a:bodyPr>
+          <a:lstStyle/>
+          <a:p>
+            <a:pPr rtl="0">
+              <a:spcAft>
+                <a:spcPts val="600"/>
+              </a:spcAft>
+            </a:pPr>
+            <a:fld id="{D8DA9DAA-006C-4F4B-980E-E3DF019B24E2}" type="slidenum">
+              <a:rPr lang="de-DE" noProof="0" smtClean="0"/>
+              <a:pPr rtl="0">
+                <a:spcAft>
+                  <a:spcPts val="600"/>
+                </a:spcAft>
+              </a:pPr>
+              <a:t>10</a:t>
+            </a:fld>
+            <a:endParaRPr lang="de-DE" noProof="0"/>
+          </a:p>
+        </p:txBody>
+      </p:sp>
+    </p:spTree>
+    <p:extLst>
+      <p:ext uri="{BB962C8B-B14F-4D97-AF65-F5344CB8AC3E}">
+        <p14:creationId xmlns:p14="http://schemas.microsoft.com/office/powerpoint/2010/main" val="1950675273"/>
+      </p:ext>
+    </p:extLst>
+  </p:cSld>
+  <p:clrMapOvr>
+    <a:masterClrMapping/>
+  </p:clrMapOvr>
+</p:sld>
+</file>
+
+<file path=ppt/slides/slide11.xml><?xml version="1.0" encoding="utf-8"?>
+<p:sld xmlns:a="http://schemas.openxmlformats.org/drawingml/2006/main" xmlns:r="http://schemas.openxmlformats.org/officeDocument/2006/relationships" xmlns:p="http://schemas.openxmlformats.org/presentationml/2006/main">
+  <p:cSld>
+    <p:spTree>
+      <p:nvGrpSpPr>
+        <p:cNvPr id="1" name=""/>
+        <p:cNvGrpSpPr/>
+        <p:nvPr/>
+      </p:nvGrpSpPr>
+      <p:grpSpPr>
+        <a:xfrm>
+          <a:off x="0" y="0"/>
+          <a:ext cx="0" cy="0"/>
+          <a:chOff x="0" y="0"/>
+          <a:chExt cx="0" cy="0"/>
+        </a:xfrm>
+      </p:grpSpPr>
+      <p:pic>
+        <p:nvPicPr>
+          <p:cNvPr id="6" name="Bildplatzhalter 5">
+            <a:extLst>
+              <a:ext uri="{FF2B5EF4-FFF2-40B4-BE49-F238E27FC236}">
+                <a16:creationId xmlns:a16="http://schemas.microsoft.com/office/drawing/2014/main" id="{2B4C9C3B-2D4A-E54F-807D-0128923B2030}"/>
+              </a:ext>
+            </a:extLst>
+          </p:cNvPr>
+          <p:cNvPicPr>
+            <a:picLocks noGrp="1" noChangeAspect="1"/>
+          </p:cNvPicPr>
+          <p:nvPr>
+            <p:ph type="pic" sz="quarter" idx="13"/>
+          </p:nvPr>
+        </p:nvPicPr>
+        <p:blipFill>
+          <a:blip r:embed="rId2"/>
+          <a:srcRect/>
+          <a:stretch>
+            <a:fillRect/>
+          </a:stretch>
+        </p:blipFill>
+        <p:spPr>
+          <a:xfrm>
+            <a:off x="7451725" y="1665288"/>
+            <a:ext cx="4267200" cy="4267200"/>
+          </a:xfrm>
+        </p:spPr>
+      </p:pic>
+      <p:sp>
+        <p:nvSpPr>
+          <p:cNvPr id="2" name="Titel 1">
+            <a:extLst>
+              <a:ext uri="{FF2B5EF4-FFF2-40B4-BE49-F238E27FC236}">
+                <a16:creationId xmlns:a16="http://schemas.microsoft.com/office/drawing/2014/main" id="{4F705FD3-31C3-039D-AB4B-83984F7C3076}"/>
+              </a:ext>
+            </a:extLst>
+          </p:cNvPr>
+          <p:cNvSpPr>
+            <a:spLocks noGrp="1"/>
+          </p:cNvSpPr>
+          <p:nvPr>
+            <p:ph type="title"/>
+          </p:nvPr>
+        </p:nvSpPr>
+        <p:spPr>
+          <a:xfrm>
+            <a:off x="804672" y="1335024"/>
+            <a:ext cx="6190488" cy="1179576"/>
+          </a:xfrm>
+        </p:spPr>
+        <p:txBody>
+          <a:bodyPr anchor="b">
+            <a:normAutofit/>
+          </a:bodyPr>
+          <a:lstStyle/>
+          <a:p>
+            <a:r>
+              <a:rPr lang="de-AT" dirty="0" err="1"/>
+              <a:t>BillBee</a:t>
+            </a:r>
+            <a:endParaRPr lang="de-AT" dirty="0"/>
+          </a:p>
+        </p:txBody>
+      </p:sp>
+      <p:sp>
+        <p:nvSpPr>
+          <p:cNvPr id="3" name="Inhaltsplatzhalter 2">
+            <a:extLst>
+              <a:ext uri="{FF2B5EF4-FFF2-40B4-BE49-F238E27FC236}">
+                <a16:creationId xmlns:a16="http://schemas.microsoft.com/office/drawing/2014/main" id="{353837B3-B512-475F-03DF-53113EF606CB}"/>
+              </a:ext>
+            </a:extLst>
+          </p:cNvPr>
+          <p:cNvSpPr>
+            <a:spLocks noGrp="1"/>
+          </p:cNvSpPr>
+          <p:nvPr>
+            <p:ph idx="1"/>
+          </p:nvPr>
+        </p:nvSpPr>
+        <p:spPr>
+          <a:xfrm>
+            <a:off x="850392" y="2825496"/>
+            <a:ext cx="6190488" cy="3346704"/>
+          </a:xfrm>
+        </p:spPr>
+        <p:txBody>
+          <a:bodyPr>
+            <a:normAutofit/>
+          </a:bodyPr>
+          <a:lstStyle/>
+          <a:p>
+            <a:r>
+              <a:rPr lang="de-AT" dirty="0" err="1"/>
+              <a:t>BillBee</a:t>
+            </a:r>
+            <a:r>
+              <a:rPr lang="de-AT" dirty="0"/>
+              <a:t> ist eine E-</a:t>
+            </a:r>
+            <a:r>
+              <a:rPr lang="de-AT" dirty="0" err="1"/>
+              <a:t>Comerce</a:t>
+            </a:r>
+            <a:r>
+              <a:rPr lang="de-AT" dirty="0"/>
+              <a:t>-Software</a:t>
+            </a:r>
+          </a:p>
+          <a:p>
+            <a:r>
+              <a:rPr lang="de-DE" dirty="0"/>
+              <a:t>Wird für alle Rechnungen verwendet</a:t>
+            </a:r>
+          </a:p>
+          <a:p>
+            <a:r>
+              <a:rPr lang="de-AT" dirty="0"/>
+              <a:t>Stellt REST-Schnittstellen zur Verfügung</a:t>
+            </a:r>
+          </a:p>
+        </p:txBody>
+      </p:sp>
+      <p:sp>
+        <p:nvSpPr>
+          <p:cNvPr id="13" name="Footer Placeholder 5">
+            <a:extLst>
+              <a:ext uri="{FF2B5EF4-FFF2-40B4-BE49-F238E27FC236}">
+                <a16:creationId xmlns:a16="http://schemas.microsoft.com/office/drawing/2014/main" id="{86F39A4B-0194-C4E6-47D0-6E37E096C5D3}"/>
+              </a:ext>
+            </a:extLst>
+          </p:cNvPr>
+          <p:cNvSpPr>
+            <a:spLocks noGrp="1"/>
+          </p:cNvSpPr>
+          <p:nvPr>
+            <p:ph type="ftr" sz="quarter" idx="11"/>
+          </p:nvPr>
+        </p:nvSpPr>
+        <p:spPr>
+          <a:xfrm>
+            <a:off x="7964424" y="621792"/>
+            <a:ext cx="4114800" cy="365125"/>
+          </a:xfrm>
+        </p:spPr>
+        <p:txBody>
+          <a:bodyPr/>
+          <a:lstStyle/>
+          <a:p>
+            <a:pPr rtl="0">
+              <a:spcAft>
+                <a:spcPts val="600"/>
+              </a:spcAft>
+            </a:pPr>
+            <a:r>
+              <a:rPr lang="de-DE" noProof="0" dirty="0" err="1"/>
+              <a:t>Multiflex</a:t>
+            </a:r>
+            <a:endParaRPr lang="de-DE" noProof="0" dirty="0"/>
+          </a:p>
+        </p:txBody>
+      </p:sp>
+      <p:sp>
+        <p:nvSpPr>
+          <p:cNvPr id="4" name="Foliennummernplatzhalter 3">
+            <a:extLst>
+              <a:ext uri="{FF2B5EF4-FFF2-40B4-BE49-F238E27FC236}">
+                <a16:creationId xmlns:a16="http://schemas.microsoft.com/office/drawing/2014/main" id="{FE4EB147-2DBD-71B3-124C-371E0061CBD7}"/>
+              </a:ext>
+            </a:extLst>
+          </p:cNvPr>
+          <p:cNvSpPr>
+            <a:spLocks noGrp="1"/>
+          </p:cNvSpPr>
+          <p:nvPr>
+            <p:ph type="sldNum" sz="quarter" idx="12"/>
+          </p:nvPr>
+        </p:nvSpPr>
+        <p:spPr>
+          <a:xfrm>
+            <a:off x="8610600" y="6356350"/>
+            <a:ext cx="2743200" cy="365125"/>
+          </a:xfrm>
+        </p:spPr>
+        <p:txBody>
+          <a:bodyPr anchor="ctr">
+            <a:normAutofit/>
+          </a:bodyPr>
+          <a:lstStyle/>
+          <a:p>
+            <a:pPr rtl="0">
+              <a:spcAft>
+                <a:spcPts val="600"/>
+              </a:spcAft>
+            </a:pPr>
+            <a:fld id="{D8DA9DAA-006C-4F4B-980E-E3DF019B24E2}" type="slidenum">
+              <a:rPr lang="de-DE" noProof="0" smtClean="0"/>
+              <a:pPr rtl="0">
+                <a:spcAft>
+                  <a:spcPts val="600"/>
+                </a:spcAft>
+              </a:pPr>
+              <a:t>11</a:t>
+            </a:fld>
+            <a:endParaRPr lang="de-DE" noProof="0"/>
+          </a:p>
+        </p:txBody>
+      </p:sp>
+    </p:spTree>
+    <p:extLst>
+      <p:ext uri="{BB962C8B-B14F-4D97-AF65-F5344CB8AC3E}">
+        <p14:creationId xmlns:p14="http://schemas.microsoft.com/office/powerpoint/2010/main" val="154619109"/>
+      </p:ext>
+    </p:extLst>
+  </p:cSld>
+  <p:clrMapOvr>
+    <a:masterClrMapping/>
+  </p:clrMapOvr>
+</p:sld>
+</file>
+
+<file path=ppt/slides/slide12.xml><?xml version="1.0" encoding="utf-8"?>
+<p:sld xmlns:a="http://schemas.openxmlformats.org/drawingml/2006/main" xmlns:r="http://schemas.openxmlformats.org/officeDocument/2006/relationships" xmlns:p="http://schemas.openxmlformats.org/presentationml/2006/main">
+  <p:cSld>
+    <p:spTree>
+      <p:nvGrpSpPr>
+        <p:cNvPr id="1" name=""/>
+        <p:cNvGrpSpPr/>
+        <p:nvPr/>
+      </p:nvGrpSpPr>
+      <p:grpSpPr>
+        <a:xfrm>
+          <a:off x="0" y="0"/>
+          <a:ext cx="0" cy="0"/>
+          <a:chOff x="0" y="0"/>
+          <a:chExt cx="0" cy="0"/>
+        </a:xfrm>
+      </p:grpSpPr>
       <p:sp>
         <p:nvSpPr>
           <p:cNvPr id="2" name="Titel 1">
@@ -28219,7 +28741,7 @@
                   <a:spcPts val="600"/>
                 </a:spcAft>
               </a:pPr>
-              <a:t>10</a:t>
+              <a:t>12</a:t>
             </a:fld>
             <a:endParaRPr lang="de-DE" noProof="0"/>
           </a:p>
@@ -28238,7 +28760,7 @@
 </p:sld>
 </file>
 
-<file path=ppt/slides/slide11.xml><?xml version="1.0" encoding="utf-8"?>
+<file path=ppt/slides/slide13.xml><?xml version="1.0" encoding="utf-8"?>
 <p:sld xmlns:a="http://schemas.openxmlformats.org/drawingml/2006/main" xmlns:r="http://schemas.openxmlformats.org/officeDocument/2006/relationships" xmlns:p="http://schemas.openxmlformats.org/presentationml/2006/main">
   <p:cSld>
     <p:spTree>
@@ -28280,7 +28802,7 @@
             <a:fld id="{D8DA9DAA-006C-4F4B-980E-E3DF019B24E2}" type="slidenum">
               <a:rPr lang="de-DE" smtClean="0"/>
               <a:pPr rtl="0"/>
-              <a:t>11</a:t>
+              <a:t>13</a:t>
             </a:fld>
             <a:endParaRPr lang="de-DE"/>
           </a:p>
@@ -29091,7 +29613,7 @@
             <p:ph idx="1"/>
             <p:extLst>
               <p:ext uri="{D42A27DB-BD31-4B8C-83A1-F6EECF244321}">
-                <p14:modId xmlns:p14="http://schemas.microsoft.com/office/powerpoint/2010/main" val="709581681"/>
+                <p14:modId xmlns:p14="http://schemas.microsoft.com/office/powerpoint/2010/main" val="1386312704"/>
               </p:ext>
             </p:extLst>
           </p:nvPr>
@@ -29272,7 +29794,7 @@
             <p:ph idx="1"/>
             <p:extLst>
               <p:ext uri="{D42A27DB-BD31-4B8C-83A1-F6EECF244321}">
-                <p14:modId xmlns:p14="http://schemas.microsoft.com/office/powerpoint/2010/main" val="2867114500"/>
+                <p14:modId xmlns:p14="http://schemas.microsoft.com/office/powerpoint/2010/main" val="2434316280"/>
               </p:ext>
             </p:extLst>
           </p:nvPr>
@@ -29535,7 +30057,7 @@
             <p:ph idx="1"/>
             <p:extLst>
               <p:ext uri="{D42A27DB-BD31-4B8C-83A1-F6EECF244321}">
-                <p14:modId xmlns:p14="http://schemas.microsoft.com/office/powerpoint/2010/main" val="379403714"/>
+                <p14:modId xmlns:p14="http://schemas.microsoft.com/office/powerpoint/2010/main" val="2322196489"/>
               </p:ext>
             </p:extLst>
           </p:nvPr>
@@ -29932,6 +30454,148 @@
       </p:grpSpPr>
       <p:pic>
         <p:nvPicPr>
+          <p:cNvPr id="6" name="Grafik 5" descr="Ein Bild, das Diagramm enthält.&#10;&#10;Automatisch generierte Beschreibung">
+            <a:extLst>
+              <a:ext uri="{FF2B5EF4-FFF2-40B4-BE49-F238E27FC236}">
+                <a16:creationId xmlns:a16="http://schemas.microsoft.com/office/drawing/2014/main" id="{50FDB4C2-4D4F-2F3C-2927-3267953BD1B7}"/>
+              </a:ext>
+            </a:extLst>
+          </p:cNvPr>
+          <p:cNvPicPr>
+            <a:picLocks noChangeAspect="1"/>
+          </p:cNvPicPr>
+          <p:nvPr/>
+        </p:nvPicPr>
+        <p:blipFill>
+          <a:blip r:embed="rId2"/>
+          <a:stretch>
+            <a:fillRect/>
+          </a:stretch>
+        </p:blipFill>
+        <p:spPr>
+          <a:xfrm>
+            <a:off x="724789" y="1124607"/>
+            <a:ext cx="11429996" cy="5486400"/>
+          </a:xfrm>
+          <a:prstGeom prst="rect">
+            <a:avLst/>
+          </a:prstGeom>
+          <a:noFill/>
+        </p:spPr>
+      </p:pic>
+      <p:sp>
+        <p:nvSpPr>
+          <p:cNvPr id="2" name="Titel 1">
+            <a:extLst>
+              <a:ext uri="{FF2B5EF4-FFF2-40B4-BE49-F238E27FC236}">
+                <a16:creationId xmlns:a16="http://schemas.microsoft.com/office/drawing/2014/main" id="{00F94A2C-41F4-5230-148F-7918941DC9FD}"/>
+              </a:ext>
+            </a:extLst>
+          </p:cNvPr>
+          <p:cNvSpPr>
+            <a:spLocks noGrp="1"/>
+          </p:cNvSpPr>
+          <p:nvPr>
+            <p:ph type="title"/>
+          </p:nvPr>
+        </p:nvSpPr>
+        <p:spPr>
+          <a:xfrm>
+            <a:off x="838200" y="365125"/>
+            <a:ext cx="10515600" cy="1325563"/>
+          </a:xfrm>
+        </p:spPr>
+        <p:txBody>
+          <a:bodyPr anchor="ctr">
+            <a:normAutofit/>
+          </a:bodyPr>
+          <a:lstStyle/>
+          <a:p>
+            <a:r>
+              <a:rPr lang="de-AT" dirty="0"/>
+              <a:t>Konzept</a:t>
+            </a:r>
+          </a:p>
+        </p:txBody>
+      </p:sp>
+      <p:sp>
+        <p:nvSpPr>
+          <p:cNvPr id="4" name="Foliennummernplatzhalter 3">
+            <a:extLst>
+              <a:ext uri="{FF2B5EF4-FFF2-40B4-BE49-F238E27FC236}">
+                <a16:creationId xmlns:a16="http://schemas.microsoft.com/office/drawing/2014/main" id="{93E0F4FC-7F1E-DC06-6E1A-F8C16110C094}"/>
+              </a:ext>
+            </a:extLst>
+          </p:cNvPr>
+          <p:cNvSpPr>
+            <a:spLocks noGrp="1"/>
+          </p:cNvSpPr>
+          <p:nvPr>
+            <p:ph type="sldNum" sz="quarter" idx="12"/>
+          </p:nvPr>
+        </p:nvSpPr>
+        <p:spPr>
+          <a:xfrm>
+            <a:off x="8610600" y="6356350"/>
+            <a:ext cx="2743200" cy="365125"/>
+          </a:xfrm>
+        </p:spPr>
+        <p:txBody>
+          <a:bodyPr anchor="ctr">
+            <a:normAutofit/>
+          </a:bodyPr>
+          <a:lstStyle/>
+          <a:p>
+            <a:pPr rtl="0">
+              <a:spcAft>
+                <a:spcPts val="600"/>
+              </a:spcAft>
+            </a:pPr>
+            <a:fld id="{D8DA9DAA-006C-4F4B-980E-E3DF019B24E2}" type="slidenum">
+              <a:rPr lang="de-DE" noProof="0" smtClean="0"/>
+              <a:pPr rtl="0">
+                <a:spcAft>
+                  <a:spcPts val="600"/>
+                </a:spcAft>
+              </a:pPr>
+              <a:t>8</a:t>
+            </a:fld>
+            <a:endParaRPr lang="de-DE" noProof="0"/>
+          </a:p>
+        </p:txBody>
+      </p:sp>
+    </p:spTree>
+    <p:extLst>
+      <p:ext uri="{BB962C8B-B14F-4D97-AF65-F5344CB8AC3E}">
+        <p14:creationId xmlns:p14="http://schemas.microsoft.com/office/powerpoint/2010/main" val="3031134635"/>
+      </p:ext>
+    </p:extLst>
+  </p:cSld>
+  <p:clrMapOvr>
+    <a:masterClrMapping/>
+  </p:clrMapOvr>
+</p:sld>
+</file>
+
+<file path=ppt/slides/slide9.xml><?xml version="1.0" encoding="utf-8"?>
+<p:sld xmlns:a="http://schemas.openxmlformats.org/drawingml/2006/main" xmlns:r="http://schemas.openxmlformats.org/officeDocument/2006/relationships" xmlns:p="http://schemas.openxmlformats.org/presentationml/2006/main">
+  <p:cSld>
+    <p:spTree>
+      <p:nvGrpSpPr>
+        <p:cNvPr id="1" name=""/>
+        <p:cNvGrpSpPr/>
+        <p:nvPr/>
+      </p:nvGrpSpPr>
+      <p:grpSpPr>
+        <a:xfrm>
+          <a:off x="0" y="0"/>
+          <a:ext cx="0" cy="0"/>
+          <a:chOff x="0" y="0"/>
+          <a:chExt cx="0" cy="0"/>
+        </a:xfrm>
+      </p:grpSpPr>
+      <p:pic>
+        <p:nvPicPr>
           <p:cNvPr id="1030" name="Picture 6" descr="Lehrgang: C# Programmierer – Lehrgang Ausbildung, Kurs, Schulung, Training,  Seminar und Ausbildung in Wien und Graz | tecTrain GmbH">
             <a:extLst>
               <a:ext uri="{FF2B5EF4-FFF2-40B4-BE49-F238E27FC236}">
@@ -30143,7 +30807,7 @@
                   <a:spcPts val="600"/>
                 </a:spcAft>
               </a:pPr>
-              <a:t>8</a:t>
+              <a:t>9</a:t>
             </a:fld>
             <a:endParaRPr lang="de-DE" noProof="0"/>
           </a:p>
@@ -30153,301 +30817,6 @@
     <p:extLst>
       <p:ext uri="{BB962C8B-B14F-4D97-AF65-F5344CB8AC3E}">
         <p14:creationId xmlns:p14="http://schemas.microsoft.com/office/powerpoint/2010/main" val="4210807430"/>
-      </p:ext>
-    </p:extLst>
-  </p:cSld>
-  <p:clrMapOvr>
-    <a:masterClrMapping/>
-  </p:clrMapOvr>
-</p:sld>
-</file>
-
-<file path=ppt/slides/slide9.xml><?xml version="1.0" encoding="utf-8"?>
-<p:sld xmlns:a="http://schemas.openxmlformats.org/drawingml/2006/main" xmlns:r="http://schemas.openxmlformats.org/officeDocument/2006/relationships" xmlns:p="http://schemas.openxmlformats.org/presentationml/2006/main">
-  <p:cSld>
-    <p:spTree>
-      <p:nvGrpSpPr>
-        <p:cNvPr id="1" name=""/>
-        <p:cNvGrpSpPr/>
-        <p:nvPr/>
-      </p:nvGrpSpPr>
-      <p:grpSpPr>
-        <a:xfrm>
-          <a:off x="0" y="0"/>
-          <a:ext cx="0" cy="0"/>
-          <a:chOff x="0" y="0"/>
-          <a:chExt cx="0" cy="0"/>
-        </a:xfrm>
-      </p:grpSpPr>
-      <p:pic>
-        <p:nvPicPr>
-          <p:cNvPr id="1026" name="Picture 2" descr="Image result for docker">
-            <a:extLst>
-              <a:ext uri="{FF2B5EF4-FFF2-40B4-BE49-F238E27FC236}">
-                <a16:creationId xmlns:a16="http://schemas.microsoft.com/office/drawing/2014/main" id="{97B40304-2F3D-FB80-93EE-47DEECF887DE}"/>
-              </a:ext>
-            </a:extLst>
-          </p:cNvPr>
-          <p:cNvPicPr>
-            <a:picLocks noGrp="1" noChangeAspect="1" noChangeArrowheads="1"/>
-          </p:cNvPicPr>
-          <p:nvPr>
-            <p:ph idx="1"/>
-          </p:nvPr>
-        </p:nvPicPr>
-        <p:blipFill>
-          <a:blip r:embed="rId3">
-            <a:extLst>
-              <a:ext uri="{28A0092B-C50C-407E-A947-70E740481C1C}">
-                <a14:useLocalDpi xmlns:a14="http://schemas.microsoft.com/office/drawing/2010/main" val="0"/>
-              </a:ext>
-            </a:extLst>
-          </a:blip>
-          <a:srcRect/>
-          <a:stretch>
-            <a:fillRect/>
-          </a:stretch>
-        </p:blipFill>
-        <p:spPr bwMode="auto">
-          <a:xfrm>
-            <a:off x="1219200" y="1825625"/>
-            <a:ext cx="4356100" cy="4351338"/>
-          </a:xfrm>
-          <a:prstGeom prst="rect">
-            <a:avLst/>
-          </a:prstGeom>
-          <a:extLst>
-            <a:ext uri="{909E8E84-426E-40DD-AFC4-6F175D3DCCD1}">
-              <a14:hiddenFill xmlns:a14="http://schemas.microsoft.com/office/drawing/2010/main">
-                <a:solidFill>
-                  <a:srgbClr val="FFFFFF"/>
-                </a:solidFill>
-              </a14:hiddenFill>
-            </a:ext>
-          </a:extLst>
-        </p:spPr>
-      </p:pic>
-      <p:pic>
-        <p:nvPicPr>
-          <p:cNvPr id="1028" name="Picture 4" descr="Microframework Quarkus – ein erster Einblick – The Cattle Crew Blog">
-            <a:extLst>
-              <a:ext uri="{FF2B5EF4-FFF2-40B4-BE49-F238E27FC236}">
-                <a16:creationId xmlns:a16="http://schemas.microsoft.com/office/drawing/2014/main" id="{74F73C4F-CBAF-0275-878E-91D559190417}"/>
-              </a:ext>
-            </a:extLst>
-          </p:cNvPr>
-          <p:cNvPicPr>
-            <a:picLocks noChangeAspect="1" noChangeArrowheads="1"/>
-          </p:cNvPicPr>
-          <p:nvPr/>
-        </p:nvPicPr>
-        <p:blipFill rotWithShape="1">
-          <a:blip r:embed="rId4">
-            <a:extLst>
-              <a:ext uri="{28A0092B-C50C-407E-A947-70E740481C1C}">
-                <a14:useLocalDpi xmlns:a14="http://schemas.microsoft.com/office/drawing/2010/main" val="0"/>
-              </a:ext>
-            </a:extLst>
-          </a:blip>
-          <a:srcRect b="11199"/>
-          <a:stretch/>
-        </p:blipFill>
-        <p:spPr bwMode="auto">
-          <a:xfrm>
-            <a:off x="5641975" y="1825625"/>
-            <a:ext cx="3040063" cy="1958099"/>
-          </a:xfrm>
-          <a:prstGeom prst="rect">
-            <a:avLst/>
-          </a:prstGeom>
-          <a:extLst>
-            <a:ext uri="{909E8E84-426E-40DD-AFC4-6F175D3DCCD1}">
-              <a14:hiddenFill xmlns:a14="http://schemas.microsoft.com/office/drawing/2010/main">
-                <a:solidFill>
-                  <a:srgbClr val="FFFFFF"/>
-                </a:solidFill>
-              </a14:hiddenFill>
-            </a:ext>
-          </a:extLst>
-        </p:spPr>
-      </p:pic>
-      <p:pic>
-        <p:nvPicPr>
-          <p:cNvPr id="3" name="Picture 2" descr="Bildergebnis für mysql">
-            <a:extLst>
-              <a:ext uri="{FF2B5EF4-FFF2-40B4-BE49-F238E27FC236}">
-                <a16:creationId xmlns:a16="http://schemas.microsoft.com/office/drawing/2014/main" id="{2C578603-1426-4A27-7682-E88F0AABD984}"/>
-              </a:ext>
-            </a:extLst>
-          </p:cNvPr>
-          <p:cNvPicPr>
-            <a:picLocks noChangeAspect="1" noChangeArrowheads="1"/>
-          </p:cNvPicPr>
-          <p:nvPr/>
-        </p:nvPicPr>
-        <p:blipFill>
-          <a:blip r:embed="rId5">
-            <a:extLst>
-              <a:ext uri="{28A0092B-C50C-407E-A947-70E740481C1C}">
-                <a14:useLocalDpi xmlns:a14="http://schemas.microsoft.com/office/drawing/2010/main" val="0"/>
-              </a:ext>
-            </a:extLst>
-          </a:blip>
-          <a:srcRect/>
-          <a:stretch>
-            <a:fillRect/>
-          </a:stretch>
-        </p:blipFill>
-        <p:spPr bwMode="auto">
-          <a:xfrm>
-            <a:off x="5641975" y="4097338"/>
-            <a:ext cx="3040063" cy="2079625"/>
-          </a:xfrm>
-          <a:prstGeom prst="rect">
-            <a:avLst/>
-          </a:prstGeom>
-          <a:extLst>
-            <a:ext uri="{909E8E84-426E-40DD-AFC4-6F175D3DCCD1}">
-              <a14:hiddenFill xmlns:a14="http://schemas.microsoft.com/office/drawing/2010/main">
-                <a:solidFill>
-                  <a:srgbClr val="FFFFFF"/>
-                </a:solidFill>
-              </a14:hiddenFill>
-            </a:ext>
-          </a:extLst>
-        </p:spPr>
-      </p:pic>
-      <p:pic>
-        <p:nvPicPr>
-          <p:cNvPr id="1036" name="Picture 12" descr="Java-Technologie – Wikipedia">
-            <a:extLst>
-              <a:ext uri="{FF2B5EF4-FFF2-40B4-BE49-F238E27FC236}">
-                <a16:creationId xmlns:a16="http://schemas.microsoft.com/office/drawing/2014/main" id="{AEA00D0D-2859-069C-F2A5-114D66C7CBA4}"/>
-              </a:ext>
-            </a:extLst>
-          </p:cNvPr>
-          <p:cNvPicPr>
-            <a:picLocks noChangeAspect="1" noChangeArrowheads="1"/>
-          </p:cNvPicPr>
-          <p:nvPr/>
-        </p:nvPicPr>
-        <p:blipFill>
-          <a:blip r:embed="rId6">
-            <a:extLst>
-              <a:ext uri="{28A0092B-C50C-407E-A947-70E740481C1C}">
-                <a14:useLocalDpi xmlns:a14="http://schemas.microsoft.com/office/drawing/2010/main" val="0"/>
-              </a:ext>
-            </a:extLst>
-          </a:blip>
-          <a:srcRect/>
-          <a:stretch>
-            <a:fillRect/>
-          </a:stretch>
-        </p:blipFill>
-        <p:spPr bwMode="auto">
-          <a:xfrm>
-            <a:off x="8750300" y="1825625"/>
-            <a:ext cx="2222500" cy="4351338"/>
-          </a:xfrm>
-          <a:prstGeom prst="rect">
-            <a:avLst/>
-          </a:prstGeom>
-          <a:extLst>
-            <a:ext uri="{909E8E84-426E-40DD-AFC4-6F175D3DCCD1}">
-              <a14:hiddenFill xmlns:a14="http://schemas.microsoft.com/office/drawing/2010/main">
-                <a:solidFill>
-                  <a:srgbClr val="FFFFFF"/>
-                </a:solidFill>
-              </a14:hiddenFill>
-            </a:ext>
-          </a:extLst>
-        </p:spPr>
-      </p:pic>
-      <p:sp>
-        <p:nvSpPr>
-          <p:cNvPr id="2" name="Titel 1">
-            <a:extLst>
-              <a:ext uri="{FF2B5EF4-FFF2-40B4-BE49-F238E27FC236}">
-                <a16:creationId xmlns:a16="http://schemas.microsoft.com/office/drawing/2014/main" id="{0BE559A4-EC8A-E351-CC45-74D2A464AD0B}"/>
-              </a:ext>
-            </a:extLst>
-          </p:cNvPr>
-          <p:cNvSpPr>
-            <a:spLocks noGrp="1"/>
-          </p:cNvSpPr>
-          <p:nvPr>
-            <p:ph type="title"/>
-          </p:nvPr>
-        </p:nvSpPr>
-        <p:spPr>
-          <a:xfrm>
-            <a:off x="838200" y="365125"/>
-            <a:ext cx="10515600" cy="1325563"/>
-          </a:xfrm>
-        </p:spPr>
-        <p:txBody>
-          <a:bodyPr anchor="ctr">
-            <a:normAutofit/>
-          </a:bodyPr>
-          <a:lstStyle/>
-          <a:p>
-            <a:r>
-              <a:rPr lang="de-AT" dirty="0"/>
-              <a:t>Technologien Backend</a:t>
-            </a:r>
-          </a:p>
-        </p:txBody>
-      </p:sp>
-      <p:sp>
-        <p:nvSpPr>
-          <p:cNvPr id="6" name="Foliennummernplatzhalter 5">
-            <a:extLst>
-              <a:ext uri="{FF2B5EF4-FFF2-40B4-BE49-F238E27FC236}">
-                <a16:creationId xmlns:a16="http://schemas.microsoft.com/office/drawing/2014/main" id="{EE876BD7-2DD6-A08E-0F83-3401518CE54E}"/>
-              </a:ext>
-            </a:extLst>
-          </p:cNvPr>
-          <p:cNvSpPr>
-            <a:spLocks noGrp="1"/>
-          </p:cNvSpPr>
-          <p:nvPr>
-            <p:ph type="sldNum" sz="quarter" idx="12"/>
-          </p:nvPr>
-        </p:nvSpPr>
-        <p:spPr>
-          <a:xfrm>
-            <a:off x="8610600" y="6356350"/>
-            <a:ext cx="2743200" cy="365125"/>
-          </a:xfrm>
-        </p:spPr>
-        <p:txBody>
-          <a:bodyPr anchor="ctr">
-            <a:normAutofit/>
-          </a:bodyPr>
-          <a:lstStyle/>
-          <a:p>
-            <a:pPr rtl="0">
-              <a:spcAft>
-                <a:spcPts val="600"/>
-              </a:spcAft>
-            </a:pPr>
-            <a:fld id="{D8DA9DAA-006C-4F4B-980E-E3DF019B24E2}" type="slidenum">
-              <a:rPr lang="de-DE" noProof="0" smtClean="0"/>
-              <a:pPr rtl="0">
-                <a:spcAft>
-                  <a:spcPts val="600"/>
-                </a:spcAft>
-              </a:pPr>
-              <a:t>9</a:t>
-            </a:fld>
-            <a:endParaRPr lang="de-DE" noProof="0"/>
-          </a:p>
-        </p:txBody>
-      </p:sp>
-    </p:spTree>
-    <p:extLst>
-      <p:ext uri="{BB962C8B-B14F-4D97-AF65-F5344CB8AC3E}">
-        <p14:creationId xmlns:p14="http://schemas.microsoft.com/office/powerpoint/2010/main" val="1950675273"/>
       </p:ext>
     </p:extLst>
   </p:cSld>
@@ -31249,12 +31618,12 @@
 </file>
 
 <file path=customXml/item1.xml><?xml version="1.0" encoding="utf-8"?>
-<p:properties xmlns:p="http://schemas.microsoft.com/office/2006/metadata/properties" xmlns:xsi="http://www.w3.org/2001/XMLSchema-instance" xmlns:pc="http://schemas.microsoft.com/office/infopath/2007/PartnerControls">
-  <documentManagement>
-    <Status xmlns="71af3243-3dd4-4a8d-8c0d-dd76da1f02a5">Not started</Status>
-    <MediaServiceKeyPoints xmlns="71af3243-3dd4-4a8d-8c0d-dd76da1f02a5" xsi:nil="true"/>
-  </documentManagement>
-</p:properties>
+<?mso-contentType ?>
+<FormTemplates xmlns="http://schemas.microsoft.com/sharepoint/v3/contenttype/forms">
+  <Display>DocumentLibraryForm</Display>
+  <Edit>DocumentLibraryForm</Edit>
+  <New>DocumentLibraryForm</New>
+</FormTemplates>
 </file>
 
 <file path=customXml/item2.xml><?xml version="1.0" encoding="utf-8"?>
@@ -31479,20 +31848,18 @@
 </file>
 
 <file path=customXml/item3.xml><?xml version="1.0" encoding="utf-8"?>
-<?mso-contentType ?>
-<FormTemplates xmlns="http://schemas.microsoft.com/sharepoint/v3/contenttype/forms">
-  <Display>DocumentLibraryForm</Display>
-  <Edit>DocumentLibraryForm</Edit>
-  <New>DocumentLibraryForm</New>
-</FormTemplates>
+<p:properties xmlns:p="http://schemas.microsoft.com/office/2006/metadata/properties" xmlns:xsi="http://www.w3.org/2001/XMLSchema-instance" xmlns:pc="http://schemas.microsoft.com/office/infopath/2007/PartnerControls">
+  <documentManagement>
+    <Status xmlns="71af3243-3dd4-4a8d-8c0d-dd76da1f02a5">Not started</Status>
+    <MediaServiceKeyPoints xmlns="71af3243-3dd4-4a8d-8c0d-dd76da1f02a5" xsi:nil="true"/>
+  </documentManagement>
+</p:properties>
 </file>
 
 <file path=customXml/itemProps1.xml><?xml version="1.0" encoding="utf-8"?>
-<ds:datastoreItem xmlns:ds="http://schemas.openxmlformats.org/officeDocument/2006/customXml" ds:itemID="{99919F73-B6C2-4A43-95E2-833EC48925FE}">
+<ds:datastoreItem xmlns:ds="http://schemas.openxmlformats.org/officeDocument/2006/customXml" ds:itemID="{3C8E00D1-8EA3-4E42-801D-0253E1EAFC21}">
   <ds:schemaRefs>
-    <ds:schemaRef ds:uri="http://schemas.microsoft.com/office/2006/metadata/properties"/>
-    <ds:schemaRef ds:uri="http://schemas.microsoft.com/office/infopath/2007/PartnerControls"/>
-    <ds:schemaRef ds:uri="71af3243-3dd4-4a8d-8c0d-dd76da1f02a5"/>
+    <ds:schemaRef ds:uri="http://schemas.microsoft.com/sharepoint/v3/contenttype/forms"/>
   </ds:schemaRefs>
 </ds:datastoreItem>
 </file>
@@ -31517,9 +31884,11 @@
 </file>
 
 <file path=customXml/itemProps3.xml><?xml version="1.0" encoding="utf-8"?>
-<ds:datastoreItem xmlns:ds="http://schemas.openxmlformats.org/officeDocument/2006/customXml" ds:itemID="{3C8E00D1-8EA3-4E42-801D-0253E1EAFC21}">
+<ds:datastoreItem xmlns:ds="http://schemas.openxmlformats.org/officeDocument/2006/customXml" ds:itemID="{99919F73-B6C2-4A43-95E2-833EC48925FE}">
   <ds:schemaRefs>
-    <ds:schemaRef ds:uri="http://schemas.microsoft.com/sharepoint/v3/contenttype/forms"/>
+    <ds:schemaRef ds:uri="http://schemas.microsoft.com/office/2006/metadata/properties"/>
+    <ds:schemaRef ds:uri="http://schemas.microsoft.com/office/infopath/2007/PartnerControls"/>
+    <ds:schemaRef ds:uri="71af3243-3dd4-4a8d-8c0d-dd76da1f02a5"/>
   </ds:schemaRefs>
 </ds:datastoreItem>
 </file>
--- a/Präsentation/ProjectAward.pptx
+++ b/Präsentation/ProjectAward.pptx
@@ -5,10 +5,10 @@
     <p:sldMasterId id="2147483696" r:id="rId4"/>
   </p:sldMasterIdLst>
   <p:notesMasterIdLst>
-    <p:notesMasterId r:id="rId18"/>
+    <p:notesMasterId r:id="rId19"/>
   </p:notesMasterIdLst>
   <p:handoutMasterIdLst>
-    <p:handoutMasterId r:id="rId19"/>
+    <p:handoutMasterId r:id="rId20"/>
   </p:handoutMasterIdLst>
   <p:sldIdLst>
     <p:sldId id="306" r:id="rId5"/>
@@ -17,13 +17,14 @@
     <p:sldId id="322" r:id="rId8"/>
     <p:sldId id="323" r:id="rId9"/>
     <p:sldId id="324" r:id="rId10"/>
-    <p:sldId id="310" r:id="rId11"/>
-    <p:sldId id="325" r:id="rId12"/>
-    <p:sldId id="316" r:id="rId13"/>
-    <p:sldId id="320" r:id="rId14"/>
-    <p:sldId id="326" r:id="rId15"/>
-    <p:sldId id="319" r:id="rId16"/>
-    <p:sldId id="312" r:id="rId17"/>
+    <p:sldId id="327" r:id="rId11"/>
+    <p:sldId id="310" r:id="rId12"/>
+    <p:sldId id="325" r:id="rId13"/>
+    <p:sldId id="316" r:id="rId14"/>
+    <p:sldId id="320" r:id="rId15"/>
+    <p:sldId id="326" r:id="rId16"/>
+    <p:sldId id="319" r:id="rId17"/>
+    <p:sldId id="312" r:id="rId18"/>
   </p:sldIdLst>
   <p:sldSz cx="12192000" cy="6858000"/>
   <p:notesSz cx="6858000" cy="9144000"/>
@@ -156,15 +157,15 @@
 </file>
 
 <file path=ppt/diagrams/colors1.xml><?xml version="1.0" encoding="utf-8"?>
-<dgm:colorsDef xmlns:dgm="http://schemas.openxmlformats.org/drawingml/2006/diagram" xmlns:a="http://schemas.openxmlformats.org/drawingml/2006/main" uniqueId="urn:microsoft.com/office/officeart/2005/8/colors/accent2_2">
+<dgm:colorsDef xmlns:dgm="http://schemas.openxmlformats.org/drawingml/2006/diagram" xmlns:a="http://schemas.openxmlformats.org/drawingml/2006/main" uniqueId="urn:microsoft.com/office/officeart/2005/8/colors/accent1_2">
   <dgm:title val=""/>
   <dgm:desc val=""/>
   <dgm:catLst>
-    <dgm:cat type="accent2" pri="11200"/>
+    <dgm:cat type="accent1" pri="11200"/>
   </dgm:catLst>
   <dgm:styleLbl name="node0">
     <dgm:fillClrLst meth="repeat">
-      <a:schemeClr val="accent2"/>
+      <a:schemeClr val="accent1"/>
     </dgm:fillClrLst>
     <dgm:linClrLst meth="repeat">
       <a:schemeClr val="lt1"/>
@@ -174,9 +175,21 @@
     <dgm:txFillClrLst/>
     <dgm:txEffectClrLst/>
   </dgm:styleLbl>
+  <dgm:styleLbl name="alignNode1">
+    <dgm:fillClrLst meth="repeat">
+      <a:schemeClr val="accent1"/>
+    </dgm:fillClrLst>
+    <dgm:linClrLst meth="repeat">
+      <a:schemeClr val="accent1"/>
+    </dgm:linClrLst>
+    <dgm:effectClrLst/>
+    <dgm:txLinClrLst/>
+    <dgm:txFillClrLst/>
+    <dgm:txEffectClrLst/>
+  </dgm:styleLbl>
   <dgm:styleLbl name="node1">
     <dgm:fillClrLst meth="repeat">
-      <a:schemeClr val="accent2"/>
+      <a:schemeClr val="accent1"/>
     </dgm:fillClrLst>
     <dgm:linClrLst meth="repeat">
       <a:schemeClr val="lt1"/>
@@ -186,21 +199,9 @@
     <dgm:txFillClrLst/>
     <dgm:txEffectClrLst/>
   </dgm:styleLbl>
-  <dgm:styleLbl name="alignNode1">
-    <dgm:fillClrLst meth="repeat">
-      <a:schemeClr val="accent2"/>
-    </dgm:fillClrLst>
-    <dgm:linClrLst meth="repeat">
-      <a:schemeClr val="accent2"/>
-    </dgm:linClrLst>
-    <dgm:effectClrLst/>
-    <dgm:txLinClrLst/>
-    <dgm:txFillClrLst/>
-    <dgm:txEffectClrLst/>
-  </dgm:styleLbl>
   <dgm:styleLbl name="lnNode1">
     <dgm:fillClrLst meth="repeat">
-      <a:schemeClr val="accent2"/>
+      <a:schemeClr val="accent1"/>
     </dgm:fillClrLst>
     <dgm:linClrLst meth="repeat">
       <a:schemeClr val="lt1"/>
@@ -212,7 +213,7 @@
   </dgm:styleLbl>
   <dgm:styleLbl name="vennNode1">
     <dgm:fillClrLst meth="repeat">
-      <a:schemeClr val="accent2">
+      <a:schemeClr val="accent1">
         <a:alpha val="50000"/>
       </a:schemeClr>
     </dgm:fillClrLst>
@@ -226,7 +227,7 @@
   </dgm:styleLbl>
   <dgm:styleLbl name="node2">
     <dgm:fillClrLst meth="repeat">
-      <a:schemeClr val="accent2"/>
+      <a:schemeClr val="accent1"/>
     </dgm:fillClrLst>
     <dgm:linClrLst meth="repeat">
       <a:schemeClr val="lt1"/>
@@ -238,7 +239,7 @@
   </dgm:styleLbl>
   <dgm:styleLbl name="node3">
     <dgm:fillClrLst meth="repeat">
-      <a:schemeClr val="accent2"/>
+      <a:schemeClr val="accent1"/>
     </dgm:fillClrLst>
     <dgm:linClrLst meth="repeat">
       <a:schemeClr val="lt1"/>
@@ -250,7 +251,7 @@
   </dgm:styleLbl>
   <dgm:styleLbl name="node4">
     <dgm:fillClrLst meth="repeat">
-      <a:schemeClr val="accent2"/>
+      <a:schemeClr val="accent1"/>
     </dgm:fillClrLst>
     <dgm:linClrLst meth="repeat">
       <a:schemeClr val="lt1"/>
@@ -262,7 +263,7 @@
   </dgm:styleLbl>
   <dgm:styleLbl name="fgImgPlace1">
     <dgm:fillClrLst meth="repeat">
-      <a:schemeClr val="accent2">
+      <a:schemeClr val="accent1">
         <a:tint val="50000"/>
       </a:schemeClr>
     </dgm:fillClrLst>
@@ -278,7 +279,7 @@
   </dgm:styleLbl>
   <dgm:styleLbl name="alignImgPlace1">
     <dgm:fillClrLst meth="repeat">
-      <a:schemeClr val="accent2">
+      <a:schemeClr val="accent1">
         <a:tint val="50000"/>
       </a:schemeClr>
     </dgm:fillClrLst>
@@ -294,7 +295,7 @@
   </dgm:styleLbl>
   <dgm:styleLbl name="bgImgPlace1">
     <dgm:fillClrLst meth="repeat">
-      <a:schemeClr val="accent2">
+      <a:schemeClr val="accent1">
         <a:tint val="50000"/>
       </a:schemeClr>
     </dgm:fillClrLst>
@@ -310,12 +311,12 @@
   </dgm:styleLbl>
   <dgm:styleLbl name="sibTrans2D1">
     <dgm:fillClrLst meth="repeat">
-      <a:schemeClr val="accent2">
+      <a:schemeClr val="accent1">
         <a:tint val="60000"/>
       </a:schemeClr>
     </dgm:fillClrLst>
     <dgm:linClrLst meth="repeat">
-      <a:schemeClr val="accent2">
+      <a:schemeClr val="accent1">
         <a:tint val="60000"/>
       </a:schemeClr>
     </dgm:linClrLst>
@@ -326,12 +327,12 @@
   </dgm:styleLbl>
   <dgm:styleLbl name="fgSibTrans2D1">
     <dgm:fillClrLst meth="repeat">
-      <a:schemeClr val="accent2">
+      <a:schemeClr val="accent1">
         <a:tint val="60000"/>
       </a:schemeClr>
     </dgm:fillClrLst>
     <dgm:linClrLst meth="repeat">
-      <a:schemeClr val="accent2">
+      <a:schemeClr val="accent1">
         <a:tint val="60000"/>
       </a:schemeClr>
     </dgm:linClrLst>
@@ -342,12 +343,12 @@
   </dgm:styleLbl>
   <dgm:styleLbl name="bgSibTrans2D1">
     <dgm:fillClrLst meth="repeat">
-      <a:schemeClr val="accent2">
+      <a:schemeClr val="accent1">
         <a:tint val="60000"/>
       </a:schemeClr>
     </dgm:fillClrLst>
     <dgm:linClrLst meth="repeat">
-      <a:schemeClr val="accent2">
+      <a:schemeClr val="accent1">
         <a:tint val="60000"/>
       </a:schemeClr>
     </dgm:linClrLst>
@@ -358,10 +359,10 @@
   </dgm:styleLbl>
   <dgm:styleLbl name="sibTrans1D1">
     <dgm:fillClrLst meth="repeat">
-      <a:schemeClr val="accent2"/>
+      <a:schemeClr val="accent1"/>
     </dgm:fillClrLst>
     <dgm:linClrLst meth="repeat">
-      <a:schemeClr val="accent2"/>
+      <a:schemeClr val="accent1"/>
     </dgm:linClrLst>
     <dgm:effectClrLst/>
     <dgm:txLinClrLst/>
@@ -372,10 +373,10 @@
   </dgm:styleLbl>
   <dgm:styleLbl name="callout">
     <dgm:fillClrLst meth="repeat">
-      <a:schemeClr val="accent2"/>
+      <a:schemeClr val="accent1"/>
     </dgm:fillClrLst>
     <dgm:linClrLst meth="repeat">
-      <a:schemeClr val="accent2">
+      <a:schemeClr val="accent1">
         <a:tint val="50000"/>
       </a:schemeClr>
     </dgm:linClrLst>
@@ -388,7 +389,7 @@
   </dgm:styleLbl>
   <dgm:styleLbl name="asst0">
     <dgm:fillClrLst meth="repeat">
-      <a:schemeClr val="accent2"/>
+      <a:schemeClr val="accent1"/>
     </dgm:fillClrLst>
     <dgm:linClrLst meth="repeat">
       <a:schemeClr val="lt1"/>
@@ -400,7 +401,7 @@
   </dgm:styleLbl>
   <dgm:styleLbl name="asst1">
     <dgm:fillClrLst meth="repeat">
-      <a:schemeClr val="accent2"/>
+      <a:schemeClr val="accent1"/>
     </dgm:fillClrLst>
     <dgm:linClrLst meth="repeat">
       <a:schemeClr val="lt1"/>
@@ -412,7 +413,7 @@
   </dgm:styleLbl>
   <dgm:styleLbl name="asst2">
     <dgm:fillClrLst meth="repeat">
-      <a:schemeClr val="accent2"/>
+      <a:schemeClr val="accent1"/>
     </dgm:fillClrLst>
     <dgm:linClrLst meth="repeat">
       <a:schemeClr val="lt1"/>
@@ -424,7 +425,7 @@
   </dgm:styleLbl>
   <dgm:styleLbl name="asst3">
     <dgm:fillClrLst meth="repeat">
-      <a:schemeClr val="accent2"/>
+      <a:schemeClr val="accent1"/>
     </dgm:fillClrLst>
     <dgm:linClrLst meth="repeat">
       <a:schemeClr val="lt1"/>
@@ -436,7 +437,7 @@
   </dgm:styleLbl>
   <dgm:styleLbl name="asst4">
     <dgm:fillClrLst meth="repeat">
-      <a:schemeClr val="accent2"/>
+      <a:schemeClr val="accent1"/>
     </dgm:fillClrLst>
     <dgm:linClrLst meth="repeat">
       <a:schemeClr val="lt1"/>
@@ -448,12 +449,12 @@
   </dgm:styleLbl>
   <dgm:styleLbl name="parChTrans2D1">
     <dgm:fillClrLst meth="repeat">
-      <a:schemeClr val="accent2">
+      <a:schemeClr val="accent1">
         <a:tint val="60000"/>
       </a:schemeClr>
     </dgm:fillClrLst>
     <dgm:linClrLst meth="repeat">
-      <a:schemeClr val="accent2">
+      <a:schemeClr val="accent1">
         <a:tint val="60000"/>
       </a:schemeClr>
     </dgm:linClrLst>
@@ -466,10 +467,10 @@
   </dgm:styleLbl>
   <dgm:styleLbl name="parChTrans2D2">
     <dgm:fillClrLst meth="repeat">
-      <a:schemeClr val="accent2"/>
+      <a:schemeClr val="accent1"/>
     </dgm:fillClrLst>
     <dgm:linClrLst meth="repeat">
-      <a:schemeClr val="accent2"/>
+      <a:schemeClr val="accent1"/>
     </dgm:linClrLst>
     <dgm:effectClrLst/>
     <dgm:txLinClrLst/>
@@ -480,10 +481,10 @@
   </dgm:styleLbl>
   <dgm:styleLbl name="parChTrans2D3">
     <dgm:fillClrLst meth="repeat">
-      <a:schemeClr val="accent2"/>
+      <a:schemeClr val="accent1"/>
     </dgm:fillClrLst>
     <dgm:linClrLst meth="repeat">
-      <a:schemeClr val="accent2"/>
+      <a:schemeClr val="accent1"/>
     </dgm:linClrLst>
     <dgm:effectClrLst/>
     <dgm:txLinClrLst/>
@@ -494,10 +495,10 @@
   </dgm:styleLbl>
   <dgm:styleLbl name="parChTrans2D4">
     <dgm:fillClrLst meth="repeat">
-      <a:schemeClr val="accent2"/>
+      <a:schemeClr val="accent1"/>
     </dgm:fillClrLst>
     <dgm:linClrLst meth="repeat">
-      <a:schemeClr val="accent2"/>
+      <a:schemeClr val="accent1"/>
     </dgm:linClrLst>
     <dgm:effectClrLst/>
     <dgm:txLinClrLst/>
@@ -508,10 +509,10 @@
   </dgm:styleLbl>
   <dgm:styleLbl name="parChTrans1D1">
     <dgm:fillClrLst meth="repeat">
-      <a:schemeClr val="accent2"/>
+      <a:schemeClr val="accent1"/>
     </dgm:fillClrLst>
     <dgm:linClrLst meth="repeat">
-      <a:schemeClr val="accent2">
+      <a:schemeClr val="accent1">
         <a:shade val="60000"/>
       </a:schemeClr>
     </dgm:linClrLst>
@@ -524,10 +525,10 @@
   </dgm:styleLbl>
   <dgm:styleLbl name="parChTrans1D2">
     <dgm:fillClrLst meth="repeat">
-      <a:schemeClr val="accent2"/>
+      <a:schemeClr val="accent1"/>
     </dgm:fillClrLst>
     <dgm:linClrLst meth="repeat">
-      <a:schemeClr val="accent2">
+      <a:schemeClr val="accent1">
         <a:shade val="60000"/>
       </a:schemeClr>
     </dgm:linClrLst>
@@ -540,10 +541,10 @@
   </dgm:styleLbl>
   <dgm:styleLbl name="parChTrans1D3">
     <dgm:fillClrLst meth="repeat">
-      <a:schemeClr val="accent2"/>
+      <a:schemeClr val="accent1"/>
     </dgm:fillClrLst>
     <dgm:linClrLst meth="repeat">
-      <a:schemeClr val="accent2">
+      <a:schemeClr val="accent1">
         <a:shade val="80000"/>
       </a:schemeClr>
     </dgm:linClrLst>
@@ -556,10 +557,10 @@
   </dgm:styleLbl>
   <dgm:styleLbl name="parChTrans1D4">
     <dgm:fillClrLst meth="repeat">
-      <a:schemeClr val="accent2"/>
+      <a:schemeClr val="accent1"/>
     </dgm:fillClrLst>
     <dgm:linClrLst meth="repeat">
-      <a:schemeClr val="accent2">
+      <a:schemeClr val="accent1">
         <a:shade val="80000"/>
       </a:schemeClr>
     </dgm:linClrLst>
@@ -577,7 +578,7 @@
       </a:schemeClr>
     </dgm:fillClrLst>
     <dgm:linClrLst meth="repeat">
-      <a:schemeClr val="accent2"/>
+      <a:schemeClr val="accent1"/>
     </dgm:linClrLst>
     <dgm:effectClrLst/>
     <dgm:txLinClrLst/>
@@ -593,7 +594,7 @@
       </a:schemeClr>
     </dgm:fillClrLst>
     <dgm:linClrLst meth="repeat">
-      <a:schemeClr val="accent2"/>
+      <a:schemeClr val="accent1"/>
     </dgm:linClrLst>
     <dgm:effectClrLst/>
     <dgm:txLinClrLst/>
@@ -609,7 +610,7 @@
       </a:schemeClr>
     </dgm:fillClrLst>
     <dgm:linClrLst meth="repeat">
-      <a:schemeClr val="accent2"/>
+      <a:schemeClr val="accent1"/>
     </dgm:linClrLst>
     <dgm:effectClrLst/>
     <dgm:txLinClrLst/>
@@ -625,7 +626,7 @@
       </a:schemeClr>
     </dgm:fillClrLst>
     <dgm:linClrLst meth="repeat">
-      <a:schemeClr val="accent2"/>
+      <a:schemeClr val="accent1"/>
     </dgm:linClrLst>
     <dgm:effectClrLst/>
     <dgm:txLinClrLst/>
@@ -641,7 +642,7 @@
       </a:schemeClr>
     </dgm:fillClrLst>
     <dgm:linClrLst meth="repeat">
-      <a:schemeClr val="accent2"/>
+      <a:schemeClr val="accent1"/>
     </dgm:linClrLst>
     <dgm:effectClrLst/>
     <dgm:txLinClrLst/>
@@ -655,7 +656,7 @@
       <a:schemeClr val="lt1"/>
     </dgm:fillClrLst>
     <dgm:linClrLst meth="repeat">
-      <a:schemeClr val="accent2"/>
+      <a:schemeClr val="accent1"/>
     </dgm:linClrLst>
     <dgm:effectClrLst/>
     <dgm:txLinClrLst/>
@@ -669,7 +670,7 @@
       <a:schemeClr val="lt1"/>
     </dgm:fillClrLst>
     <dgm:linClrLst meth="repeat">
-      <a:schemeClr val="accent2"/>
+      <a:schemeClr val="accent1"/>
     </dgm:linClrLst>
     <dgm:effectClrLst/>
     <dgm:txLinClrLst/>
@@ -683,7 +684,7 @@
       <a:schemeClr val="lt1"/>
     </dgm:fillClrLst>
     <dgm:linClrLst meth="repeat">
-      <a:schemeClr val="accent2"/>
+      <a:schemeClr val="accent1"/>
     </dgm:linClrLst>
     <dgm:effectClrLst/>
     <dgm:txLinClrLst/>
@@ -694,13 +695,13 @@
   </dgm:styleLbl>
   <dgm:styleLbl name="fgAccFollowNode1">
     <dgm:fillClrLst meth="repeat">
-      <a:schemeClr val="accent2">
+      <a:schemeClr val="accent1">
         <a:alpha val="90000"/>
         <a:tint val="40000"/>
       </a:schemeClr>
     </dgm:fillClrLst>
     <dgm:linClrLst meth="repeat">
-      <a:schemeClr val="accent2">
+      <a:schemeClr val="accent1">
         <a:alpha val="90000"/>
         <a:tint val="40000"/>
       </a:schemeClr>
@@ -714,13 +715,13 @@
   </dgm:styleLbl>
   <dgm:styleLbl name="alignAccFollowNode1">
     <dgm:fillClrLst meth="repeat">
-      <a:schemeClr val="accent2">
+      <a:schemeClr val="accent1">
         <a:alpha val="90000"/>
         <a:tint val="40000"/>
       </a:schemeClr>
     </dgm:fillClrLst>
     <dgm:linClrLst meth="repeat">
-      <a:schemeClr val="accent2">
+      <a:schemeClr val="accent1">
         <a:alpha val="90000"/>
         <a:tint val="40000"/>
       </a:schemeClr>
@@ -734,13 +735,13 @@
   </dgm:styleLbl>
   <dgm:styleLbl name="bgAccFollowNode1">
     <dgm:fillClrLst meth="repeat">
-      <a:schemeClr val="accent2">
+      <a:schemeClr val="accent1">
         <a:alpha val="90000"/>
         <a:tint val="40000"/>
       </a:schemeClr>
     </dgm:fillClrLst>
     <dgm:linClrLst meth="repeat">
-      <a:schemeClr val="accent2">
+      <a:schemeClr val="accent1">
         <a:alpha val="90000"/>
         <a:tint val="40000"/>
       </a:schemeClr>
@@ -759,7 +760,7 @@
       </a:schemeClr>
     </dgm:fillClrLst>
     <dgm:linClrLst meth="repeat">
-      <a:schemeClr val="accent2"/>
+      <a:schemeClr val="accent1"/>
     </dgm:linClrLst>
     <dgm:effectClrLst/>
     <dgm:txLinClrLst/>
@@ -775,7 +776,7 @@
       </a:schemeClr>
     </dgm:fillClrLst>
     <dgm:linClrLst meth="repeat">
-      <a:schemeClr val="accent2"/>
+      <a:schemeClr val="accent1"/>
     </dgm:linClrLst>
     <dgm:effectClrLst/>
     <dgm:txLinClrLst/>
@@ -791,7 +792,7 @@
       </a:schemeClr>
     </dgm:fillClrLst>
     <dgm:linClrLst meth="repeat">
-      <a:schemeClr val="accent2"/>
+      <a:schemeClr val="accent1"/>
     </dgm:linClrLst>
     <dgm:effectClrLst/>
     <dgm:txLinClrLst/>
@@ -807,7 +808,7 @@
       </a:schemeClr>
     </dgm:fillClrLst>
     <dgm:linClrLst meth="repeat">
-      <a:schemeClr val="accent2"/>
+      <a:schemeClr val="accent1"/>
     </dgm:linClrLst>
     <dgm:effectClrLst/>
     <dgm:txLinClrLst/>
@@ -818,12 +819,12 @@
   </dgm:styleLbl>
   <dgm:styleLbl name="bgShp">
     <dgm:fillClrLst meth="repeat">
-      <a:schemeClr val="accent2">
+      <a:schemeClr val="accent1">
         <a:tint val="40000"/>
       </a:schemeClr>
     </dgm:fillClrLst>
     <dgm:linClrLst meth="repeat">
-      <a:schemeClr val="accent2"/>
+      <a:schemeClr val="accent1"/>
     </dgm:linClrLst>
     <dgm:effectClrLst/>
     <dgm:txLinClrLst/>
@@ -834,12 +835,12 @@
   </dgm:styleLbl>
   <dgm:styleLbl name="dkBgShp">
     <dgm:fillClrLst meth="repeat">
-      <a:schemeClr val="accent2">
+      <a:schemeClr val="accent1">
         <a:shade val="80000"/>
       </a:schemeClr>
     </dgm:fillClrLst>
     <dgm:linClrLst meth="repeat">
-      <a:schemeClr val="accent2"/>
+      <a:schemeClr val="accent1"/>
     </dgm:linClrLst>
     <dgm:effectClrLst/>
     <dgm:txLinClrLst/>
@@ -850,13 +851,13 @@
   </dgm:styleLbl>
   <dgm:styleLbl name="trBgShp">
     <dgm:fillClrLst meth="repeat">
-      <a:schemeClr val="accent2">
+      <a:schemeClr val="accent1">
         <a:tint val="50000"/>
         <a:alpha val="40000"/>
       </a:schemeClr>
     </dgm:fillClrLst>
     <dgm:linClrLst meth="repeat">
-      <a:schemeClr val="accent2"/>
+      <a:schemeClr val="accent1"/>
     </dgm:linClrLst>
     <dgm:effectClrLst/>
     <dgm:txLinClrLst/>
@@ -867,7 +868,7 @@
   </dgm:styleLbl>
   <dgm:styleLbl name="fgShp">
     <dgm:fillClrLst meth="repeat">
-      <a:schemeClr val="accent2">
+      <a:schemeClr val="accent1">
         <a:tint val="60000"/>
       </a:schemeClr>
     </dgm:fillClrLst>
@@ -3890,11 +3891,758 @@
 </dgm:colorsDef>
 </file>
 
+<file path=ppt/diagrams/colors6.xml><?xml version="1.0" encoding="utf-8"?>
+<dgm:colorsDef xmlns:dgm="http://schemas.openxmlformats.org/drawingml/2006/diagram" xmlns:a="http://schemas.openxmlformats.org/drawingml/2006/main" uniqueId="urn:microsoft.com/office/officeart/2005/8/colors/accent1_2">
+  <dgm:title val=""/>
+  <dgm:desc val=""/>
+  <dgm:catLst>
+    <dgm:cat type="accent1" pri="11200"/>
+  </dgm:catLst>
+  <dgm:styleLbl name="node0">
+    <dgm:fillClrLst meth="repeat">
+      <a:schemeClr val="accent1"/>
+    </dgm:fillClrLst>
+    <dgm:linClrLst meth="repeat">
+      <a:schemeClr val="lt1"/>
+    </dgm:linClrLst>
+    <dgm:effectClrLst/>
+    <dgm:txLinClrLst/>
+    <dgm:txFillClrLst/>
+    <dgm:txEffectClrLst/>
+  </dgm:styleLbl>
+  <dgm:styleLbl name="alignNode1">
+    <dgm:fillClrLst meth="repeat">
+      <a:schemeClr val="accent1"/>
+    </dgm:fillClrLst>
+    <dgm:linClrLst meth="repeat">
+      <a:schemeClr val="accent1"/>
+    </dgm:linClrLst>
+    <dgm:effectClrLst/>
+    <dgm:txLinClrLst/>
+    <dgm:txFillClrLst/>
+    <dgm:txEffectClrLst/>
+  </dgm:styleLbl>
+  <dgm:styleLbl name="node1">
+    <dgm:fillClrLst meth="repeat">
+      <a:schemeClr val="accent1"/>
+    </dgm:fillClrLst>
+    <dgm:linClrLst meth="repeat">
+      <a:schemeClr val="lt1"/>
+    </dgm:linClrLst>
+    <dgm:effectClrLst/>
+    <dgm:txLinClrLst/>
+    <dgm:txFillClrLst/>
+    <dgm:txEffectClrLst/>
+  </dgm:styleLbl>
+  <dgm:styleLbl name="lnNode1">
+    <dgm:fillClrLst meth="repeat">
+      <a:schemeClr val="accent1"/>
+    </dgm:fillClrLst>
+    <dgm:linClrLst meth="repeat">
+      <a:schemeClr val="lt1"/>
+    </dgm:linClrLst>
+    <dgm:effectClrLst/>
+    <dgm:txLinClrLst/>
+    <dgm:txFillClrLst/>
+    <dgm:txEffectClrLst/>
+  </dgm:styleLbl>
+  <dgm:styleLbl name="vennNode1">
+    <dgm:fillClrLst meth="repeat">
+      <a:schemeClr val="accent1">
+        <a:alpha val="50000"/>
+      </a:schemeClr>
+    </dgm:fillClrLst>
+    <dgm:linClrLst meth="repeat">
+      <a:schemeClr val="lt1"/>
+    </dgm:linClrLst>
+    <dgm:effectClrLst/>
+    <dgm:txLinClrLst/>
+    <dgm:txFillClrLst/>
+    <dgm:txEffectClrLst/>
+  </dgm:styleLbl>
+  <dgm:styleLbl name="node2">
+    <dgm:fillClrLst meth="repeat">
+      <a:schemeClr val="accent1"/>
+    </dgm:fillClrLst>
+    <dgm:linClrLst meth="repeat">
+      <a:schemeClr val="lt1"/>
+    </dgm:linClrLst>
+    <dgm:effectClrLst/>
+    <dgm:txLinClrLst/>
+    <dgm:txFillClrLst/>
+    <dgm:txEffectClrLst/>
+  </dgm:styleLbl>
+  <dgm:styleLbl name="node3">
+    <dgm:fillClrLst meth="repeat">
+      <a:schemeClr val="accent1"/>
+    </dgm:fillClrLst>
+    <dgm:linClrLst meth="repeat">
+      <a:schemeClr val="lt1"/>
+    </dgm:linClrLst>
+    <dgm:effectClrLst/>
+    <dgm:txLinClrLst/>
+    <dgm:txFillClrLst/>
+    <dgm:txEffectClrLst/>
+  </dgm:styleLbl>
+  <dgm:styleLbl name="node4">
+    <dgm:fillClrLst meth="repeat">
+      <a:schemeClr val="accent1"/>
+    </dgm:fillClrLst>
+    <dgm:linClrLst meth="repeat">
+      <a:schemeClr val="lt1"/>
+    </dgm:linClrLst>
+    <dgm:effectClrLst/>
+    <dgm:txLinClrLst/>
+    <dgm:txFillClrLst/>
+    <dgm:txEffectClrLst/>
+  </dgm:styleLbl>
+  <dgm:styleLbl name="fgImgPlace1">
+    <dgm:fillClrLst meth="repeat">
+      <a:schemeClr val="accent1">
+        <a:tint val="50000"/>
+      </a:schemeClr>
+    </dgm:fillClrLst>
+    <dgm:linClrLst meth="repeat">
+      <a:schemeClr val="lt1"/>
+    </dgm:linClrLst>
+    <dgm:effectClrLst/>
+    <dgm:txLinClrLst/>
+    <dgm:txFillClrLst meth="repeat">
+      <a:schemeClr val="lt1"/>
+    </dgm:txFillClrLst>
+    <dgm:txEffectClrLst/>
+  </dgm:styleLbl>
+  <dgm:styleLbl name="alignImgPlace1">
+    <dgm:fillClrLst meth="repeat">
+      <a:schemeClr val="accent1">
+        <a:tint val="50000"/>
+      </a:schemeClr>
+    </dgm:fillClrLst>
+    <dgm:linClrLst meth="repeat">
+      <a:schemeClr val="lt1"/>
+    </dgm:linClrLst>
+    <dgm:effectClrLst/>
+    <dgm:txLinClrLst/>
+    <dgm:txFillClrLst meth="repeat">
+      <a:schemeClr val="lt1"/>
+    </dgm:txFillClrLst>
+    <dgm:txEffectClrLst/>
+  </dgm:styleLbl>
+  <dgm:styleLbl name="bgImgPlace1">
+    <dgm:fillClrLst meth="repeat">
+      <a:schemeClr val="accent1">
+        <a:tint val="50000"/>
+      </a:schemeClr>
+    </dgm:fillClrLst>
+    <dgm:linClrLst meth="repeat">
+      <a:schemeClr val="lt1"/>
+    </dgm:linClrLst>
+    <dgm:effectClrLst/>
+    <dgm:txLinClrLst/>
+    <dgm:txFillClrLst meth="repeat">
+      <a:schemeClr val="lt1"/>
+    </dgm:txFillClrLst>
+    <dgm:txEffectClrLst/>
+  </dgm:styleLbl>
+  <dgm:styleLbl name="sibTrans2D1">
+    <dgm:fillClrLst meth="repeat">
+      <a:schemeClr val="accent1">
+        <a:tint val="60000"/>
+      </a:schemeClr>
+    </dgm:fillClrLst>
+    <dgm:linClrLst meth="repeat">
+      <a:schemeClr val="accent1">
+        <a:tint val="60000"/>
+      </a:schemeClr>
+    </dgm:linClrLst>
+    <dgm:effectClrLst/>
+    <dgm:txLinClrLst/>
+    <dgm:txFillClrLst/>
+    <dgm:txEffectClrLst/>
+  </dgm:styleLbl>
+  <dgm:styleLbl name="fgSibTrans2D1">
+    <dgm:fillClrLst meth="repeat">
+      <a:schemeClr val="accent1">
+        <a:tint val="60000"/>
+      </a:schemeClr>
+    </dgm:fillClrLst>
+    <dgm:linClrLst meth="repeat">
+      <a:schemeClr val="accent1">
+        <a:tint val="60000"/>
+      </a:schemeClr>
+    </dgm:linClrLst>
+    <dgm:effectClrLst/>
+    <dgm:txLinClrLst/>
+    <dgm:txFillClrLst/>
+    <dgm:txEffectClrLst/>
+  </dgm:styleLbl>
+  <dgm:styleLbl name="bgSibTrans2D1">
+    <dgm:fillClrLst meth="repeat">
+      <a:schemeClr val="accent1">
+        <a:tint val="60000"/>
+      </a:schemeClr>
+    </dgm:fillClrLst>
+    <dgm:linClrLst meth="repeat">
+      <a:schemeClr val="accent1">
+        <a:tint val="60000"/>
+      </a:schemeClr>
+    </dgm:linClrLst>
+    <dgm:effectClrLst/>
+    <dgm:txLinClrLst/>
+    <dgm:txFillClrLst/>
+    <dgm:txEffectClrLst/>
+  </dgm:styleLbl>
+  <dgm:styleLbl name="sibTrans1D1">
+    <dgm:fillClrLst meth="repeat">
+      <a:schemeClr val="accent1"/>
+    </dgm:fillClrLst>
+    <dgm:linClrLst meth="repeat">
+      <a:schemeClr val="accent1"/>
+    </dgm:linClrLst>
+    <dgm:effectClrLst/>
+    <dgm:txLinClrLst/>
+    <dgm:txFillClrLst meth="repeat">
+      <a:schemeClr val="tx1"/>
+    </dgm:txFillClrLst>
+    <dgm:txEffectClrLst/>
+  </dgm:styleLbl>
+  <dgm:styleLbl name="callout">
+    <dgm:fillClrLst meth="repeat">
+      <a:schemeClr val="accent1"/>
+    </dgm:fillClrLst>
+    <dgm:linClrLst meth="repeat">
+      <a:schemeClr val="accent1">
+        <a:tint val="50000"/>
+      </a:schemeClr>
+    </dgm:linClrLst>
+    <dgm:effectClrLst/>
+    <dgm:txLinClrLst/>
+    <dgm:txFillClrLst meth="repeat">
+      <a:schemeClr val="tx1"/>
+    </dgm:txFillClrLst>
+    <dgm:txEffectClrLst/>
+  </dgm:styleLbl>
+  <dgm:styleLbl name="asst0">
+    <dgm:fillClrLst meth="repeat">
+      <a:schemeClr val="accent1"/>
+    </dgm:fillClrLst>
+    <dgm:linClrLst meth="repeat">
+      <a:schemeClr val="lt1"/>
+    </dgm:linClrLst>
+    <dgm:effectClrLst/>
+    <dgm:txLinClrLst/>
+    <dgm:txFillClrLst/>
+    <dgm:txEffectClrLst/>
+  </dgm:styleLbl>
+  <dgm:styleLbl name="asst1">
+    <dgm:fillClrLst meth="repeat">
+      <a:schemeClr val="accent1"/>
+    </dgm:fillClrLst>
+    <dgm:linClrLst meth="repeat">
+      <a:schemeClr val="lt1"/>
+    </dgm:linClrLst>
+    <dgm:effectClrLst/>
+    <dgm:txLinClrLst/>
+    <dgm:txFillClrLst/>
+    <dgm:txEffectClrLst/>
+  </dgm:styleLbl>
+  <dgm:styleLbl name="asst2">
+    <dgm:fillClrLst meth="repeat">
+      <a:schemeClr val="accent1"/>
+    </dgm:fillClrLst>
+    <dgm:linClrLst meth="repeat">
+      <a:schemeClr val="lt1"/>
+    </dgm:linClrLst>
+    <dgm:effectClrLst/>
+    <dgm:txLinClrLst/>
+    <dgm:txFillClrLst/>
+    <dgm:txEffectClrLst/>
+  </dgm:styleLbl>
+  <dgm:styleLbl name="asst3">
+    <dgm:fillClrLst meth="repeat">
+      <a:schemeClr val="accent1"/>
+    </dgm:fillClrLst>
+    <dgm:linClrLst meth="repeat">
+      <a:schemeClr val="lt1"/>
+    </dgm:linClrLst>
+    <dgm:effectClrLst/>
+    <dgm:txLinClrLst/>
+    <dgm:txFillClrLst/>
+    <dgm:txEffectClrLst/>
+  </dgm:styleLbl>
+  <dgm:styleLbl name="asst4">
+    <dgm:fillClrLst meth="repeat">
+      <a:schemeClr val="accent1"/>
+    </dgm:fillClrLst>
+    <dgm:linClrLst meth="repeat">
+      <a:schemeClr val="lt1"/>
+    </dgm:linClrLst>
+    <dgm:effectClrLst/>
+    <dgm:txLinClrLst/>
+    <dgm:txFillClrLst/>
+    <dgm:txEffectClrLst/>
+  </dgm:styleLbl>
+  <dgm:styleLbl name="parChTrans2D1">
+    <dgm:fillClrLst meth="repeat">
+      <a:schemeClr val="accent1">
+        <a:tint val="60000"/>
+      </a:schemeClr>
+    </dgm:fillClrLst>
+    <dgm:linClrLst meth="repeat">
+      <a:schemeClr val="accent1">
+        <a:tint val="60000"/>
+      </a:schemeClr>
+    </dgm:linClrLst>
+    <dgm:effectClrLst/>
+    <dgm:txLinClrLst/>
+    <dgm:txFillClrLst meth="repeat">
+      <a:schemeClr val="lt1"/>
+    </dgm:txFillClrLst>
+    <dgm:txEffectClrLst/>
+  </dgm:styleLbl>
+  <dgm:styleLbl name="parChTrans2D2">
+    <dgm:fillClrLst meth="repeat">
+      <a:schemeClr val="accent1"/>
+    </dgm:fillClrLst>
+    <dgm:linClrLst meth="repeat">
+      <a:schemeClr val="accent1"/>
+    </dgm:linClrLst>
+    <dgm:effectClrLst/>
+    <dgm:txLinClrLst/>
+    <dgm:txFillClrLst meth="repeat">
+      <a:schemeClr val="lt1"/>
+    </dgm:txFillClrLst>
+    <dgm:txEffectClrLst/>
+  </dgm:styleLbl>
+  <dgm:styleLbl name="parChTrans2D3">
+    <dgm:fillClrLst meth="repeat">
+      <a:schemeClr val="accent1"/>
+    </dgm:fillClrLst>
+    <dgm:linClrLst meth="repeat">
+      <a:schemeClr val="accent1"/>
+    </dgm:linClrLst>
+    <dgm:effectClrLst/>
+    <dgm:txLinClrLst/>
+    <dgm:txFillClrLst meth="repeat">
+      <a:schemeClr val="lt1"/>
+    </dgm:txFillClrLst>
+    <dgm:txEffectClrLst/>
+  </dgm:styleLbl>
+  <dgm:styleLbl name="parChTrans2D4">
+    <dgm:fillClrLst meth="repeat">
+      <a:schemeClr val="accent1"/>
+    </dgm:fillClrLst>
+    <dgm:linClrLst meth="repeat">
+      <a:schemeClr val="accent1"/>
+    </dgm:linClrLst>
+    <dgm:effectClrLst/>
+    <dgm:txLinClrLst/>
+    <dgm:txFillClrLst meth="repeat">
+      <a:schemeClr val="lt1"/>
+    </dgm:txFillClrLst>
+    <dgm:txEffectClrLst/>
+  </dgm:styleLbl>
+  <dgm:styleLbl name="parChTrans1D1">
+    <dgm:fillClrLst meth="repeat">
+      <a:schemeClr val="accent1"/>
+    </dgm:fillClrLst>
+    <dgm:linClrLst meth="repeat">
+      <a:schemeClr val="accent1">
+        <a:shade val="60000"/>
+      </a:schemeClr>
+    </dgm:linClrLst>
+    <dgm:effectClrLst/>
+    <dgm:txLinClrLst/>
+    <dgm:txFillClrLst meth="repeat">
+      <a:schemeClr val="tx1"/>
+    </dgm:txFillClrLst>
+    <dgm:txEffectClrLst/>
+  </dgm:styleLbl>
+  <dgm:styleLbl name="parChTrans1D2">
+    <dgm:fillClrLst meth="repeat">
+      <a:schemeClr val="accent1"/>
+    </dgm:fillClrLst>
+    <dgm:linClrLst meth="repeat">
+      <a:schemeClr val="accent1">
+        <a:shade val="60000"/>
+      </a:schemeClr>
+    </dgm:linClrLst>
+    <dgm:effectClrLst/>
+    <dgm:txLinClrLst/>
+    <dgm:txFillClrLst meth="repeat">
+      <a:schemeClr val="tx1"/>
+    </dgm:txFillClrLst>
+    <dgm:txEffectClrLst/>
+  </dgm:styleLbl>
+  <dgm:styleLbl name="parChTrans1D3">
+    <dgm:fillClrLst meth="repeat">
+      <a:schemeClr val="accent1"/>
+    </dgm:fillClrLst>
+    <dgm:linClrLst meth="repeat">
+      <a:schemeClr val="accent1">
+        <a:shade val="80000"/>
+      </a:schemeClr>
+    </dgm:linClrLst>
+    <dgm:effectClrLst/>
+    <dgm:txLinClrLst/>
+    <dgm:txFillClrLst meth="repeat">
+      <a:schemeClr val="tx1"/>
+    </dgm:txFillClrLst>
+    <dgm:txEffectClrLst/>
+  </dgm:styleLbl>
+  <dgm:styleLbl name="parChTrans1D4">
+    <dgm:fillClrLst meth="repeat">
+      <a:schemeClr val="accent1"/>
+    </dgm:fillClrLst>
+    <dgm:linClrLst meth="repeat">
+      <a:schemeClr val="accent1">
+        <a:shade val="80000"/>
+      </a:schemeClr>
+    </dgm:linClrLst>
+    <dgm:effectClrLst/>
+    <dgm:txLinClrLst/>
+    <dgm:txFillClrLst meth="repeat">
+      <a:schemeClr val="tx1"/>
+    </dgm:txFillClrLst>
+    <dgm:txEffectClrLst/>
+  </dgm:styleLbl>
+  <dgm:styleLbl name="fgAcc1">
+    <dgm:fillClrLst meth="repeat">
+      <a:schemeClr val="lt1">
+        <a:alpha val="90000"/>
+      </a:schemeClr>
+    </dgm:fillClrLst>
+    <dgm:linClrLst meth="repeat">
+      <a:schemeClr val="accent1"/>
+    </dgm:linClrLst>
+    <dgm:effectClrLst/>
+    <dgm:txLinClrLst/>
+    <dgm:txFillClrLst meth="repeat">
+      <a:schemeClr val="dk1"/>
+    </dgm:txFillClrLst>
+    <dgm:txEffectClrLst/>
+  </dgm:styleLbl>
+  <dgm:styleLbl name="conFgAcc1">
+    <dgm:fillClrLst meth="repeat">
+      <a:schemeClr val="lt1">
+        <a:alpha val="90000"/>
+      </a:schemeClr>
+    </dgm:fillClrLst>
+    <dgm:linClrLst meth="repeat">
+      <a:schemeClr val="accent1"/>
+    </dgm:linClrLst>
+    <dgm:effectClrLst/>
+    <dgm:txLinClrLst/>
+    <dgm:txFillClrLst meth="repeat">
+      <a:schemeClr val="dk1"/>
+    </dgm:txFillClrLst>
+    <dgm:txEffectClrLst/>
+  </dgm:styleLbl>
+  <dgm:styleLbl name="alignAcc1">
+    <dgm:fillClrLst meth="repeat">
+      <a:schemeClr val="lt1">
+        <a:alpha val="90000"/>
+      </a:schemeClr>
+    </dgm:fillClrLst>
+    <dgm:linClrLst meth="repeat">
+      <a:schemeClr val="accent1"/>
+    </dgm:linClrLst>
+    <dgm:effectClrLst/>
+    <dgm:txLinClrLst/>
+    <dgm:txFillClrLst meth="repeat">
+      <a:schemeClr val="dk1"/>
+    </dgm:txFillClrLst>
+    <dgm:txEffectClrLst/>
+  </dgm:styleLbl>
+  <dgm:styleLbl name="trAlignAcc1">
+    <dgm:fillClrLst meth="repeat">
+      <a:schemeClr val="lt1">
+        <a:alpha val="40000"/>
+      </a:schemeClr>
+    </dgm:fillClrLst>
+    <dgm:linClrLst meth="repeat">
+      <a:schemeClr val="accent1"/>
+    </dgm:linClrLst>
+    <dgm:effectClrLst/>
+    <dgm:txLinClrLst/>
+    <dgm:txFillClrLst meth="repeat">
+      <a:schemeClr val="dk1"/>
+    </dgm:txFillClrLst>
+    <dgm:txEffectClrLst/>
+  </dgm:styleLbl>
+  <dgm:styleLbl name="bgAcc1">
+    <dgm:fillClrLst meth="repeat">
+      <a:schemeClr val="lt1">
+        <a:alpha val="90000"/>
+      </a:schemeClr>
+    </dgm:fillClrLst>
+    <dgm:linClrLst meth="repeat">
+      <a:schemeClr val="accent1"/>
+    </dgm:linClrLst>
+    <dgm:effectClrLst/>
+    <dgm:txLinClrLst/>
+    <dgm:txFillClrLst meth="repeat">
+      <a:schemeClr val="dk1"/>
+    </dgm:txFillClrLst>
+    <dgm:txEffectClrLst/>
+  </dgm:styleLbl>
+  <dgm:styleLbl name="solidFgAcc1">
+    <dgm:fillClrLst meth="repeat">
+      <a:schemeClr val="lt1"/>
+    </dgm:fillClrLst>
+    <dgm:linClrLst meth="repeat">
+      <a:schemeClr val="accent1"/>
+    </dgm:linClrLst>
+    <dgm:effectClrLst/>
+    <dgm:txLinClrLst/>
+    <dgm:txFillClrLst meth="repeat">
+      <a:schemeClr val="dk1"/>
+    </dgm:txFillClrLst>
+    <dgm:txEffectClrLst/>
+  </dgm:styleLbl>
+  <dgm:styleLbl name="solidAlignAcc1">
+    <dgm:fillClrLst meth="repeat">
+      <a:schemeClr val="lt1"/>
+    </dgm:fillClrLst>
+    <dgm:linClrLst meth="repeat">
+      <a:schemeClr val="accent1"/>
+    </dgm:linClrLst>
+    <dgm:effectClrLst/>
+    <dgm:txLinClrLst/>
+    <dgm:txFillClrLst meth="repeat">
+      <a:schemeClr val="dk1"/>
+    </dgm:txFillClrLst>
+    <dgm:txEffectClrLst/>
+  </dgm:styleLbl>
+  <dgm:styleLbl name="solidBgAcc1">
+    <dgm:fillClrLst meth="repeat">
+      <a:schemeClr val="lt1"/>
+    </dgm:fillClrLst>
+    <dgm:linClrLst meth="repeat">
+      <a:schemeClr val="accent1"/>
+    </dgm:linClrLst>
+    <dgm:effectClrLst/>
+    <dgm:txLinClrLst/>
+    <dgm:txFillClrLst meth="repeat">
+      <a:schemeClr val="dk1"/>
+    </dgm:txFillClrLst>
+    <dgm:txEffectClrLst/>
+  </dgm:styleLbl>
+  <dgm:styleLbl name="fgAccFollowNode1">
+    <dgm:fillClrLst meth="repeat">
+      <a:schemeClr val="accent1">
+        <a:alpha val="90000"/>
+        <a:tint val="40000"/>
+      </a:schemeClr>
+    </dgm:fillClrLst>
+    <dgm:linClrLst meth="repeat">
+      <a:schemeClr val="accent1">
+        <a:alpha val="90000"/>
+        <a:tint val="40000"/>
+      </a:schemeClr>
+    </dgm:linClrLst>
+    <dgm:effectClrLst/>
+    <dgm:txLinClrLst/>
+    <dgm:txFillClrLst meth="repeat">
+      <a:schemeClr val="dk1"/>
+    </dgm:txFillClrLst>
+    <dgm:txEffectClrLst/>
+  </dgm:styleLbl>
+  <dgm:styleLbl name="alignAccFollowNode1">
+    <dgm:fillClrLst meth="repeat">
+      <a:schemeClr val="accent1">
+        <a:alpha val="90000"/>
+        <a:tint val="40000"/>
+      </a:schemeClr>
+    </dgm:fillClrLst>
+    <dgm:linClrLst meth="repeat">
+      <a:schemeClr val="accent1">
+        <a:alpha val="90000"/>
+        <a:tint val="40000"/>
+      </a:schemeClr>
+    </dgm:linClrLst>
+    <dgm:effectClrLst/>
+    <dgm:txLinClrLst/>
+    <dgm:txFillClrLst meth="repeat">
+      <a:schemeClr val="dk1"/>
+    </dgm:txFillClrLst>
+    <dgm:txEffectClrLst/>
+  </dgm:styleLbl>
+  <dgm:styleLbl name="bgAccFollowNode1">
+    <dgm:fillClrLst meth="repeat">
+      <a:schemeClr val="accent1">
+        <a:alpha val="90000"/>
+        <a:tint val="40000"/>
+      </a:schemeClr>
+    </dgm:fillClrLst>
+    <dgm:linClrLst meth="repeat">
+      <a:schemeClr val="accent1">
+        <a:alpha val="90000"/>
+        <a:tint val="40000"/>
+      </a:schemeClr>
+    </dgm:linClrLst>
+    <dgm:effectClrLst/>
+    <dgm:txLinClrLst/>
+    <dgm:txFillClrLst meth="repeat">
+      <a:schemeClr val="dk1"/>
+    </dgm:txFillClrLst>
+    <dgm:txEffectClrLst/>
+  </dgm:styleLbl>
+  <dgm:styleLbl name="fgAcc0">
+    <dgm:fillClrLst meth="repeat">
+      <a:schemeClr val="lt1">
+        <a:alpha val="90000"/>
+      </a:schemeClr>
+    </dgm:fillClrLst>
+    <dgm:linClrLst meth="repeat">
+      <a:schemeClr val="accent1"/>
+    </dgm:linClrLst>
+    <dgm:effectClrLst/>
+    <dgm:txLinClrLst/>
+    <dgm:txFillClrLst meth="repeat">
+      <a:schemeClr val="dk1"/>
+    </dgm:txFillClrLst>
+    <dgm:txEffectClrLst/>
+  </dgm:styleLbl>
+  <dgm:styleLbl name="fgAcc2">
+    <dgm:fillClrLst meth="repeat">
+      <a:schemeClr val="lt1">
+        <a:alpha val="90000"/>
+      </a:schemeClr>
+    </dgm:fillClrLst>
+    <dgm:linClrLst meth="repeat">
+      <a:schemeClr val="accent1"/>
+    </dgm:linClrLst>
+    <dgm:effectClrLst/>
+    <dgm:txLinClrLst/>
+    <dgm:txFillClrLst meth="repeat">
+      <a:schemeClr val="dk1"/>
+    </dgm:txFillClrLst>
+    <dgm:txEffectClrLst/>
+  </dgm:styleLbl>
+  <dgm:styleLbl name="fgAcc3">
+    <dgm:fillClrLst meth="repeat">
+      <a:schemeClr val="lt1">
+        <a:alpha val="90000"/>
+      </a:schemeClr>
+    </dgm:fillClrLst>
+    <dgm:linClrLst meth="repeat">
+      <a:schemeClr val="accent1"/>
+    </dgm:linClrLst>
+    <dgm:effectClrLst/>
+    <dgm:txLinClrLst/>
+    <dgm:txFillClrLst meth="repeat">
+      <a:schemeClr val="dk1"/>
+    </dgm:txFillClrLst>
+    <dgm:txEffectClrLst/>
+  </dgm:styleLbl>
+  <dgm:styleLbl name="fgAcc4">
+    <dgm:fillClrLst meth="repeat">
+      <a:schemeClr val="lt1">
+        <a:alpha val="90000"/>
+      </a:schemeClr>
+    </dgm:fillClrLst>
+    <dgm:linClrLst meth="repeat">
+      <a:schemeClr val="accent1"/>
+    </dgm:linClrLst>
+    <dgm:effectClrLst/>
+    <dgm:txLinClrLst/>
+    <dgm:txFillClrLst meth="repeat">
+      <a:schemeClr val="dk1"/>
+    </dgm:txFillClrLst>
+    <dgm:txEffectClrLst/>
+  </dgm:styleLbl>
+  <dgm:styleLbl name="bgShp">
+    <dgm:fillClrLst meth="repeat">
+      <a:schemeClr val="accent1">
+        <a:tint val="40000"/>
+      </a:schemeClr>
+    </dgm:fillClrLst>
+    <dgm:linClrLst meth="repeat">
+      <a:schemeClr val="accent1"/>
+    </dgm:linClrLst>
+    <dgm:effectClrLst/>
+    <dgm:txLinClrLst/>
+    <dgm:txFillClrLst meth="repeat">
+      <a:schemeClr val="dk1"/>
+    </dgm:txFillClrLst>
+    <dgm:txEffectClrLst/>
+  </dgm:styleLbl>
+  <dgm:styleLbl name="dkBgShp">
+    <dgm:fillClrLst meth="repeat">
+      <a:schemeClr val="accent1">
+        <a:shade val="80000"/>
+      </a:schemeClr>
+    </dgm:fillClrLst>
+    <dgm:linClrLst meth="repeat">
+      <a:schemeClr val="accent1"/>
+    </dgm:linClrLst>
+    <dgm:effectClrLst/>
+    <dgm:txLinClrLst/>
+    <dgm:txFillClrLst meth="repeat">
+      <a:schemeClr val="lt1"/>
+    </dgm:txFillClrLst>
+    <dgm:txEffectClrLst/>
+  </dgm:styleLbl>
+  <dgm:styleLbl name="trBgShp">
+    <dgm:fillClrLst meth="repeat">
+      <a:schemeClr val="accent1">
+        <a:tint val="50000"/>
+        <a:alpha val="40000"/>
+      </a:schemeClr>
+    </dgm:fillClrLst>
+    <dgm:linClrLst meth="repeat">
+      <a:schemeClr val="accent1"/>
+    </dgm:linClrLst>
+    <dgm:effectClrLst/>
+    <dgm:txLinClrLst/>
+    <dgm:txFillClrLst meth="repeat">
+      <a:schemeClr val="lt1"/>
+    </dgm:txFillClrLst>
+    <dgm:txEffectClrLst/>
+  </dgm:styleLbl>
+  <dgm:styleLbl name="fgShp">
+    <dgm:fillClrLst meth="repeat">
+      <a:schemeClr val="accent1">
+        <a:tint val="60000"/>
+      </a:schemeClr>
+    </dgm:fillClrLst>
+    <dgm:linClrLst meth="repeat">
+      <a:schemeClr val="lt1"/>
+    </dgm:linClrLst>
+    <dgm:effectClrLst/>
+    <dgm:txLinClrLst/>
+    <dgm:txFillClrLst meth="repeat">
+      <a:schemeClr val="dk1"/>
+    </dgm:txFillClrLst>
+    <dgm:txEffectClrLst/>
+  </dgm:styleLbl>
+  <dgm:styleLbl name="revTx">
+    <dgm:fillClrLst meth="repeat">
+      <a:schemeClr val="lt1">
+        <a:alpha val="0"/>
+      </a:schemeClr>
+    </dgm:fillClrLst>
+    <dgm:linClrLst meth="repeat">
+      <a:schemeClr val="dk1">
+        <a:alpha val="0"/>
+      </a:schemeClr>
+    </dgm:linClrLst>
+    <dgm:effectClrLst/>
+    <dgm:txLinClrLst/>
+    <dgm:txFillClrLst meth="repeat">
+      <a:schemeClr val="tx1"/>
+    </dgm:txFillClrLst>
+    <dgm:txEffectClrLst/>
+  </dgm:styleLbl>
+</dgm:colorsDef>
+</file>
+
 <file path=ppt/diagrams/data1.xml><?xml version="1.0" encoding="utf-8"?>
 <dgm:dataModel xmlns:dgm="http://schemas.openxmlformats.org/drawingml/2006/diagram" xmlns:a="http://schemas.openxmlformats.org/drawingml/2006/main">
   <dgm:ptLst>
     <dgm:pt modelId="{6CB4662D-47DD-49A2-9C94-BAC32D230D51}" type="doc">
-      <dgm:prSet loTypeId="urn:microsoft.com/office/officeart/2018/5/layout/IconCircleLabelList" loCatId="icon" qsTypeId="urn:microsoft.com/office/officeart/2005/8/quickstyle/simple1" qsCatId="simple" csTypeId="urn:microsoft.com/office/officeart/2005/8/colors/accent2_2" csCatId="accent2" phldr="1"/>
+      <dgm:prSet loTypeId="urn:microsoft.com/office/officeart/2005/8/layout/default" loCatId="list" qsTypeId="urn:microsoft.com/office/officeart/2005/8/quickstyle/simple2" qsCatId="simple" csTypeId="urn:microsoft.com/office/officeart/2005/8/colors/accent1_2" csCatId="accent1" phldr="1"/>
       <dgm:spPr/>
       <dgm:t>
         <a:bodyPr/>
@@ -3905,7 +4653,7 @@
       </dgm:t>
     </dgm:pt>
     <dgm:pt modelId="{2B5FB1F2-4C6E-425B-9A4B-846C822CAD54}">
-      <dgm:prSet/>
+      <dgm:prSet custT="1"/>
       <dgm:spPr/>
       <dgm:t>
         <a:bodyPr/>
@@ -3915,10 +4663,10 @@
             <a:defRPr cap="all"/>
           </a:pPr>
           <a:r>
-            <a:rPr lang="de-AT"/>
+            <a:rPr lang="de-AT" sz="1700"/>
             <a:t>Team</a:t>
           </a:r>
-          <a:endParaRPr lang="en-US"/>
+          <a:endParaRPr lang="en-US" sz="1700"/>
         </a:p>
       </dgm:t>
     </dgm:pt>
@@ -3945,7 +4693,7 @@
       </dgm:t>
     </dgm:pt>
     <dgm:pt modelId="{A1649C0C-8563-42EB-B24B-DE84683FB51B}">
-      <dgm:prSet/>
+      <dgm:prSet custT="1"/>
       <dgm:spPr/>
       <dgm:t>
         <a:bodyPr/>
@@ -3955,10 +4703,10 @@
             <a:defRPr cap="all"/>
           </a:pPr>
           <a:r>
-            <a:rPr lang="de-AT"/>
+            <a:rPr lang="de-AT" sz="1700"/>
             <a:t>Motivation</a:t>
           </a:r>
-          <a:endParaRPr lang="en-US"/>
+          <a:endParaRPr lang="en-US" sz="1700"/>
         </a:p>
       </dgm:t>
     </dgm:pt>
@@ -3985,7 +4733,7 @@
       </dgm:t>
     </dgm:pt>
     <dgm:pt modelId="{06572370-D344-4379-99E5-0C41874631DB}">
-      <dgm:prSet/>
+      <dgm:prSet custT="1"/>
       <dgm:spPr/>
       <dgm:t>
         <a:bodyPr/>
@@ -3995,10 +4743,10 @@
             <a:defRPr cap="all"/>
           </a:pPr>
           <a:r>
-            <a:rPr lang="de-AT" dirty="0"/>
-            <a:t>Projektanforderungen</a:t>
+            <a:rPr lang="de-AT" sz="1700" dirty="0"/>
+            <a:t>Anforderungen</a:t>
           </a:r>
-          <a:endParaRPr lang="en-US" dirty="0"/>
+          <a:endParaRPr lang="en-US" sz="1700" dirty="0"/>
         </a:p>
       </dgm:t>
     </dgm:pt>
@@ -4025,7 +4773,7 @@
       </dgm:t>
     </dgm:pt>
     <dgm:pt modelId="{59641D18-4C17-4DC6-AA8C-F0B0504DFB22}">
-      <dgm:prSet/>
+      <dgm:prSet custT="1"/>
       <dgm:spPr/>
       <dgm:t>
         <a:bodyPr/>
@@ -4035,10 +4783,10 @@
             <a:defRPr cap="all"/>
           </a:pPr>
           <a:r>
-            <a:rPr lang="de-AT" dirty="0"/>
+            <a:rPr lang="de-AT" sz="1700"/>
             <a:t>Ziele</a:t>
           </a:r>
-          <a:endParaRPr lang="en-US" dirty="0"/>
+          <a:endParaRPr lang="en-US" sz="1700"/>
         </a:p>
       </dgm:t>
     </dgm:pt>
@@ -4065,7 +4813,7 @@
       </dgm:t>
     </dgm:pt>
     <dgm:pt modelId="{03A6AEA2-9831-4886-8969-2362DAA3BD0E}">
-      <dgm:prSet/>
+      <dgm:prSet custT="1"/>
       <dgm:spPr/>
       <dgm:t>
         <a:bodyPr/>
@@ -4075,10 +4823,10 @@
             <a:defRPr cap="all"/>
           </a:pPr>
           <a:r>
-            <a:rPr lang="de-AT" dirty="0"/>
-            <a:t>Kurze Ansprache des Auftraggebers</a:t>
+            <a:rPr lang="de-AT" sz="1700" dirty="0"/>
+            <a:t>Danksagung</a:t>
           </a:r>
-          <a:endParaRPr lang="en-US" dirty="0"/>
+          <a:endParaRPr lang="en-US" sz="1700" dirty="0"/>
         </a:p>
       </dgm:t>
     </dgm:pt>
@@ -4105,7 +4853,7 @@
       </dgm:t>
     </dgm:pt>
     <dgm:pt modelId="{F20AE29D-B1EF-420F-A624-4DBC433C05B0}">
-      <dgm:prSet/>
+      <dgm:prSet custT="1"/>
       <dgm:spPr/>
       <dgm:t>
         <a:bodyPr/>
@@ -4115,10 +4863,10 @@
             <a:defRPr cap="all"/>
           </a:pPr>
           <a:r>
-            <a:rPr lang="de-AT"/>
+            <a:rPr lang="de-AT" sz="1700"/>
             <a:t>Technologien</a:t>
           </a:r>
-          <a:endParaRPr lang="en-US"/>
+          <a:endParaRPr lang="en-US" sz="1700"/>
         </a:p>
       </dgm:t>
     </dgm:pt>
@@ -4145,7 +4893,7 @@
       </dgm:t>
     </dgm:pt>
     <dgm:pt modelId="{B9A52266-CC83-4630-A653-2BEB22A8AFF4}">
-      <dgm:prSet/>
+      <dgm:prSet custT="1"/>
       <dgm:spPr/>
       <dgm:t>
         <a:bodyPr/>
@@ -4155,10 +4903,10 @@
             <a:defRPr cap="all"/>
           </a:pPr>
           <a:r>
-            <a:rPr lang="de-AT"/>
+            <a:rPr lang="de-AT" sz="1700" dirty="0"/>
             <a:t>Live-Demo</a:t>
           </a:r>
-          <a:endParaRPr lang="en-US"/>
+          <a:endParaRPr lang="en-US" sz="1700" dirty="0"/>
         </a:p>
       </dgm:t>
     </dgm:pt>
@@ -4184,8 +4932,86 @@
         </a:p>
       </dgm:t>
     </dgm:pt>
-    <dgm:pt modelId="{72013BA8-2F38-473C-8EDB-75CFC8A12EEB}" type="pres">
-      <dgm:prSet presAssocID="{6CB4662D-47DD-49A2-9C94-BAC32D230D51}" presName="root" presStyleCnt="0">
+    <dgm:pt modelId="{A38F646C-942B-469C-A5DD-5FD4AC3D4C0D}">
+      <dgm:prSet custT="1"/>
+      <dgm:spPr/>
+      <dgm:t>
+        <a:bodyPr/>
+        <a:lstStyle/>
+        <a:p>
+          <a:pPr>
+            <a:defRPr cap="all"/>
+          </a:pPr>
+          <a:r>
+            <a:rPr lang="de-AT" sz="1700" noProof="0" dirty="0"/>
+            <a:t>Nutzen</a:t>
+          </a:r>
+        </a:p>
+      </dgm:t>
+    </dgm:pt>
+    <dgm:pt modelId="{6D698E40-63BB-4320-866D-E8C73FB23119}" type="parTrans" cxnId="{F67D7870-5564-4EBF-B526-9E1D73625B5C}">
+      <dgm:prSet/>
+      <dgm:spPr/>
+      <dgm:t>
+        <a:bodyPr/>
+        <a:lstStyle/>
+        <a:p>
+          <a:endParaRPr lang="de-AT"/>
+        </a:p>
+      </dgm:t>
+    </dgm:pt>
+    <dgm:pt modelId="{B4A5E808-56A9-4B20-AB81-C8B3C55EB4D2}" type="sibTrans" cxnId="{F67D7870-5564-4EBF-B526-9E1D73625B5C}">
+      <dgm:prSet/>
+      <dgm:spPr/>
+      <dgm:t>
+        <a:bodyPr/>
+        <a:lstStyle/>
+        <a:p>
+          <a:endParaRPr lang="de-AT"/>
+        </a:p>
+      </dgm:t>
+    </dgm:pt>
+    <dgm:pt modelId="{95E90297-E829-436B-98C9-F908B82E6945}">
+      <dgm:prSet custT="1"/>
+      <dgm:spPr/>
+      <dgm:t>
+        <a:bodyPr/>
+        <a:lstStyle/>
+        <a:p>
+          <a:pPr>
+            <a:defRPr cap="all"/>
+          </a:pPr>
+          <a:r>
+            <a:rPr lang="de-AT" sz="1700" noProof="0"/>
+            <a:t>Konzept</a:t>
+          </a:r>
+        </a:p>
+      </dgm:t>
+    </dgm:pt>
+    <dgm:pt modelId="{023DC88C-289E-4F98-82FC-66B4D0C97B86}" type="parTrans" cxnId="{AE4A56F5-E0BF-4FA9-ABB0-A8DB95E7121B}">
+      <dgm:prSet/>
+      <dgm:spPr/>
+      <dgm:t>
+        <a:bodyPr/>
+        <a:lstStyle/>
+        <a:p>
+          <a:endParaRPr lang="de-AT"/>
+        </a:p>
+      </dgm:t>
+    </dgm:pt>
+    <dgm:pt modelId="{00D3B9BF-5913-4B9A-89FE-71A5FFDED545}" type="sibTrans" cxnId="{AE4A56F5-E0BF-4FA9-ABB0-A8DB95E7121B}">
+      <dgm:prSet/>
+      <dgm:spPr/>
+      <dgm:t>
+        <a:bodyPr/>
+        <a:lstStyle/>
+        <a:p>
+          <a:endParaRPr lang="en-US"/>
+        </a:p>
+      </dgm:t>
+    </dgm:pt>
+    <dgm:pt modelId="{B46041BE-DA6E-4A87-8F7C-8022577A7FE1}" type="pres">
+      <dgm:prSet presAssocID="{6CB4662D-47DD-49A2-9C94-BAC32D230D51}" presName="diagram" presStyleCnt="0">
         <dgm:presLayoutVars>
           <dgm:dir/>
           <dgm:resizeHandles val="exact"/>
@@ -4193,431 +5019,148 @@
       </dgm:prSet>
       <dgm:spPr/>
     </dgm:pt>
-    <dgm:pt modelId="{0223FC86-109E-4AEE-8A9F-E15D8A9E0B26}" type="pres">
-      <dgm:prSet presAssocID="{2B5FB1F2-4C6E-425B-9A4B-846C822CAD54}" presName="compNode" presStyleCnt="0"/>
-      <dgm:spPr/>
-    </dgm:pt>
-    <dgm:pt modelId="{B08476E6-CF9F-402E-AA99-02D77A66D886}" type="pres">
-      <dgm:prSet presAssocID="{2B5FB1F2-4C6E-425B-9A4B-846C822CAD54}" presName="iconBgRect" presStyleLbl="bgShp" presStyleIdx="0" presStyleCnt="7"/>
-      <dgm:spPr/>
-    </dgm:pt>
-    <dgm:pt modelId="{D640D950-62B2-4AB2-A54E-F14BE6F834AD}" type="pres">
-      <dgm:prSet presAssocID="{2B5FB1F2-4C6E-425B-9A4B-846C822CAD54}" presName="iconRect" presStyleLbl="node1" presStyleIdx="0" presStyleCnt="7"/>
-      <dgm:spPr>
-        <a:blipFill>
-          <a:blip xmlns:r="http://schemas.openxmlformats.org/officeDocument/2006/relationships" r:embed="rId1">
-            <a:extLst>
-              <a:ext uri="{28A0092B-C50C-407E-A947-70E740481C1C}">
-                <a14:useLocalDpi xmlns:a14="http://schemas.microsoft.com/office/drawing/2010/main" val="0"/>
-              </a:ext>
-              <a:ext uri="{96DAC541-7B7A-43D3-8B79-37D633B846F1}">
-                <asvg:svgBlip xmlns:asvg="http://schemas.microsoft.com/office/drawing/2016/SVG/main" r:embed="rId2"/>
-              </a:ext>
-            </a:extLst>
-          </a:blip>
-          <a:stretch>
-            <a:fillRect/>
-          </a:stretch>
-        </a:blipFill>
-        <a:ln>
-          <a:noFill/>
-        </a:ln>
-      </dgm:spPr>
-      <dgm:extLst>
-        <a:ext uri="{E40237B7-FDA0-4F09-8148-C483321AD2D9}">
-          <dgm14:cNvPr xmlns:dgm14="http://schemas.microsoft.com/office/drawing/2010/diagram" id="0" name="" descr="Gruppe von Männern"/>
-        </a:ext>
-      </dgm:extLst>
-    </dgm:pt>
-    <dgm:pt modelId="{0EA4A674-74AF-4B20-B82A-8A0D44E46CD7}" type="pres">
-      <dgm:prSet presAssocID="{2B5FB1F2-4C6E-425B-9A4B-846C822CAD54}" presName="spaceRect" presStyleCnt="0"/>
-      <dgm:spPr/>
-    </dgm:pt>
-    <dgm:pt modelId="{460DBA39-8C8C-487E-BCF0-B11E9C818024}" type="pres">
-      <dgm:prSet presAssocID="{2B5FB1F2-4C6E-425B-9A4B-846C822CAD54}" presName="textRect" presStyleLbl="revTx" presStyleIdx="0" presStyleCnt="7">
+    <dgm:pt modelId="{AEC2E931-278E-4106-8C0D-9E5136A3A40F}" type="pres">
+      <dgm:prSet presAssocID="{2B5FB1F2-4C6E-425B-9A4B-846C822CAD54}" presName="node" presStyleLbl="node1" presStyleIdx="0" presStyleCnt="9">
         <dgm:presLayoutVars>
-          <dgm:chMax val="1"/>
-          <dgm:chPref val="1"/>
+          <dgm:bulletEnabled val="1"/>
         </dgm:presLayoutVars>
       </dgm:prSet>
       <dgm:spPr/>
     </dgm:pt>
-    <dgm:pt modelId="{6F384266-46C3-4A9D-8C7B-B9EB5FD78A92}" type="pres">
+    <dgm:pt modelId="{CE0D7C8D-E685-43AB-A71C-58E539208DC0}" type="pres">
       <dgm:prSet presAssocID="{87A1341D-15E7-4155-BA82-CDB28D8D9AA8}" presName="sibTrans" presStyleCnt="0"/>
       <dgm:spPr/>
     </dgm:pt>
-    <dgm:pt modelId="{E8F0B73D-C130-4AA4-A09C-41ADC270B48A}" type="pres">
-      <dgm:prSet presAssocID="{A1649C0C-8563-42EB-B24B-DE84683FB51B}" presName="compNode" presStyleCnt="0"/>
-      <dgm:spPr/>
-    </dgm:pt>
-    <dgm:pt modelId="{A47F36D1-4FDE-4685-8508-C5405D04F880}" type="pres">
-      <dgm:prSet presAssocID="{A1649C0C-8563-42EB-B24B-DE84683FB51B}" presName="iconBgRect" presStyleLbl="bgShp" presStyleIdx="1" presStyleCnt="7"/>
-      <dgm:spPr/>
-    </dgm:pt>
-    <dgm:pt modelId="{94DF7EF6-C658-4540-BD52-B602114188EC}" type="pres">
-      <dgm:prSet presAssocID="{A1649C0C-8563-42EB-B24B-DE84683FB51B}" presName="iconRect" presStyleLbl="node1" presStyleIdx="1" presStyleCnt="7"/>
-      <dgm:spPr>
-        <a:blipFill>
-          <a:blip xmlns:r="http://schemas.openxmlformats.org/officeDocument/2006/relationships" r:embed="rId3">
-            <a:extLst>
-              <a:ext uri="{28A0092B-C50C-407E-A947-70E740481C1C}">
-                <a14:useLocalDpi xmlns:a14="http://schemas.microsoft.com/office/drawing/2010/main" val="0"/>
-              </a:ext>
-              <a:ext uri="{96DAC541-7B7A-43D3-8B79-37D633B846F1}">
-                <asvg:svgBlip xmlns:asvg="http://schemas.microsoft.com/office/drawing/2016/SVG/main" r:embed="rId4"/>
-              </a:ext>
-            </a:extLst>
-          </a:blip>
-          <a:stretch>
-            <a:fillRect/>
-          </a:stretch>
-        </a:blipFill>
-        <a:ln>
-          <a:noFill/>
-        </a:ln>
-      </dgm:spPr>
-      <dgm:extLst>
-        <a:ext uri="{E40237B7-FDA0-4F09-8148-C483321AD2D9}">
-          <dgm14:cNvPr xmlns:dgm14="http://schemas.microsoft.com/office/drawing/2010/diagram" id="0" name="" descr="Head with Gears"/>
-        </a:ext>
-      </dgm:extLst>
-    </dgm:pt>
-    <dgm:pt modelId="{1FFE9975-643B-4B11-A7EE-7BED42EC4ED7}" type="pres">
-      <dgm:prSet presAssocID="{A1649C0C-8563-42EB-B24B-DE84683FB51B}" presName="spaceRect" presStyleCnt="0"/>
-      <dgm:spPr/>
-    </dgm:pt>
-    <dgm:pt modelId="{7FBFBECE-CF33-46C0-940F-F510F1C5E156}" type="pres">
-      <dgm:prSet presAssocID="{A1649C0C-8563-42EB-B24B-DE84683FB51B}" presName="textRect" presStyleLbl="revTx" presStyleIdx="1" presStyleCnt="7">
+    <dgm:pt modelId="{22CE8764-D2AC-40BB-8C49-1A852939C0B8}" type="pres">
+      <dgm:prSet presAssocID="{A1649C0C-8563-42EB-B24B-DE84683FB51B}" presName="node" presStyleLbl="node1" presStyleIdx="1" presStyleCnt="9">
         <dgm:presLayoutVars>
-          <dgm:chMax val="1"/>
-          <dgm:chPref val="1"/>
+          <dgm:bulletEnabled val="1"/>
         </dgm:presLayoutVars>
       </dgm:prSet>
       <dgm:spPr/>
     </dgm:pt>
-    <dgm:pt modelId="{B1865E4A-A9AF-4CEC-A523-E1D97595BCF6}" type="pres">
+    <dgm:pt modelId="{0F336498-2476-4753-8B0A-7BE94CF28971}" type="pres">
       <dgm:prSet presAssocID="{699281B6-1DA6-4692-9D20-E001B400182D}" presName="sibTrans" presStyleCnt="0"/>
       <dgm:spPr/>
     </dgm:pt>
-    <dgm:pt modelId="{BB9C189C-5789-4900-92C6-63BEB4637EFB}" type="pres">
-      <dgm:prSet presAssocID="{06572370-D344-4379-99E5-0C41874631DB}" presName="compNode" presStyleCnt="0"/>
-      <dgm:spPr/>
-    </dgm:pt>
-    <dgm:pt modelId="{8ACB5319-DF52-4345-953E-2528BE335F07}" type="pres">
-      <dgm:prSet presAssocID="{06572370-D344-4379-99E5-0C41874631DB}" presName="iconBgRect" presStyleLbl="bgShp" presStyleIdx="2" presStyleCnt="7"/>
-      <dgm:spPr/>
-    </dgm:pt>
-    <dgm:pt modelId="{1B64DA67-76FF-4469-97D1-8C0AF14C93DB}" type="pres">
-      <dgm:prSet presAssocID="{06572370-D344-4379-99E5-0C41874631DB}" presName="iconRect" presStyleLbl="node1" presStyleIdx="2" presStyleCnt="7"/>
-      <dgm:spPr>
-        <a:blipFill>
-          <a:blip xmlns:r="http://schemas.openxmlformats.org/officeDocument/2006/relationships" r:embed="rId5">
-            <a:extLst>
-              <a:ext uri="{28A0092B-C50C-407E-A947-70E740481C1C}">
-                <a14:useLocalDpi xmlns:a14="http://schemas.microsoft.com/office/drawing/2010/main" val="0"/>
-              </a:ext>
-              <a:ext uri="{96DAC541-7B7A-43D3-8B79-37D633B846F1}">
-                <asvg:svgBlip xmlns:asvg="http://schemas.microsoft.com/office/drawing/2016/SVG/main" r:embed="rId6"/>
-              </a:ext>
-            </a:extLst>
-          </a:blip>
-          <a:stretch>
-            <a:fillRect/>
-          </a:stretch>
-        </a:blipFill>
-        <a:ln>
-          <a:noFill/>
-        </a:ln>
-      </dgm:spPr>
-      <dgm:extLst>
-        <a:ext uri="{E40237B7-FDA0-4F09-8148-C483321AD2D9}">
-          <dgm14:cNvPr xmlns:dgm14="http://schemas.microsoft.com/office/drawing/2010/diagram" id="0" name="" descr="Häkchen"/>
-        </a:ext>
-      </dgm:extLst>
-    </dgm:pt>
-    <dgm:pt modelId="{DB4E65DC-79D7-4290-9C30-609D20BE1D3C}" type="pres">
-      <dgm:prSet presAssocID="{06572370-D344-4379-99E5-0C41874631DB}" presName="spaceRect" presStyleCnt="0"/>
-      <dgm:spPr/>
-    </dgm:pt>
-    <dgm:pt modelId="{EFB22B8D-C3AE-479E-B355-26B12B05ED72}" type="pres">
-      <dgm:prSet presAssocID="{06572370-D344-4379-99E5-0C41874631DB}" presName="textRect" presStyleLbl="revTx" presStyleIdx="2" presStyleCnt="7">
+    <dgm:pt modelId="{F822D1AE-A0A2-4720-8E29-AA349CC05304}" type="pres">
+      <dgm:prSet presAssocID="{06572370-D344-4379-99E5-0C41874631DB}" presName="node" presStyleLbl="node1" presStyleIdx="2" presStyleCnt="9">
         <dgm:presLayoutVars>
-          <dgm:chMax val="1"/>
-          <dgm:chPref val="1"/>
+          <dgm:bulletEnabled val="1"/>
         </dgm:presLayoutVars>
       </dgm:prSet>
       <dgm:spPr/>
     </dgm:pt>
-    <dgm:pt modelId="{C9E2F083-78C7-4386-B054-81596C30BDD8}" type="pres">
+    <dgm:pt modelId="{C05BC069-7718-4EF4-86DE-6D89316FEF6E}" type="pres">
       <dgm:prSet presAssocID="{B4350903-B4A0-4CEE-A531-7B162620206B}" presName="sibTrans" presStyleCnt="0"/>
       <dgm:spPr/>
     </dgm:pt>
-    <dgm:pt modelId="{D6384C6D-45EF-435A-BF13-3D45152008F2}" type="pres">
-      <dgm:prSet presAssocID="{59641D18-4C17-4DC6-AA8C-F0B0504DFB22}" presName="compNode" presStyleCnt="0"/>
-      <dgm:spPr/>
-    </dgm:pt>
-    <dgm:pt modelId="{0622A5BA-6037-4D17-8EA6-BA4F1CB5F0DC}" type="pres">
-      <dgm:prSet presAssocID="{59641D18-4C17-4DC6-AA8C-F0B0504DFB22}" presName="iconBgRect" presStyleLbl="bgShp" presStyleIdx="3" presStyleCnt="7"/>
-      <dgm:spPr/>
-    </dgm:pt>
-    <dgm:pt modelId="{32B5033B-E427-48F7-A7EF-C860E6992B06}" type="pres">
-      <dgm:prSet presAssocID="{59641D18-4C17-4DC6-AA8C-F0B0504DFB22}" presName="iconRect" presStyleLbl="node1" presStyleIdx="3" presStyleCnt="7"/>
-      <dgm:spPr>
-        <a:blipFill>
-          <a:blip xmlns:r="http://schemas.openxmlformats.org/officeDocument/2006/relationships" r:embed="rId7">
-            <a:extLst>
-              <a:ext uri="{28A0092B-C50C-407E-A947-70E740481C1C}">
-                <a14:useLocalDpi xmlns:a14="http://schemas.microsoft.com/office/drawing/2010/main" val="0"/>
-              </a:ext>
-              <a:ext uri="{96DAC541-7B7A-43D3-8B79-37D633B846F1}">
-                <asvg:svgBlip xmlns:asvg="http://schemas.microsoft.com/office/drawing/2016/SVG/main" r:embed="rId8"/>
-              </a:ext>
-            </a:extLst>
-          </a:blip>
-          <a:stretch>
-            <a:fillRect/>
-          </a:stretch>
-        </a:blipFill>
-        <a:ln>
-          <a:noFill/>
-        </a:ln>
-      </dgm:spPr>
-      <dgm:extLst>
-        <a:ext uri="{E40237B7-FDA0-4F09-8148-C483321AD2D9}">
-          <dgm14:cNvPr xmlns:dgm14="http://schemas.microsoft.com/office/drawing/2010/diagram" id="0" name="" descr="Volltreffer"/>
-        </a:ext>
-      </dgm:extLst>
-    </dgm:pt>
-    <dgm:pt modelId="{4CA1E869-A09A-425E-BD7E-7472C6F67BF2}" type="pres">
-      <dgm:prSet presAssocID="{59641D18-4C17-4DC6-AA8C-F0B0504DFB22}" presName="spaceRect" presStyleCnt="0"/>
-      <dgm:spPr/>
-    </dgm:pt>
-    <dgm:pt modelId="{56EE303F-DEB1-4A57-B926-CEA90210D573}" type="pres">
-      <dgm:prSet presAssocID="{59641D18-4C17-4DC6-AA8C-F0B0504DFB22}" presName="textRect" presStyleLbl="revTx" presStyleIdx="3" presStyleCnt="7">
+    <dgm:pt modelId="{95125A75-4861-45EA-B020-4D7F2409FDB8}" type="pres">
+      <dgm:prSet presAssocID="{59641D18-4C17-4DC6-AA8C-F0B0504DFB22}" presName="node" presStyleLbl="node1" presStyleIdx="3" presStyleCnt="9">
         <dgm:presLayoutVars>
-          <dgm:chMax val="1"/>
-          <dgm:chPref val="1"/>
+          <dgm:bulletEnabled val="1"/>
         </dgm:presLayoutVars>
       </dgm:prSet>
       <dgm:spPr/>
     </dgm:pt>
-    <dgm:pt modelId="{6494A299-757B-489E-AC37-1FFBA226862A}" type="pres">
+    <dgm:pt modelId="{14331A3E-42EC-4669-8BC3-C10B73384E6F}" type="pres">
       <dgm:prSet presAssocID="{03E5C9B5-4EB4-4AFD-AF40-058F4C264197}" presName="sibTrans" presStyleCnt="0"/>
       <dgm:spPr/>
     </dgm:pt>
-    <dgm:pt modelId="{C4D95B97-3B50-4789-A2A7-F1FA6072E3A2}" type="pres">
-      <dgm:prSet presAssocID="{03A6AEA2-9831-4886-8969-2362DAA3BD0E}" presName="compNode" presStyleCnt="0"/>
-      <dgm:spPr/>
-    </dgm:pt>
-    <dgm:pt modelId="{7E0D7ACC-3700-4371-83EE-18B984D19FC9}" type="pres">
-      <dgm:prSet presAssocID="{03A6AEA2-9831-4886-8969-2362DAA3BD0E}" presName="iconBgRect" presStyleLbl="bgShp" presStyleIdx="4" presStyleCnt="7"/>
-      <dgm:spPr/>
-    </dgm:pt>
-    <dgm:pt modelId="{6E937B6F-1081-4247-9BB8-4ACA4D1772EC}" type="pres">
-      <dgm:prSet presAssocID="{03A6AEA2-9831-4886-8969-2362DAA3BD0E}" presName="iconRect" presStyleLbl="node1" presStyleIdx="4" presStyleCnt="7"/>
-      <dgm:spPr>
-        <a:blipFill>
-          <a:blip xmlns:r="http://schemas.openxmlformats.org/officeDocument/2006/relationships" r:embed="rId9">
-            <a:extLst>
-              <a:ext uri="{28A0092B-C50C-407E-A947-70E740481C1C}">
-                <a14:useLocalDpi xmlns:a14="http://schemas.microsoft.com/office/drawing/2010/main" val="0"/>
-              </a:ext>
-              <a:ext uri="{96DAC541-7B7A-43D3-8B79-37D633B846F1}">
-                <asvg:svgBlip xmlns:asvg="http://schemas.microsoft.com/office/drawing/2016/SVG/main" r:embed="rId10"/>
-              </a:ext>
-            </a:extLst>
-          </a:blip>
-          <a:stretch>
-            <a:fillRect/>
-          </a:stretch>
-        </a:blipFill>
-        <a:ln>
-          <a:noFill/>
-        </a:ln>
-      </dgm:spPr>
-      <dgm:extLst>
-        <a:ext uri="{E40237B7-FDA0-4F09-8148-C483321AD2D9}">
-          <dgm14:cNvPr xmlns:dgm14="http://schemas.microsoft.com/office/drawing/2010/diagram" id="0" name="" descr="Chat"/>
-        </a:ext>
-      </dgm:extLst>
-    </dgm:pt>
-    <dgm:pt modelId="{64272DD3-888F-48D9-8C72-428DC4F0AF6A}" type="pres">
-      <dgm:prSet presAssocID="{03A6AEA2-9831-4886-8969-2362DAA3BD0E}" presName="spaceRect" presStyleCnt="0"/>
-      <dgm:spPr/>
-    </dgm:pt>
-    <dgm:pt modelId="{BB859DEB-9C4D-47B7-A957-F926566B2725}" type="pres">
-      <dgm:prSet presAssocID="{03A6AEA2-9831-4886-8969-2362DAA3BD0E}" presName="textRect" presStyleLbl="revTx" presStyleIdx="4" presStyleCnt="7">
+    <dgm:pt modelId="{F764248E-C1D2-40FA-82AF-06167886CE75}" type="pres">
+      <dgm:prSet presAssocID="{A38F646C-942B-469C-A5DD-5FD4AC3D4C0D}" presName="node" presStyleLbl="node1" presStyleIdx="4" presStyleCnt="9">
         <dgm:presLayoutVars>
-          <dgm:chMax val="1"/>
-          <dgm:chPref val="1"/>
+          <dgm:bulletEnabled val="1"/>
         </dgm:presLayoutVars>
       </dgm:prSet>
       <dgm:spPr/>
     </dgm:pt>
-    <dgm:pt modelId="{8EA02A98-0DF1-48D1-ADEC-1B47E984C262}" type="pres">
-      <dgm:prSet presAssocID="{FDFF850A-AB90-4B52-93EC-2F0F45FA462F}" presName="sibTrans" presStyleCnt="0"/>
+    <dgm:pt modelId="{5D2066D6-6443-4E27-9391-D74CD306258B}" type="pres">
+      <dgm:prSet presAssocID="{B4A5E808-56A9-4B20-AB81-C8B3C55EB4D2}" presName="sibTrans" presStyleCnt="0"/>
       <dgm:spPr/>
     </dgm:pt>
-    <dgm:pt modelId="{9409DA12-E3E7-4B06-9844-AADF4F1320EA}" type="pres">
-      <dgm:prSet presAssocID="{F20AE29D-B1EF-420F-A624-4DBC433C05B0}" presName="compNode" presStyleCnt="0"/>
-      <dgm:spPr/>
-    </dgm:pt>
-    <dgm:pt modelId="{538F8099-3F89-484D-9B01-BA41A92282AD}" type="pres">
-      <dgm:prSet presAssocID="{F20AE29D-B1EF-420F-A624-4DBC433C05B0}" presName="iconBgRect" presStyleLbl="bgShp" presStyleIdx="5" presStyleCnt="7"/>
-      <dgm:spPr/>
-    </dgm:pt>
-    <dgm:pt modelId="{F6E06343-CE00-4D1D-B5D3-BCD00BD3811B}" type="pres">
-      <dgm:prSet presAssocID="{F20AE29D-B1EF-420F-A624-4DBC433C05B0}" presName="iconRect" presStyleLbl="node1" presStyleIdx="5" presStyleCnt="7"/>
-      <dgm:spPr>
-        <a:blipFill>
-          <a:blip xmlns:r="http://schemas.openxmlformats.org/officeDocument/2006/relationships" r:embed="rId11">
-            <a:extLst>
-              <a:ext uri="{28A0092B-C50C-407E-A947-70E740481C1C}">
-                <a14:useLocalDpi xmlns:a14="http://schemas.microsoft.com/office/drawing/2010/main" val="0"/>
-              </a:ext>
-              <a:ext uri="{96DAC541-7B7A-43D3-8B79-37D633B846F1}">
-                <asvg:svgBlip xmlns:asvg="http://schemas.microsoft.com/office/drawing/2016/SVG/main" r:embed="rId12"/>
-              </a:ext>
-            </a:extLst>
-          </a:blip>
-          <a:stretch>
-            <a:fillRect/>
-          </a:stretch>
-        </a:blipFill>
-        <a:ln>
-          <a:noFill/>
-        </a:ln>
-      </dgm:spPr>
-      <dgm:extLst>
-        <a:ext uri="{E40237B7-FDA0-4F09-8148-C483321AD2D9}">
-          <dgm14:cNvPr xmlns:dgm14="http://schemas.microsoft.com/office/drawing/2010/diagram" id="0" name="" descr="Computer"/>
-        </a:ext>
-      </dgm:extLst>
-    </dgm:pt>
-    <dgm:pt modelId="{9BB7B429-16DF-4EA8-82EB-CF22B751805E}" type="pres">
-      <dgm:prSet presAssocID="{F20AE29D-B1EF-420F-A624-4DBC433C05B0}" presName="spaceRect" presStyleCnt="0"/>
-      <dgm:spPr/>
-    </dgm:pt>
-    <dgm:pt modelId="{CCF2C183-350E-4BB9-82C1-7E4A65C8D875}" type="pres">
-      <dgm:prSet presAssocID="{F20AE29D-B1EF-420F-A624-4DBC433C05B0}" presName="textRect" presStyleLbl="revTx" presStyleIdx="5" presStyleCnt="7">
+    <dgm:pt modelId="{D32A3534-2EEA-4CAB-A5A7-61E6969892FA}" type="pres">
+      <dgm:prSet presAssocID="{03A6AEA2-9831-4886-8969-2362DAA3BD0E}" presName="node" presStyleLbl="node1" presStyleIdx="5" presStyleCnt="9">
         <dgm:presLayoutVars>
-          <dgm:chMax val="1"/>
-          <dgm:chPref val="1"/>
+          <dgm:bulletEnabled val="1"/>
         </dgm:presLayoutVars>
       </dgm:prSet>
       <dgm:spPr/>
     </dgm:pt>
-    <dgm:pt modelId="{3ED9FF39-1BB1-49CE-BA56-79FB58D486F6}" type="pres">
+    <dgm:pt modelId="{2FB6A11C-608C-43B4-84A6-3311643078E1}" type="pres">
+      <dgm:prSet presAssocID="{FDFF850A-AB90-4B52-93EC-2F0F45FA462F}" presName="sibTrans" presStyleCnt="0"/>
+      <dgm:spPr/>
+    </dgm:pt>
+    <dgm:pt modelId="{31884B74-39CF-43CB-83CE-E05A3F92061A}" type="pres">
+      <dgm:prSet presAssocID="{95E90297-E829-436B-98C9-F908B82E6945}" presName="node" presStyleLbl="node1" presStyleIdx="6" presStyleCnt="9">
+        <dgm:presLayoutVars>
+          <dgm:bulletEnabled val="1"/>
+        </dgm:presLayoutVars>
+      </dgm:prSet>
+      <dgm:spPr/>
+    </dgm:pt>
+    <dgm:pt modelId="{61CA95C4-85D6-49BD-8521-006DEF140147}" type="pres">
+      <dgm:prSet presAssocID="{00D3B9BF-5913-4B9A-89FE-71A5FFDED545}" presName="sibTrans" presStyleCnt="0"/>
+      <dgm:spPr/>
+    </dgm:pt>
+    <dgm:pt modelId="{F6B8A192-C8F9-4658-9E4F-887CA423FCB7}" type="pres">
+      <dgm:prSet presAssocID="{F20AE29D-B1EF-420F-A624-4DBC433C05B0}" presName="node" presStyleLbl="node1" presStyleIdx="7" presStyleCnt="9">
+        <dgm:presLayoutVars>
+          <dgm:bulletEnabled val="1"/>
+        </dgm:presLayoutVars>
+      </dgm:prSet>
+      <dgm:spPr/>
+    </dgm:pt>
+    <dgm:pt modelId="{02E27252-1D56-40DA-AB35-230658ECE4DB}" type="pres">
       <dgm:prSet presAssocID="{983C6E77-68E0-4A7F-AFB2-7C199B6D5A4B}" presName="sibTrans" presStyleCnt="0"/>
       <dgm:spPr/>
     </dgm:pt>
-    <dgm:pt modelId="{D59F165E-5D2A-4DEC-8561-E2CF5C650853}" type="pres">
-      <dgm:prSet presAssocID="{B9A52266-CC83-4630-A653-2BEB22A8AFF4}" presName="compNode" presStyleCnt="0"/>
-      <dgm:spPr/>
-    </dgm:pt>
-    <dgm:pt modelId="{64DADAB1-A8E0-4C3B-970B-F5D825E01E06}" type="pres">
-      <dgm:prSet presAssocID="{B9A52266-CC83-4630-A653-2BEB22A8AFF4}" presName="iconBgRect" presStyleLbl="bgShp" presStyleIdx="6" presStyleCnt="7"/>
-      <dgm:spPr/>
-    </dgm:pt>
-    <dgm:pt modelId="{8DEC0C1F-2FA7-4B67-8EB3-0C543245C2AD}" type="pres">
-      <dgm:prSet presAssocID="{B9A52266-CC83-4630-A653-2BEB22A8AFF4}" presName="iconRect" presStyleLbl="node1" presStyleIdx="6" presStyleCnt="7"/>
-      <dgm:spPr>
-        <a:blipFill>
-          <a:blip xmlns:r="http://schemas.openxmlformats.org/officeDocument/2006/relationships" r:embed="rId13">
-            <a:extLst>
-              <a:ext uri="{28A0092B-C50C-407E-A947-70E740481C1C}">
-                <a14:useLocalDpi xmlns:a14="http://schemas.microsoft.com/office/drawing/2010/main" val="0"/>
-              </a:ext>
-              <a:ext uri="{96DAC541-7B7A-43D3-8B79-37D633B846F1}">
-                <asvg:svgBlip xmlns:asvg="http://schemas.microsoft.com/office/drawing/2016/SVG/main" r:embed="rId14"/>
-              </a:ext>
-            </a:extLst>
-          </a:blip>
-          <a:stretch>
-            <a:fillRect/>
-          </a:stretch>
-        </a:blipFill>
-        <a:ln>
-          <a:noFill/>
-        </a:ln>
-      </dgm:spPr>
-      <dgm:extLst>
-        <a:ext uri="{E40237B7-FDA0-4F09-8148-C483321AD2D9}">
-          <dgm14:cNvPr xmlns:dgm14="http://schemas.microsoft.com/office/drawing/2010/diagram" id="0" name="" descr="Wiedergabe"/>
-        </a:ext>
-      </dgm:extLst>
-    </dgm:pt>
-    <dgm:pt modelId="{57ABCCF1-5A82-470D-9415-943D2CD785FB}" type="pres">
-      <dgm:prSet presAssocID="{B9A52266-CC83-4630-A653-2BEB22A8AFF4}" presName="spaceRect" presStyleCnt="0"/>
-      <dgm:spPr/>
-    </dgm:pt>
-    <dgm:pt modelId="{A20B25EF-AC55-4C1F-8DA6-89B93576767D}" type="pres">
-      <dgm:prSet presAssocID="{B9A52266-CC83-4630-A653-2BEB22A8AFF4}" presName="textRect" presStyleLbl="revTx" presStyleIdx="6" presStyleCnt="7">
+    <dgm:pt modelId="{3763F0CA-7536-4F33-AF59-7825687D90B2}" type="pres">
+      <dgm:prSet presAssocID="{B9A52266-CC83-4630-A653-2BEB22A8AFF4}" presName="node" presStyleLbl="node1" presStyleIdx="8" presStyleCnt="9">
         <dgm:presLayoutVars>
-          <dgm:chMax val="1"/>
-          <dgm:chPref val="1"/>
+          <dgm:bulletEnabled val="1"/>
         </dgm:presLayoutVars>
       </dgm:prSet>
       <dgm:spPr/>
     </dgm:pt>
   </dgm:ptLst>
   <dgm:cxnLst>
-    <dgm:cxn modelId="{BC3BA302-E869-410F-B995-D608806F051F}" srcId="{6CB4662D-47DD-49A2-9C94-BAC32D230D51}" destId="{B9A52266-CC83-4630-A653-2BEB22A8AFF4}" srcOrd="6" destOrd="0" parTransId="{ECF44D4A-48B7-4F91-8140-FB8819B087F6}" sibTransId="{30BEDCEE-8C8C-4EE6-8DC6-1E303D6908D4}"/>
-    <dgm:cxn modelId="{155B1705-7011-44DF-8F64-410DCD56ED09}" srcId="{6CB4662D-47DD-49A2-9C94-BAC32D230D51}" destId="{03A6AEA2-9831-4886-8969-2362DAA3BD0E}" srcOrd="4" destOrd="0" parTransId="{0ECC7F39-B60B-4524-8590-21B27C39D883}" sibTransId="{FDFF850A-AB90-4B52-93EC-2F0F45FA462F}"/>
-    <dgm:cxn modelId="{B85BFF08-F5D6-4CC9-97B2-2F51A2BD992F}" type="presOf" srcId="{59641D18-4C17-4DC6-AA8C-F0B0504DFB22}" destId="{56EE303F-DEB1-4A57-B926-CEA90210D573}" srcOrd="0" destOrd="0" presId="urn:microsoft.com/office/officeart/2018/5/layout/IconCircleLabelList"/>
-    <dgm:cxn modelId="{8825490B-AD4E-478F-9064-0B2A1C1C52A9}" type="presOf" srcId="{2B5FB1F2-4C6E-425B-9A4B-846C822CAD54}" destId="{460DBA39-8C8C-487E-BCF0-B11E9C818024}" srcOrd="0" destOrd="0" presId="urn:microsoft.com/office/officeart/2018/5/layout/IconCircleLabelList"/>
-    <dgm:cxn modelId="{65142723-AC48-40A2-A0C0-9DE2848275C6}" type="presOf" srcId="{06572370-D344-4379-99E5-0C41874631DB}" destId="{EFB22B8D-C3AE-479E-B355-26B12B05ED72}" srcOrd="0" destOrd="0" presId="urn:microsoft.com/office/officeart/2018/5/layout/IconCircleLabelList"/>
-    <dgm:cxn modelId="{FAF39337-6230-48D5-8078-AA273ECA1ADB}" type="presOf" srcId="{6CB4662D-47DD-49A2-9C94-BAC32D230D51}" destId="{72013BA8-2F38-473C-8EDB-75CFC8A12EEB}" srcOrd="0" destOrd="0" presId="urn:microsoft.com/office/officeart/2018/5/layout/IconCircleLabelList"/>
-    <dgm:cxn modelId="{6CF24438-71EC-4E1A-8221-07FC2D8B705B}" srcId="{6CB4662D-47DD-49A2-9C94-BAC32D230D51}" destId="{F20AE29D-B1EF-420F-A624-4DBC433C05B0}" srcOrd="5" destOrd="0" parTransId="{A21ED012-31B7-44B4-B226-085E1094B2D3}" sibTransId="{983C6E77-68E0-4A7F-AFB2-7C199B6D5A4B}"/>
+    <dgm:cxn modelId="{DFCAB800-5508-440C-8053-4D1F8C336113}" type="presOf" srcId="{A1649C0C-8563-42EB-B24B-DE84683FB51B}" destId="{22CE8764-D2AC-40BB-8C49-1A852939C0B8}" srcOrd="0" destOrd="0" presId="urn:microsoft.com/office/officeart/2005/8/layout/default"/>
+    <dgm:cxn modelId="{BC3BA302-E869-410F-B995-D608806F051F}" srcId="{6CB4662D-47DD-49A2-9C94-BAC32D230D51}" destId="{B9A52266-CC83-4630-A653-2BEB22A8AFF4}" srcOrd="8" destOrd="0" parTransId="{ECF44D4A-48B7-4F91-8140-FB8819B087F6}" sibTransId="{30BEDCEE-8C8C-4EE6-8DC6-1E303D6908D4}"/>
+    <dgm:cxn modelId="{155B1705-7011-44DF-8F64-410DCD56ED09}" srcId="{6CB4662D-47DD-49A2-9C94-BAC32D230D51}" destId="{03A6AEA2-9831-4886-8969-2362DAA3BD0E}" srcOrd="5" destOrd="0" parTransId="{0ECC7F39-B60B-4524-8590-21B27C39D883}" sibTransId="{FDFF850A-AB90-4B52-93EC-2F0F45FA462F}"/>
+    <dgm:cxn modelId="{10207728-D429-4E15-8B01-0D53FFE6510F}" type="presOf" srcId="{A38F646C-942B-469C-A5DD-5FD4AC3D4C0D}" destId="{F764248E-C1D2-40FA-82AF-06167886CE75}" srcOrd="0" destOrd="0" presId="urn:microsoft.com/office/officeart/2005/8/layout/default"/>
+    <dgm:cxn modelId="{6CF24438-71EC-4E1A-8221-07FC2D8B705B}" srcId="{6CB4662D-47DD-49A2-9C94-BAC32D230D51}" destId="{F20AE29D-B1EF-420F-A624-4DBC433C05B0}" srcOrd="7" destOrd="0" parTransId="{A21ED012-31B7-44B4-B226-085E1094B2D3}" sibTransId="{983C6E77-68E0-4A7F-AFB2-7C199B6D5A4B}"/>
+    <dgm:cxn modelId="{30858362-EA0D-466F-9E80-A02FFCE9E29B}" type="presOf" srcId="{6CB4662D-47DD-49A2-9C94-BAC32D230D51}" destId="{B46041BE-DA6E-4A87-8F7C-8022577A7FE1}" srcOrd="0" destOrd="0" presId="urn:microsoft.com/office/officeart/2005/8/layout/default"/>
+    <dgm:cxn modelId="{F67D7870-5564-4EBF-B526-9E1D73625B5C}" srcId="{6CB4662D-47DD-49A2-9C94-BAC32D230D51}" destId="{A38F646C-942B-469C-A5DD-5FD4AC3D4C0D}" srcOrd="4" destOrd="0" parTransId="{6D698E40-63BB-4320-866D-E8C73FB23119}" sibTransId="{B4A5E808-56A9-4B20-AB81-C8B3C55EB4D2}"/>
+    <dgm:cxn modelId="{D071FF51-E0B8-4F68-BA1A-B8169A35A00A}" type="presOf" srcId="{03A6AEA2-9831-4886-8969-2362DAA3BD0E}" destId="{D32A3534-2EEA-4CAB-A5A7-61E6969892FA}" srcOrd="0" destOrd="0" presId="urn:microsoft.com/office/officeart/2005/8/layout/default"/>
     <dgm:cxn modelId="{4BC89787-7C6C-409F-9FFD-766C5458ED49}" srcId="{6CB4662D-47DD-49A2-9C94-BAC32D230D51}" destId="{59641D18-4C17-4DC6-AA8C-F0B0504DFB22}" srcOrd="3" destOrd="0" parTransId="{C439570B-5400-4005-8549-2945E8804C39}" sibTransId="{03E5C9B5-4EB4-4AFD-AF40-058F4C264197}"/>
     <dgm:cxn modelId="{700E9F89-BF90-4739-8CE2-D357A125DF79}" srcId="{6CB4662D-47DD-49A2-9C94-BAC32D230D51}" destId="{A1649C0C-8563-42EB-B24B-DE84683FB51B}" srcOrd="1" destOrd="0" parTransId="{51C31E21-DDB1-4E0B-AD87-2C7BE2F04DA9}" sibTransId="{699281B6-1DA6-4692-9D20-E001B400182D}"/>
-    <dgm:cxn modelId="{08D385A0-5F66-4CC5-A6BE-1C0958FC34A5}" type="presOf" srcId="{A1649C0C-8563-42EB-B24B-DE84683FB51B}" destId="{7FBFBECE-CF33-46C0-940F-F510F1C5E156}" srcOrd="0" destOrd="0" presId="urn:microsoft.com/office/officeart/2018/5/layout/IconCircleLabelList"/>
-    <dgm:cxn modelId="{8FAA9AB9-FB44-467D-AEBF-0299D36972FB}" type="presOf" srcId="{F20AE29D-B1EF-420F-A624-4DBC433C05B0}" destId="{CCF2C183-350E-4BB9-82C1-7E4A65C8D875}" srcOrd="0" destOrd="0" presId="urn:microsoft.com/office/officeart/2018/5/layout/IconCircleLabelList"/>
-    <dgm:cxn modelId="{598345CA-8449-4ED3-AB59-866185B94262}" type="presOf" srcId="{03A6AEA2-9831-4886-8969-2362DAA3BD0E}" destId="{BB859DEB-9C4D-47B7-A957-F926566B2725}" srcOrd="0" destOrd="0" presId="urn:microsoft.com/office/officeart/2018/5/layout/IconCircleLabelList"/>
+    <dgm:cxn modelId="{D98E6D9D-D43F-4962-B3AA-38343C558EAC}" type="presOf" srcId="{59641D18-4C17-4DC6-AA8C-F0B0504DFB22}" destId="{95125A75-4861-45EA-B020-4D7F2409FDB8}" srcOrd="0" destOrd="0" presId="urn:microsoft.com/office/officeart/2005/8/layout/default"/>
+    <dgm:cxn modelId="{9E7036AF-BC65-4C8A-8886-C3113D399B90}" type="presOf" srcId="{06572370-D344-4379-99E5-0C41874631DB}" destId="{F822D1AE-A0A2-4720-8E29-AA349CC05304}" srcOrd="0" destOrd="0" presId="urn:microsoft.com/office/officeart/2005/8/layout/default"/>
+    <dgm:cxn modelId="{BF5C89BB-AD3F-4A92-B71D-54E9FFEBC1F8}" type="presOf" srcId="{F20AE29D-B1EF-420F-A624-4DBC433C05B0}" destId="{F6B8A192-C8F9-4658-9E4F-887CA423FCB7}" srcOrd="0" destOrd="0" presId="urn:microsoft.com/office/officeart/2005/8/layout/default"/>
     <dgm:cxn modelId="{22E48CD3-5CFE-4E73-B52E-E48E30A6B4C9}" srcId="{6CB4662D-47DD-49A2-9C94-BAC32D230D51}" destId="{06572370-D344-4379-99E5-0C41874631DB}" srcOrd="2" destOrd="0" parTransId="{A09E3959-6161-4C04-9DA7-A9631D69CFCD}" sibTransId="{B4350903-B4A0-4CEE-A531-7B162620206B}"/>
-    <dgm:cxn modelId="{48A00EDB-004A-4310-800C-7A37321F24D4}" type="presOf" srcId="{B9A52266-CC83-4630-A653-2BEB22A8AFF4}" destId="{A20B25EF-AC55-4C1F-8DA6-89B93576767D}" srcOrd="0" destOrd="0" presId="urn:microsoft.com/office/officeart/2018/5/layout/IconCircleLabelList"/>
+    <dgm:cxn modelId="{C62C37E7-65E5-4E4F-A5C3-147509611B3C}" type="presOf" srcId="{2B5FB1F2-4C6E-425B-9A4B-846C822CAD54}" destId="{AEC2E931-278E-4106-8C0D-9E5136A3A40F}" srcOrd="0" destOrd="0" presId="urn:microsoft.com/office/officeart/2005/8/layout/default"/>
+    <dgm:cxn modelId="{FFBB8DE7-8E1A-4D5E-A03A-F8E31E0EAB66}" type="presOf" srcId="{95E90297-E829-436B-98C9-F908B82E6945}" destId="{31884B74-39CF-43CB-83CE-E05A3F92061A}" srcOrd="0" destOrd="0" presId="urn:microsoft.com/office/officeart/2005/8/layout/default"/>
+    <dgm:cxn modelId="{13117FF1-C9D9-4768-9132-838338FD1476}" type="presOf" srcId="{B9A52266-CC83-4630-A653-2BEB22A8AFF4}" destId="{3763F0CA-7536-4F33-AF59-7825687D90B2}" srcOrd="0" destOrd="0" presId="urn:microsoft.com/office/officeart/2005/8/layout/default"/>
+    <dgm:cxn modelId="{AE4A56F5-E0BF-4FA9-ABB0-A8DB95E7121B}" srcId="{6CB4662D-47DD-49A2-9C94-BAC32D230D51}" destId="{95E90297-E829-436B-98C9-F908B82E6945}" srcOrd="6" destOrd="0" parTransId="{023DC88C-289E-4F98-82FC-66B4D0C97B86}" sibTransId="{00D3B9BF-5913-4B9A-89FE-71A5FFDED545}"/>
     <dgm:cxn modelId="{2B07F1FA-F922-43F0-A819-91034F540F21}" srcId="{6CB4662D-47DD-49A2-9C94-BAC32D230D51}" destId="{2B5FB1F2-4C6E-425B-9A4B-846C822CAD54}" srcOrd="0" destOrd="0" parTransId="{B5571A29-4D6A-4679-9F58-E82490562774}" sibTransId="{87A1341D-15E7-4155-BA82-CDB28D8D9AA8}"/>
-    <dgm:cxn modelId="{D525F047-1C26-4D69-BEEE-0DCD802BD312}" type="presParOf" srcId="{72013BA8-2F38-473C-8EDB-75CFC8A12EEB}" destId="{0223FC86-109E-4AEE-8A9F-E15D8A9E0B26}" srcOrd="0" destOrd="0" presId="urn:microsoft.com/office/officeart/2018/5/layout/IconCircleLabelList"/>
-    <dgm:cxn modelId="{F14776ED-729A-42B9-83E1-145CD03D37A4}" type="presParOf" srcId="{0223FC86-109E-4AEE-8A9F-E15D8A9E0B26}" destId="{B08476E6-CF9F-402E-AA99-02D77A66D886}" srcOrd="0" destOrd="0" presId="urn:microsoft.com/office/officeart/2018/5/layout/IconCircleLabelList"/>
-    <dgm:cxn modelId="{B8B11A84-44E4-4344-92A2-CA0C15CE1BE4}" type="presParOf" srcId="{0223FC86-109E-4AEE-8A9F-E15D8A9E0B26}" destId="{D640D950-62B2-4AB2-A54E-F14BE6F834AD}" srcOrd="1" destOrd="0" presId="urn:microsoft.com/office/officeart/2018/5/layout/IconCircleLabelList"/>
-    <dgm:cxn modelId="{6062CF48-E87F-48E2-956D-7CEF6B027AE5}" type="presParOf" srcId="{0223FC86-109E-4AEE-8A9F-E15D8A9E0B26}" destId="{0EA4A674-74AF-4B20-B82A-8A0D44E46CD7}" srcOrd="2" destOrd="0" presId="urn:microsoft.com/office/officeart/2018/5/layout/IconCircleLabelList"/>
-    <dgm:cxn modelId="{5B051DC1-E477-45F7-9E9C-53E210C4DF21}" type="presParOf" srcId="{0223FC86-109E-4AEE-8A9F-E15D8A9E0B26}" destId="{460DBA39-8C8C-487E-BCF0-B11E9C818024}" srcOrd="3" destOrd="0" presId="urn:microsoft.com/office/officeart/2018/5/layout/IconCircleLabelList"/>
-    <dgm:cxn modelId="{F36B2B61-DDC0-4DFB-949D-6EDFF20625AB}" type="presParOf" srcId="{72013BA8-2F38-473C-8EDB-75CFC8A12EEB}" destId="{6F384266-46C3-4A9D-8C7B-B9EB5FD78A92}" srcOrd="1" destOrd="0" presId="urn:microsoft.com/office/officeart/2018/5/layout/IconCircleLabelList"/>
-    <dgm:cxn modelId="{5EAAA7A7-A5EE-404B-9A33-E7AB6C747534}" type="presParOf" srcId="{72013BA8-2F38-473C-8EDB-75CFC8A12EEB}" destId="{E8F0B73D-C130-4AA4-A09C-41ADC270B48A}" srcOrd="2" destOrd="0" presId="urn:microsoft.com/office/officeart/2018/5/layout/IconCircleLabelList"/>
-    <dgm:cxn modelId="{3583B4EE-BDCB-4D13-8A5E-D61925757BA6}" type="presParOf" srcId="{E8F0B73D-C130-4AA4-A09C-41ADC270B48A}" destId="{A47F36D1-4FDE-4685-8508-C5405D04F880}" srcOrd="0" destOrd="0" presId="urn:microsoft.com/office/officeart/2018/5/layout/IconCircleLabelList"/>
-    <dgm:cxn modelId="{D568F039-0F07-4B2C-AC5D-09AA6887E148}" type="presParOf" srcId="{E8F0B73D-C130-4AA4-A09C-41ADC270B48A}" destId="{94DF7EF6-C658-4540-BD52-B602114188EC}" srcOrd="1" destOrd="0" presId="urn:microsoft.com/office/officeart/2018/5/layout/IconCircleLabelList"/>
-    <dgm:cxn modelId="{DFF1D5C6-F8B1-4000-A518-837B8AB91BB0}" type="presParOf" srcId="{E8F0B73D-C130-4AA4-A09C-41ADC270B48A}" destId="{1FFE9975-643B-4B11-A7EE-7BED42EC4ED7}" srcOrd="2" destOrd="0" presId="urn:microsoft.com/office/officeart/2018/5/layout/IconCircleLabelList"/>
-    <dgm:cxn modelId="{D6026BC0-AE24-4A9D-84FE-DDB8DAB5AE1F}" type="presParOf" srcId="{E8F0B73D-C130-4AA4-A09C-41ADC270B48A}" destId="{7FBFBECE-CF33-46C0-940F-F510F1C5E156}" srcOrd="3" destOrd="0" presId="urn:microsoft.com/office/officeart/2018/5/layout/IconCircleLabelList"/>
-    <dgm:cxn modelId="{87EE5BD5-E6D0-4CE6-ADCD-6277AEBF83EB}" type="presParOf" srcId="{72013BA8-2F38-473C-8EDB-75CFC8A12EEB}" destId="{B1865E4A-A9AF-4CEC-A523-E1D97595BCF6}" srcOrd="3" destOrd="0" presId="urn:microsoft.com/office/officeart/2018/5/layout/IconCircleLabelList"/>
-    <dgm:cxn modelId="{922BB9D8-4411-4BA1-B065-2B1000E8331C}" type="presParOf" srcId="{72013BA8-2F38-473C-8EDB-75CFC8A12EEB}" destId="{BB9C189C-5789-4900-92C6-63BEB4637EFB}" srcOrd="4" destOrd="0" presId="urn:microsoft.com/office/officeart/2018/5/layout/IconCircleLabelList"/>
-    <dgm:cxn modelId="{E3DC5D57-93C4-4E12-8163-858E6612CE4E}" type="presParOf" srcId="{BB9C189C-5789-4900-92C6-63BEB4637EFB}" destId="{8ACB5319-DF52-4345-953E-2528BE335F07}" srcOrd="0" destOrd="0" presId="urn:microsoft.com/office/officeart/2018/5/layout/IconCircleLabelList"/>
-    <dgm:cxn modelId="{C5C05CBB-F1B9-4E2D-81EC-E00E2844DFFD}" type="presParOf" srcId="{BB9C189C-5789-4900-92C6-63BEB4637EFB}" destId="{1B64DA67-76FF-4469-97D1-8C0AF14C93DB}" srcOrd="1" destOrd="0" presId="urn:microsoft.com/office/officeart/2018/5/layout/IconCircleLabelList"/>
-    <dgm:cxn modelId="{8870B131-4798-4F39-99EC-894606ACC3D6}" type="presParOf" srcId="{BB9C189C-5789-4900-92C6-63BEB4637EFB}" destId="{DB4E65DC-79D7-4290-9C30-609D20BE1D3C}" srcOrd="2" destOrd="0" presId="urn:microsoft.com/office/officeart/2018/5/layout/IconCircleLabelList"/>
-    <dgm:cxn modelId="{F65BA17C-C1B3-4B51-85B4-CCFBE41C3BFC}" type="presParOf" srcId="{BB9C189C-5789-4900-92C6-63BEB4637EFB}" destId="{EFB22B8D-C3AE-479E-B355-26B12B05ED72}" srcOrd="3" destOrd="0" presId="urn:microsoft.com/office/officeart/2018/5/layout/IconCircleLabelList"/>
-    <dgm:cxn modelId="{C99F77A3-411A-4F1F-8887-88E09D156A93}" type="presParOf" srcId="{72013BA8-2F38-473C-8EDB-75CFC8A12EEB}" destId="{C9E2F083-78C7-4386-B054-81596C30BDD8}" srcOrd="5" destOrd="0" presId="urn:microsoft.com/office/officeart/2018/5/layout/IconCircleLabelList"/>
-    <dgm:cxn modelId="{360A71A7-9B85-4255-B2DB-BD8EC17442F6}" type="presParOf" srcId="{72013BA8-2F38-473C-8EDB-75CFC8A12EEB}" destId="{D6384C6D-45EF-435A-BF13-3D45152008F2}" srcOrd="6" destOrd="0" presId="urn:microsoft.com/office/officeart/2018/5/layout/IconCircleLabelList"/>
-    <dgm:cxn modelId="{1F63D71E-45AB-4721-8E40-351677AF5B3C}" type="presParOf" srcId="{D6384C6D-45EF-435A-BF13-3D45152008F2}" destId="{0622A5BA-6037-4D17-8EA6-BA4F1CB5F0DC}" srcOrd="0" destOrd="0" presId="urn:microsoft.com/office/officeart/2018/5/layout/IconCircleLabelList"/>
-    <dgm:cxn modelId="{2A670674-8FCC-46BE-A310-584221E7375B}" type="presParOf" srcId="{D6384C6D-45EF-435A-BF13-3D45152008F2}" destId="{32B5033B-E427-48F7-A7EF-C860E6992B06}" srcOrd="1" destOrd="0" presId="urn:microsoft.com/office/officeart/2018/5/layout/IconCircleLabelList"/>
-    <dgm:cxn modelId="{07402510-434C-4841-8486-CB05FDB0F20F}" type="presParOf" srcId="{D6384C6D-45EF-435A-BF13-3D45152008F2}" destId="{4CA1E869-A09A-425E-BD7E-7472C6F67BF2}" srcOrd="2" destOrd="0" presId="urn:microsoft.com/office/officeart/2018/5/layout/IconCircleLabelList"/>
-    <dgm:cxn modelId="{7CB291DF-D8E3-45E1-80B7-4A9723DD0A1B}" type="presParOf" srcId="{D6384C6D-45EF-435A-BF13-3D45152008F2}" destId="{56EE303F-DEB1-4A57-B926-CEA90210D573}" srcOrd="3" destOrd="0" presId="urn:microsoft.com/office/officeart/2018/5/layout/IconCircleLabelList"/>
-    <dgm:cxn modelId="{4EC8A7B4-29CF-4C42-8913-CEBE176A3FDB}" type="presParOf" srcId="{72013BA8-2F38-473C-8EDB-75CFC8A12EEB}" destId="{6494A299-757B-489E-AC37-1FFBA226862A}" srcOrd="7" destOrd="0" presId="urn:microsoft.com/office/officeart/2018/5/layout/IconCircleLabelList"/>
-    <dgm:cxn modelId="{E7C63E63-66DB-4339-82F8-2DE741D11518}" type="presParOf" srcId="{72013BA8-2F38-473C-8EDB-75CFC8A12EEB}" destId="{C4D95B97-3B50-4789-A2A7-F1FA6072E3A2}" srcOrd="8" destOrd="0" presId="urn:microsoft.com/office/officeart/2018/5/layout/IconCircleLabelList"/>
-    <dgm:cxn modelId="{B8980D6B-7DD6-4964-8F74-69276053DDBD}" type="presParOf" srcId="{C4D95B97-3B50-4789-A2A7-F1FA6072E3A2}" destId="{7E0D7ACC-3700-4371-83EE-18B984D19FC9}" srcOrd="0" destOrd="0" presId="urn:microsoft.com/office/officeart/2018/5/layout/IconCircleLabelList"/>
-    <dgm:cxn modelId="{E2CF058C-E9E9-4E69-8285-230ED3240681}" type="presParOf" srcId="{C4D95B97-3B50-4789-A2A7-F1FA6072E3A2}" destId="{6E937B6F-1081-4247-9BB8-4ACA4D1772EC}" srcOrd="1" destOrd="0" presId="urn:microsoft.com/office/officeart/2018/5/layout/IconCircleLabelList"/>
-    <dgm:cxn modelId="{D8501678-DA1F-47D9-863C-9C6D0788BBD0}" type="presParOf" srcId="{C4D95B97-3B50-4789-A2A7-F1FA6072E3A2}" destId="{64272DD3-888F-48D9-8C72-428DC4F0AF6A}" srcOrd="2" destOrd="0" presId="urn:microsoft.com/office/officeart/2018/5/layout/IconCircleLabelList"/>
-    <dgm:cxn modelId="{2FBF8A9C-41D1-473D-A71A-ED1683FFB2B5}" type="presParOf" srcId="{C4D95B97-3B50-4789-A2A7-F1FA6072E3A2}" destId="{BB859DEB-9C4D-47B7-A957-F926566B2725}" srcOrd="3" destOrd="0" presId="urn:microsoft.com/office/officeart/2018/5/layout/IconCircleLabelList"/>
-    <dgm:cxn modelId="{866FCA95-5081-401B-9219-C55EE7FB3454}" type="presParOf" srcId="{72013BA8-2F38-473C-8EDB-75CFC8A12EEB}" destId="{8EA02A98-0DF1-48D1-ADEC-1B47E984C262}" srcOrd="9" destOrd="0" presId="urn:microsoft.com/office/officeart/2018/5/layout/IconCircleLabelList"/>
-    <dgm:cxn modelId="{1B1DD66F-88B9-41CA-A0BA-E78D1AA1A378}" type="presParOf" srcId="{72013BA8-2F38-473C-8EDB-75CFC8A12EEB}" destId="{9409DA12-E3E7-4B06-9844-AADF4F1320EA}" srcOrd="10" destOrd="0" presId="urn:microsoft.com/office/officeart/2018/5/layout/IconCircleLabelList"/>
-    <dgm:cxn modelId="{74ED39E1-B0B3-4773-8FD0-F55DE5FACF6B}" type="presParOf" srcId="{9409DA12-E3E7-4B06-9844-AADF4F1320EA}" destId="{538F8099-3F89-484D-9B01-BA41A92282AD}" srcOrd="0" destOrd="0" presId="urn:microsoft.com/office/officeart/2018/5/layout/IconCircleLabelList"/>
-    <dgm:cxn modelId="{5A095E59-6B95-4670-82F4-98EB8C22847B}" type="presParOf" srcId="{9409DA12-E3E7-4B06-9844-AADF4F1320EA}" destId="{F6E06343-CE00-4D1D-B5D3-BCD00BD3811B}" srcOrd="1" destOrd="0" presId="urn:microsoft.com/office/officeart/2018/5/layout/IconCircleLabelList"/>
-    <dgm:cxn modelId="{84B697E7-27DC-46C8-A35B-513893C486A5}" type="presParOf" srcId="{9409DA12-E3E7-4B06-9844-AADF4F1320EA}" destId="{9BB7B429-16DF-4EA8-82EB-CF22B751805E}" srcOrd="2" destOrd="0" presId="urn:microsoft.com/office/officeart/2018/5/layout/IconCircleLabelList"/>
-    <dgm:cxn modelId="{280A7755-6AD5-4FB0-9FEC-6C925EA7A731}" type="presParOf" srcId="{9409DA12-E3E7-4B06-9844-AADF4F1320EA}" destId="{CCF2C183-350E-4BB9-82C1-7E4A65C8D875}" srcOrd="3" destOrd="0" presId="urn:microsoft.com/office/officeart/2018/5/layout/IconCircleLabelList"/>
-    <dgm:cxn modelId="{B035F5AC-08ED-4E29-A97D-A2B24A8B9D61}" type="presParOf" srcId="{72013BA8-2F38-473C-8EDB-75CFC8A12EEB}" destId="{3ED9FF39-1BB1-49CE-BA56-79FB58D486F6}" srcOrd="11" destOrd="0" presId="urn:microsoft.com/office/officeart/2018/5/layout/IconCircleLabelList"/>
-    <dgm:cxn modelId="{B12D4C0A-2216-4C33-B64D-602458050CAF}" type="presParOf" srcId="{72013BA8-2F38-473C-8EDB-75CFC8A12EEB}" destId="{D59F165E-5D2A-4DEC-8561-E2CF5C650853}" srcOrd="12" destOrd="0" presId="urn:microsoft.com/office/officeart/2018/5/layout/IconCircleLabelList"/>
-    <dgm:cxn modelId="{F32CAEA8-E4FF-4705-95DE-013532C4BB0C}" type="presParOf" srcId="{D59F165E-5D2A-4DEC-8561-E2CF5C650853}" destId="{64DADAB1-A8E0-4C3B-970B-F5D825E01E06}" srcOrd="0" destOrd="0" presId="urn:microsoft.com/office/officeart/2018/5/layout/IconCircleLabelList"/>
-    <dgm:cxn modelId="{17D1DC77-8A60-4ACA-856D-E82AF2E228CC}" type="presParOf" srcId="{D59F165E-5D2A-4DEC-8561-E2CF5C650853}" destId="{8DEC0C1F-2FA7-4B67-8EB3-0C543245C2AD}" srcOrd="1" destOrd="0" presId="urn:microsoft.com/office/officeart/2018/5/layout/IconCircleLabelList"/>
-    <dgm:cxn modelId="{70530344-6032-4990-8192-EF585CB3AEAC}" type="presParOf" srcId="{D59F165E-5D2A-4DEC-8561-E2CF5C650853}" destId="{57ABCCF1-5A82-470D-9415-943D2CD785FB}" srcOrd="2" destOrd="0" presId="urn:microsoft.com/office/officeart/2018/5/layout/IconCircleLabelList"/>
-    <dgm:cxn modelId="{BAE9865B-94DB-411A-ACBA-139B44FA4F5B}" type="presParOf" srcId="{D59F165E-5D2A-4DEC-8561-E2CF5C650853}" destId="{A20B25EF-AC55-4C1F-8DA6-89B93576767D}" srcOrd="3" destOrd="0" presId="urn:microsoft.com/office/officeart/2018/5/layout/IconCircleLabelList"/>
+    <dgm:cxn modelId="{D17B979F-C269-488A-A039-AA6F4D2DD4CF}" type="presParOf" srcId="{B46041BE-DA6E-4A87-8F7C-8022577A7FE1}" destId="{AEC2E931-278E-4106-8C0D-9E5136A3A40F}" srcOrd="0" destOrd="0" presId="urn:microsoft.com/office/officeart/2005/8/layout/default"/>
+    <dgm:cxn modelId="{F8BCB005-7949-4263-A45C-092096EFC73B}" type="presParOf" srcId="{B46041BE-DA6E-4A87-8F7C-8022577A7FE1}" destId="{CE0D7C8D-E685-43AB-A71C-58E539208DC0}" srcOrd="1" destOrd="0" presId="urn:microsoft.com/office/officeart/2005/8/layout/default"/>
+    <dgm:cxn modelId="{2919EA93-F57E-41B6-8A97-C886327E9198}" type="presParOf" srcId="{B46041BE-DA6E-4A87-8F7C-8022577A7FE1}" destId="{22CE8764-D2AC-40BB-8C49-1A852939C0B8}" srcOrd="2" destOrd="0" presId="urn:microsoft.com/office/officeart/2005/8/layout/default"/>
+    <dgm:cxn modelId="{B7C3E0B7-76F8-4334-8AD1-E990BC4D19D7}" type="presParOf" srcId="{B46041BE-DA6E-4A87-8F7C-8022577A7FE1}" destId="{0F336498-2476-4753-8B0A-7BE94CF28971}" srcOrd="3" destOrd="0" presId="urn:microsoft.com/office/officeart/2005/8/layout/default"/>
+    <dgm:cxn modelId="{5DFB2086-B83A-4FA6-AFC2-1CFACFC494F0}" type="presParOf" srcId="{B46041BE-DA6E-4A87-8F7C-8022577A7FE1}" destId="{F822D1AE-A0A2-4720-8E29-AA349CC05304}" srcOrd="4" destOrd="0" presId="urn:microsoft.com/office/officeart/2005/8/layout/default"/>
+    <dgm:cxn modelId="{16BF776B-B313-44ED-BBD4-690806BD024A}" type="presParOf" srcId="{B46041BE-DA6E-4A87-8F7C-8022577A7FE1}" destId="{C05BC069-7718-4EF4-86DE-6D89316FEF6E}" srcOrd="5" destOrd="0" presId="urn:microsoft.com/office/officeart/2005/8/layout/default"/>
+    <dgm:cxn modelId="{C853F979-96CC-4517-864B-803EBEB57B6F}" type="presParOf" srcId="{B46041BE-DA6E-4A87-8F7C-8022577A7FE1}" destId="{95125A75-4861-45EA-B020-4D7F2409FDB8}" srcOrd="6" destOrd="0" presId="urn:microsoft.com/office/officeart/2005/8/layout/default"/>
+    <dgm:cxn modelId="{CAED4166-EFD6-4AB9-9291-7D12EA0837A5}" type="presParOf" srcId="{B46041BE-DA6E-4A87-8F7C-8022577A7FE1}" destId="{14331A3E-42EC-4669-8BC3-C10B73384E6F}" srcOrd="7" destOrd="0" presId="urn:microsoft.com/office/officeart/2005/8/layout/default"/>
+    <dgm:cxn modelId="{F15F0507-8429-4150-ACE8-046C31B0235C}" type="presParOf" srcId="{B46041BE-DA6E-4A87-8F7C-8022577A7FE1}" destId="{F764248E-C1D2-40FA-82AF-06167886CE75}" srcOrd="8" destOrd="0" presId="urn:microsoft.com/office/officeart/2005/8/layout/default"/>
+    <dgm:cxn modelId="{35D6743D-A88A-421B-B8DC-0EB66AB15DA5}" type="presParOf" srcId="{B46041BE-DA6E-4A87-8F7C-8022577A7FE1}" destId="{5D2066D6-6443-4E27-9391-D74CD306258B}" srcOrd="9" destOrd="0" presId="urn:microsoft.com/office/officeart/2005/8/layout/default"/>
+    <dgm:cxn modelId="{7E1A340D-298E-4983-BC0F-AEC6A92387CE}" type="presParOf" srcId="{B46041BE-DA6E-4A87-8F7C-8022577A7FE1}" destId="{D32A3534-2EEA-4CAB-A5A7-61E6969892FA}" srcOrd="10" destOrd="0" presId="urn:microsoft.com/office/officeart/2005/8/layout/default"/>
+    <dgm:cxn modelId="{F66417B3-886C-4EEA-889E-44EC2762D5DD}" type="presParOf" srcId="{B46041BE-DA6E-4A87-8F7C-8022577A7FE1}" destId="{2FB6A11C-608C-43B4-84A6-3311643078E1}" srcOrd="11" destOrd="0" presId="urn:microsoft.com/office/officeart/2005/8/layout/default"/>
+    <dgm:cxn modelId="{FF4EA57D-7FEB-4858-81AD-D148A4168295}" type="presParOf" srcId="{B46041BE-DA6E-4A87-8F7C-8022577A7FE1}" destId="{31884B74-39CF-43CB-83CE-E05A3F92061A}" srcOrd="12" destOrd="0" presId="urn:microsoft.com/office/officeart/2005/8/layout/default"/>
+    <dgm:cxn modelId="{5678BAF9-5353-43D7-B489-AE55920E4A08}" type="presParOf" srcId="{B46041BE-DA6E-4A87-8F7C-8022577A7FE1}" destId="{61CA95C4-85D6-49BD-8521-006DEF140147}" srcOrd="13" destOrd="0" presId="urn:microsoft.com/office/officeart/2005/8/layout/default"/>
+    <dgm:cxn modelId="{041F6DA2-D3A5-4278-A3B7-16C10427C48A}" type="presParOf" srcId="{B46041BE-DA6E-4A87-8F7C-8022577A7FE1}" destId="{F6B8A192-C8F9-4658-9E4F-887CA423FCB7}" srcOrd="14" destOrd="0" presId="urn:microsoft.com/office/officeart/2005/8/layout/default"/>
+    <dgm:cxn modelId="{59FE118C-829A-42E8-B274-E8A1A797BF79}" type="presParOf" srcId="{B46041BE-DA6E-4A87-8F7C-8022577A7FE1}" destId="{02E27252-1D56-40DA-AB35-230658ECE4DB}" srcOrd="15" destOrd="0" presId="urn:microsoft.com/office/officeart/2005/8/layout/default"/>
+    <dgm:cxn modelId="{474DCD49-94D0-41D6-894A-FA5C9DAC9940}" type="presParOf" srcId="{B46041BE-DA6E-4A87-8F7C-8022577A7FE1}" destId="{3763F0CA-7536-4F33-AF59-7825687D90B2}" srcOrd="16" destOrd="0" presId="urn:microsoft.com/office/officeart/2005/8/layout/default"/>
   </dgm:cxnLst>
   <dgm:bg/>
   <dgm:whole/>
@@ -6188,6 +6731,278 @@
 </dgm:dataModel>
 </file>
 
+<file path=ppt/diagrams/data6.xml><?xml version="1.0" encoding="utf-8"?>
+<dgm:dataModel xmlns:dgm="http://schemas.openxmlformats.org/drawingml/2006/diagram" xmlns:a="http://schemas.openxmlformats.org/drawingml/2006/main">
+  <dgm:ptLst>
+    <dgm:pt modelId="{E0C2409B-BDCE-487A-ADD9-D9D3387CB48E}" type="doc">
+      <dgm:prSet loTypeId="urn:microsoft.com/office/officeart/2016/7/layout/LinearBlockProcessNumbered" loCatId="process" qsTypeId="urn:microsoft.com/office/officeart/2005/8/quickstyle/simple4" qsCatId="simple" csTypeId="urn:microsoft.com/office/officeart/2005/8/colors/accent1_2" csCatId="accent1" phldr="1"/>
+      <dgm:spPr/>
+      <dgm:t>
+        <a:bodyPr/>
+        <a:lstStyle/>
+        <a:p>
+          <a:endParaRPr lang="en-US"/>
+        </a:p>
+      </dgm:t>
+    </dgm:pt>
+    <dgm:pt modelId="{A50D48A8-62D8-4A22-9201-DED5B3D61558}">
+      <dgm:prSet/>
+      <dgm:spPr/>
+      <dgm:t>
+        <a:bodyPr/>
+        <a:lstStyle/>
+        <a:p>
+          <a:r>
+            <a:rPr lang="de-DE" noProof="0"/>
+            <a:t>Durch den Einsatz dieser Software kann das Unternehmen bis zu 1.000 € pro Monat einsparen.</a:t>
+          </a:r>
+          <a:endParaRPr lang="de-DE" noProof="0" dirty="0"/>
+        </a:p>
+      </dgm:t>
+    </dgm:pt>
+    <dgm:pt modelId="{00DED0D0-36F2-4B2E-88B7-BBF920095ECB}" type="parTrans" cxnId="{44A3881E-A2EB-4AF1-9DCA-A841CE067CB5}">
+      <dgm:prSet/>
+      <dgm:spPr/>
+      <dgm:t>
+        <a:bodyPr/>
+        <a:lstStyle/>
+        <a:p>
+          <a:endParaRPr lang="en-US"/>
+        </a:p>
+      </dgm:t>
+    </dgm:pt>
+    <dgm:pt modelId="{AD5F24DA-B617-4CF2-BEC3-F24120C3DDD5}" type="sibTrans" cxnId="{44A3881E-A2EB-4AF1-9DCA-A841CE067CB5}">
+      <dgm:prSet phldrT="01"/>
+      <dgm:spPr/>
+      <dgm:t>
+        <a:bodyPr/>
+        <a:lstStyle/>
+        <a:p>
+          <a:endParaRPr lang="en-US" dirty="0"/>
+        </a:p>
+      </dgm:t>
+    </dgm:pt>
+    <dgm:pt modelId="{3F3B9BDB-3B62-45BC-8D19-9BD53D985D6A}">
+      <dgm:prSet/>
+      <dgm:spPr/>
+      <dgm:t>
+        <a:bodyPr/>
+        <a:lstStyle/>
+        <a:p>
+          <a:r>
+            <a:rPr lang="de-DE" noProof="0" dirty="0"/>
+            <a:t>Vor allem in Zeiten wie der Vorweihnachtszeit, in der viele Bestellungen eingehen, ist diese Software eine große Hilfe.</a:t>
+          </a:r>
+        </a:p>
+      </dgm:t>
+    </dgm:pt>
+    <dgm:pt modelId="{6880C7DC-8E80-4007-BDC1-A17645C81385}" type="parTrans" cxnId="{5474D1FD-3F2C-4ED8-A88D-44521872E30D}">
+      <dgm:prSet/>
+      <dgm:spPr/>
+      <dgm:t>
+        <a:bodyPr/>
+        <a:lstStyle/>
+        <a:p>
+          <a:endParaRPr lang="de-AT"/>
+        </a:p>
+      </dgm:t>
+    </dgm:pt>
+    <dgm:pt modelId="{32DF47CC-2EB5-4C5B-B524-46767CA9DA9F}" type="sibTrans" cxnId="{5474D1FD-3F2C-4ED8-A88D-44521872E30D}">
+      <dgm:prSet phldrT="02"/>
+      <dgm:spPr/>
+      <dgm:t>
+        <a:bodyPr/>
+        <a:lstStyle/>
+        <a:p>
+          <a:pPr algn="l"/>
+          <a:endParaRPr lang="en-US" dirty="0"/>
+        </a:p>
+        <a:p>
+          <a:pPr algn="l"/>
+          <a:endParaRPr lang="de-AT" dirty="0"/>
+        </a:p>
+      </dgm:t>
+    </dgm:pt>
+    <dgm:pt modelId="{3275CB9F-3295-4D4A-9527-B45D7937CF6D}">
+      <dgm:prSet/>
+      <dgm:spPr/>
+      <dgm:t>
+        <a:bodyPr/>
+        <a:lstStyle/>
+        <a:p>
+          <a:r>
+            <a:rPr lang="de-DE" noProof="0" dirty="0"/>
+            <a:t>Die Dokumentation des Verbrauchs ist nicht mehr von Hand erforderlich, sondern wird von dieser Software übernommen.</a:t>
+          </a:r>
+        </a:p>
+      </dgm:t>
+    </dgm:pt>
+    <dgm:pt modelId="{875D322D-6842-4426-8946-FD60C679DF6D}" type="parTrans" cxnId="{37B1B595-B783-478A-A8DC-61C775A9B0A5}">
+      <dgm:prSet/>
+      <dgm:spPr/>
+      <dgm:t>
+        <a:bodyPr/>
+        <a:lstStyle/>
+        <a:p>
+          <a:endParaRPr lang="de-AT"/>
+        </a:p>
+      </dgm:t>
+    </dgm:pt>
+    <dgm:pt modelId="{272981E7-4888-498B-ABE2-1985F84C6F2A}" type="sibTrans" cxnId="{37B1B595-B783-478A-A8DC-61C775A9B0A5}">
+      <dgm:prSet/>
+      <dgm:spPr/>
+      <dgm:t>
+        <a:bodyPr/>
+        <a:lstStyle/>
+        <a:p>
+          <a:endParaRPr lang="de-AT"/>
+        </a:p>
+      </dgm:t>
+    </dgm:pt>
+    <dgm:pt modelId="{ADC9BE4C-7E15-4A12-8316-DA2A49C6AF69}" type="pres">
+      <dgm:prSet presAssocID="{E0C2409B-BDCE-487A-ADD9-D9D3387CB48E}" presName="Name0" presStyleCnt="0">
+        <dgm:presLayoutVars>
+          <dgm:animLvl val="lvl"/>
+          <dgm:resizeHandles val="exact"/>
+        </dgm:presLayoutVars>
+      </dgm:prSet>
+      <dgm:spPr/>
+    </dgm:pt>
+    <dgm:pt modelId="{26529CA5-942F-4840-A4FC-FBC665F03F66}" type="pres">
+      <dgm:prSet presAssocID="{A50D48A8-62D8-4A22-9201-DED5B3D61558}" presName="compositeNode" presStyleCnt="0">
+        <dgm:presLayoutVars>
+          <dgm:bulletEnabled val="1"/>
+        </dgm:presLayoutVars>
+      </dgm:prSet>
+      <dgm:spPr/>
+    </dgm:pt>
+    <dgm:pt modelId="{C7140665-82A2-4CFF-A577-566C227184F7}" type="pres">
+      <dgm:prSet presAssocID="{A50D48A8-62D8-4A22-9201-DED5B3D61558}" presName="bgRect" presStyleLbl="alignNode1" presStyleIdx="0" presStyleCnt="3"/>
+      <dgm:spPr/>
+    </dgm:pt>
+    <dgm:pt modelId="{8EB4E4E5-9766-4B62-B2CC-62677EF26071}" type="pres">
+      <dgm:prSet presAssocID="{AD5F24DA-B617-4CF2-BEC3-F24120C3DDD5}" presName="sibTransNodeRect" presStyleLbl="alignNode1" presStyleIdx="0" presStyleCnt="3">
+        <dgm:presLayoutVars>
+          <dgm:chMax val="0"/>
+          <dgm:bulletEnabled val="1"/>
+        </dgm:presLayoutVars>
+      </dgm:prSet>
+      <dgm:spPr/>
+    </dgm:pt>
+    <dgm:pt modelId="{9A0F4DF4-86FB-440D-A271-484520D1AAE0}" type="pres">
+      <dgm:prSet presAssocID="{A50D48A8-62D8-4A22-9201-DED5B3D61558}" presName="nodeRect" presStyleLbl="alignNode1" presStyleIdx="0" presStyleCnt="3">
+        <dgm:presLayoutVars>
+          <dgm:bulletEnabled val="1"/>
+        </dgm:presLayoutVars>
+      </dgm:prSet>
+      <dgm:spPr/>
+    </dgm:pt>
+    <dgm:pt modelId="{374D7859-2FD5-4B6D-9400-EF9CB8AEB223}" type="pres">
+      <dgm:prSet presAssocID="{AD5F24DA-B617-4CF2-BEC3-F24120C3DDD5}" presName="sibTrans" presStyleCnt="0"/>
+      <dgm:spPr/>
+    </dgm:pt>
+    <dgm:pt modelId="{B3E5F05E-37BF-4BE3-8E64-072AE427685F}" type="pres">
+      <dgm:prSet presAssocID="{3F3B9BDB-3B62-45BC-8D19-9BD53D985D6A}" presName="compositeNode" presStyleCnt="0">
+        <dgm:presLayoutVars>
+          <dgm:bulletEnabled val="1"/>
+        </dgm:presLayoutVars>
+      </dgm:prSet>
+      <dgm:spPr/>
+    </dgm:pt>
+    <dgm:pt modelId="{2846F65E-55DB-44D7-906D-BAF73BFE9872}" type="pres">
+      <dgm:prSet presAssocID="{3F3B9BDB-3B62-45BC-8D19-9BD53D985D6A}" presName="bgRect" presStyleLbl="alignNode1" presStyleIdx="1" presStyleCnt="3"/>
+      <dgm:spPr/>
+    </dgm:pt>
+    <dgm:pt modelId="{7FCC81E4-ACDB-4264-8EA0-F675F3C1FC63}" type="pres">
+      <dgm:prSet presAssocID="{32DF47CC-2EB5-4C5B-B524-46767CA9DA9F}" presName="sibTransNodeRect" presStyleLbl="alignNode1" presStyleIdx="1" presStyleCnt="3">
+        <dgm:presLayoutVars>
+          <dgm:chMax val="0"/>
+          <dgm:bulletEnabled val="1"/>
+        </dgm:presLayoutVars>
+      </dgm:prSet>
+      <dgm:spPr/>
+    </dgm:pt>
+    <dgm:pt modelId="{5C0FABA8-84A2-4267-944B-C5EBBF44A75F}" type="pres">
+      <dgm:prSet presAssocID="{3F3B9BDB-3B62-45BC-8D19-9BD53D985D6A}" presName="nodeRect" presStyleLbl="alignNode1" presStyleIdx="1" presStyleCnt="3">
+        <dgm:presLayoutVars>
+          <dgm:bulletEnabled val="1"/>
+        </dgm:presLayoutVars>
+      </dgm:prSet>
+      <dgm:spPr/>
+    </dgm:pt>
+    <dgm:pt modelId="{9639F608-D1FB-4D40-B2A1-642096BFC0D0}" type="pres">
+      <dgm:prSet presAssocID="{32DF47CC-2EB5-4C5B-B524-46767CA9DA9F}" presName="sibTrans" presStyleCnt="0"/>
+      <dgm:spPr/>
+    </dgm:pt>
+    <dgm:pt modelId="{64206EC6-7088-4D76-B0C3-0AF1638EA5FA}" type="pres">
+      <dgm:prSet presAssocID="{3275CB9F-3295-4D4A-9527-B45D7937CF6D}" presName="compositeNode" presStyleCnt="0">
+        <dgm:presLayoutVars>
+          <dgm:bulletEnabled val="1"/>
+        </dgm:presLayoutVars>
+      </dgm:prSet>
+      <dgm:spPr/>
+    </dgm:pt>
+    <dgm:pt modelId="{59C11BFA-2046-4AFA-A19F-A8EC52FE8CA0}" type="pres">
+      <dgm:prSet presAssocID="{3275CB9F-3295-4D4A-9527-B45D7937CF6D}" presName="bgRect" presStyleLbl="alignNode1" presStyleIdx="2" presStyleCnt="3"/>
+      <dgm:spPr/>
+    </dgm:pt>
+    <dgm:pt modelId="{640C4C8C-A7CA-4410-B1E6-1790DB09CDFB}" type="pres">
+      <dgm:prSet presAssocID="{272981E7-4888-498B-ABE2-1985F84C6F2A}" presName="sibTransNodeRect" presStyleLbl="alignNode1" presStyleIdx="2" presStyleCnt="3">
+        <dgm:presLayoutVars>
+          <dgm:chMax val="0"/>
+          <dgm:bulletEnabled val="1"/>
+        </dgm:presLayoutVars>
+      </dgm:prSet>
+      <dgm:spPr/>
+    </dgm:pt>
+    <dgm:pt modelId="{D016ECD1-E6DC-448D-8EE7-0B6424319E5A}" type="pres">
+      <dgm:prSet presAssocID="{3275CB9F-3295-4D4A-9527-B45D7937CF6D}" presName="nodeRect" presStyleLbl="alignNode1" presStyleIdx="2" presStyleCnt="3">
+        <dgm:presLayoutVars>
+          <dgm:bulletEnabled val="1"/>
+        </dgm:presLayoutVars>
+      </dgm:prSet>
+      <dgm:spPr/>
+    </dgm:pt>
+  </dgm:ptLst>
+  <dgm:cxnLst>
+    <dgm:cxn modelId="{B3A41E15-B437-41FA-B629-17E387314CC4}" type="presOf" srcId="{E0C2409B-BDCE-487A-ADD9-D9D3387CB48E}" destId="{ADC9BE4C-7E15-4A12-8316-DA2A49C6AF69}" srcOrd="0" destOrd="0" presId="urn:microsoft.com/office/officeart/2016/7/layout/LinearBlockProcessNumbered"/>
+    <dgm:cxn modelId="{44A3881E-A2EB-4AF1-9DCA-A841CE067CB5}" srcId="{E0C2409B-BDCE-487A-ADD9-D9D3387CB48E}" destId="{A50D48A8-62D8-4A22-9201-DED5B3D61558}" srcOrd="0" destOrd="0" parTransId="{00DED0D0-36F2-4B2E-88B7-BBF920095ECB}" sibTransId="{AD5F24DA-B617-4CF2-BEC3-F24120C3DDD5}"/>
+    <dgm:cxn modelId="{AB726D2F-74DA-46E4-8B5F-1B255D1F249E}" type="presOf" srcId="{3275CB9F-3295-4D4A-9527-B45D7937CF6D}" destId="{59C11BFA-2046-4AFA-A19F-A8EC52FE8CA0}" srcOrd="0" destOrd="0" presId="urn:microsoft.com/office/officeart/2016/7/layout/LinearBlockProcessNumbered"/>
+    <dgm:cxn modelId="{E11EF637-F759-4CBA-BA7E-04AF25BA0476}" type="presOf" srcId="{A50D48A8-62D8-4A22-9201-DED5B3D61558}" destId="{9A0F4DF4-86FB-440D-A271-484520D1AAE0}" srcOrd="1" destOrd="0" presId="urn:microsoft.com/office/officeart/2016/7/layout/LinearBlockProcessNumbered"/>
+    <dgm:cxn modelId="{606F303F-AF29-48F9-968A-9A9EA125A6E1}" type="presOf" srcId="{3275CB9F-3295-4D4A-9527-B45D7937CF6D}" destId="{D016ECD1-E6DC-448D-8EE7-0B6424319E5A}" srcOrd="1" destOrd="0" presId="urn:microsoft.com/office/officeart/2016/7/layout/LinearBlockProcessNumbered"/>
+    <dgm:cxn modelId="{03E4C55D-4CBF-431E-99DE-ABD00B58863B}" type="presOf" srcId="{A50D48A8-62D8-4A22-9201-DED5B3D61558}" destId="{C7140665-82A2-4CFF-A577-566C227184F7}" srcOrd="0" destOrd="0" presId="urn:microsoft.com/office/officeart/2016/7/layout/LinearBlockProcessNumbered"/>
+    <dgm:cxn modelId="{91D8E04C-539B-4950-9973-E7D6DE86CF92}" type="presOf" srcId="{272981E7-4888-498B-ABE2-1985F84C6F2A}" destId="{640C4C8C-A7CA-4410-B1E6-1790DB09CDFB}" srcOrd="0" destOrd="0" presId="urn:microsoft.com/office/officeart/2016/7/layout/LinearBlockProcessNumbered"/>
+    <dgm:cxn modelId="{37B1B595-B783-478A-A8DC-61C775A9B0A5}" srcId="{E0C2409B-BDCE-487A-ADD9-D9D3387CB48E}" destId="{3275CB9F-3295-4D4A-9527-B45D7937CF6D}" srcOrd="2" destOrd="0" parTransId="{875D322D-6842-4426-8946-FD60C679DF6D}" sibTransId="{272981E7-4888-498B-ABE2-1985F84C6F2A}"/>
+    <dgm:cxn modelId="{3E2586C6-49E0-4419-B486-0C36DBDC3A46}" type="presOf" srcId="{3F3B9BDB-3B62-45BC-8D19-9BD53D985D6A}" destId="{2846F65E-55DB-44D7-906D-BAF73BFE9872}" srcOrd="0" destOrd="0" presId="urn:microsoft.com/office/officeart/2016/7/layout/LinearBlockProcessNumbered"/>
+    <dgm:cxn modelId="{BDF377CE-C4DE-4343-A398-414770155574}" type="presOf" srcId="{32DF47CC-2EB5-4C5B-B524-46767CA9DA9F}" destId="{7FCC81E4-ACDB-4264-8EA0-F675F3C1FC63}" srcOrd="0" destOrd="0" presId="urn:microsoft.com/office/officeart/2016/7/layout/LinearBlockProcessNumbered"/>
+    <dgm:cxn modelId="{41AE0ED3-9055-45BE-8018-2867159488E9}" type="presOf" srcId="{AD5F24DA-B617-4CF2-BEC3-F24120C3DDD5}" destId="{8EB4E4E5-9766-4B62-B2CC-62677EF26071}" srcOrd="0" destOrd="0" presId="urn:microsoft.com/office/officeart/2016/7/layout/LinearBlockProcessNumbered"/>
+    <dgm:cxn modelId="{F01490F4-634B-4755-840C-38355FFD08C1}" type="presOf" srcId="{3F3B9BDB-3B62-45BC-8D19-9BD53D985D6A}" destId="{5C0FABA8-84A2-4267-944B-C5EBBF44A75F}" srcOrd="1" destOrd="0" presId="urn:microsoft.com/office/officeart/2016/7/layout/LinearBlockProcessNumbered"/>
+    <dgm:cxn modelId="{5474D1FD-3F2C-4ED8-A88D-44521872E30D}" srcId="{E0C2409B-BDCE-487A-ADD9-D9D3387CB48E}" destId="{3F3B9BDB-3B62-45BC-8D19-9BD53D985D6A}" srcOrd="1" destOrd="0" parTransId="{6880C7DC-8E80-4007-BDC1-A17645C81385}" sibTransId="{32DF47CC-2EB5-4C5B-B524-46767CA9DA9F}"/>
+    <dgm:cxn modelId="{0C740432-3A4B-4D02-AEEA-9BE53E19BA57}" type="presParOf" srcId="{ADC9BE4C-7E15-4A12-8316-DA2A49C6AF69}" destId="{26529CA5-942F-4840-A4FC-FBC665F03F66}" srcOrd="0" destOrd="0" presId="urn:microsoft.com/office/officeart/2016/7/layout/LinearBlockProcessNumbered"/>
+    <dgm:cxn modelId="{09E562E0-9C91-4BE9-B006-CB579CDDF906}" type="presParOf" srcId="{26529CA5-942F-4840-A4FC-FBC665F03F66}" destId="{C7140665-82A2-4CFF-A577-566C227184F7}" srcOrd="0" destOrd="0" presId="urn:microsoft.com/office/officeart/2016/7/layout/LinearBlockProcessNumbered"/>
+    <dgm:cxn modelId="{6ADD2082-59BC-44ED-A8C6-2F9315C8363C}" type="presParOf" srcId="{26529CA5-942F-4840-A4FC-FBC665F03F66}" destId="{8EB4E4E5-9766-4B62-B2CC-62677EF26071}" srcOrd="1" destOrd="0" presId="urn:microsoft.com/office/officeart/2016/7/layout/LinearBlockProcessNumbered"/>
+    <dgm:cxn modelId="{C6FEA5A9-275B-44AD-8EA7-D1562067283A}" type="presParOf" srcId="{26529CA5-942F-4840-A4FC-FBC665F03F66}" destId="{9A0F4DF4-86FB-440D-A271-484520D1AAE0}" srcOrd="2" destOrd="0" presId="urn:microsoft.com/office/officeart/2016/7/layout/LinearBlockProcessNumbered"/>
+    <dgm:cxn modelId="{043968A5-8A56-4255-B659-7417B4C7C81C}" type="presParOf" srcId="{ADC9BE4C-7E15-4A12-8316-DA2A49C6AF69}" destId="{374D7859-2FD5-4B6D-9400-EF9CB8AEB223}" srcOrd="1" destOrd="0" presId="urn:microsoft.com/office/officeart/2016/7/layout/LinearBlockProcessNumbered"/>
+    <dgm:cxn modelId="{A5FB5D0D-3A93-45DC-B622-D2A7A86A68CB}" type="presParOf" srcId="{ADC9BE4C-7E15-4A12-8316-DA2A49C6AF69}" destId="{B3E5F05E-37BF-4BE3-8E64-072AE427685F}" srcOrd="2" destOrd="0" presId="urn:microsoft.com/office/officeart/2016/7/layout/LinearBlockProcessNumbered"/>
+    <dgm:cxn modelId="{00E68FF4-1D25-4C87-929E-5C8721C8C9D1}" type="presParOf" srcId="{B3E5F05E-37BF-4BE3-8E64-072AE427685F}" destId="{2846F65E-55DB-44D7-906D-BAF73BFE9872}" srcOrd="0" destOrd="0" presId="urn:microsoft.com/office/officeart/2016/7/layout/LinearBlockProcessNumbered"/>
+    <dgm:cxn modelId="{3EFC65A1-419F-4637-A894-E57E40B477E6}" type="presParOf" srcId="{B3E5F05E-37BF-4BE3-8E64-072AE427685F}" destId="{7FCC81E4-ACDB-4264-8EA0-F675F3C1FC63}" srcOrd="1" destOrd="0" presId="urn:microsoft.com/office/officeart/2016/7/layout/LinearBlockProcessNumbered"/>
+    <dgm:cxn modelId="{FF2E17AE-8363-4CE1-B814-D57ADA1C590B}" type="presParOf" srcId="{B3E5F05E-37BF-4BE3-8E64-072AE427685F}" destId="{5C0FABA8-84A2-4267-944B-C5EBBF44A75F}" srcOrd="2" destOrd="0" presId="urn:microsoft.com/office/officeart/2016/7/layout/LinearBlockProcessNumbered"/>
+    <dgm:cxn modelId="{BE12D91F-A8BE-44AD-9690-03DA9E9108E4}" type="presParOf" srcId="{ADC9BE4C-7E15-4A12-8316-DA2A49C6AF69}" destId="{9639F608-D1FB-4D40-B2A1-642096BFC0D0}" srcOrd="3" destOrd="0" presId="urn:microsoft.com/office/officeart/2016/7/layout/LinearBlockProcessNumbered"/>
+    <dgm:cxn modelId="{B6FAAE1D-6A66-4470-9B31-5F56B16F6196}" type="presParOf" srcId="{ADC9BE4C-7E15-4A12-8316-DA2A49C6AF69}" destId="{64206EC6-7088-4D76-B0C3-0AF1638EA5FA}" srcOrd="4" destOrd="0" presId="urn:microsoft.com/office/officeart/2016/7/layout/LinearBlockProcessNumbered"/>
+    <dgm:cxn modelId="{CF199E3A-EECB-4225-B562-0FDE4E5EB11B}" type="presParOf" srcId="{64206EC6-7088-4D76-B0C3-0AF1638EA5FA}" destId="{59C11BFA-2046-4AFA-A19F-A8EC52FE8CA0}" srcOrd="0" destOrd="0" presId="urn:microsoft.com/office/officeart/2016/7/layout/LinearBlockProcessNumbered"/>
+    <dgm:cxn modelId="{DBE94AF5-BD99-499F-8293-2673DBB38CD4}" type="presParOf" srcId="{64206EC6-7088-4D76-B0C3-0AF1638EA5FA}" destId="{640C4C8C-A7CA-4410-B1E6-1790DB09CDFB}" srcOrd="1" destOrd="0" presId="urn:microsoft.com/office/officeart/2016/7/layout/LinearBlockProcessNumbered"/>
+    <dgm:cxn modelId="{374D5C00-1ED7-4E85-AD09-3D37CDFBDEE5}" type="presParOf" srcId="{64206EC6-7088-4D76-B0C3-0AF1638EA5FA}" destId="{D016ECD1-E6DC-448D-8EE7-0B6424319E5A}" srcOrd="2" destOrd="0" presId="urn:microsoft.com/office/officeart/2016/7/layout/LinearBlockProcessNumbered"/>
+  </dgm:cxnLst>
+  <dgm:bg/>
+  <dgm:whole/>
+  <dgm:extLst>
+    <a:ext uri="http://schemas.microsoft.com/office/drawing/2008/diagram">
+      <dsp:dataModelExt xmlns:dsp="http://schemas.microsoft.com/office/drawing/2008/diagram" relId="rId6" minVer="http://schemas.openxmlformats.org/drawingml/2006/diagram"/>
+    </a:ext>
+  </dgm:extLst>
+</dgm:dataModel>
+</file>
+
 <file path=ppt/diagrams/drawing1.xml><?xml version="1.0" encoding="utf-8"?>
 <dsp:drawing xmlns:dgm="http://schemas.openxmlformats.org/drawingml/2006/diagram" xmlns:dsp="http://schemas.microsoft.com/office/drawing/2008/diagram" xmlns:a="http://schemas.openxmlformats.org/drawingml/2006/main">
   <dsp:spTree>
@@ -6196,134 +7011,62 @@
       <dsp:cNvGrpSpPr/>
     </dsp:nvGrpSpPr>
     <dsp:grpSpPr/>
-    <dsp:sp modelId="{B08476E6-CF9F-402E-AA99-02D77A66D886}">
+    <dsp:sp modelId="{AEC2E931-278E-4106-8C0D-9E5136A3A40F}">
       <dsp:nvSpPr>
         <dsp:cNvPr id="0" name=""/>
         <dsp:cNvSpPr/>
       </dsp:nvSpPr>
       <dsp:spPr>
         <a:xfrm>
-          <a:off x="898829" y="288"/>
-          <a:ext cx="1001496" cy="1001496"/>
+          <a:off x="582645" y="1178"/>
+          <a:ext cx="2174490" cy="1304694"/>
         </a:xfrm>
-        <a:prstGeom prst="ellipse">
+        <a:prstGeom prst="rect">
           <a:avLst/>
         </a:prstGeom>
         <a:solidFill>
-          <a:schemeClr val="accent2">
-            <a:tint val="40000"/>
+          <a:schemeClr val="accent1">
             <a:hueOff val="0"/>
             <a:satOff val="0"/>
             <a:lumOff val="0"/>
             <a:alphaOff val="0"/>
           </a:schemeClr>
         </a:solidFill>
-        <a:ln>
-          <a:noFill/>
-        </a:ln>
-        <a:effectLst/>
-      </dsp:spPr>
-      <dsp:style>
-        <a:lnRef idx="0">
-          <a:scrgbClr r="0" g="0" b="0"/>
-        </a:lnRef>
-        <a:fillRef idx="1">
-          <a:scrgbClr r="0" g="0" b="0"/>
-        </a:fillRef>
-        <a:effectRef idx="0">
-          <a:scrgbClr r="0" g="0" b="0"/>
-        </a:effectRef>
-        <a:fontRef idx="minor"/>
-      </dsp:style>
-    </dsp:sp>
-    <dsp:sp modelId="{D640D950-62B2-4AB2-A54E-F14BE6F834AD}">
-      <dsp:nvSpPr>
-        <dsp:cNvPr id="0" name=""/>
-        <dsp:cNvSpPr/>
-      </dsp:nvSpPr>
-      <dsp:spPr>
-        <a:xfrm>
-          <a:off x="1112262" y="213721"/>
-          <a:ext cx="574628" cy="574628"/>
-        </a:xfrm>
-        <a:prstGeom prst="rect">
-          <a:avLst/>
-        </a:prstGeom>
-        <a:blipFill>
-          <a:blip xmlns:r="http://schemas.openxmlformats.org/officeDocument/2006/relationships" r:embed="rId1">
-            <a:extLst>
-              <a:ext uri="{28A0092B-C50C-407E-A947-70E740481C1C}">
-                <a14:useLocalDpi xmlns:a14="http://schemas.microsoft.com/office/drawing/2010/main" val="0"/>
-              </a:ext>
-              <a:ext uri="{96DAC541-7B7A-43D3-8B79-37D633B846F1}">
-                <asvg:svgBlip xmlns:asvg="http://schemas.microsoft.com/office/drawing/2016/SVG/main" r:embed="rId2"/>
-              </a:ext>
-            </a:extLst>
-          </a:blip>
-          <a:stretch>
-            <a:fillRect/>
-          </a:stretch>
-        </a:blipFill>
-        <a:ln w="12700" cap="flat" cmpd="sng" algn="ctr">
-          <a:noFill/>
+        <a:ln w="19050" cap="flat" cmpd="sng" algn="ctr">
+          <a:solidFill>
+            <a:schemeClr val="lt1">
+              <a:hueOff val="0"/>
+              <a:satOff val="0"/>
+              <a:lumOff val="0"/>
+              <a:alphaOff val="0"/>
+            </a:schemeClr>
+          </a:solidFill>
           <a:prstDash val="solid"/>
           <a:miter lim="800000"/>
         </a:ln>
         <a:effectLst/>
       </dsp:spPr>
       <dsp:style>
-        <a:lnRef idx="2">
+        <a:lnRef idx="3">
           <a:scrgbClr r="0" g="0" b="0"/>
         </a:lnRef>
         <a:fillRef idx="1">
           <a:scrgbClr r="0" g="0" b="0"/>
         </a:fillRef>
-        <a:effectRef idx="0">
+        <a:effectRef idx="1">
           <a:scrgbClr r="0" g="0" b="0"/>
         </a:effectRef>
         <a:fontRef idx="minor">
           <a:schemeClr val="lt1"/>
         </a:fontRef>
       </dsp:style>
-    </dsp:sp>
-    <dsp:sp modelId="{460DBA39-8C8C-487E-BCF0-B11E9C818024}">
-      <dsp:nvSpPr>
-        <dsp:cNvPr id="0" name=""/>
-        <dsp:cNvSpPr/>
-      </dsp:nvSpPr>
-      <dsp:spPr>
-        <a:xfrm>
-          <a:off x="578678" y="1313725"/>
-          <a:ext cx="1641796" cy="656718"/>
-        </a:xfrm>
-        <a:prstGeom prst="rect">
-          <a:avLst/>
-        </a:prstGeom>
-        <a:noFill/>
-        <a:ln>
-          <a:noFill/>
-        </a:ln>
-        <a:effectLst/>
-      </dsp:spPr>
-      <dsp:style>
-        <a:lnRef idx="0">
-          <a:scrgbClr r="0" g="0" b="0"/>
-        </a:lnRef>
-        <a:fillRef idx="0">
-          <a:scrgbClr r="0" g="0" b="0"/>
-        </a:fillRef>
-        <a:effectRef idx="0">
-          <a:scrgbClr r="0" g="0" b="0"/>
-        </a:effectRef>
-        <a:fontRef idx="minor"/>
-      </dsp:style>
       <dsp:txBody>
-        <a:bodyPr spcFirstLastPara="0" vert="horz" wrap="square" lIns="0" tIns="0" rIns="0" bIns="0" numCol="1" spcCol="1270" anchor="t" anchorCtr="0">
+        <a:bodyPr spcFirstLastPara="0" vert="horz" wrap="square" lIns="64770" tIns="64770" rIns="64770" bIns="64770" numCol="1" spcCol="1270" anchor="ctr" anchorCtr="0">
           <a:noAutofit/>
         </a:bodyPr>
         <a:lstStyle/>
         <a:p>
-          <a:pPr marL="0" lvl="0" indent="0" algn="ctr" defTabSz="488950">
+          <a:pPr marL="0" lvl="0" indent="0" algn="ctr" defTabSz="755650">
             <a:lnSpc>
               <a:spcPct val="90000"/>
             </a:lnSpc>
@@ -6337,145 +7080,73 @@
             <a:defRPr cap="all"/>
           </a:pPr>
           <a:r>
-            <a:rPr lang="de-AT" sz="1100" kern="1200"/>
+            <a:rPr lang="de-AT" sz="1700" kern="1200"/>
             <a:t>Team</a:t>
           </a:r>
-          <a:endParaRPr lang="en-US" sz="1100" kern="1200"/>
+          <a:endParaRPr lang="en-US" sz="1700" kern="1200"/>
         </a:p>
       </dsp:txBody>
       <dsp:txXfrm>
-        <a:off x="578678" y="1313725"/>
-        <a:ext cx="1641796" cy="656718"/>
+        <a:off x="582645" y="1178"/>
+        <a:ext cx="2174490" cy="1304694"/>
       </dsp:txXfrm>
     </dsp:sp>
-    <dsp:sp modelId="{A47F36D1-4FDE-4685-8508-C5405D04F880}">
+    <dsp:sp modelId="{22CE8764-D2AC-40BB-8C49-1A852939C0B8}">
       <dsp:nvSpPr>
         <dsp:cNvPr id="0" name=""/>
         <dsp:cNvSpPr/>
       </dsp:nvSpPr>
       <dsp:spPr>
         <a:xfrm>
-          <a:off x="2827940" y="288"/>
-          <a:ext cx="1001496" cy="1001496"/>
+          <a:off x="2974584" y="1178"/>
+          <a:ext cx="2174490" cy="1304694"/>
         </a:xfrm>
-        <a:prstGeom prst="ellipse">
+        <a:prstGeom prst="rect">
           <a:avLst/>
         </a:prstGeom>
         <a:solidFill>
-          <a:schemeClr val="accent2">
-            <a:tint val="40000"/>
+          <a:schemeClr val="accent1">
             <a:hueOff val="0"/>
             <a:satOff val="0"/>
             <a:lumOff val="0"/>
             <a:alphaOff val="0"/>
           </a:schemeClr>
         </a:solidFill>
-        <a:ln>
-          <a:noFill/>
-        </a:ln>
-        <a:effectLst/>
-      </dsp:spPr>
-      <dsp:style>
-        <a:lnRef idx="0">
-          <a:scrgbClr r="0" g="0" b="0"/>
-        </a:lnRef>
-        <a:fillRef idx="1">
-          <a:scrgbClr r="0" g="0" b="0"/>
-        </a:fillRef>
-        <a:effectRef idx="0">
-          <a:scrgbClr r="0" g="0" b="0"/>
-        </a:effectRef>
-        <a:fontRef idx="minor"/>
-      </dsp:style>
-    </dsp:sp>
-    <dsp:sp modelId="{94DF7EF6-C658-4540-BD52-B602114188EC}">
-      <dsp:nvSpPr>
-        <dsp:cNvPr id="0" name=""/>
-        <dsp:cNvSpPr/>
-      </dsp:nvSpPr>
-      <dsp:spPr>
-        <a:xfrm>
-          <a:off x="3041374" y="213721"/>
-          <a:ext cx="574628" cy="574628"/>
-        </a:xfrm>
-        <a:prstGeom prst="rect">
-          <a:avLst/>
-        </a:prstGeom>
-        <a:blipFill>
-          <a:blip xmlns:r="http://schemas.openxmlformats.org/officeDocument/2006/relationships" r:embed="rId3">
-            <a:extLst>
-              <a:ext uri="{28A0092B-C50C-407E-A947-70E740481C1C}">
-                <a14:useLocalDpi xmlns:a14="http://schemas.microsoft.com/office/drawing/2010/main" val="0"/>
-              </a:ext>
-              <a:ext uri="{96DAC541-7B7A-43D3-8B79-37D633B846F1}">
-                <asvg:svgBlip xmlns:asvg="http://schemas.microsoft.com/office/drawing/2016/SVG/main" r:embed="rId4"/>
-              </a:ext>
-            </a:extLst>
-          </a:blip>
-          <a:stretch>
-            <a:fillRect/>
-          </a:stretch>
-        </a:blipFill>
-        <a:ln w="12700" cap="flat" cmpd="sng" algn="ctr">
-          <a:noFill/>
+        <a:ln w="19050" cap="flat" cmpd="sng" algn="ctr">
+          <a:solidFill>
+            <a:schemeClr val="lt1">
+              <a:hueOff val="0"/>
+              <a:satOff val="0"/>
+              <a:lumOff val="0"/>
+              <a:alphaOff val="0"/>
+            </a:schemeClr>
+          </a:solidFill>
           <a:prstDash val="solid"/>
           <a:miter lim="800000"/>
         </a:ln>
         <a:effectLst/>
       </dsp:spPr>
       <dsp:style>
-        <a:lnRef idx="2">
+        <a:lnRef idx="3">
           <a:scrgbClr r="0" g="0" b="0"/>
         </a:lnRef>
         <a:fillRef idx="1">
           <a:scrgbClr r="0" g="0" b="0"/>
         </a:fillRef>
-        <a:effectRef idx="0">
+        <a:effectRef idx="1">
           <a:scrgbClr r="0" g="0" b="0"/>
         </a:effectRef>
         <a:fontRef idx="minor">
           <a:schemeClr val="lt1"/>
         </a:fontRef>
       </dsp:style>
-    </dsp:sp>
-    <dsp:sp modelId="{7FBFBECE-CF33-46C0-940F-F510F1C5E156}">
-      <dsp:nvSpPr>
-        <dsp:cNvPr id="0" name=""/>
-        <dsp:cNvSpPr/>
-      </dsp:nvSpPr>
-      <dsp:spPr>
-        <a:xfrm>
-          <a:off x="2507790" y="1313725"/>
-          <a:ext cx="1641796" cy="656718"/>
-        </a:xfrm>
-        <a:prstGeom prst="rect">
-          <a:avLst/>
-        </a:prstGeom>
-        <a:noFill/>
-        <a:ln>
-          <a:noFill/>
-        </a:ln>
-        <a:effectLst/>
-      </dsp:spPr>
-      <dsp:style>
-        <a:lnRef idx="0">
-          <a:scrgbClr r="0" g="0" b="0"/>
-        </a:lnRef>
-        <a:fillRef idx="0">
-          <a:scrgbClr r="0" g="0" b="0"/>
-        </a:fillRef>
-        <a:effectRef idx="0">
-          <a:scrgbClr r="0" g="0" b="0"/>
-        </a:effectRef>
-        <a:fontRef idx="minor"/>
-      </dsp:style>
       <dsp:txBody>
-        <a:bodyPr spcFirstLastPara="0" vert="horz" wrap="square" lIns="0" tIns="0" rIns="0" bIns="0" numCol="1" spcCol="1270" anchor="t" anchorCtr="0">
+        <a:bodyPr spcFirstLastPara="0" vert="horz" wrap="square" lIns="64770" tIns="64770" rIns="64770" bIns="64770" numCol="1" spcCol="1270" anchor="ctr" anchorCtr="0">
           <a:noAutofit/>
         </a:bodyPr>
         <a:lstStyle/>
         <a:p>
-          <a:pPr marL="0" lvl="0" indent="0" algn="ctr" defTabSz="488950">
+          <a:pPr marL="0" lvl="0" indent="0" algn="ctr" defTabSz="755650">
             <a:lnSpc>
               <a:spcPct val="90000"/>
             </a:lnSpc>
@@ -6489,145 +7160,73 @@
             <a:defRPr cap="all"/>
           </a:pPr>
           <a:r>
-            <a:rPr lang="de-AT" sz="1100" kern="1200"/>
+            <a:rPr lang="de-AT" sz="1700" kern="1200"/>
             <a:t>Motivation</a:t>
           </a:r>
-          <a:endParaRPr lang="en-US" sz="1100" kern="1200"/>
+          <a:endParaRPr lang="en-US" sz="1700" kern="1200"/>
         </a:p>
       </dsp:txBody>
       <dsp:txXfrm>
-        <a:off x="2507790" y="1313725"/>
-        <a:ext cx="1641796" cy="656718"/>
+        <a:off x="2974584" y="1178"/>
+        <a:ext cx="2174490" cy="1304694"/>
       </dsp:txXfrm>
     </dsp:sp>
-    <dsp:sp modelId="{8ACB5319-DF52-4345-953E-2528BE335F07}">
+    <dsp:sp modelId="{F822D1AE-A0A2-4720-8E29-AA349CC05304}">
       <dsp:nvSpPr>
         <dsp:cNvPr id="0" name=""/>
         <dsp:cNvSpPr/>
       </dsp:nvSpPr>
       <dsp:spPr>
         <a:xfrm>
-          <a:off x="4757051" y="288"/>
-          <a:ext cx="1001496" cy="1001496"/>
+          <a:off x="5366524" y="1178"/>
+          <a:ext cx="2174490" cy="1304694"/>
         </a:xfrm>
-        <a:prstGeom prst="ellipse">
+        <a:prstGeom prst="rect">
           <a:avLst/>
         </a:prstGeom>
         <a:solidFill>
-          <a:schemeClr val="accent2">
-            <a:tint val="40000"/>
+          <a:schemeClr val="accent1">
             <a:hueOff val="0"/>
             <a:satOff val="0"/>
             <a:lumOff val="0"/>
             <a:alphaOff val="0"/>
           </a:schemeClr>
         </a:solidFill>
-        <a:ln>
-          <a:noFill/>
-        </a:ln>
-        <a:effectLst/>
-      </dsp:spPr>
-      <dsp:style>
-        <a:lnRef idx="0">
-          <a:scrgbClr r="0" g="0" b="0"/>
-        </a:lnRef>
-        <a:fillRef idx="1">
-          <a:scrgbClr r="0" g="0" b="0"/>
-        </a:fillRef>
-        <a:effectRef idx="0">
-          <a:scrgbClr r="0" g="0" b="0"/>
-        </a:effectRef>
-        <a:fontRef idx="minor"/>
-      </dsp:style>
-    </dsp:sp>
-    <dsp:sp modelId="{1B64DA67-76FF-4469-97D1-8C0AF14C93DB}">
-      <dsp:nvSpPr>
-        <dsp:cNvPr id="0" name=""/>
-        <dsp:cNvSpPr/>
-      </dsp:nvSpPr>
-      <dsp:spPr>
-        <a:xfrm>
-          <a:off x="4970485" y="213721"/>
-          <a:ext cx="574628" cy="574628"/>
-        </a:xfrm>
-        <a:prstGeom prst="rect">
-          <a:avLst/>
-        </a:prstGeom>
-        <a:blipFill>
-          <a:blip xmlns:r="http://schemas.openxmlformats.org/officeDocument/2006/relationships" r:embed="rId5">
-            <a:extLst>
-              <a:ext uri="{28A0092B-C50C-407E-A947-70E740481C1C}">
-                <a14:useLocalDpi xmlns:a14="http://schemas.microsoft.com/office/drawing/2010/main" val="0"/>
-              </a:ext>
-              <a:ext uri="{96DAC541-7B7A-43D3-8B79-37D633B846F1}">
-                <asvg:svgBlip xmlns:asvg="http://schemas.microsoft.com/office/drawing/2016/SVG/main" r:embed="rId6"/>
-              </a:ext>
-            </a:extLst>
-          </a:blip>
-          <a:stretch>
-            <a:fillRect/>
-          </a:stretch>
-        </a:blipFill>
-        <a:ln w="12700" cap="flat" cmpd="sng" algn="ctr">
-          <a:noFill/>
+        <a:ln w="19050" cap="flat" cmpd="sng" algn="ctr">
+          <a:solidFill>
+            <a:schemeClr val="lt1">
+              <a:hueOff val="0"/>
+              <a:satOff val="0"/>
+              <a:lumOff val="0"/>
+              <a:alphaOff val="0"/>
+            </a:schemeClr>
+          </a:solidFill>
           <a:prstDash val="solid"/>
           <a:miter lim="800000"/>
         </a:ln>
         <a:effectLst/>
       </dsp:spPr>
       <dsp:style>
-        <a:lnRef idx="2">
+        <a:lnRef idx="3">
           <a:scrgbClr r="0" g="0" b="0"/>
         </a:lnRef>
         <a:fillRef idx="1">
           <a:scrgbClr r="0" g="0" b="0"/>
         </a:fillRef>
-        <a:effectRef idx="0">
+        <a:effectRef idx="1">
           <a:scrgbClr r="0" g="0" b="0"/>
         </a:effectRef>
         <a:fontRef idx="minor">
           <a:schemeClr val="lt1"/>
         </a:fontRef>
       </dsp:style>
-    </dsp:sp>
-    <dsp:sp modelId="{EFB22B8D-C3AE-479E-B355-26B12B05ED72}">
-      <dsp:nvSpPr>
-        <dsp:cNvPr id="0" name=""/>
-        <dsp:cNvSpPr/>
-      </dsp:nvSpPr>
-      <dsp:spPr>
-        <a:xfrm>
-          <a:off x="4436901" y="1313725"/>
-          <a:ext cx="1641796" cy="656718"/>
-        </a:xfrm>
-        <a:prstGeom prst="rect">
-          <a:avLst/>
-        </a:prstGeom>
-        <a:noFill/>
-        <a:ln>
-          <a:noFill/>
-        </a:ln>
-        <a:effectLst/>
-      </dsp:spPr>
-      <dsp:style>
-        <a:lnRef idx="0">
-          <a:scrgbClr r="0" g="0" b="0"/>
-        </a:lnRef>
-        <a:fillRef idx="0">
-          <a:scrgbClr r="0" g="0" b="0"/>
-        </a:fillRef>
-        <a:effectRef idx="0">
-          <a:scrgbClr r="0" g="0" b="0"/>
-        </a:effectRef>
-        <a:fontRef idx="minor"/>
-      </dsp:style>
       <dsp:txBody>
-        <a:bodyPr spcFirstLastPara="0" vert="horz" wrap="square" lIns="0" tIns="0" rIns="0" bIns="0" numCol="1" spcCol="1270" anchor="t" anchorCtr="0">
+        <a:bodyPr spcFirstLastPara="0" vert="horz" wrap="square" lIns="64770" tIns="64770" rIns="64770" bIns="64770" numCol="1" spcCol="1270" anchor="ctr" anchorCtr="0">
           <a:noAutofit/>
         </a:bodyPr>
         <a:lstStyle/>
         <a:p>
-          <a:pPr marL="0" lvl="0" indent="0" algn="ctr" defTabSz="488950">
+          <a:pPr marL="0" lvl="0" indent="0" algn="ctr" defTabSz="755650">
             <a:lnSpc>
               <a:spcPct val="90000"/>
             </a:lnSpc>
@@ -6641,145 +7240,73 @@
             <a:defRPr cap="all"/>
           </a:pPr>
           <a:r>
-            <a:rPr lang="de-AT" sz="1100" kern="1200" dirty="0"/>
-            <a:t>Projektanforderungen</a:t>
+            <a:rPr lang="de-AT" sz="1700" kern="1200" dirty="0"/>
+            <a:t>Anforderungen</a:t>
           </a:r>
-          <a:endParaRPr lang="en-US" sz="1100" kern="1200" dirty="0"/>
+          <a:endParaRPr lang="en-US" sz="1700" kern="1200" dirty="0"/>
         </a:p>
       </dsp:txBody>
       <dsp:txXfrm>
-        <a:off x="4436901" y="1313725"/>
-        <a:ext cx="1641796" cy="656718"/>
+        <a:off x="5366524" y="1178"/>
+        <a:ext cx="2174490" cy="1304694"/>
       </dsp:txXfrm>
     </dsp:sp>
-    <dsp:sp modelId="{0622A5BA-6037-4D17-8EA6-BA4F1CB5F0DC}">
+    <dsp:sp modelId="{95125A75-4861-45EA-B020-4D7F2409FDB8}">
       <dsp:nvSpPr>
         <dsp:cNvPr id="0" name=""/>
         <dsp:cNvSpPr/>
       </dsp:nvSpPr>
       <dsp:spPr>
         <a:xfrm>
-          <a:off x="6686163" y="288"/>
-          <a:ext cx="1001496" cy="1001496"/>
+          <a:off x="7758464" y="1178"/>
+          <a:ext cx="2174490" cy="1304694"/>
         </a:xfrm>
-        <a:prstGeom prst="ellipse">
+        <a:prstGeom prst="rect">
           <a:avLst/>
         </a:prstGeom>
         <a:solidFill>
-          <a:schemeClr val="accent2">
-            <a:tint val="40000"/>
+          <a:schemeClr val="accent1">
             <a:hueOff val="0"/>
             <a:satOff val="0"/>
             <a:lumOff val="0"/>
             <a:alphaOff val="0"/>
           </a:schemeClr>
         </a:solidFill>
-        <a:ln>
-          <a:noFill/>
-        </a:ln>
-        <a:effectLst/>
-      </dsp:spPr>
-      <dsp:style>
-        <a:lnRef idx="0">
-          <a:scrgbClr r="0" g="0" b="0"/>
-        </a:lnRef>
-        <a:fillRef idx="1">
-          <a:scrgbClr r="0" g="0" b="0"/>
-        </a:fillRef>
-        <a:effectRef idx="0">
-          <a:scrgbClr r="0" g="0" b="0"/>
-        </a:effectRef>
-        <a:fontRef idx="minor"/>
-      </dsp:style>
-    </dsp:sp>
-    <dsp:sp modelId="{32B5033B-E427-48F7-A7EF-C860E6992B06}">
-      <dsp:nvSpPr>
-        <dsp:cNvPr id="0" name=""/>
-        <dsp:cNvSpPr/>
-      </dsp:nvSpPr>
-      <dsp:spPr>
-        <a:xfrm>
-          <a:off x="6899596" y="213721"/>
-          <a:ext cx="574628" cy="574628"/>
-        </a:xfrm>
-        <a:prstGeom prst="rect">
-          <a:avLst/>
-        </a:prstGeom>
-        <a:blipFill>
-          <a:blip xmlns:r="http://schemas.openxmlformats.org/officeDocument/2006/relationships" r:embed="rId7">
-            <a:extLst>
-              <a:ext uri="{28A0092B-C50C-407E-A947-70E740481C1C}">
-                <a14:useLocalDpi xmlns:a14="http://schemas.microsoft.com/office/drawing/2010/main" val="0"/>
-              </a:ext>
-              <a:ext uri="{96DAC541-7B7A-43D3-8B79-37D633B846F1}">
-                <asvg:svgBlip xmlns:asvg="http://schemas.microsoft.com/office/drawing/2016/SVG/main" r:embed="rId8"/>
-              </a:ext>
-            </a:extLst>
-          </a:blip>
-          <a:stretch>
-            <a:fillRect/>
-          </a:stretch>
-        </a:blipFill>
-        <a:ln w="12700" cap="flat" cmpd="sng" algn="ctr">
-          <a:noFill/>
+        <a:ln w="19050" cap="flat" cmpd="sng" algn="ctr">
+          <a:solidFill>
+            <a:schemeClr val="lt1">
+              <a:hueOff val="0"/>
+              <a:satOff val="0"/>
+              <a:lumOff val="0"/>
+              <a:alphaOff val="0"/>
+            </a:schemeClr>
+          </a:solidFill>
           <a:prstDash val="solid"/>
           <a:miter lim="800000"/>
         </a:ln>
         <a:effectLst/>
       </dsp:spPr>
       <dsp:style>
-        <a:lnRef idx="2">
+        <a:lnRef idx="3">
           <a:scrgbClr r="0" g="0" b="0"/>
         </a:lnRef>
         <a:fillRef idx="1">
           <a:scrgbClr r="0" g="0" b="0"/>
         </a:fillRef>
-        <a:effectRef idx="0">
+        <a:effectRef idx="1">
           <a:scrgbClr r="0" g="0" b="0"/>
         </a:effectRef>
         <a:fontRef idx="minor">
           <a:schemeClr val="lt1"/>
         </a:fontRef>
       </dsp:style>
-    </dsp:sp>
-    <dsp:sp modelId="{56EE303F-DEB1-4A57-B926-CEA90210D573}">
-      <dsp:nvSpPr>
-        <dsp:cNvPr id="0" name=""/>
-        <dsp:cNvSpPr/>
-      </dsp:nvSpPr>
-      <dsp:spPr>
-        <a:xfrm>
-          <a:off x="6366012" y="1313725"/>
-          <a:ext cx="1641796" cy="656718"/>
-        </a:xfrm>
-        <a:prstGeom prst="rect">
-          <a:avLst/>
-        </a:prstGeom>
-        <a:noFill/>
-        <a:ln>
-          <a:noFill/>
-        </a:ln>
-        <a:effectLst/>
-      </dsp:spPr>
-      <dsp:style>
-        <a:lnRef idx="0">
-          <a:scrgbClr r="0" g="0" b="0"/>
-        </a:lnRef>
-        <a:fillRef idx="0">
-          <a:scrgbClr r="0" g="0" b="0"/>
-        </a:fillRef>
-        <a:effectRef idx="0">
-          <a:scrgbClr r="0" g="0" b="0"/>
-        </a:effectRef>
-        <a:fontRef idx="minor"/>
-      </dsp:style>
       <dsp:txBody>
-        <a:bodyPr spcFirstLastPara="0" vert="horz" wrap="square" lIns="0" tIns="0" rIns="0" bIns="0" numCol="1" spcCol="1270" anchor="t" anchorCtr="0">
+        <a:bodyPr spcFirstLastPara="0" vert="horz" wrap="square" lIns="64770" tIns="64770" rIns="64770" bIns="64770" numCol="1" spcCol="1270" anchor="ctr" anchorCtr="0">
           <a:noAutofit/>
         </a:bodyPr>
         <a:lstStyle/>
         <a:p>
-          <a:pPr marL="0" lvl="0" indent="0" algn="ctr" defTabSz="488950">
+          <a:pPr marL="0" lvl="0" indent="0" algn="ctr" defTabSz="755650">
             <a:lnSpc>
               <a:spcPct val="90000"/>
             </a:lnSpc>
@@ -6793,145 +7320,73 @@
             <a:defRPr cap="all"/>
           </a:pPr>
           <a:r>
-            <a:rPr lang="de-AT" sz="1100" kern="1200" dirty="0"/>
+            <a:rPr lang="de-AT" sz="1700" kern="1200"/>
             <a:t>Ziele</a:t>
           </a:r>
-          <a:endParaRPr lang="en-US" sz="1100" kern="1200" dirty="0"/>
+          <a:endParaRPr lang="en-US" sz="1700" kern="1200"/>
         </a:p>
       </dsp:txBody>
       <dsp:txXfrm>
-        <a:off x="6366012" y="1313725"/>
-        <a:ext cx="1641796" cy="656718"/>
+        <a:off x="7758464" y="1178"/>
+        <a:ext cx="2174490" cy="1304694"/>
       </dsp:txXfrm>
     </dsp:sp>
-    <dsp:sp modelId="{7E0D7ACC-3700-4371-83EE-18B984D19FC9}">
+    <dsp:sp modelId="{F764248E-C1D2-40FA-82AF-06167886CE75}">
       <dsp:nvSpPr>
         <dsp:cNvPr id="0" name=""/>
         <dsp:cNvSpPr/>
       </dsp:nvSpPr>
       <dsp:spPr>
         <a:xfrm>
-          <a:off x="8615274" y="288"/>
-          <a:ext cx="1001496" cy="1001496"/>
+          <a:off x="582645" y="1523321"/>
+          <a:ext cx="2174490" cy="1304694"/>
         </a:xfrm>
-        <a:prstGeom prst="ellipse">
+        <a:prstGeom prst="rect">
           <a:avLst/>
         </a:prstGeom>
         <a:solidFill>
-          <a:schemeClr val="accent2">
-            <a:tint val="40000"/>
+          <a:schemeClr val="accent1">
             <a:hueOff val="0"/>
             <a:satOff val="0"/>
             <a:lumOff val="0"/>
             <a:alphaOff val="0"/>
           </a:schemeClr>
         </a:solidFill>
-        <a:ln>
-          <a:noFill/>
-        </a:ln>
-        <a:effectLst/>
-      </dsp:spPr>
-      <dsp:style>
-        <a:lnRef idx="0">
-          <a:scrgbClr r="0" g="0" b="0"/>
-        </a:lnRef>
-        <a:fillRef idx="1">
-          <a:scrgbClr r="0" g="0" b="0"/>
-        </a:fillRef>
-        <a:effectRef idx="0">
-          <a:scrgbClr r="0" g="0" b="0"/>
-        </a:effectRef>
-        <a:fontRef idx="minor"/>
-      </dsp:style>
-    </dsp:sp>
-    <dsp:sp modelId="{6E937B6F-1081-4247-9BB8-4ACA4D1772EC}">
-      <dsp:nvSpPr>
-        <dsp:cNvPr id="0" name=""/>
-        <dsp:cNvSpPr/>
-      </dsp:nvSpPr>
-      <dsp:spPr>
-        <a:xfrm>
-          <a:off x="8828708" y="213721"/>
-          <a:ext cx="574628" cy="574628"/>
-        </a:xfrm>
-        <a:prstGeom prst="rect">
-          <a:avLst/>
-        </a:prstGeom>
-        <a:blipFill>
-          <a:blip xmlns:r="http://schemas.openxmlformats.org/officeDocument/2006/relationships" r:embed="rId9">
-            <a:extLst>
-              <a:ext uri="{28A0092B-C50C-407E-A947-70E740481C1C}">
-                <a14:useLocalDpi xmlns:a14="http://schemas.microsoft.com/office/drawing/2010/main" val="0"/>
-              </a:ext>
-              <a:ext uri="{96DAC541-7B7A-43D3-8B79-37D633B846F1}">
-                <asvg:svgBlip xmlns:asvg="http://schemas.microsoft.com/office/drawing/2016/SVG/main" r:embed="rId10"/>
-              </a:ext>
-            </a:extLst>
-          </a:blip>
-          <a:stretch>
-            <a:fillRect/>
-          </a:stretch>
-        </a:blipFill>
-        <a:ln w="12700" cap="flat" cmpd="sng" algn="ctr">
-          <a:noFill/>
+        <a:ln w="19050" cap="flat" cmpd="sng" algn="ctr">
+          <a:solidFill>
+            <a:schemeClr val="lt1">
+              <a:hueOff val="0"/>
+              <a:satOff val="0"/>
+              <a:lumOff val="0"/>
+              <a:alphaOff val="0"/>
+            </a:schemeClr>
+          </a:solidFill>
           <a:prstDash val="solid"/>
           <a:miter lim="800000"/>
         </a:ln>
         <a:effectLst/>
       </dsp:spPr>
       <dsp:style>
-        <a:lnRef idx="2">
+        <a:lnRef idx="3">
           <a:scrgbClr r="0" g="0" b="0"/>
         </a:lnRef>
         <a:fillRef idx="1">
           <a:scrgbClr r="0" g="0" b="0"/>
         </a:fillRef>
-        <a:effectRef idx="0">
+        <a:effectRef idx="1">
           <a:scrgbClr r="0" g="0" b="0"/>
         </a:effectRef>
         <a:fontRef idx="minor">
           <a:schemeClr val="lt1"/>
         </a:fontRef>
       </dsp:style>
-    </dsp:sp>
-    <dsp:sp modelId="{BB859DEB-9C4D-47B7-A957-F926566B2725}">
-      <dsp:nvSpPr>
-        <dsp:cNvPr id="0" name=""/>
-        <dsp:cNvSpPr/>
-      </dsp:nvSpPr>
-      <dsp:spPr>
-        <a:xfrm>
-          <a:off x="8295124" y="1313725"/>
-          <a:ext cx="1641796" cy="656718"/>
-        </a:xfrm>
-        <a:prstGeom prst="rect">
-          <a:avLst/>
-        </a:prstGeom>
-        <a:noFill/>
-        <a:ln>
-          <a:noFill/>
-        </a:ln>
-        <a:effectLst/>
-      </dsp:spPr>
-      <dsp:style>
-        <a:lnRef idx="0">
-          <a:scrgbClr r="0" g="0" b="0"/>
-        </a:lnRef>
-        <a:fillRef idx="0">
-          <a:scrgbClr r="0" g="0" b="0"/>
-        </a:fillRef>
-        <a:effectRef idx="0">
-          <a:scrgbClr r="0" g="0" b="0"/>
-        </a:effectRef>
-        <a:fontRef idx="minor"/>
-      </dsp:style>
       <dsp:txBody>
-        <a:bodyPr spcFirstLastPara="0" vert="horz" wrap="square" lIns="0" tIns="0" rIns="0" bIns="0" numCol="1" spcCol="1270" anchor="t" anchorCtr="0">
+        <a:bodyPr spcFirstLastPara="0" vert="horz" wrap="square" lIns="64770" tIns="64770" rIns="64770" bIns="64770" numCol="1" spcCol="1270" anchor="ctr" anchorCtr="0">
           <a:noAutofit/>
         </a:bodyPr>
         <a:lstStyle/>
         <a:p>
-          <a:pPr marL="0" lvl="0" indent="0" algn="ctr" defTabSz="488950">
+          <a:pPr marL="0" lvl="0" indent="0" algn="ctr" defTabSz="755650">
             <a:lnSpc>
               <a:spcPct val="90000"/>
             </a:lnSpc>
@@ -6945,145 +7400,72 @@
             <a:defRPr cap="all"/>
           </a:pPr>
           <a:r>
-            <a:rPr lang="de-AT" sz="1100" kern="1200" dirty="0"/>
-            <a:t>Kurze Ansprache des Auftraggebers</a:t>
+            <a:rPr lang="de-AT" sz="1700" kern="1200" noProof="0" dirty="0"/>
+            <a:t>Nutzen</a:t>
           </a:r>
-          <a:endParaRPr lang="en-US" sz="1100" kern="1200" dirty="0"/>
         </a:p>
       </dsp:txBody>
       <dsp:txXfrm>
-        <a:off x="8295124" y="1313725"/>
-        <a:ext cx="1641796" cy="656718"/>
+        <a:off x="582645" y="1523321"/>
+        <a:ext cx="2174490" cy="1304694"/>
       </dsp:txXfrm>
     </dsp:sp>
-    <dsp:sp modelId="{538F8099-3F89-484D-9B01-BA41A92282AD}">
+    <dsp:sp modelId="{D32A3534-2EEA-4CAB-A5A7-61E6969892FA}">
       <dsp:nvSpPr>
         <dsp:cNvPr id="0" name=""/>
         <dsp:cNvSpPr/>
       </dsp:nvSpPr>
       <dsp:spPr>
         <a:xfrm>
-          <a:off x="3792496" y="2380893"/>
-          <a:ext cx="1001496" cy="1001496"/>
+          <a:off x="2974584" y="1523321"/>
+          <a:ext cx="2174490" cy="1304694"/>
         </a:xfrm>
-        <a:prstGeom prst="ellipse">
+        <a:prstGeom prst="rect">
           <a:avLst/>
         </a:prstGeom>
         <a:solidFill>
-          <a:schemeClr val="accent2">
-            <a:tint val="40000"/>
+          <a:schemeClr val="accent1">
             <a:hueOff val="0"/>
             <a:satOff val="0"/>
             <a:lumOff val="0"/>
             <a:alphaOff val="0"/>
           </a:schemeClr>
         </a:solidFill>
-        <a:ln>
-          <a:noFill/>
-        </a:ln>
-        <a:effectLst/>
-      </dsp:spPr>
-      <dsp:style>
-        <a:lnRef idx="0">
-          <a:scrgbClr r="0" g="0" b="0"/>
-        </a:lnRef>
-        <a:fillRef idx="1">
-          <a:scrgbClr r="0" g="0" b="0"/>
-        </a:fillRef>
-        <a:effectRef idx="0">
-          <a:scrgbClr r="0" g="0" b="0"/>
-        </a:effectRef>
-        <a:fontRef idx="minor"/>
-      </dsp:style>
-    </dsp:sp>
-    <dsp:sp modelId="{F6E06343-CE00-4D1D-B5D3-BCD00BD3811B}">
-      <dsp:nvSpPr>
-        <dsp:cNvPr id="0" name=""/>
-        <dsp:cNvSpPr/>
-      </dsp:nvSpPr>
-      <dsp:spPr>
-        <a:xfrm>
-          <a:off x="4005929" y="2594327"/>
-          <a:ext cx="574628" cy="574628"/>
-        </a:xfrm>
-        <a:prstGeom prst="rect">
-          <a:avLst/>
-        </a:prstGeom>
-        <a:blipFill>
-          <a:blip xmlns:r="http://schemas.openxmlformats.org/officeDocument/2006/relationships" r:embed="rId11">
-            <a:extLst>
-              <a:ext uri="{28A0092B-C50C-407E-A947-70E740481C1C}">
-                <a14:useLocalDpi xmlns:a14="http://schemas.microsoft.com/office/drawing/2010/main" val="0"/>
-              </a:ext>
-              <a:ext uri="{96DAC541-7B7A-43D3-8B79-37D633B846F1}">
-                <asvg:svgBlip xmlns:asvg="http://schemas.microsoft.com/office/drawing/2016/SVG/main" r:embed="rId12"/>
-              </a:ext>
-            </a:extLst>
-          </a:blip>
-          <a:stretch>
-            <a:fillRect/>
-          </a:stretch>
-        </a:blipFill>
-        <a:ln w="12700" cap="flat" cmpd="sng" algn="ctr">
-          <a:noFill/>
+        <a:ln w="19050" cap="flat" cmpd="sng" algn="ctr">
+          <a:solidFill>
+            <a:schemeClr val="lt1">
+              <a:hueOff val="0"/>
+              <a:satOff val="0"/>
+              <a:lumOff val="0"/>
+              <a:alphaOff val="0"/>
+            </a:schemeClr>
+          </a:solidFill>
           <a:prstDash val="solid"/>
           <a:miter lim="800000"/>
         </a:ln>
         <a:effectLst/>
       </dsp:spPr>
       <dsp:style>
-        <a:lnRef idx="2">
+        <a:lnRef idx="3">
           <a:scrgbClr r="0" g="0" b="0"/>
         </a:lnRef>
         <a:fillRef idx="1">
           <a:scrgbClr r="0" g="0" b="0"/>
         </a:fillRef>
-        <a:effectRef idx="0">
+        <a:effectRef idx="1">
           <a:scrgbClr r="0" g="0" b="0"/>
         </a:effectRef>
         <a:fontRef idx="minor">
           <a:schemeClr val="lt1"/>
         </a:fontRef>
       </dsp:style>
-    </dsp:sp>
-    <dsp:sp modelId="{CCF2C183-350E-4BB9-82C1-7E4A65C8D875}">
-      <dsp:nvSpPr>
-        <dsp:cNvPr id="0" name=""/>
-        <dsp:cNvSpPr/>
-      </dsp:nvSpPr>
-      <dsp:spPr>
-        <a:xfrm>
-          <a:off x="3472345" y="3694331"/>
-          <a:ext cx="1641796" cy="656718"/>
-        </a:xfrm>
-        <a:prstGeom prst="rect">
-          <a:avLst/>
-        </a:prstGeom>
-        <a:noFill/>
-        <a:ln>
-          <a:noFill/>
-        </a:ln>
-        <a:effectLst/>
-      </dsp:spPr>
-      <dsp:style>
-        <a:lnRef idx="0">
-          <a:scrgbClr r="0" g="0" b="0"/>
-        </a:lnRef>
-        <a:fillRef idx="0">
-          <a:scrgbClr r="0" g="0" b="0"/>
-        </a:fillRef>
-        <a:effectRef idx="0">
-          <a:scrgbClr r="0" g="0" b="0"/>
-        </a:effectRef>
-        <a:fontRef idx="minor"/>
-      </dsp:style>
       <dsp:txBody>
-        <a:bodyPr spcFirstLastPara="0" vert="horz" wrap="square" lIns="0" tIns="0" rIns="0" bIns="0" numCol="1" spcCol="1270" anchor="t" anchorCtr="0">
+        <a:bodyPr spcFirstLastPara="0" vert="horz" wrap="square" lIns="64770" tIns="64770" rIns="64770" bIns="64770" numCol="1" spcCol="1270" anchor="ctr" anchorCtr="0">
           <a:noAutofit/>
         </a:bodyPr>
         <a:lstStyle/>
         <a:p>
-          <a:pPr marL="0" lvl="0" indent="0" algn="ctr" defTabSz="488950">
+          <a:pPr marL="0" lvl="0" indent="0" algn="ctr" defTabSz="755650">
             <a:lnSpc>
               <a:spcPct val="90000"/>
             </a:lnSpc>
@@ -7097,145 +7479,73 @@
             <a:defRPr cap="all"/>
           </a:pPr>
           <a:r>
-            <a:rPr lang="de-AT" sz="1100" kern="1200"/>
-            <a:t>Technologien</a:t>
+            <a:rPr lang="de-AT" sz="1700" kern="1200" dirty="0"/>
+            <a:t>Danksagung</a:t>
           </a:r>
-          <a:endParaRPr lang="en-US" sz="1100" kern="1200"/>
+          <a:endParaRPr lang="en-US" sz="1700" kern="1200" dirty="0"/>
         </a:p>
       </dsp:txBody>
       <dsp:txXfrm>
-        <a:off x="3472345" y="3694331"/>
-        <a:ext cx="1641796" cy="656718"/>
+        <a:off x="2974584" y="1523321"/>
+        <a:ext cx="2174490" cy="1304694"/>
       </dsp:txXfrm>
     </dsp:sp>
-    <dsp:sp modelId="{64DADAB1-A8E0-4C3B-970B-F5D825E01E06}">
+    <dsp:sp modelId="{31884B74-39CF-43CB-83CE-E05A3F92061A}">
       <dsp:nvSpPr>
         <dsp:cNvPr id="0" name=""/>
         <dsp:cNvSpPr/>
       </dsp:nvSpPr>
       <dsp:spPr>
         <a:xfrm>
-          <a:off x="5721607" y="2380893"/>
-          <a:ext cx="1001496" cy="1001496"/>
+          <a:off x="5366524" y="1523321"/>
+          <a:ext cx="2174490" cy="1304694"/>
         </a:xfrm>
-        <a:prstGeom prst="ellipse">
+        <a:prstGeom prst="rect">
           <a:avLst/>
         </a:prstGeom>
         <a:solidFill>
-          <a:schemeClr val="accent2">
-            <a:tint val="40000"/>
+          <a:schemeClr val="accent1">
             <a:hueOff val="0"/>
             <a:satOff val="0"/>
             <a:lumOff val="0"/>
             <a:alphaOff val="0"/>
           </a:schemeClr>
         </a:solidFill>
-        <a:ln>
-          <a:noFill/>
-        </a:ln>
-        <a:effectLst/>
-      </dsp:spPr>
-      <dsp:style>
-        <a:lnRef idx="0">
-          <a:scrgbClr r="0" g="0" b="0"/>
-        </a:lnRef>
-        <a:fillRef idx="1">
-          <a:scrgbClr r="0" g="0" b="0"/>
-        </a:fillRef>
-        <a:effectRef idx="0">
-          <a:scrgbClr r="0" g="0" b="0"/>
-        </a:effectRef>
-        <a:fontRef idx="minor"/>
-      </dsp:style>
-    </dsp:sp>
-    <dsp:sp modelId="{8DEC0C1F-2FA7-4B67-8EB3-0C543245C2AD}">
-      <dsp:nvSpPr>
-        <dsp:cNvPr id="0" name=""/>
-        <dsp:cNvSpPr/>
-      </dsp:nvSpPr>
-      <dsp:spPr>
-        <a:xfrm>
-          <a:off x="5935041" y="2594327"/>
-          <a:ext cx="574628" cy="574628"/>
-        </a:xfrm>
-        <a:prstGeom prst="rect">
-          <a:avLst/>
-        </a:prstGeom>
-        <a:blipFill>
-          <a:blip xmlns:r="http://schemas.openxmlformats.org/officeDocument/2006/relationships" r:embed="rId13">
-            <a:extLst>
-              <a:ext uri="{28A0092B-C50C-407E-A947-70E740481C1C}">
-                <a14:useLocalDpi xmlns:a14="http://schemas.microsoft.com/office/drawing/2010/main" val="0"/>
-              </a:ext>
-              <a:ext uri="{96DAC541-7B7A-43D3-8B79-37D633B846F1}">
-                <asvg:svgBlip xmlns:asvg="http://schemas.microsoft.com/office/drawing/2016/SVG/main" r:embed="rId14"/>
-              </a:ext>
-            </a:extLst>
-          </a:blip>
-          <a:stretch>
-            <a:fillRect/>
-          </a:stretch>
-        </a:blipFill>
-        <a:ln w="12700" cap="flat" cmpd="sng" algn="ctr">
-          <a:noFill/>
+        <a:ln w="19050" cap="flat" cmpd="sng" algn="ctr">
+          <a:solidFill>
+            <a:schemeClr val="lt1">
+              <a:hueOff val="0"/>
+              <a:satOff val="0"/>
+              <a:lumOff val="0"/>
+              <a:alphaOff val="0"/>
+            </a:schemeClr>
+          </a:solidFill>
           <a:prstDash val="solid"/>
           <a:miter lim="800000"/>
         </a:ln>
         <a:effectLst/>
       </dsp:spPr>
       <dsp:style>
-        <a:lnRef idx="2">
+        <a:lnRef idx="3">
           <a:scrgbClr r="0" g="0" b="0"/>
         </a:lnRef>
         <a:fillRef idx="1">
           <a:scrgbClr r="0" g="0" b="0"/>
         </a:fillRef>
-        <a:effectRef idx="0">
+        <a:effectRef idx="1">
           <a:scrgbClr r="0" g="0" b="0"/>
         </a:effectRef>
         <a:fontRef idx="minor">
           <a:schemeClr val="lt1"/>
         </a:fontRef>
       </dsp:style>
-    </dsp:sp>
-    <dsp:sp modelId="{A20B25EF-AC55-4C1F-8DA6-89B93576767D}">
-      <dsp:nvSpPr>
-        <dsp:cNvPr id="0" name=""/>
-        <dsp:cNvSpPr/>
-      </dsp:nvSpPr>
-      <dsp:spPr>
-        <a:xfrm>
-          <a:off x="5401457" y="3694331"/>
-          <a:ext cx="1641796" cy="656718"/>
-        </a:xfrm>
-        <a:prstGeom prst="rect">
-          <a:avLst/>
-        </a:prstGeom>
-        <a:noFill/>
-        <a:ln>
-          <a:noFill/>
-        </a:ln>
-        <a:effectLst/>
-      </dsp:spPr>
-      <dsp:style>
-        <a:lnRef idx="0">
-          <a:scrgbClr r="0" g="0" b="0"/>
-        </a:lnRef>
-        <a:fillRef idx="0">
-          <a:scrgbClr r="0" g="0" b="0"/>
-        </a:fillRef>
-        <a:effectRef idx="0">
-          <a:scrgbClr r="0" g="0" b="0"/>
-        </a:effectRef>
-        <a:fontRef idx="minor"/>
-      </dsp:style>
       <dsp:txBody>
-        <a:bodyPr spcFirstLastPara="0" vert="horz" wrap="square" lIns="0" tIns="0" rIns="0" bIns="0" numCol="1" spcCol="1270" anchor="t" anchorCtr="0">
+        <a:bodyPr spcFirstLastPara="0" vert="horz" wrap="square" lIns="64770" tIns="64770" rIns="64770" bIns="64770" numCol="1" spcCol="1270" anchor="ctr" anchorCtr="0">
           <a:noAutofit/>
         </a:bodyPr>
         <a:lstStyle/>
         <a:p>
-          <a:pPr marL="0" lvl="0" indent="0" algn="ctr" defTabSz="488950">
+          <a:pPr marL="0" lvl="0" indent="0" algn="ctr" defTabSz="755650">
             <a:lnSpc>
               <a:spcPct val="90000"/>
             </a:lnSpc>
@@ -7249,15 +7559,174 @@
             <a:defRPr cap="all"/>
           </a:pPr>
           <a:r>
-            <a:rPr lang="de-AT" sz="1100" kern="1200"/>
-            <a:t>Live-Demo</a:t>
+            <a:rPr lang="de-AT" sz="1700" kern="1200" noProof="0"/>
+            <a:t>Konzept</a:t>
           </a:r>
-          <a:endParaRPr lang="en-US" sz="1100" kern="1200"/>
         </a:p>
       </dsp:txBody>
       <dsp:txXfrm>
-        <a:off x="5401457" y="3694331"/>
-        <a:ext cx="1641796" cy="656718"/>
+        <a:off x="5366524" y="1523321"/>
+        <a:ext cx="2174490" cy="1304694"/>
+      </dsp:txXfrm>
+    </dsp:sp>
+    <dsp:sp modelId="{F6B8A192-C8F9-4658-9E4F-887CA423FCB7}">
+      <dsp:nvSpPr>
+        <dsp:cNvPr id="0" name=""/>
+        <dsp:cNvSpPr/>
+      </dsp:nvSpPr>
+      <dsp:spPr>
+        <a:xfrm>
+          <a:off x="7758464" y="1523321"/>
+          <a:ext cx="2174490" cy="1304694"/>
+        </a:xfrm>
+        <a:prstGeom prst="rect">
+          <a:avLst/>
+        </a:prstGeom>
+        <a:solidFill>
+          <a:schemeClr val="accent1">
+            <a:hueOff val="0"/>
+            <a:satOff val="0"/>
+            <a:lumOff val="0"/>
+            <a:alphaOff val="0"/>
+          </a:schemeClr>
+        </a:solidFill>
+        <a:ln w="19050" cap="flat" cmpd="sng" algn="ctr">
+          <a:solidFill>
+            <a:schemeClr val="lt1">
+              <a:hueOff val="0"/>
+              <a:satOff val="0"/>
+              <a:lumOff val="0"/>
+              <a:alphaOff val="0"/>
+            </a:schemeClr>
+          </a:solidFill>
+          <a:prstDash val="solid"/>
+          <a:miter lim="800000"/>
+        </a:ln>
+        <a:effectLst/>
+      </dsp:spPr>
+      <dsp:style>
+        <a:lnRef idx="3">
+          <a:scrgbClr r="0" g="0" b="0"/>
+        </a:lnRef>
+        <a:fillRef idx="1">
+          <a:scrgbClr r="0" g="0" b="0"/>
+        </a:fillRef>
+        <a:effectRef idx="1">
+          <a:scrgbClr r="0" g="0" b="0"/>
+        </a:effectRef>
+        <a:fontRef idx="minor">
+          <a:schemeClr val="lt1"/>
+        </a:fontRef>
+      </dsp:style>
+      <dsp:txBody>
+        <a:bodyPr spcFirstLastPara="0" vert="horz" wrap="square" lIns="64770" tIns="64770" rIns="64770" bIns="64770" numCol="1" spcCol="1270" anchor="ctr" anchorCtr="0">
+          <a:noAutofit/>
+        </a:bodyPr>
+        <a:lstStyle/>
+        <a:p>
+          <a:pPr marL="0" lvl="0" indent="0" algn="ctr" defTabSz="755650">
+            <a:lnSpc>
+              <a:spcPct val="90000"/>
+            </a:lnSpc>
+            <a:spcBef>
+              <a:spcPct val="0"/>
+            </a:spcBef>
+            <a:spcAft>
+              <a:spcPct val="35000"/>
+            </a:spcAft>
+            <a:buNone/>
+            <a:defRPr cap="all"/>
+          </a:pPr>
+          <a:r>
+            <a:rPr lang="de-AT" sz="1700" kern="1200"/>
+            <a:t>Technologien</a:t>
+          </a:r>
+          <a:endParaRPr lang="en-US" sz="1700" kern="1200"/>
+        </a:p>
+      </dsp:txBody>
+      <dsp:txXfrm>
+        <a:off x="7758464" y="1523321"/>
+        <a:ext cx="2174490" cy="1304694"/>
+      </dsp:txXfrm>
+    </dsp:sp>
+    <dsp:sp modelId="{3763F0CA-7536-4F33-AF59-7825687D90B2}">
+      <dsp:nvSpPr>
+        <dsp:cNvPr id="0" name=""/>
+        <dsp:cNvSpPr/>
+      </dsp:nvSpPr>
+      <dsp:spPr>
+        <a:xfrm>
+          <a:off x="4170554" y="3045465"/>
+          <a:ext cx="2174490" cy="1304694"/>
+        </a:xfrm>
+        <a:prstGeom prst="rect">
+          <a:avLst/>
+        </a:prstGeom>
+        <a:solidFill>
+          <a:schemeClr val="accent1">
+            <a:hueOff val="0"/>
+            <a:satOff val="0"/>
+            <a:lumOff val="0"/>
+            <a:alphaOff val="0"/>
+          </a:schemeClr>
+        </a:solidFill>
+        <a:ln w="19050" cap="flat" cmpd="sng" algn="ctr">
+          <a:solidFill>
+            <a:schemeClr val="lt1">
+              <a:hueOff val="0"/>
+              <a:satOff val="0"/>
+              <a:lumOff val="0"/>
+              <a:alphaOff val="0"/>
+            </a:schemeClr>
+          </a:solidFill>
+          <a:prstDash val="solid"/>
+          <a:miter lim="800000"/>
+        </a:ln>
+        <a:effectLst/>
+      </dsp:spPr>
+      <dsp:style>
+        <a:lnRef idx="3">
+          <a:scrgbClr r="0" g="0" b="0"/>
+        </a:lnRef>
+        <a:fillRef idx="1">
+          <a:scrgbClr r="0" g="0" b="0"/>
+        </a:fillRef>
+        <a:effectRef idx="1">
+          <a:scrgbClr r="0" g="0" b="0"/>
+        </a:effectRef>
+        <a:fontRef idx="minor">
+          <a:schemeClr val="lt1"/>
+        </a:fontRef>
+      </dsp:style>
+      <dsp:txBody>
+        <a:bodyPr spcFirstLastPara="0" vert="horz" wrap="square" lIns="64770" tIns="64770" rIns="64770" bIns="64770" numCol="1" spcCol="1270" anchor="ctr" anchorCtr="0">
+          <a:noAutofit/>
+        </a:bodyPr>
+        <a:lstStyle/>
+        <a:p>
+          <a:pPr marL="0" lvl="0" indent="0" algn="ctr" defTabSz="755650">
+            <a:lnSpc>
+              <a:spcPct val="90000"/>
+            </a:lnSpc>
+            <a:spcBef>
+              <a:spcPct val="0"/>
+            </a:spcBef>
+            <a:spcAft>
+              <a:spcPct val="35000"/>
+            </a:spcAft>
+            <a:buNone/>
+            <a:defRPr cap="all"/>
+          </a:pPr>
+          <a:r>
+            <a:rPr lang="de-AT" sz="1700" kern="1200" dirty="0"/>
+            <a:t>Live-Demo</a:t>
+          </a:r>
+          <a:endParaRPr lang="en-US" sz="1700" kern="1200" dirty="0"/>
+        </a:p>
+      </dsp:txBody>
+      <dsp:txXfrm>
+        <a:off x="4170554" y="3045465"/>
+        <a:ext cx="2174490" cy="1304694"/>
       </dsp:txXfrm>
     </dsp:sp>
   </dsp:spTree>
@@ -9580,48 +10049,632 @@
 </dsp:drawing>
 </file>
 
+<file path=ppt/diagrams/drawing6.xml><?xml version="1.0" encoding="utf-8"?>
+<dsp:drawing xmlns:dgm="http://schemas.openxmlformats.org/drawingml/2006/diagram" xmlns:dsp="http://schemas.microsoft.com/office/drawing/2008/diagram" xmlns:a="http://schemas.openxmlformats.org/drawingml/2006/main">
+  <dsp:spTree>
+    <dsp:nvGrpSpPr>
+      <dsp:cNvPr id="0" name=""/>
+      <dsp:cNvGrpSpPr/>
+    </dsp:nvGrpSpPr>
+    <dsp:grpSpPr/>
+    <dsp:sp modelId="{C7140665-82A2-4CFF-A577-566C227184F7}">
+      <dsp:nvSpPr>
+        <dsp:cNvPr id="0" name=""/>
+        <dsp:cNvSpPr/>
+      </dsp:nvSpPr>
+      <dsp:spPr>
+        <a:xfrm>
+          <a:off x="821" y="179348"/>
+          <a:ext cx="3327201" cy="3992641"/>
+        </a:xfrm>
+        <a:prstGeom prst="rect">
+          <a:avLst/>
+        </a:prstGeom>
+        <a:gradFill rotWithShape="0">
+          <a:gsLst>
+            <a:gs pos="0">
+              <a:schemeClr val="accent1">
+                <a:hueOff val="0"/>
+                <a:satOff val="0"/>
+                <a:lumOff val="0"/>
+                <a:alphaOff val="0"/>
+                <a:satMod val="103000"/>
+                <a:lumMod val="102000"/>
+                <a:tint val="94000"/>
+              </a:schemeClr>
+            </a:gs>
+            <a:gs pos="50000">
+              <a:schemeClr val="accent1">
+                <a:hueOff val="0"/>
+                <a:satOff val="0"/>
+                <a:lumOff val="0"/>
+                <a:alphaOff val="0"/>
+                <a:satMod val="110000"/>
+                <a:lumMod val="100000"/>
+                <a:shade val="100000"/>
+              </a:schemeClr>
+            </a:gs>
+            <a:gs pos="100000">
+              <a:schemeClr val="accent1">
+                <a:hueOff val="0"/>
+                <a:satOff val="0"/>
+                <a:lumOff val="0"/>
+                <a:alphaOff val="0"/>
+                <a:lumMod val="99000"/>
+                <a:satMod val="120000"/>
+                <a:shade val="78000"/>
+              </a:schemeClr>
+            </a:gs>
+          </a:gsLst>
+          <a:lin ang="5400000" scaled="0"/>
+        </a:gradFill>
+        <a:ln w="6350" cap="flat" cmpd="sng" algn="ctr">
+          <a:solidFill>
+            <a:schemeClr val="accent1">
+              <a:hueOff val="0"/>
+              <a:satOff val="0"/>
+              <a:lumOff val="0"/>
+              <a:alphaOff val="0"/>
+            </a:schemeClr>
+          </a:solidFill>
+          <a:prstDash val="solid"/>
+          <a:miter lim="800000"/>
+        </a:ln>
+        <a:effectLst/>
+      </dsp:spPr>
+      <dsp:style>
+        <a:lnRef idx="1">
+          <a:scrgbClr r="0" g="0" b="0"/>
+        </a:lnRef>
+        <a:fillRef idx="3">
+          <a:scrgbClr r="0" g="0" b="0"/>
+        </a:fillRef>
+        <a:effectRef idx="2">
+          <a:scrgbClr r="0" g="0" b="0"/>
+        </a:effectRef>
+        <a:fontRef idx="minor">
+          <a:schemeClr val="lt1"/>
+        </a:fontRef>
+      </dsp:style>
+      <dsp:txBody>
+        <a:bodyPr spcFirstLastPara="0" vert="horz" wrap="square" lIns="328654" tIns="0" rIns="328654" bIns="330200" numCol="1" spcCol="1270" anchor="t" anchorCtr="0">
+          <a:noAutofit/>
+        </a:bodyPr>
+        <a:lstStyle/>
+        <a:p>
+          <a:pPr marL="0" lvl="0" indent="0" algn="l" defTabSz="889000">
+            <a:lnSpc>
+              <a:spcPct val="90000"/>
+            </a:lnSpc>
+            <a:spcBef>
+              <a:spcPct val="0"/>
+            </a:spcBef>
+            <a:spcAft>
+              <a:spcPct val="35000"/>
+            </a:spcAft>
+            <a:buNone/>
+          </a:pPr>
+          <a:r>
+            <a:rPr lang="de-DE" sz="2000" kern="1200" noProof="0"/>
+            <a:t>Durch den Einsatz dieser Software kann das Unternehmen bis zu 1.000 € pro Monat einsparen.</a:t>
+          </a:r>
+          <a:endParaRPr lang="de-DE" sz="2000" kern="1200" noProof="0" dirty="0"/>
+        </a:p>
+      </dsp:txBody>
+      <dsp:txXfrm>
+        <a:off x="821" y="1776404"/>
+        <a:ext cx="3327201" cy="2395585"/>
+      </dsp:txXfrm>
+    </dsp:sp>
+    <dsp:sp modelId="{8EB4E4E5-9766-4B62-B2CC-62677EF26071}">
+      <dsp:nvSpPr>
+        <dsp:cNvPr id="0" name=""/>
+        <dsp:cNvSpPr/>
+      </dsp:nvSpPr>
+      <dsp:spPr>
+        <a:xfrm>
+          <a:off x="821" y="179348"/>
+          <a:ext cx="3327201" cy="1597056"/>
+        </a:xfrm>
+        <a:prstGeom prst="rect">
+          <a:avLst/>
+        </a:prstGeom>
+        <a:noFill/>
+        <a:ln w="6350" cap="flat" cmpd="sng" algn="ctr">
+          <a:noFill/>
+          <a:prstDash val="solid"/>
+          <a:miter lim="800000"/>
+        </a:ln>
+        <a:effectLst/>
+        <a:sp3d/>
+      </dsp:spPr>
+      <dsp:style>
+        <a:lnRef idx="1">
+          <a:scrgbClr r="0" g="0" b="0"/>
+        </a:lnRef>
+        <a:fillRef idx="3">
+          <a:scrgbClr r="0" g="0" b="0"/>
+        </a:fillRef>
+        <a:effectRef idx="2">
+          <a:scrgbClr r="0" g="0" b="0"/>
+        </a:effectRef>
+        <a:fontRef idx="minor">
+          <a:schemeClr val="lt1"/>
+        </a:fontRef>
+      </dsp:style>
+      <dsp:txBody>
+        <a:bodyPr spcFirstLastPara="0" vert="horz" wrap="square" lIns="328654" tIns="165100" rIns="328654" bIns="165100" numCol="1" spcCol="1270" anchor="ctr" anchorCtr="0">
+          <a:noAutofit/>
+        </a:bodyPr>
+        <a:lstStyle/>
+        <a:p>
+          <a:pPr marL="0" lvl="0" indent="0" algn="l" defTabSz="1644650">
+            <a:lnSpc>
+              <a:spcPct val="90000"/>
+            </a:lnSpc>
+            <a:spcBef>
+              <a:spcPct val="0"/>
+            </a:spcBef>
+            <a:spcAft>
+              <a:spcPct val="35000"/>
+            </a:spcAft>
+            <a:buNone/>
+          </a:pPr>
+          <a:endParaRPr lang="en-US" sz="3700" kern="1200" dirty="0"/>
+        </a:p>
+      </dsp:txBody>
+      <dsp:txXfrm>
+        <a:off x="821" y="179348"/>
+        <a:ext cx="3327201" cy="1597056"/>
+      </dsp:txXfrm>
+    </dsp:sp>
+    <dsp:sp modelId="{2846F65E-55DB-44D7-906D-BAF73BFE9872}">
+      <dsp:nvSpPr>
+        <dsp:cNvPr id="0" name=""/>
+        <dsp:cNvSpPr/>
+      </dsp:nvSpPr>
+      <dsp:spPr>
+        <a:xfrm>
+          <a:off x="3594199" y="179348"/>
+          <a:ext cx="3327201" cy="3992641"/>
+        </a:xfrm>
+        <a:prstGeom prst="rect">
+          <a:avLst/>
+        </a:prstGeom>
+        <a:gradFill rotWithShape="0">
+          <a:gsLst>
+            <a:gs pos="0">
+              <a:schemeClr val="accent1">
+                <a:hueOff val="0"/>
+                <a:satOff val="0"/>
+                <a:lumOff val="0"/>
+                <a:alphaOff val="0"/>
+                <a:satMod val="103000"/>
+                <a:lumMod val="102000"/>
+                <a:tint val="94000"/>
+              </a:schemeClr>
+            </a:gs>
+            <a:gs pos="50000">
+              <a:schemeClr val="accent1">
+                <a:hueOff val="0"/>
+                <a:satOff val="0"/>
+                <a:lumOff val="0"/>
+                <a:alphaOff val="0"/>
+                <a:satMod val="110000"/>
+                <a:lumMod val="100000"/>
+                <a:shade val="100000"/>
+              </a:schemeClr>
+            </a:gs>
+            <a:gs pos="100000">
+              <a:schemeClr val="accent1">
+                <a:hueOff val="0"/>
+                <a:satOff val="0"/>
+                <a:lumOff val="0"/>
+                <a:alphaOff val="0"/>
+                <a:lumMod val="99000"/>
+                <a:satMod val="120000"/>
+                <a:shade val="78000"/>
+              </a:schemeClr>
+            </a:gs>
+          </a:gsLst>
+          <a:lin ang="5400000" scaled="0"/>
+        </a:gradFill>
+        <a:ln w="6350" cap="flat" cmpd="sng" algn="ctr">
+          <a:solidFill>
+            <a:schemeClr val="accent1">
+              <a:hueOff val="0"/>
+              <a:satOff val="0"/>
+              <a:lumOff val="0"/>
+              <a:alphaOff val="0"/>
+            </a:schemeClr>
+          </a:solidFill>
+          <a:prstDash val="solid"/>
+          <a:miter lim="800000"/>
+        </a:ln>
+        <a:effectLst/>
+      </dsp:spPr>
+      <dsp:style>
+        <a:lnRef idx="1">
+          <a:scrgbClr r="0" g="0" b="0"/>
+        </a:lnRef>
+        <a:fillRef idx="3">
+          <a:scrgbClr r="0" g="0" b="0"/>
+        </a:fillRef>
+        <a:effectRef idx="2">
+          <a:scrgbClr r="0" g="0" b="0"/>
+        </a:effectRef>
+        <a:fontRef idx="minor">
+          <a:schemeClr val="lt1"/>
+        </a:fontRef>
+      </dsp:style>
+      <dsp:txBody>
+        <a:bodyPr spcFirstLastPara="0" vert="horz" wrap="square" lIns="328654" tIns="0" rIns="328654" bIns="330200" numCol="1" spcCol="1270" anchor="t" anchorCtr="0">
+          <a:noAutofit/>
+        </a:bodyPr>
+        <a:lstStyle/>
+        <a:p>
+          <a:pPr marL="0" lvl="0" indent="0" algn="l" defTabSz="889000">
+            <a:lnSpc>
+              <a:spcPct val="90000"/>
+            </a:lnSpc>
+            <a:spcBef>
+              <a:spcPct val="0"/>
+            </a:spcBef>
+            <a:spcAft>
+              <a:spcPct val="35000"/>
+            </a:spcAft>
+            <a:buNone/>
+          </a:pPr>
+          <a:r>
+            <a:rPr lang="de-DE" sz="2000" kern="1200" noProof="0" dirty="0"/>
+            <a:t>Vor allem in Zeiten wie der Vorweihnachtszeit, in der viele Bestellungen eingehen, ist diese Software eine große Hilfe.</a:t>
+          </a:r>
+        </a:p>
+      </dsp:txBody>
+      <dsp:txXfrm>
+        <a:off x="3594199" y="1776404"/>
+        <a:ext cx="3327201" cy="2395585"/>
+      </dsp:txXfrm>
+    </dsp:sp>
+    <dsp:sp modelId="{7FCC81E4-ACDB-4264-8EA0-F675F3C1FC63}">
+      <dsp:nvSpPr>
+        <dsp:cNvPr id="0" name=""/>
+        <dsp:cNvSpPr/>
+      </dsp:nvSpPr>
+      <dsp:spPr>
+        <a:xfrm>
+          <a:off x="3594199" y="179348"/>
+          <a:ext cx="3327201" cy="1597056"/>
+        </a:xfrm>
+        <a:prstGeom prst="rect">
+          <a:avLst/>
+        </a:prstGeom>
+        <a:noFill/>
+        <a:ln w="6350" cap="flat" cmpd="sng" algn="ctr">
+          <a:noFill/>
+          <a:prstDash val="solid"/>
+          <a:miter lim="800000"/>
+        </a:ln>
+        <a:effectLst/>
+        <a:sp3d/>
+      </dsp:spPr>
+      <dsp:style>
+        <a:lnRef idx="1">
+          <a:scrgbClr r="0" g="0" b="0"/>
+        </a:lnRef>
+        <a:fillRef idx="3">
+          <a:scrgbClr r="0" g="0" b="0"/>
+        </a:fillRef>
+        <a:effectRef idx="2">
+          <a:scrgbClr r="0" g="0" b="0"/>
+        </a:effectRef>
+        <a:fontRef idx="minor">
+          <a:schemeClr val="lt1"/>
+        </a:fontRef>
+      </dsp:style>
+      <dsp:txBody>
+        <a:bodyPr spcFirstLastPara="0" vert="horz" wrap="square" lIns="328654" tIns="165100" rIns="328654" bIns="165100" numCol="1" spcCol="1270" anchor="ctr" anchorCtr="0">
+          <a:noAutofit/>
+        </a:bodyPr>
+        <a:lstStyle/>
+        <a:p>
+          <a:pPr marL="0" lvl="0" indent="0" algn="l" defTabSz="1644650">
+            <a:lnSpc>
+              <a:spcPct val="90000"/>
+            </a:lnSpc>
+            <a:spcBef>
+              <a:spcPct val="0"/>
+            </a:spcBef>
+            <a:spcAft>
+              <a:spcPct val="35000"/>
+            </a:spcAft>
+            <a:buNone/>
+          </a:pPr>
+          <a:endParaRPr lang="en-US" sz="3700" kern="1200" dirty="0"/>
+        </a:p>
+        <a:p>
+          <a:pPr marL="0" lvl="0" indent="0" algn="l" defTabSz="1644650">
+            <a:lnSpc>
+              <a:spcPct val="90000"/>
+            </a:lnSpc>
+            <a:spcBef>
+              <a:spcPct val="0"/>
+            </a:spcBef>
+            <a:spcAft>
+              <a:spcPct val="35000"/>
+            </a:spcAft>
+            <a:buNone/>
+          </a:pPr>
+          <a:endParaRPr lang="de-AT" sz="3700" kern="1200" dirty="0"/>
+        </a:p>
+      </dsp:txBody>
+      <dsp:txXfrm>
+        <a:off x="3594199" y="179348"/>
+        <a:ext cx="3327201" cy="1597056"/>
+      </dsp:txXfrm>
+    </dsp:sp>
+    <dsp:sp modelId="{59C11BFA-2046-4AFA-A19F-A8EC52FE8CA0}">
+      <dsp:nvSpPr>
+        <dsp:cNvPr id="0" name=""/>
+        <dsp:cNvSpPr/>
+      </dsp:nvSpPr>
+      <dsp:spPr>
+        <a:xfrm>
+          <a:off x="7187576" y="179348"/>
+          <a:ext cx="3327201" cy="3992641"/>
+        </a:xfrm>
+        <a:prstGeom prst="rect">
+          <a:avLst/>
+        </a:prstGeom>
+        <a:gradFill rotWithShape="0">
+          <a:gsLst>
+            <a:gs pos="0">
+              <a:schemeClr val="accent1">
+                <a:hueOff val="0"/>
+                <a:satOff val="0"/>
+                <a:lumOff val="0"/>
+                <a:alphaOff val="0"/>
+                <a:satMod val="103000"/>
+                <a:lumMod val="102000"/>
+                <a:tint val="94000"/>
+              </a:schemeClr>
+            </a:gs>
+            <a:gs pos="50000">
+              <a:schemeClr val="accent1">
+                <a:hueOff val="0"/>
+                <a:satOff val="0"/>
+                <a:lumOff val="0"/>
+                <a:alphaOff val="0"/>
+                <a:satMod val="110000"/>
+                <a:lumMod val="100000"/>
+                <a:shade val="100000"/>
+              </a:schemeClr>
+            </a:gs>
+            <a:gs pos="100000">
+              <a:schemeClr val="accent1">
+                <a:hueOff val="0"/>
+                <a:satOff val="0"/>
+                <a:lumOff val="0"/>
+                <a:alphaOff val="0"/>
+                <a:lumMod val="99000"/>
+                <a:satMod val="120000"/>
+                <a:shade val="78000"/>
+              </a:schemeClr>
+            </a:gs>
+          </a:gsLst>
+          <a:lin ang="5400000" scaled="0"/>
+        </a:gradFill>
+        <a:ln w="6350" cap="flat" cmpd="sng" algn="ctr">
+          <a:solidFill>
+            <a:schemeClr val="accent1">
+              <a:hueOff val="0"/>
+              <a:satOff val="0"/>
+              <a:lumOff val="0"/>
+              <a:alphaOff val="0"/>
+            </a:schemeClr>
+          </a:solidFill>
+          <a:prstDash val="solid"/>
+          <a:miter lim="800000"/>
+        </a:ln>
+        <a:effectLst/>
+      </dsp:spPr>
+      <dsp:style>
+        <a:lnRef idx="1">
+          <a:scrgbClr r="0" g="0" b="0"/>
+        </a:lnRef>
+        <a:fillRef idx="3">
+          <a:scrgbClr r="0" g="0" b="0"/>
+        </a:fillRef>
+        <a:effectRef idx="2">
+          <a:scrgbClr r="0" g="0" b="0"/>
+        </a:effectRef>
+        <a:fontRef idx="minor">
+          <a:schemeClr val="lt1"/>
+        </a:fontRef>
+      </dsp:style>
+      <dsp:txBody>
+        <a:bodyPr spcFirstLastPara="0" vert="horz" wrap="square" lIns="328654" tIns="0" rIns="328654" bIns="330200" numCol="1" spcCol="1270" anchor="t" anchorCtr="0">
+          <a:noAutofit/>
+        </a:bodyPr>
+        <a:lstStyle/>
+        <a:p>
+          <a:pPr marL="0" lvl="0" indent="0" algn="l" defTabSz="889000">
+            <a:lnSpc>
+              <a:spcPct val="90000"/>
+            </a:lnSpc>
+            <a:spcBef>
+              <a:spcPct val="0"/>
+            </a:spcBef>
+            <a:spcAft>
+              <a:spcPct val="35000"/>
+            </a:spcAft>
+            <a:buNone/>
+          </a:pPr>
+          <a:r>
+            <a:rPr lang="de-DE" sz="2000" kern="1200" noProof="0" dirty="0"/>
+            <a:t>Die Dokumentation des Verbrauchs ist nicht mehr von Hand erforderlich, sondern wird von dieser Software übernommen.</a:t>
+          </a:r>
+        </a:p>
+      </dsp:txBody>
+      <dsp:txXfrm>
+        <a:off x="7187576" y="1776404"/>
+        <a:ext cx="3327201" cy="2395585"/>
+      </dsp:txXfrm>
+    </dsp:sp>
+    <dsp:sp modelId="{640C4C8C-A7CA-4410-B1E6-1790DB09CDFB}">
+      <dsp:nvSpPr>
+        <dsp:cNvPr id="0" name=""/>
+        <dsp:cNvSpPr/>
+      </dsp:nvSpPr>
+      <dsp:spPr>
+        <a:xfrm>
+          <a:off x="7187576" y="179348"/>
+          <a:ext cx="3327201" cy="1597056"/>
+        </a:xfrm>
+        <a:prstGeom prst="rect">
+          <a:avLst/>
+        </a:prstGeom>
+        <a:noFill/>
+        <a:ln w="6350" cap="flat" cmpd="sng" algn="ctr">
+          <a:noFill/>
+          <a:prstDash val="solid"/>
+          <a:miter lim="800000"/>
+        </a:ln>
+        <a:effectLst/>
+        <a:sp3d/>
+      </dsp:spPr>
+      <dsp:style>
+        <a:lnRef idx="1">
+          <a:scrgbClr r="0" g="0" b="0"/>
+        </a:lnRef>
+        <a:fillRef idx="3">
+          <a:scrgbClr r="0" g="0" b="0"/>
+        </a:fillRef>
+        <a:effectRef idx="2">
+          <a:scrgbClr r="0" g="0" b="0"/>
+        </a:effectRef>
+        <a:fontRef idx="minor">
+          <a:schemeClr val="lt1"/>
+        </a:fontRef>
+      </dsp:style>
+      <dsp:txBody>
+        <a:bodyPr spcFirstLastPara="0" vert="horz" wrap="square" lIns="328654" tIns="165100" rIns="328654" bIns="165100" numCol="1" spcCol="1270" anchor="ctr" anchorCtr="0">
+          <a:noAutofit/>
+        </a:bodyPr>
+        <a:lstStyle/>
+        <a:p>
+          <a:pPr marL="0" lvl="0" indent="0" algn="l" defTabSz="1644650">
+            <a:lnSpc>
+              <a:spcPct val="90000"/>
+            </a:lnSpc>
+            <a:spcBef>
+              <a:spcPct val="0"/>
+            </a:spcBef>
+            <a:spcAft>
+              <a:spcPct val="35000"/>
+            </a:spcAft>
+            <a:buNone/>
+          </a:pPr>
+          <a:endParaRPr lang="de-AT" sz="3700" kern="1200"/>
+        </a:p>
+      </dsp:txBody>
+      <dsp:txXfrm>
+        <a:off x="7187576" y="179348"/>
+        <a:ext cx="3327201" cy="1597056"/>
+      </dsp:txXfrm>
+    </dsp:sp>
+  </dsp:spTree>
+</dsp:drawing>
+</file>
+
 <file path=ppt/diagrams/layout1.xml><?xml version="1.0" encoding="utf-8"?>
-<dgm:layoutDef xmlns:dgm="http://schemas.openxmlformats.org/drawingml/2006/diagram" xmlns:a="http://schemas.openxmlformats.org/drawingml/2006/main" uniqueId="urn:microsoft.com/office/officeart/2018/5/layout/IconCircleLabelList">
-  <dgm:title val="Icon Circle Label List"/>
-  <dgm:desc val="Use to show non-sequential or grouped chunks of information accompanied by a related visuals. Works best with icons or small pictures with short text captions."/>
+<dgm:layoutDef xmlns:dgm="http://schemas.openxmlformats.org/drawingml/2006/diagram" xmlns:a="http://schemas.openxmlformats.org/drawingml/2006/main" uniqueId="urn:microsoft.com/office/officeart/2005/8/layout/default">
+  <dgm:title val=""/>
+  <dgm:desc val=""/>
   <dgm:catLst>
-    <dgm:cat type="icon" pri="500"/>
+    <dgm:cat type="list" pri="400"/>
   </dgm:catLst>
-  <dgm:sampData useDef="1">
+  <dgm:sampData>
     <dgm:dataModel>
-      <dgm:ptLst/>
+      <dgm:ptLst>
+        <dgm:pt modelId="0" type="doc"/>
+        <dgm:pt modelId="1">
+          <dgm:prSet phldr="1"/>
+        </dgm:pt>
+        <dgm:pt modelId="2">
+          <dgm:prSet phldr="1"/>
+        </dgm:pt>
+        <dgm:pt modelId="3">
+          <dgm:prSet phldr="1"/>
+        </dgm:pt>
+        <dgm:pt modelId="4">
+          <dgm:prSet phldr="1"/>
+        </dgm:pt>
+        <dgm:pt modelId="5">
+          <dgm:prSet phldr="1"/>
+        </dgm:pt>
+      </dgm:ptLst>
+      <dgm:cxnLst>
+        <dgm:cxn modelId="6" srcId="0" destId="1" srcOrd="0" destOrd="0"/>
+        <dgm:cxn modelId="7" srcId="0" destId="2" srcOrd="1" destOrd="0"/>
+        <dgm:cxn modelId="8" srcId="0" destId="3" srcOrd="2" destOrd="0"/>
+        <dgm:cxn modelId="9" srcId="0" destId="4" srcOrd="3" destOrd="0"/>
+        <dgm:cxn modelId="10" srcId="0" destId="5" srcOrd="4" destOrd="0"/>
+      </dgm:cxnLst>
       <dgm:bg/>
       <dgm:whole/>
     </dgm:dataModel>
   </dgm:sampData>
-  <dgm:styleData useDef="1">
+  <dgm:styleData>
     <dgm:dataModel>
-      <dgm:ptLst/>
+      <dgm:ptLst>
+        <dgm:pt modelId="0" type="doc"/>
+        <dgm:pt modelId="1"/>
+        <dgm:pt modelId="2"/>
+      </dgm:ptLst>
+      <dgm:cxnLst>
+        <dgm:cxn modelId="3" srcId="0" destId="1" srcOrd="0" destOrd="0"/>
+        <dgm:cxn modelId="4" srcId="0" destId="2" srcOrd="1" destOrd="0"/>
+      </dgm:cxnLst>
       <dgm:bg/>
       <dgm:whole/>
     </dgm:dataModel>
   </dgm:styleData>
-  <dgm:clrData useDef="1">
+  <dgm:clrData>
     <dgm:dataModel>
-      <dgm:ptLst/>
+      <dgm:ptLst>
+        <dgm:pt modelId="0" type="doc"/>
+        <dgm:pt modelId="1"/>
+        <dgm:pt modelId="2"/>
+        <dgm:pt modelId="3"/>
+        <dgm:pt modelId="4"/>
+        <dgm:pt modelId="5"/>
+        <dgm:pt modelId="6"/>
+      </dgm:ptLst>
+      <dgm:cxnLst>
+        <dgm:cxn modelId="7" srcId="0" destId="1" srcOrd="0" destOrd="0"/>
+        <dgm:cxn modelId="8" srcId="0" destId="2" srcOrd="1" destOrd="0"/>
+        <dgm:cxn modelId="9" srcId="0" destId="3" srcOrd="2" destOrd="0"/>
+        <dgm:cxn modelId="10" srcId="0" destId="4" srcOrd="3" destOrd="0"/>
+        <dgm:cxn modelId="11" srcId="0" destId="5" srcOrd="4" destOrd="0"/>
+        <dgm:cxn modelId="12" srcId="0" destId="6" srcOrd="5" destOrd="0"/>
+      </dgm:cxnLst>
       <dgm:bg/>
       <dgm:whole/>
     </dgm:dataModel>
   </dgm:clrData>
-  <dgm:layoutNode name="root">
+  <dgm:layoutNode name="diagram">
     <dgm:varLst>
       <dgm:dir/>
       <dgm:resizeHandles val="exact"/>
     </dgm:varLst>
     <dgm:choose name="Name0">
-      <dgm:if name="Name1" axis="self" func="var" arg="dir" op="equ" val="norm">
+      <dgm:if name="Name1" func="var" arg="dir" op="equ" val="norm">
         <dgm:alg type="snake">
           <dgm:param type="grDir" val="tL"/>
           <dgm:param type="flowDir" val="row"/>
           <dgm:param type="contDir" val="sameDir"/>
           <dgm:param type="off" val="ctr"/>
-          <dgm:param type="vertAlign" val="mid"/>
-          <dgm:param type="horzAlign" val="ctr"/>
         </dgm:alg>
       </dgm:if>
       <dgm:else name="Name2">
@@ -9630,8 +10683,6 @@
           <dgm:param type="flowDir" val="row"/>
           <dgm:param type="contDir" val="sameDir"/>
           <dgm:param type="off" val="ctr"/>
-          <dgm:param type="vertAlign" val="mid"/>
-          <dgm:param type="horzAlign" val="ctr"/>
         </dgm:alg>
       </dgm:else>
     </dgm:choose>
@@ -9639,102 +10690,36 @@
       <dgm:adjLst/>
     </dgm:shape>
     <dgm:presOf/>
-    <dgm:choose name="Name3">
-      <dgm:if name="Name4" axis="ch" ptType="node" func="cnt" op="lte" val="2">
-        <dgm:constrLst>
-          <dgm:constr type="h" for="ch" forName="compNode" refType="h" fact="0.4"/>
-          <dgm:constr type="w" for="ch" forName="compNode" val="100"/>
-          <dgm:constr type="w" for="ch" forName="sibTrans" refType="w" refFor="ch" refForName="compNode" fact="0.175"/>
-          <dgm:constr type="sp" refType="w" refFor="ch" refForName="compNode" op="equ" fact="0.25"/>
-          <dgm:constr type="primFontSz" for="des" ptType="node" op="equ" val="44"/>
-          <dgm:constr type="h" for="des" forName="compNode" op="equ"/>
-          <dgm:constr type="h" for="des" forName="textRect" op="equ"/>
-        </dgm:constrLst>
-      </dgm:if>
-      <dgm:if name="Name5" axis="ch" ptType="node" func="cnt" op="lte" val="3">
-        <dgm:constrLst>
-          <dgm:constr type="h" for="ch" forName="compNode" refType="h" fact="0.4"/>
-          <dgm:constr type="w" for="ch" forName="compNode" val="100"/>
-          <dgm:constr type="w" for="ch" forName="sibTrans" refType="w" refFor="ch" refForName="compNode" fact="0.175"/>
-          <dgm:constr type="sp" refType="w" refFor="ch" refForName="compNode" op="equ" fact="0.25"/>
-          <dgm:constr type="primFontSz" for="des" ptType="node" op="equ" val="40"/>
-          <dgm:constr type="h" for="des" forName="compNode" op="equ"/>
-          <dgm:constr type="h" for="des" forName="textRect" op="equ"/>
-        </dgm:constrLst>
-      </dgm:if>
-      <dgm:if name="Name6" axis="ch" ptType="node" func="cnt" op="lte" val="4">
-        <dgm:constrLst>
-          <dgm:constr type="h" for="ch" forName="compNode" refType="h" fact="0.4"/>
-          <dgm:constr type="w" for="ch" forName="compNode" refType="w"/>
-          <dgm:constr type="w" for="ch" forName="sibTrans" refType="w" refFor="ch" refForName="compNode" fact="0.175"/>
-          <dgm:constr type="sp" refType="w" refFor="ch" refForName="compNode" op="equ" fact="0.25"/>
-          <dgm:constr type="primFontSz" for="des" ptType="node" op="equ" val="32"/>
-          <dgm:constr type="h" for="des" forName="compNode" op="equ"/>
-          <dgm:constr type="h" for="des" forName="textRect" op="equ"/>
-        </dgm:constrLst>
-      </dgm:if>
-      <dgm:else name="Name7">
-        <dgm:constrLst>
-          <dgm:constr type="h" for="ch" forName="compNode" refType="h" fact="0.4"/>
-          <dgm:constr type="w" for="ch" forName="compNode" refType="w"/>
-          <dgm:constr type="w" for="ch" forName="sibTrans" refType="w" refFor="ch" refForName="compNode" fact="0.175"/>
-          <dgm:constr type="sp" refType="w" refFor="ch" refForName="compNode" op="equ" fact="0.25"/>
-          <dgm:constr type="primFontSz" for="des" ptType="node" op="equ" val="24"/>
-          <dgm:constr type="h" for="des" forName="compNode" op="equ"/>
-          <dgm:constr type="h" for="des" forName="textRect" op="equ"/>
-        </dgm:constrLst>
-      </dgm:else>
-    </dgm:choose>
-    <dgm:ruleLst>
-      <dgm:rule type="w" for="ch" forName="compNode" val="50" fact="NaN" max="NaN"/>
-    </dgm:ruleLst>
-    <dgm:forEach name="Name8" axis="ch" ptType="node">
-      <dgm:layoutNode name="compNode">
-        <dgm:alg type="composite"/>
-        <dgm:shape xmlns:r="http://schemas.openxmlformats.org/officeDocument/2006/relationships" r:blip="">
+    <dgm:constrLst>
+      <dgm:constr type="w" for="ch" forName="node" refType="w"/>
+      <dgm:constr type="h" for="ch" forName="node" refType="w" refFor="ch" refForName="node" fact="0.6"/>
+      <dgm:constr type="w" for="ch" forName="sibTrans" refType="w" refFor="ch" refForName="node" fact="0.1"/>
+      <dgm:constr type="sp" refType="w" refFor="ch" refForName="sibTrans"/>
+      <dgm:constr type="primFontSz" for="ch" forName="node" op="equ" val="65"/>
+    </dgm:constrLst>
+    <dgm:ruleLst/>
+    <dgm:forEach name="Name3" axis="ch" ptType="node">
+      <dgm:layoutNode name="node">
+        <dgm:varLst>
+          <dgm:bulletEnabled val="1"/>
+        </dgm:varLst>
+        <dgm:alg type="tx"/>
+        <dgm:shape xmlns:r="http://schemas.openxmlformats.org/officeDocument/2006/relationships" type="rect" r:blip="">
           <dgm:adjLst/>
         </dgm:shape>
-        <dgm:presOf axis="self"/>
+        <dgm:presOf axis="desOrSelf" ptType="node"/>
         <dgm:constrLst>
-          <dgm:constr type="w" for="ch" forName="iconBgRect" refType="w" fact="0.61"/>
-          <dgm:constr type="h" for="ch" forName="iconBgRect" refType="w" refFor="ch" refForName="iconBgRect"/>
-          <dgm:constr type="t" for="ch" forName="iconBgRect"/>
-          <dgm:constr type="ctrX" for="ch" forName="iconBgRect" refType="w" fact="0.5"/>
-          <dgm:constr type="w" for="ch" forName="iconRect" refType="w" fact="0.35"/>
-          <dgm:constr type="h" for="ch" forName="iconRect" refType="w" refFor="ch" refForName="iconRect"/>
-          <dgm:constr type="ctrX" for="ch" forName="iconRect" refType="ctrX" refFor="ch" refForName="iconBgRect"/>
-          <dgm:constr type="ctrY" for="ch" forName="iconRect" refType="ctrY" refFor="ch" refForName="iconBgRect"/>
-          <dgm:constr type="h" for="ch" forName="spaceRect" refType="w" fact="0.19"/>
-          <dgm:constr type="w" for="ch" forName="spaceRect" refType="w"/>
-          <dgm:constr type="l" for="ch" forName="spaceRect"/>
-          <dgm:constr type="t" for="ch" forName="spaceRect" refType="b" refFor="ch" refForName="iconBgRect"/>
-          <dgm:constr type="h" for="ch" forName="textRect" val="20"/>
-          <dgm:constr type="w" for="ch" forName="textRect" refType="w"/>
-          <dgm:constr type="l" for="ch" forName="textRect"/>
-          <dgm:constr type="t" for="ch" forName="textRect" refType="b" refFor="ch" refForName="spaceRect"/>
+          <dgm:constr type="lMarg" refType="primFontSz" fact="0.3"/>
+          <dgm:constr type="rMarg" refType="primFontSz" fact="0.3"/>
+          <dgm:constr type="tMarg" refType="primFontSz" fact="0.3"/>
+          <dgm:constr type="bMarg" refType="primFontSz" fact="0.3"/>
         </dgm:constrLst>
         <dgm:ruleLst>
-          <dgm:rule type="h" val="INF" fact="NaN" max="NaN"/>
+          <dgm:rule type="primFontSz" val="5" fact="NaN" max="NaN"/>
         </dgm:ruleLst>
-        <dgm:layoutNode name="iconBgRect" styleLbl="bgShp">
-          <dgm:alg type="sp"/>
-          <dgm:shape xmlns:r="http://schemas.openxmlformats.org/officeDocument/2006/relationships" type="ellipse" r:blip="">
-            <dgm:adjLst/>
-          </dgm:shape>
-          <dgm:presOf/>
-          <dgm:constrLst/>
-          <dgm:ruleLst/>
-        </dgm:layoutNode>
-        <dgm:layoutNode name="iconRect" styleLbl="node1">
-          <dgm:alg type="sp"/>
-          <dgm:shape xmlns:r="http://schemas.openxmlformats.org/officeDocument/2006/relationships" type="rect" r:blip="" blipPhldr="1">
-            <dgm:adjLst/>
-          </dgm:shape>
-          <dgm:presOf/>
-          <dgm:constrLst/>
-          <dgm:ruleLst/>
-        </dgm:layoutNode>
-        <dgm:layoutNode name="spaceRect">
+      </dgm:layoutNode>
+      <dgm:forEach name="Name4" axis="followSib" ptType="sibTrans" cnt="1">
+        <dgm:layoutNode name="sibTrans">
           <dgm:alg type="sp"/>
           <dgm:shape xmlns:r="http://schemas.openxmlformats.org/officeDocument/2006/relationships" r:blip="">
             <dgm:adjLst/>
@@ -9743,55 +10728,9 @@
           <dgm:constrLst/>
           <dgm:ruleLst/>
         </dgm:layoutNode>
-        <dgm:layoutNode name="textRect" styleLbl="revTx">
-          <dgm:varLst>
-            <dgm:chMax val="1"/>
-            <dgm:chPref val="1"/>
-          </dgm:varLst>
-          <dgm:alg type="tx">
-            <dgm:param type="txAnchorVert" val="t"/>
-          </dgm:alg>
-          <dgm:shape xmlns:r="http://schemas.openxmlformats.org/officeDocument/2006/relationships" type="rect" r:blip="">
-            <dgm:adjLst/>
-          </dgm:shape>
-          <dgm:presOf axis="self" ptType="node"/>
-          <dgm:constrLst>
-            <dgm:constr type="lMarg"/>
-            <dgm:constr type="rMarg"/>
-            <dgm:constr type="tMarg"/>
-            <dgm:constr type="bMarg"/>
-          </dgm:constrLst>
-          <dgm:ruleLst>
-            <dgm:rule type="primFontSz" val="11" fact="NaN" max="NaN"/>
-            <dgm:rule type="h" val="INF" fact="NaN" max="NaN"/>
-          </dgm:ruleLst>
-        </dgm:layoutNode>
-      </dgm:layoutNode>
-      <dgm:forEach name="Name9" axis="followSib" ptType="sibTrans" cnt="1">
-        <dgm:layoutNode name="sibTrans">
-          <dgm:alg type="sp"/>
-          <dgm:shape xmlns:r="http://schemas.openxmlformats.org/officeDocument/2006/relationships" r:blip="">
-            <dgm:adjLst/>
-          </dgm:shape>
-          <dgm:presOf axis="self"/>
-          <dgm:constrLst/>
-          <dgm:ruleLst/>
-        </dgm:layoutNode>
       </dgm:forEach>
     </dgm:forEach>
   </dgm:layoutNode>
-  <dgm:extLst>
-    <a:ext uri="{68A01E43-0DF5-4B5B-8FA6-DAF915123BFB}">
-      <dgm1612:lstStyle xmlns:dgm1612="http://schemas.microsoft.com/office/drawing/2016/12/diagram">
-        <a:lvl1pPr>
-          <a:lnSpc>
-            <a:spcPct val="100000"/>
-          </a:lnSpc>
-          <a:defRPr cap="all"/>
-        </a:lvl1pPr>
-      </dgm1612:lstStyle>
-    </a:ext>
-  </dgm:extLst>
 </dgm:layoutDef>
 </file>
 
@@ -10808,12 +11747,278 @@
 </dgm:layoutDef>
 </file>
 
+<file path=ppt/diagrams/layout6.xml><?xml version="1.0" encoding="utf-8"?>
+<dgm:layoutDef xmlns:dgm="http://schemas.openxmlformats.org/drawingml/2006/diagram" xmlns:a="http://schemas.openxmlformats.org/drawingml/2006/main" uniqueId="urn:microsoft.com/office/officeart/2016/7/layout/LinearBlockProcessNumbered">
+  <dgm:title val="Linear Block Process Numbered"/>
+  <dgm:desc val="Used to show a progression; a timeline; sequential steps in a task, process, or workflow; or to emphasize movement or direction. Automatic numbers have been introduced to show the steps of the process. Level 1 text and Level 2 text both appears in a rectangle."/>
+  <dgm:catLst>
+    <dgm:cat type="process" pri="500"/>
+  </dgm:catLst>
+  <dgm:sampData>
+    <dgm:dataModel>
+      <dgm:ptLst>
+        <dgm:pt modelId="0" type="doc"/>
+        <dgm:pt modelId="1">
+          <dgm:prSet phldr="1"/>
+        </dgm:pt>
+        <dgm:pt modelId="11">
+          <dgm:prSet phldr="1"/>
+        </dgm:pt>
+        <dgm:pt modelId="2">
+          <dgm:prSet phldr="1"/>
+        </dgm:pt>
+        <dgm:pt modelId="21">
+          <dgm:prSet phldr="1"/>
+        </dgm:pt>
+        <dgm:pt modelId="3">
+          <dgm:prSet phldr="1"/>
+        </dgm:pt>
+        <dgm:pt modelId="31">
+          <dgm:prSet phldr="1"/>
+        </dgm:pt>
+        <dgm:pt modelId="101" type="sibTrans" cxnId="4">
+          <dgm:prSet phldrT="1"/>
+          <dgm:t>
+            <a:bodyPr/>
+            <a:lstStyle/>
+            <a:p>
+              <a:r>
+                <a:t>01</a:t>
+              </a:r>
+            </a:p>
+          </dgm:t>
+        </dgm:pt>
+        <dgm:pt modelId="201" type="sibTrans" cxnId="5">
+          <dgm:prSet phldrT="2"/>
+          <dgm:t>
+            <a:bodyPr/>
+            <a:lstStyle/>
+            <a:p>
+              <a:r>
+                <a:t>02</a:t>
+              </a:r>
+            </a:p>
+          </dgm:t>
+        </dgm:pt>
+        <dgm:pt modelId="301" type="sibTrans" cxnId="6">
+          <dgm:prSet phldrT="3"/>
+          <dgm:t>
+            <a:bodyPr/>
+            <a:lstStyle/>
+            <a:p>
+              <a:r>
+                <a:t>03</a:t>
+              </a:r>
+            </a:p>
+          </dgm:t>
+        </dgm:pt>
+      </dgm:ptLst>
+      <dgm:cxnLst>
+        <dgm:cxn modelId="4" srcId="0" destId="1" srcOrd="0" destOrd="0" sibTransId="101"/>
+        <dgm:cxn modelId="5" srcId="0" destId="2" srcOrd="1" destOrd="0" sibTransId="201"/>
+        <dgm:cxn modelId="6" srcId="0" destId="3" srcOrd="2" destOrd="0" sibTransId="301"/>
+        <dgm:cxn modelId="13" srcId="1" destId="11" srcOrd="0" destOrd="0"/>
+        <dgm:cxn modelId="23" srcId="2" destId="21" srcOrd="0" destOrd="0"/>
+        <dgm:cxn modelId="33" srcId="3" destId="31" srcOrd="0" destOrd="0"/>
+      </dgm:cxnLst>
+      <dgm:bg/>
+      <dgm:whole/>
+    </dgm:dataModel>
+  </dgm:sampData>
+  <dgm:styleData>
+    <dgm:dataModel>
+      <dgm:ptLst>
+        <dgm:pt modelId="0" type="doc"/>
+        <dgm:pt modelId="1"/>
+        <dgm:pt modelId="11"/>
+        <dgm:pt modelId="2"/>
+        <dgm:pt modelId="21"/>
+      </dgm:ptLst>
+      <dgm:cxnLst>
+        <dgm:cxn modelId="4" srcId="0" destId="1" srcOrd="0" destOrd="0"/>
+        <dgm:cxn modelId="5" srcId="0" destId="2" srcOrd="1" destOrd="0"/>
+        <dgm:cxn modelId="13" srcId="1" destId="11" srcOrd="0" destOrd="0"/>
+        <dgm:cxn modelId="23" srcId="2" destId="21" srcOrd="0" destOrd="0"/>
+      </dgm:cxnLst>
+      <dgm:bg/>
+      <dgm:whole/>
+    </dgm:dataModel>
+  </dgm:styleData>
+  <dgm:clrData>
+    <dgm:dataModel>
+      <dgm:ptLst>
+        <dgm:pt modelId="0" type="doc"/>
+        <dgm:pt modelId="1"/>
+        <dgm:pt modelId="11"/>
+        <dgm:pt modelId="2"/>
+        <dgm:pt modelId="21"/>
+        <dgm:pt modelId="3"/>
+        <dgm:pt modelId="31"/>
+        <dgm:pt modelId="4"/>
+        <dgm:pt modelId="41"/>
+      </dgm:ptLst>
+      <dgm:cxnLst>
+        <dgm:cxn modelId="5" srcId="0" destId="1" srcOrd="0" destOrd="0"/>
+        <dgm:cxn modelId="6" srcId="0" destId="2" srcOrd="1" destOrd="0"/>
+        <dgm:cxn modelId="7" srcId="0" destId="3" srcOrd="2" destOrd="0"/>
+        <dgm:cxn modelId="8" srcId="0" destId="4" srcOrd="3" destOrd="0"/>
+        <dgm:cxn modelId="13" srcId="1" destId="11" srcOrd="0" destOrd="0"/>
+        <dgm:cxn modelId="23" srcId="2" destId="21" srcOrd="0" destOrd="0"/>
+        <dgm:cxn modelId="33" srcId="3" destId="31" srcOrd="0" destOrd="0"/>
+        <dgm:cxn modelId="43" srcId="4" destId="41" srcOrd="0" destOrd="0"/>
+      </dgm:cxnLst>
+      <dgm:bg/>
+      <dgm:whole/>
+    </dgm:dataModel>
+  </dgm:clrData>
+  <dgm:layoutNode name="Name0">
+    <dgm:varLst>
+      <dgm:animLvl val="lvl"/>
+      <dgm:resizeHandles val="exact"/>
+    </dgm:varLst>
+    <dgm:alg type="lin">
+      <dgm:param type="linDir" val="fromL"/>
+      <dgm:param type="nodeVertAlign" val="t"/>
+    </dgm:alg>
+    <dgm:shape xmlns:r="http://schemas.openxmlformats.org/officeDocument/2006/relationships" r:blip="">
+      <dgm:adjLst/>
+    </dgm:shape>
+    <dgm:presOf/>
+    <dgm:constrLst>
+      <dgm:constr type="h" for="ch" forName="compositeNode" refType="h"/>
+      <dgm:constr type="w" for="ch" forName="compositeNode" refType="w"/>
+      <dgm:constr type="w" for="des" forName="simulatedConn" refType="w" refFor="ch" refForName="compositeNode" fact="0.15"/>
+      <dgm:constr type="h" for="des" forName="simulatedConn" refType="w" refFor="des" refForName="simulatedConn"/>
+      <dgm:constr type="h" for="des" forName="vSp1" refType="w" refFor="ch" refForName="compositeNode" fact="0.8"/>
+      <dgm:constr type="h" for="des" forName="vSp2" refType="w" refFor="ch" refForName="compositeNode" fact="0.07"/>
+      <dgm:constr type="w" for="ch" forName="vProcSp" refType="w" refFor="des" refForName="simulatedConn" op="equ"/>
+      <dgm:constr type="h" for="ch" forName="vProcSp" refType="h" refFor="ch" refForName="compositeNode" op="equ"/>
+      <dgm:constr type="w" for="ch" forName="sibTrans" refType="w" refFor="ch" refForName="compositeNode" fact="0.08"/>
+      <dgm:constr type="primFontSz" for="des" forName="sibTransNodeRect" op="equ"/>
+      <dgm:constr type="primFontSz" for="des" forName="nodeRect" op="equ"/>
+    </dgm:constrLst>
+    <dgm:ruleLst/>
+    <dgm:forEach name="Name4" axis="ch" ptType="node">
+      <dgm:layoutNode name="compositeNode">
+        <dgm:varLst>
+          <dgm:bulletEnabled val="1"/>
+        </dgm:varLst>
+        <dgm:alg type="composite"/>
+        <dgm:constrLst>
+          <dgm:constr type="h" refType="w" op="lte" fact="1.2"/>
+          <dgm:constr type="w" for="ch" forName="bgRect" refType="w"/>
+          <dgm:constr type="h" for="ch" forName="bgRect" refType="h"/>
+          <dgm:constr type="t" for="ch" forName="bgRect"/>
+          <dgm:constr type="l" for="ch" forName="bgRect"/>
+          <dgm:constr type="w" for="ch" forName="sibTransNodeRect" refType="w" refFor="ch" refForName="bgRect"/>
+          <dgm:constr type="h" for="ch" forName="sibTransNodeRect" refType="h" refFor="ch" refForName="bgRect" fact="0.4"/>
+          <dgm:constr type="t" for="ch" forName="sibTransNodeRect"/>
+          <dgm:constr type="l" for="ch" forName="sibTransNodeRect"/>
+          <dgm:constr type="r" for="ch" forName="nodeRect" refType="r" refFor="ch" refForName="bgRect"/>
+          <dgm:constr type="h" for="ch" forName="nodeRect" refType="h" refFor="ch" refForName="bgRect" fact="0.6"/>
+          <dgm:constr type="t" for="ch" forName="nodeRect" refType="b" refFor="ch" refForName="sibTransNodeRect"/>
+          <dgm:constr type="l" for="ch" forName="nodeRect" refType="l" refFor="ch" refForName="bgRect"/>
+        </dgm:constrLst>
+        <dgm:ruleLst>
+          <dgm:rule type="w" for="ch" forName="nodeRect" val="NaN" fact="NaN" max="30"/>
+        </dgm:ruleLst>
+        <dgm:layoutNode name="bgRect" styleLbl="alignNode1">
+          <dgm:alg type="sp"/>
+          <dgm:shape xmlns:r="http://schemas.openxmlformats.org/officeDocument/2006/relationships" type="rect" r:blip="">
+            <dgm:adjLst>
+              <dgm:adj idx="1" val="0.05"/>
+            </dgm:adjLst>
+          </dgm:shape>
+          <dgm:presOf axis="self"/>
+          <dgm:constrLst/>
+          <dgm:ruleLst/>
+        </dgm:layoutNode>
+        <dgm:forEach name="Name19" axis="followSib" ptType="sibTrans" hideLastTrans="0" cnt="1">
+          <dgm:layoutNode name="sibTransNodeRect" styleLbl="alignNode1">
+            <dgm:varLst>
+              <dgm:chMax val="0"/>
+              <dgm:bulletEnabled val="1"/>
+            </dgm:varLst>
+            <dgm:presOf axis="self"/>
+            <dgm:alg type="tx">
+              <dgm:param type="parTxLTRAlign" val="l"/>
+              <dgm:param type="parTxRTLAlign" val="l"/>
+            </dgm:alg>
+            <dgm:shape xmlns:r="http://schemas.openxmlformats.org/officeDocument/2006/relationships" type="rect" r:blip="" hideGeom="1">
+              <dgm:adjLst/>
+            </dgm:shape>
+            <dgm:constrLst>
+              <dgm:constr type="primFontSz" val="66"/>
+              <dgm:constr type="tMarg" val="13"/>
+              <dgm:constr type="lMarg" refType="w" fact="0.28"/>
+              <dgm:constr type="rMarg" refType="w" fact="0.28"/>
+              <dgm:constr type="bMarg" val="13"/>
+            </dgm:constrLst>
+            <dgm:ruleLst>
+              <dgm:rule type="primFontSz" val="14" fact="NaN" max="NaN"/>
+              <dgm:rule type="tMarg" val="13" fact="NaN" max="NaN"/>
+            </dgm:ruleLst>
+          </dgm:layoutNode>
+        </dgm:forEach>
+        <dgm:layoutNode name="nodeRect" styleLbl="alignNode1" moveWith="bgRect">
+          <dgm:varLst>
+            <dgm:bulletEnabled val="1"/>
+          </dgm:varLst>
+          <dgm:alg type="tx">
+            <dgm:param type="parTxLTRAlign" val="l"/>
+            <dgm:param type="parTxRTLAlign" val="r"/>
+            <dgm:param type="txAnchorVert" val="t"/>
+            <dgm:param type="stBulletLvl" val="2"/>
+          </dgm:alg>
+          <dgm:shape xmlns:r="http://schemas.openxmlformats.org/officeDocument/2006/relationships" type="rect" r:blip="" hideGeom="1">
+            <dgm:adjLst/>
+          </dgm:shape>
+          <dgm:presOf axis="desOrSelf" ptType="node"/>
+          <dgm:constrLst>
+            <dgm:constr type="primFontSz" val="26"/>
+            <dgm:constr type="tMarg"/>
+            <dgm:constr type="lMarg" refType="w" fact="0.28"/>
+            <dgm:constr type="rMarg" refType="w" fact="0.28"/>
+            <dgm:constr type="bMarg" val="26"/>
+          </dgm:constrLst>
+          <dgm:ruleLst>
+            <dgm:rule type="primFontSz" val="11" fact="NaN" max="NaN"/>
+          </dgm:ruleLst>
+        </dgm:layoutNode>
+      </dgm:layoutNode>
+      <dgm:forEach name="Name14" axis="followSib" ptType="sibTrans" cnt="1">
+        <dgm:layoutNode name="sibTrans">
+          <dgm:alg type="sp"/>
+          <dgm:shape xmlns:r="http://schemas.openxmlformats.org/officeDocument/2006/relationships" r:blip="">
+            <dgm:adjLst/>
+          </dgm:shape>
+          <dgm:presOf/>
+          <dgm:constrLst/>
+          <dgm:ruleLst/>
+        </dgm:layoutNode>
+      </dgm:forEach>
+    </dgm:forEach>
+  </dgm:layoutNode>
+  <dgm:extLst>
+    <a:ext uri="{4F341089-5ED1-44EC-B178-C955D00A3D55}">
+      <dgm1611:autoBuNodeInfoLst xmlns:dgm1611="http://schemas.microsoft.com/office/drawing/2016/11/diagram">
+        <dgm1611:autoBuNodeInfo lvl="1" ptType="sibTrans">
+          <dgm1611:buPr prefix="" leadZeros="1">
+            <a:buAutoNum type="arabicParenBoth"/>
+          </dgm1611:buPr>
+        </dgm1611:autoBuNodeInfo>
+      </dgm1611:autoBuNodeInfoLst>
+    </a:ext>
+  </dgm:extLst>
+</dgm:layoutDef>
+</file>
+
 <file path=ppt/diagrams/quickStyle1.xml><?xml version="1.0" encoding="utf-8"?>
-<dgm:styleDef xmlns:dgm="http://schemas.openxmlformats.org/drawingml/2006/diagram" xmlns:a="http://schemas.openxmlformats.org/drawingml/2006/main" uniqueId="urn:microsoft.com/office/officeart/2005/8/quickstyle/simple1">
+<dgm:styleDef xmlns:dgm="http://schemas.openxmlformats.org/drawingml/2006/diagram" xmlns:a="http://schemas.openxmlformats.org/drawingml/2006/main" uniqueId="urn:microsoft.com/office/officeart/2005/8/quickstyle/simple2">
   <dgm:title val=""/>
   <dgm:desc val=""/>
   <dgm:catLst>
-    <dgm:cat type="simple" pri="10100"/>
+    <dgm:cat type="simple" pri="10200"/>
   </dgm:catLst>
   <dgm:scene3d>
     <a:camera prst="orthographicFront"/>
@@ -10827,13 +12032,13 @@
     <dgm:sp3d/>
     <dgm:txPr/>
     <dgm:style>
-      <a:lnRef idx="2">
+      <a:lnRef idx="3">
         <a:scrgbClr r="0" g="0" b="0"/>
       </a:lnRef>
       <a:fillRef idx="1">
         <a:scrgbClr r="0" g="0" b="0"/>
       </a:fillRef>
-      <a:effectRef idx="0">
+      <a:effectRef idx="1">
         <a:scrgbClr r="0" g="0" b="0"/>
       </a:effectRef>
       <a:fontRef idx="minor">
@@ -10849,13 +12054,13 @@
     <dgm:sp3d/>
     <dgm:txPr/>
     <dgm:style>
-      <a:lnRef idx="2">
+      <a:lnRef idx="3">
         <a:scrgbClr r="0" g="0" b="0"/>
       </a:lnRef>
       <a:fillRef idx="1">
         <a:scrgbClr r="0" g="0" b="0"/>
       </a:fillRef>
-      <a:effectRef idx="0">
+      <a:effectRef idx="1">
         <a:scrgbClr r="0" g="0" b="0"/>
       </a:effectRef>
       <a:fontRef idx="minor">
@@ -10871,7 +12076,7 @@
     <dgm:sp3d/>
     <dgm:txPr/>
     <dgm:style>
-      <a:lnRef idx="2">
+      <a:lnRef idx="3">
         <a:scrgbClr r="0" g="0" b="0"/>
       </a:lnRef>
       <a:fillRef idx="1">
@@ -10899,7 +12104,7 @@
       <a:fillRef idx="1">
         <a:scrgbClr r="0" g="0" b="0"/>
       </a:fillRef>
-      <a:effectRef idx="0">
+      <a:effectRef idx="1">
         <a:scrgbClr r="0" g="0" b="0"/>
       </a:effectRef>
       <a:fontRef idx="minor">
@@ -10915,13 +12120,13 @@
     <dgm:sp3d/>
     <dgm:txPr/>
     <dgm:style>
-      <a:lnRef idx="2">
+      <a:lnRef idx="3">
         <a:scrgbClr r="0" g="0" b="0"/>
       </a:lnRef>
       <a:fillRef idx="1">
         <a:scrgbClr r="0" g="0" b="0"/>
       </a:fillRef>
-      <a:effectRef idx="0">
+      <a:effectRef idx="1">
         <a:scrgbClr r="0" g="0" b="0"/>
       </a:effectRef>
       <a:fontRef idx="minor">
@@ -10937,13 +12142,13 @@
     <dgm:sp3d/>
     <dgm:txPr/>
     <dgm:style>
-      <a:lnRef idx="2">
+      <a:lnRef idx="3">
         <a:scrgbClr r="0" g="0" b="0"/>
       </a:lnRef>
       <a:fillRef idx="1">
         <a:scrgbClr r="0" g="0" b="0"/>
       </a:fillRef>
-      <a:effectRef idx="0">
+      <a:effectRef idx="1">
         <a:scrgbClr r="0" g="0" b="0"/>
       </a:effectRef>
       <a:fontRef idx="minor">
@@ -10959,13 +12164,13 @@
     <dgm:sp3d/>
     <dgm:txPr/>
     <dgm:style>
-      <a:lnRef idx="2">
+      <a:lnRef idx="3">
         <a:scrgbClr r="0" g="0" b="0"/>
       </a:lnRef>
       <a:fillRef idx="1">
         <a:scrgbClr r="0" g="0" b="0"/>
       </a:fillRef>
-      <a:effectRef idx="0">
+      <a:effectRef idx="1">
         <a:scrgbClr r="0" g="0" b="0"/>
       </a:effectRef>
       <a:fontRef idx="minor">
@@ -10981,13 +12186,13 @@
     <dgm:sp3d/>
     <dgm:txPr/>
     <dgm:style>
-      <a:lnRef idx="2">
+      <a:lnRef idx="3">
         <a:scrgbClr r="0" g="0" b="0"/>
       </a:lnRef>
       <a:fillRef idx="1">
         <a:scrgbClr r="0" g="0" b="0"/>
       </a:fillRef>
-      <a:effectRef idx="0">
+      <a:effectRef idx="1">
         <a:scrgbClr r="0" g="0" b="0"/>
       </a:effectRef>
       <a:fontRef idx="minor">
@@ -11003,13 +12208,13 @@
     <dgm:sp3d/>
     <dgm:txPr/>
     <dgm:style>
-      <a:lnRef idx="2">
+      <a:lnRef idx="3">
         <a:scrgbClr r="0" g="0" b="0"/>
       </a:lnRef>
       <a:fillRef idx="1">
         <a:scrgbClr r="0" g="0" b="0"/>
       </a:fillRef>
-      <a:effectRef idx="0">
+      <a:effectRef idx="1">
         <a:scrgbClr r="0" g="0" b="0"/>
       </a:effectRef>
       <a:fontRef idx="minor"/>
@@ -11023,13 +12228,13 @@
     <dgm:sp3d/>
     <dgm:txPr/>
     <dgm:style>
-      <a:lnRef idx="2">
+      <a:lnRef idx="3">
         <a:scrgbClr r="0" g="0" b="0"/>
       </a:lnRef>
       <a:fillRef idx="1">
         <a:scrgbClr r="0" g="0" b="0"/>
       </a:fillRef>
-      <a:effectRef idx="0">
+      <a:effectRef idx="1">
         <a:scrgbClr r="0" g="0" b="0"/>
       </a:effectRef>
       <a:fontRef idx="minor"/>
@@ -11043,13 +12248,13 @@
     <dgm:sp3d/>
     <dgm:txPr/>
     <dgm:style>
-      <a:lnRef idx="2">
+      <a:lnRef idx="3">
         <a:scrgbClr r="0" g="0" b="0"/>
       </a:lnRef>
       <a:fillRef idx="1">
         <a:scrgbClr r="0" g="0" b="0"/>
       </a:fillRef>
-      <a:effectRef idx="0">
+      <a:effectRef idx="1">
         <a:scrgbClr r="0" g="0" b="0"/>
       </a:effectRef>
       <a:fontRef idx="minor"/>
@@ -11069,7 +12274,7 @@
       <a:fillRef idx="1">
         <a:scrgbClr r="0" g="0" b="0"/>
       </a:fillRef>
-      <a:effectRef idx="0">
+      <a:effectRef idx="1">
         <a:scrgbClr r="0" g="0" b="0"/>
       </a:effectRef>
       <a:fontRef idx="minor">
@@ -11091,7 +12296,7 @@
       <a:fillRef idx="1">
         <a:scrgbClr r="0" g="0" b="0"/>
       </a:fillRef>
-      <a:effectRef idx="0">
+      <a:effectRef idx="1">
         <a:scrgbClr r="0" g="0" b="0"/>
       </a:effectRef>
       <a:fontRef idx="minor">
@@ -11113,7 +12318,7 @@
       <a:fillRef idx="1">
         <a:scrgbClr r="0" g="0" b="0"/>
       </a:fillRef>
-      <a:effectRef idx="0">
+      <a:effectRef idx="1">
         <a:scrgbClr r="0" g="0" b="0"/>
       </a:effectRef>
       <a:fontRef idx="minor">
@@ -11155,7 +12360,7 @@
       <a:fillRef idx="1">
         <a:scrgbClr r="0" g="0" b="0"/>
       </a:fillRef>
-      <a:effectRef idx="0">
+      <a:effectRef idx="1">
         <a:scrgbClr r="0" g="0" b="0"/>
       </a:effectRef>
       <a:fontRef idx="minor"/>
@@ -11169,13 +12374,13 @@
     <dgm:sp3d/>
     <dgm:txPr/>
     <dgm:style>
-      <a:lnRef idx="2">
+      <a:lnRef idx="3">
         <a:scrgbClr r="0" g="0" b="0"/>
       </a:lnRef>
       <a:fillRef idx="1">
         <a:scrgbClr r="0" g="0" b="0"/>
       </a:fillRef>
-      <a:effectRef idx="0">
+      <a:effectRef idx="1">
         <a:scrgbClr r="0" g="0" b="0"/>
       </a:effectRef>
       <a:fontRef idx="minor">
@@ -11191,13 +12396,13 @@
     <dgm:sp3d/>
     <dgm:txPr/>
     <dgm:style>
-      <a:lnRef idx="2">
+      <a:lnRef idx="3">
         <a:scrgbClr r="0" g="0" b="0"/>
       </a:lnRef>
       <a:fillRef idx="1">
         <a:scrgbClr r="0" g="0" b="0"/>
       </a:fillRef>
-      <a:effectRef idx="0">
+      <a:effectRef idx="1">
         <a:scrgbClr r="0" g="0" b="0"/>
       </a:effectRef>
       <a:fontRef idx="minor">
@@ -11213,13 +12418,13 @@
     <dgm:sp3d/>
     <dgm:txPr/>
     <dgm:style>
-      <a:lnRef idx="2">
+      <a:lnRef idx="3">
         <a:scrgbClr r="0" g="0" b="0"/>
       </a:lnRef>
       <a:fillRef idx="1">
         <a:scrgbClr r="0" g="0" b="0"/>
       </a:fillRef>
-      <a:effectRef idx="0">
+      <a:effectRef idx="1">
         <a:scrgbClr r="0" g="0" b="0"/>
       </a:effectRef>
       <a:fontRef idx="minor">
@@ -11235,13 +12440,13 @@
     <dgm:sp3d/>
     <dgm:txPr/>
     <dgm:style>
-      <a:lnRef idx="2">
+      <a:lnRef idx="3">
         <a:scrgbClr r="0" g="0" b="0"/>
       </a:lnRef>
       <a:fillRef idx="1">
         <a:scrgbClr r="0" g="0" b="0"/>
       </a:fillRef>
-      <a:effectRef idx="0">
+      <a:effectRef idx="1">
         <a:scrgbClr r="0" g="0" b="0"/>
       </a:effectRef>
       <a:fontRef idx="minor">
@@ -11257,13 +12462,13 @@
     <dgm:sp3d/>
     <dgm:txPr/>
     <dgm:style>
-      <a:lnRef idx="2">
+      <a:lnRef idx="3">
         <a:scrgbClr r="0" g="0" b="0"/>
       </a:lnRef>
       <a:fillRef idx="1">
         <a:scrgbClr r="0" g="0" b="0"/>
       </a:fillRef>
-      <a:effectRef idx="0">
+      <a:effectRef idx="1">
         <a:scrgbClr r="0" g="0" b="0"/>
       </a:effectRef>
       <a:fontRef idx="minor">
@@ -11279,13 +12484,13 @@
     <dgm:sp3d/>
     <dgm:txPr/>
     <dgm:style>
-      <a:lnRef idx="2">
+      <a:lnRef idx="3">
         <a:scrgbClr r="0" g="0" b="0"/>
       </a:lnRef>
       <a:fillRef idx="1">
         <a:scrgbClr r="0" g="0" b="0"/>
       </a:fillRef>
-      <a:effectRef idx="0">
+      <a:effectRef idx="1">
         <a:scrgbClr r="0" g="0" b="0"/>
       </a:effectRef>
       <a:fontRef idx="minor">
@@ -11301,13 +12506,13 @@
     <dgm:sp3d/>
     <dgm:txPr/>
     <dgm:style>
-      <a:lnRef idx="2">
+      <a:lnRef idx="3">
         <a:scrgbClr r="0" g="0" b="0"/>
       </a:lnRef>
       <a:fillRef idx="1">
         <a:scrgbClr r="0" g="0" b="0"/>
       </a:fillRef>
-      <a:effectRef idx="0">
+      <a:effectRef idx="1">
         <a:scrgbClr r="0" g="0" b="0"/>
       </a:effectRef>
       <a:fontRef idx="minor">
@@ -11323,13 +12528,13 @@
     <dgm:sp3d/>
     <dgm:txPr/>
     <dgm:style>
-      <a:lnRef idx="2">
+      <a:lnRef idx="3">
         <a:scrgbClr r="0" g="0" b="0"/>
       </a:lnRef>
       <a:fillRef idx="1">
         <a:scrgbClr r="0" g="0" b="0"/>
       </a:fillRef>
-      <a:effectRef idx="0">
+      <a:effectRef idx="1">
         <a:scrgbClr r="0" g="0" b="0"/>
       </a:effectRef>
       <a:fontRef idx="minor">
@@ -11345,13 +12550,13 @@
     <dgm:sp3d/>
     <dgm:txPr/>
     <dgm:style>
-      <a:lnRef idx="2">
+      <a:lnRef idx="3">
         <a:scrgbClr r="0" g="0" b="0"/>
       </a:lnRef>
       <a:fillRef idx="1">
         <a:scrgbClr r="0" g="0" b="0"/>
       </a:fillRef>
-      <a:effectRef idx="0">
+      <a:effectRef idx="1">
         <a:scrgbClr r="0" g="0" b="0"/>
       </a:effectRef>
       <a:fontRef idx="minor">
@@ -11807,13 +13012,13 @@
     <dgm:sp3d/>
     <dgm:txPr/>
     <dgm:style>
-      <a:lnRef idx="2">
+      <a:lnRef idx="3">
         <a:scrgbClr r="0" g="0" b="0"/>
       </a:lnRef>
       <a:fillRef idx="1">
         <a:scrgbClr r="0" g="0" b="0"/>
       </a:fillRef>
-      <a:effectRef idx="0">
+      <a:effectRef idx="1">
         <a:scrgbClr r="0" g="0" b="0"/>
       </a:effectRef>
       <a:fontRef idx="minor"/>
@@ -14945,6 +16150,1040 @@
 </file>
 
 <file path=ppt/diagrams/quickStyle5.xml><?xml version="1.0" encoding="utf-8"?>
+<dgm:styleDef xmlns:dgm="http://schemas.openxmlformats.org/drawingml/2006/diagram" xmlns:a="http://schemas.openxmlformats.org/drawingml/2006/main" uniqueId="urn:microsoft.com/office/officeart/2005/8/quickstyle/simple4">
+  <dgm:title val=""/>
+  <dgm:desc val=""/>
+  <dgm:catLst>
+    <dgm:cat type="simple" pri="10400"/>
+  </dgm:catLst>
+  <dgm:scene3d>
+    <a:camera prst="orthographicFront"/>
+    <a:lightRig rig="threePt" dir="t"/>
+  </dgm:scene3d>
+  <dgm:styleLbl name="node0">
+    <dgm:scene3d>
+      <a:camera prst="orthographicFront"/>
+      <a:lightRig rig="threePt" dir="t"/>
+    </dgm:scene3d>
+    <dgm:sp3d/>
+    <dgm:txPr/>
+    <dgm:style>
+      <a:lnRef idx="0">
+        <a:scrgbClr r="0" g="0" b="0"/>
+      </a:lnRef>
+      <a:fillRef idx="3">
+        <a:scrgbClr r="0" g="0" b="0"/>
+      </a:fillRef>
+      <a:effectRef idx="2">
+        <a:scrgbClr r="0" g="0" b="0"/>
+      </a:effectRef>
+      <a:fontRef idx="minor">
+        <a:schemeClr val="lt1"/>
+      </a:fontRef>
+    </dgm:style>
+  </dgm:styleLbl>
+  <dgm:styleLbl name="lnNode1">
+    <dgm:scene3d>
+      <a:camera prst="orthographicFront"/>
+      <a:lightRig rig="threePt" dir="t"/>
+    </dgm:scene3d>
+    <dgm:sp3d/>
+    <dgm:txPr/>
+    <dgm:style>
+      <a:lnRef idx="1">
+        <a:scrgbClr r="0" g="0" b="0"/>
+      </a:lnRef>
+      <a:fillRef idx="3">
+        <a:scrgbClr r="0" g="0" b="0"/>
+      </a:fillRef>
+      <a:effectRef idx="2">
+        <a:scrgbClr r="0" g="0" b="0"/>
+      </a:effectRef>
+      <a:fontRef idx="minor">
+        <a:schemeClr val="lt1"/>
+      </a:fontRef>
+    </dgm:style>
+  </dgm:styleLbl>
+  <dgm:styleLbl name="vennNode1">
+    <dgm:scene3d>
+      <a:camera prst="orthographicFront"/>
+      <a:lightRig rig="threePt" dir="t"/>
+    </dgm:scene3d>
+    <dgm:sp3d/>
+    <dgm:txPr/>
+    <dgm:style>
+      <a:lnRef idx="0">
+        <a:scrgbClr r="0" g="0" b="0"/>
+      </a:lnRef>
+      <a:fillRef idx="3">
+        <a:scrgbClr r="0" g="0" b="0"/>
+      </a:fillRef>
+      <a:effectRef idx="0">
+        <a:scrgbClr r="0" g="0" b="0"/>
+      </a:effectRef>
+      <a:fontRef idx="minor">
+        <a:schemeClr val="tx1"/>
+      </a:fontRef>
+    </dgm:style>
+  </dgm:styleLbl>
+  <dgm:styleLbl name="alignNode1">
+    <dgm:scene3d>
+      <a:camera prst="orthographicFront"/>
+      <a:lightRig rig="threePt" dir="t"/>
+    </dgm:scene3d>
+    <dgm:sp3d/>
+    <dgm:txPr/>
+    <dgm:style>
+      <a:lnRef idx="1">
+        <a:scrgbClr r="0" g="0" b="0"/>
+      </a:lnRef>
+      <a:fillRef idx="3">
+        <a:scrgbClr r="0" g="0" b="0"/>
+      </a:fillRef>
+      <a:effectRef idx="2">
+        <a:scrgbClr r="0" g="0" b="0"/>
+      </a:effectRef>
+      <a:fontRef idx="minor">
+        <a:schemeClr val="lt1"/>
+      </a:fontRef>
+    </dgm:style>
+  </dgm:styleLbl>
+  <dgm:styleLbl name="node1">
+    <dgm:scene3d>
+      <a:camera prst="orthographicFront"/>
+      <a:lightRig rig="threePt" dir="t"/>
+    </dgm:scene3d>
+    <dgm:sp3d/>
+    <dgm:txPr/>
+    <dgm:style>
+      <a:lnRef idx="0">
+        <a:scrgbClr r="0" g="0" b="0"/>
+      </a:lnRef>
+      <a:fillRef idx="3">
+        <a:scrgbClr r="0" g="0" b="0"/>
+      </a:fillRef>
+      <a:effectRef idx="2">
+        <a:scrgbClr r="0" g="0" b="0"/>
+      </a:effectRef>
+      <a:fontRef idx="minor">
+        <a:schemeClr val="lt1"/>
+      </a:fontRef>
+    </dgm:style>
+  </dgm:styleLbl>
+  <dgm:styleLbl name="node2">
+    <dgm:scene3d>
+      <a:camera prst="orthographicFront"/>
+      <a:lightRig rig="threePt" dir="t"/>
+    </dgm:scene3d>
+    <dgm:sp3d/>
+    <dgm:txPr/>
+    <dgm:style>
+      <a:lnRef idx="0">
+        <a:scrgbClr r="0" g="0" b="0"/>
+      </a:lnRef>
+      <a:fillRef idx="3">
+        <a:scrgbClr r="0" g="0" b="0"/>
+      </a:fillRef>
+      <a:effectRef idx="2">
+        <a:scrgbClr r="0" g="0" b="0"/>
+      </a:effectRef>
+      <a:fontRef idx="minor">
+        <a:schemeClr val="lt1"/>
+      </a:fontRef>
+    </dgm:style>
+  </dgm:styleLbl>
+  <dgm:styleLbl name="node3">
+    <dgm:scene3d>
+      <a:camera prst="orthographicFront"/>
+      <a:lightRig rig="threePt" dir="t"/>
+    </dgm:scene3d>
+    <dgm:sp3d/>
+    <dgm:txPr/>
+    <dgm:style>
+      <a:lnRef idx="0">
+        <a:scrgbClr r="0" g="0" b="0"/>
+      </a:lnRef>
+      <a:fillRef idx="3">
+        <a:scrgbClr r="0" g="0" b="0"/>
+      </a:fillRef>
+      <a:effectRef idx="2">
+        <a:scrgbClr r="0" g="0" b="0"/>
+      </a:effectRef>
+      <a:fontRef idx="minor">
+        <a:schemeClr val="lt1"/>
+      </a:fontRef>
+    </dgm:style>
+  </dgm:styleLbl>
+  <dgm:styleLbl name="node4">
+    <dgm:scene3d>
+      <a:camera prst="orthographicFront"/>
+      <a:lightRig rig="threePt" dir="t"/>
+    </dgm:scene3d>
+    <dgm:sp3d/>
+    <dgm:txPr/>
+    <dgm:style>
+      <a:lnRef idx="0">
+        <a:scrgbClr r="0" g="0" b="0"/>
+      </a:lnRef>
+      <a:fillRef idx="3">
+        <a:scrgbClr r="0" g="0" b="0"/>
+      </a:fillRef>
+      <a:effectRef idx="2">
+        <a:scrgbClr r="0" g="0" b="0"/>
+      </a:effectRef>
+      <a:fontRef idx="minor">
+        <a:schemeClr val="lt1"/>
+      </a:fontRef>
+    </dgm:style>
+  </dgm:styleLbl>
+  <dgm:styleLbl name="fgImgPlace1">
+    <dgm:scene3d>
+      <a:camera prst="orthographicFront"/>
+      <a:lightRig rig="threePt" dir="t"/>
+    </dgm:scene3d>
+    <dgm:sp3d/>
+    <dgm:txPr/>
+    <dgm:style>
+      <a:lnRef idx="0">
+        <a:scrgbClr r="0" g="0" b="0"/>
+      </a:lnRef>
+      <a:fillRef idx="1">
+        <a:scrgbClr r="0" g="0" b="0"/>
+      </a:fillRef>
+      <a:effectRef idx="2">
+        <a:scrgbClr r="0" g="0" b="0"/>
+      </a:effectRef>
+      <a:fontRef idx="minor"/>
+    </dgm:style>
+  </dgm:styleLbl>
+  <dgm:styleLbl name="alignImgPlace1">
+    <dgm:scene3d>
+      <a:camera prst="orthographicFront"/>
+      <a:lightRig rig="threePt" dir="t"/>
+    </dgm:scene3d>
+    <dgm:sp3d/>
+    <dgm:txPr/>
+    <dgm:style>
+      <a:lnRef idx="0">
+        <a:scrgbClr r="0" g="0" b="0"/>
+      </a:lnRef>
+      <a:fillRef idx="1">
+        <a:scrgbClr r="0" g="0" b="0"/>
+      </a:fillRef>
+      <a:effectRef idx="2">
+        <a:scrgbClr r="0" g="0" b="0"/>
+      </a:effectRef>
+      <a:fontRef idx="minor"/>
+    </dgm:style>
+  </dgm:styleLbl>
+  <dgm:styleLbl name="bgImgPlace1">
+    <dgm:scene3d>
+      <a:camera prst="orthographicFront"/>
+      <a:lightRig rig="threePt" dir="t"/>
+    </dgm:scene3d>
+    <dgm:sp3d/>
+    <dgm:txPr/>
+    <dgm:style>
+      <a:lnRef idx="0">
+        <a:scrgbClr r="0" g="0" b="0"/>
+      </a:lnRef>
+      <a:fillRef idx="1">
+        <a:scrgbClr r="0" g="0" b="0"/>
+      </a:fillRef>
+      <a:effectRef idx="2">
+        <a:scrgbClr r="0" g="0" b="0"/>
+      </a:effectRef>
+      <a:fontRef idx="minor"/>
+    </dgm:style>
+  </dgm:styleLbl>
+  <dgm:styleLbl name="sibTrans2D1">
+    <dgm:scene3d>
+      <a:camera prst="orthographicFront"/>
+      <a:lightRig rig="threePt" dir="t"/>
+    </dgm:scene3d>
+    <dgm:sp3d/>
+    <dgm:txPr/>
+    <dgm:style>
+      <a:lnRef idx="0">
+        <a:scrgbClr r="0" g="0" b="0"/>
+      </a:lnRef>
+      <a:fillRef idx="3">
+        <a:scrgbClr r="0" g="0" b="0"/>
+      </a:fillRef>
+      <a:effectRef idx="2">
+        <a:scrgbClr r="0" g="0" b="0"/>
+      </a:effectRef>
+      <a:fontRef idx="minor">
+        <a:schemeClr val="lt1"/>
+      </a:fontRef>
+    </dgm:style>
+  </dgm:styleLbl>
+  <dgm:styleLbl name="fgSibTrans2D1">
+    <dgm:scene3d>
+      <a:camera prst="orthographicFront"/>
+      <a:lightRig rig="threePt" dir="t"/>
+    </dgm:scene3d>
+    <dgm:sp3d/>
+    <dgm:txPr/>
+    <dgm:style>
+      <a:lnRef idx="0">
+        <a:scrgbClr r="0" g="0" b="0"/>
+      </a:lnRef>
+      <a:fillRef idx="3">
+        <a:scrgbClr r="0" g="0" b="0"/>
+      </a:fillRef>
+      <a:effectRef idx="2">
+        <a:scrgbClr r="0" g="0" b="0"/>
+      </a:effectRef>
+      <a:fontRef idx="minor">
+        <a:schemeClr val="lt1"/>
+      </a:fontRef>
+    </dgm:style>
+  </dgm:styleLbl>
+  <dgm:styleLbl name="bgSibTrans2D1">
+    <dgm:scene3d>
+      <a:camera prst="orthographicFront"/>
+      <a:lightRig rig="threePt" dir="t"/>
+    </dgm:scene3d>
+    <dgm:sp3d/>
+    <dgm:txPr/>
+    <dgm:style>
+      <a:lnRef idx="0">
+        <a:scrgbClr r="0" g="0" b="0"/>
+      </a:lnRef>
+      <a:fillRef idx="3">
+        <a:scrgbClr r="0" g="0" b="0"/>
+      </a:fillRef>
+      <a:effectRef idx="2">
+        <a:scrgbClr r="0" g="0" b="0"/>
+      </a:effectRef>
+      <a:fontRef idx="minor">
+        <a:schemeClr val="lt1"/>
+      </a:fontRef>
+    </dgm:style>
+  </dgm:styleLbl>
+  <dgm:styleLbl name="sibTrans1D1">
+    <dgm:scene3d>
+      <a:camera prst="orthographicFront"/>
+      <a:lightRig rig="threePt" dir="t"/>
+    </dgm:scene3d>
+    <dgm:sp3d/>
+    <dgm:txPr/>
+    <dgm:style>
+      <a:lnRef idx="1">
+        <a:scrgbClr r="0" g="0" b="0"/>
+      </a:lnRef>
+      <a:fillRef idx="0">
+        <a:scrgbClr r="0" g="0" b="0"/>
+      </a:fillRef>
+      <a:effectRef idx="0">
+        <a:scrgbClr r="0" g="0" b="0"/>
+      </a:effectRef>
+      <a:fontRef idx="minor"/>
+    </dgm:style>
+  </dgm:styleLbl>
+  <dgm:styleLbl name="callout">
+    <dgm:scene3d>
+      <a:camera prst="orthographicFront"/>
+      <a:lightRig rig="threePt" dir="t"/>
+    </dgm:scene3d>
+    <dgm:sp3d/>
+    <dgm:txPr/>
+    <dgm:style>
+      <a:lnRef idx="2">
+        <a:scrgbClr r="0" g="0" b="0"/>
+      </a:lnRef>
+      <a:fillRef idx="1">
+        <a:scrgbClr r="0" g="0" b="0"/>
+      </a:fillRef>
+      <a:effectRef idx="1">
+        <a:scrgbClr r="0" g="0" b="0"/>
+      </a:effectRef>
+      <a:fontRef idx="minor"/>
+    </dgm:style>
+  </dgm:styleLbl>
+  <dgm:styleLbl name="asst0">
+    <dgm:scene3d>
+      <a:camera prst="orthographicFront"/>
+      <a:lightRig rig="threePt" dir="t"/>
+    </dgm:scene3d>
+    <dgm:sp3d/>
+    <dgm:txPr/>
+    <dgm:style>
+      <a:lnRef idx="0">
+        <a:scrgbClr r="0" g="0" b="0"/>
+      </a:lnRef>
+      <a:fillRef idx="3">
+        <a:scrgbClr r="0" g="0" b="0"/>
+      </a:fillRef>
+      <a:effectRef idx="2">
+        <a:scrgbClr r="0" g="0" b="0"/>
+      </a:effectRef>
+      <a:fontRef idx="minor">
+        <a:schemeClr val="lt1"/>
+      </a:fontRef>
+    </dgm:style>
+  </dgm:styleLbl>
+  <dgm:styleLbl name="asst1">
+    <dgm:scene3d>
+      <a:camera prst="orthographicFront"/>
+      <a:lightRig rig="threePt" dir="t"/>
+    </dgm:scene3d>
+    <dgm:sp3d/>
+    <dgm:txPr/>
+    <dgm:style>
+      <a:lnRef idx="0">
+        <a:scrgbClr r="0" g="0" b="0"/>
+      </a:lnRef>
+      <a:fillRef idx="3">
+        <a:scrgbClr r="0" g="0" b="0"/>
+      </a:fillRef>
+      <a:effectRef idx="2">
+        <a:scrgbClr r="0" g="0" b="0"/>
+      </a:effectRef>
+      <a:fontRef idx="minor">
+        <a:schemeClr val="lt1"/>
+      </a:fontRef>
+    </dgm:style>
+  </dgm:styleLbl>
+  <dgm:styleLbl name="asst2">
+    <dgm:scene3d>
+      <a:camera prst="orthographicFront"/>
+      <a:lightRig rig="threePt" dir="t"/>
+    </dgm:scene3d>
+    <dgm:sp3d/>
+    <dgm:txPr/>
+    <dgm:style>
+      <a:lnRef idx="0">
+        <a:scrgbClr r="0" g="0" b="0"/>
+      </a:lnRef>
+      <a:fillRef idx="3">
+        <a:scrgbClr r="0" g="0" b="0"/>
+      </a:fillRef>
+      <a:effectRef idx="2">
+        <a:scrgbClr r="0" g="0" b="0"/>
+      </a:effectRef>
+      <a:fontRef idx="minor">
+        <a:schemeClr val="lt1"/>
+      </a:fontRef>
+    </dgm:style>
+  </dgm:styleLbl>
+  <dgm:styleLbl name="asst3">
+    <dgm:scene3d>
+      <a:camera prst="orthographicFront"/>
+      <a:lightRig rig="threePt" dir="t"/>
+    </dgm:scene3d>
+    <dgm:sp3d/>
+    <dgm:txPr/>
+    <dgm:style>
+      <a:lnRef idx="0">
+        <a:scrgbClr r="0" g="0" b="0"/>
+      </a:lnRef>
+      <a:fillRef idx="3">
+        <a:scrgbClr r="0" g="0" b="0"/>
+      </a:fillRef>
+      <a:effectRef idx="2">
+        <a:scrgbClr r="0" g="0" b="0"/>
+      </a:effectRef>
+      <a:fontRef idx="minor">
+        <a:schemeClr val="lt1"/>
+      </a:fontRef>
+    </dgm:style>
+  </dgm:styleLbl>
+  <dgm:styleLbl name="asst4">
+    <dgm:scene3d>
+      <a:camera prst="orthographicFront"/>
+      <a:lightRig rig="threePt" dir="t"/>
+    </dgm:scene3d>
+    <dgm:sp3d/>
+    <dgm:txPr/>
+    <dgm:style>
+      <a:lnRef idx="0">
+        <a:scrgbClr r="0" g="0" b="0"/>
+      </a:lnRef>
+      <a:fillRef idx="3">
+        <a:scrgbClr r="0" g="0" b="0"/>
+      </a:fillRef>
+      <a:effectRef idx="2">
+        <a:scrgbClr r="0" g="0" b="0"/>
+      </a:effectRef>
+      <a:fontRef idx="minor">
+        <a:schemeClr val="lt1"/>
+      </a:fontRef>
+    </dgm:style>
+  </dgm:styleLbl>
+  <dgm:styleLbl name="parChTrans2D1">
+    <dgm:scene3d>
+      <a:camera prst="orthographicFront"/>
+      <a:lightRig rig="threePt" dir="t"/>
+    </dgm:scene3d>
+    <dgm:sp3d/>
+    <dgm:txPr/>
+    <dgm:style>
+      <a:lnRef idx="0">
+        <a:scrgbClr r="0" g="0" b="0"/>
+      </a:lnRef>
+      <a:fillRef idx="3">
+        <a:scrgbClr r="0" g="0" b="0"/>
+      </a:fillRef>
+      <a:effectRef idx="2">
+        <a:scrgbClr r="0" g="0" b="0"/>
+      </a:effectRef>
+      <a:fontRef idx="minor">
+        <a:schemeClr val="lt1"/>
+      </a:fontRef>
+    </dgm:style>
+  </dgm:styleLbl>
+  <dgm:styleLbl name="parChTrans2D2">
+    <dgm:scene3d>
+      <a:camera prst="orthographicFront"/>
+      <a:lightRig rig="threePt" dir="t"/>
+    </dgm:scene3d>
+    <dgm:sp3d/>
+    <dgm:txPr/>
+    <dgm:style>
+      <a:lnRef idx="0">
+        <a:scrgbClr r="0" g="0" b="0"/>
+      </a:lnRef>
+      <a:fillRef idx="3">
+        <a:scrgbClr r="0" g="0" b="0"/>
+      </a:fillRef>
+      <a:effectRef idx="2">
+        <a:scrgbClr r="0" g="0" b="0"/>
+      </a:effectRef>
+      <a:fontRef idx="minor">
+        <a:schemeClr val="lt1"/>
+      </a:fontRef>
+    </dgm:style>
+  </dgm:styleLbl>
+  <dgm:styleLbl name="parChTrans2D3">
+    <dgm:scene3d>
+      <a:camera prst="orthographicFront"/>
+      <a:lightRig rig="threePt" dir="t"/>
+    </dgm:scene3d>
+    <dgm:sp3d/>
+    <dgm:txPr/>
+    <dgm:style>
+      <a:lnRef idx="1">
+        <a:scrgbClr r="0" g="0" b="0"/>
+      </a:lnRef>
+      <a:fillRef idx="3">
+        <a:scrgbClr r="0" g="0" b="0"/>
+      </a:fillRef>
+      <a:effectRef idx="2">
+        <a:scrgbClr r="0" g="0" b="0"/>
+      </a:effectRef>
+      <a:fontRef idx="minor">
+        <a:schemeClr val="lt1"/>
+      </a:fontRef>
+    </dgm:style>
+  </dgm:styleLbl>
+  <dgm:styleLbl name="parChTrans2D4">
+    <dgm:scene3d>
+      <a:camera prst="orthographicFront"/>
+      <a:lightRig rig="threePt" dir="t"/>
+    </dgm:scene3d>
+    <dgm:sp3d/>
+    <dgm:txPr/>
+    <dgm:style>
+      <a:lnRef idx="1">
+        <a:scrgbClr r="0" g="0" b="0"/>
+      </a:lnRef>
+      <a:fillRef idx="3">
+        <a:scrgbClr r="0" g="0" b="0"/>
+      </a:fillRef>
+      <a:effectRef idx="2">
+        <a:scrgbClr r="0" g="0" b="0"/>
+      </a:effectRef>
+      <a:fontRef idx="minor">
+        <a:schemeClr val="lt1"/>
+      </a:fontRef>
+    </dgm:style>
+  </dgm:styleLbl>
+  <dgm:styleLbl name="parChTrans1D1">
+    <dgm:scene3d>
+      <a:camera prst="orthographicFront"/>
+      <a:lightRig rig="threePt" dir="t"/>
+    </dgm:scene3d>
+    <dgm:sp3d/>
+    <dgm:txPr/>
+    <dgm:style>
+      <a:lnRef idx="1">
+        <a:scrgbClr r="0" g="0" b="0"/>
+      </a:lnRef>
+      <a:fillRef idx="0">
+        <a:scrgbClr r="0" g="0" b="0"/>
+      </a:fillRef>
+      <a:effectRef idx="0">
+        <a:scrgbClr r="0" g="0" b="0"/>
+      </a:effectRef>
+      <a:fontRef idx="minor"/>
+    </dgm:style>
+  </dgm:styleLbl>
+  <dgm:styleLbl name="parChTrans1D2">
+    <dgm:scene3d>
+      <a:camera prst="orthographicFront"/>
+      <a:lightRig rig="threePt" dir="t"/>
+    </dgm:scene3d>
+    <dgm:sp3d/>
+    <dgm:txPr/>
+    <dgm:style>
+      <a:lnRef idx="1">
+        <a:scrgbClr r="0" g="0" b="0"/>
+      </a:lnRef>
+      <a:fillRef idx="0">
+        <a:scrgbClr r="0" g="0" b="0"/>
+      </a:fillRef>
+      <a:effectRef idx="0">
+        <a:scrgbClr r="0" g="0" b="0"/>
+      </a:effectRef>
+      <a:fontRef idx="minor"/>
+    </dgm:style>
+  </dgm:styleLbl>
+  <dgm:styleLbl name="parChTrans1D3">
+    <dgm:scene3d>
+      <a:camera prst="orthographicFront"/>
+      <a:lightRig rig="threePt" dir="t"/>
+    </dgm:scene3d>
+    <dgm:sp3d/>
+    <dgm:txPr/>
+    <dgm:style>
+      <a:lnRef idx="1">
+        <a:scrgbClr r="0" g="0" b="0"/>
+      </a:lnRef>
+      <a:fillRef idx="0">
+        <a:scrgbClr r="0" g="0" b="0"/>
+      </a:fillRef>
+      <a:effectRef idx="0">
+        <a:scrgbClr r="0" g="0" b="0"/>
+      </a:effectRef>
+      <a:fontRef idx="minor"/>
+    </dgm:style>
+  </dgm:styleLbl>
+  <dgm:styleLbl name="parChTrans1D4">
+    <dgm:scene3d>
+      <a:camera prst="orthographicFront"/>
+      <a:lightRig rig="threePt" dir="t"/>
+    </dgm:scene3d>
+    <dgm:sp3d/>
+    <dgm:txPr/>
+    <dgm:style>
+      <a:lnRef idx="1">
+        <a:scrgbClr r="0" g="0" b="0"/>
+      </a:lnRef>
+      <a:fillRef idx="0">
+        <a:scrgbClr r="0" g="0" b="0"/>
+      </a:fillRef>
+      <a:effectRef idx="0">
+        <a:scrgbClr r="0" g="0" b="0"/>
+      </a:effectRef>
+      <a:fontRef idx="minor"/>
+    </dgm:style>
+  </dgm:styleLbl>
+  <dgm:styleLbl name="fgAcc1">
+    <dgm:scene3d>
+      <a:camera prst="orthographicFront"/>
+      <a:lightRig rig="threePt" dir="t"/>
+    </dgm:scene3d>
+    <dgm:sp3d/>
+    <dgm:txPr/>
+    <dgm:style>
+      <a:lnRef idx="1">
+        <a:scrgbClr r="0" g="0" b="0"/>
+      </a:lnRef>
+      <a:fillRef idx="1">
+        <a:scrgbClr r="0" g="0" b="0"/>
+      </a:fillRef>
+      <a:effectRef idx="0">
+        <a:scrgbClr r="0" g="0" b="0"/>
+      </a:effectRef>
+      <a:fontRef idx="minor"/>
+    </dgm:style>
+  </dgm:styleLbl>
+  <dgm:styleLbl name="conFgAcc1">
+    <dgm:scene3d>
+      <a:camera prst="orthographicFront"/>
+      <a:lightRig rig="threePt" dir="t"/>
+    </dgm:scene3d>
+    <dgm:sp3d/>
+    <dgm:txPr/>
+    <dgm:style>
+      <a:lnRef idx="1">
+        <a:scrgbClr r="0" g="0" b="0"/>
+      </a:lnRef>
+      <a:fillRef idx="1">
+        <a:scrgbClr r="0" g="0" b="0"/>
+      </a:fillRef>
+      <a:effectRef idx="0">
+        <a:scrgbClr r="0" g="0" b="0"/>
+      </a:effectRef>
+      <a:fontRef idx="minor"/>
+    </dgm:style>
+  </dgm:styleLbl>
+  <dgm:styleLbl name="alignAcc1">
+    <dgm:scene3d>
+      <a:camera prst="orthographicFront"/>
+      <a:lightRig rig="threePt" dir="t"/>
+    </dgm:scene3d>
+    <dgm:sp3d/>
+    <dgm:txPr/>
+    <dgm:style>
+      <a:lnRef idx="1">
+        <a:scrgbClr r="0" g="0" b="0"/>
+      </a:lnRef>
+      <a:fillRef idx="1">
+        <a:scrgbClr r="0" g="0" b="0"/>
+      </a:fillRef>
+      <a:effectRef idx="0">
+        <a:scrgbClr r="0" g="0" b="0"/>
+      </a:effectRef>
+      <a:fontRef idx="minor"/>
+    </dgm:style>
+  </dgm:styleLbl>
+  <dgm:styleLbl name="trAlignAcc1">
+    <dgm:scene3d>
+      <a:camera prst="orthographicFront"/>
+      <a:lightRig rig="threePt" dir="t"/>
+    </dgm:scene3d>
+    <dgm:sp3d/>
+    <dgm:txPr/>
+    <dgm:style>
+      <a:lnRef idx="1">
+        <a:scrgbClr r="0" g="0" b="0"/>
+      </a:lnRef>
+      <a:fillRef idx="1">
+        <a:scrgbClr r="0" g="0" b="0"/>
+      </a:fillRef>
+      <a:effectRef idx="0">
+        <a:scrgbClr r="0" g="0" b="0"/>
+      </a:effectRef>
+      <a:fontRef idx="minor"/>
+    </dgm:style>
+  </dgm:styleLbl>
+  <dgm:styleLbl name="bgAcc1">
+    <dgm:scene3d>
+      <a:camera prst="orthographicFront"/>
+      <a:lightRig rig="threePt" dir="t"/>
+    </dgm:scene3d>
+    <dgm:sp3d/>
+    <dgm:txPr/>
+    <dgm:style>
+      <a:lnRef idx="1">
+        <a:scrgbClr r="0" g="0" b="0"/>
+      </a:lnRef>
+      <a:fillRef idx="1">
+        <a:scrgbClr r="0" g="0" b="0"/>
+      </a:fillRef>
+      <a:effectRef idx="0">
+        <a:scrgbClr r="0" g="0" b="0"/>
+      </a:effectRef>
+      <a:fontRef idx="minor"/>
+    </dgm:style>
+  </dgm:styleLbl>
+  <dgm:styleLbl name="solidFgAcc1">
+    <dgm:scene3d>
+      <a:camera prst="orthographicFront"/>
+      <a:lightRig rig="threePt" dir="t"/>
+    </dgm:scene3d>
+    <dgm:sp3d/>
+    <dgm:txPr/>
+    <dgm:style>
+      <a:lnRef idx="1">
+        <a:scrgbClr r="0" g="0" b="0"/>
+      </a:lnRef>
+      <a:fillRef idx="1">
+        <a:scrgbClr r="0" g="0" b="0"/>
+      </a:fillRef>
+      <a:effectRef idx="0">
+        <a:scrgbClr r="0" g="0" b="0"/>
+      </a:effectRef>
+      <a:fontRef idx="minor"/>
+    </dgm:style>
+  </dgm:styleLbl>
+  <dgm:styleLbl name="solidAlignAcc1">
+    <dgm:scene3d>
+      <a:camera prst="orthographicFront"/>
+      <a:lightRig rig="threePt" dir="t"/>
+    </dgm:scene3d>
+    <dgm:sp3d/>
+    <dgm:txPr/>
+    <dgm:style>
+      <a:lnRef idx="1">
+        <a:scrgbClr r="0" g="0" b="0"/>
+      </a:lnRef>
+      <a:fillRef idx="1">
+        <a:scrgbClr r="0" g="0" b="0"/>
+      </a:fillRef>
+      <a:effectRef idx="0">
+        <a:scrgbClr r="0" g="0" b="0"/>
+      </a:effectRef>
+      <a:fontRef idx="minor"/>
+    </dgm:style>
+  </dgm:styleLbl>
+  <dgm:styleLbl name="solidBgAcc1">
+    <dgm:scene3d>
+      <a:camera prst="orthographicFront"/>
+      <a:lightRig rig="threePt" dir="t"/>
+    </dgm:scene3d>
+    <dgm:sp3d/>
+    <dgm:txPr/>
+    <dgm:style>
+      <a:lnRef idx="1">
+        <a:scrgbClr r="0" g="0" b="0"/>
+      </a:lnRef>
+      <a:fillRef idx="1">
+        <a:scrgbClr r="0" g="0" b="0"/>
+      </a:fillRef>
+      <a:effectRef idx="0">
+        <a:scrgbClr r="0" g="0" b="0"/>
+      </a:effectRef>
+      <a:fontRef idx="minor"/>
+    </dgm:style>
+  </dgm:styleLbl>
+  <dgm:styleLbl name="fgAccFollowNode1">
+    <dgm:scene3d>
+      <a:camera prst="orthographicFront"/>
+      <a:lightRig rig="threePt" dir="t"/>
+    </dgm:scene3d>
+    <dgm:sp3d/>
+    <dgm:txPr/>
+    <dgm:style>
+      <a:lnRef idx="1">
+        <a:scrgbClr r="0" g="0" b="0"/>
+      </a:lnRef>
+      <a:fillRef idx="1">
+        <a:scrgbClr r="0" g="0" b="0"/>
+      </a:fillRef>
+      <a:effectRef idx="0">
+        <a:scrgbClr r="0" g="0" b="0"/>
+      </a:effectRef>
+      <a:fontRef idx="minor"/>
+    </dgm:style>
+  </dgm:styleLbl>
+  <dgm:styleLbl name="alignAccFollowNode1">
+    <dgm:scene3d>
+      <a:camera prst="orthographicFront"/>
+      <a:lightRig rig="threePt" dir="t"/>
+    </dgm:scene3d>
+    <dgm:sp3d/>
+    <dgm:txPr/>
+    <dgm:style>
+      <a:lnRef idx="1">
+        <a:scrgbClr r="0" g="0" b="0"/>
+      </a:lnRef>
+      <a:fillRef idx="1">
+        <a:scrgbClr r="0" g="0" b="0"/>
+      </a:fillRef>
+      <a:effectRef idx="0">
+        <a:scrgbClr r="0" g="0" b="0"/>
+      </a:effectRef>
+      <a:fontRef idx="minor"/>
+    </dgm:style>
+  </dgm:styleLbl>
+  <dgm:styleLbl name="bgAccFollowNode1">
+    <dgm:scene3d>
+      <a:camera prst="orthographicFront"/>
+      <a:lightRig rig="threePt" dir="t"/>
+    </dgm:scene3d>
+    <dgm:sp3d/>
+    <dgm:txPr/>
+    <dgm:style>
+      <a:lnRef idx="1">
+        <a:scrgbClr r="0" g="0" b="0"/>
+      </a:lnRef>
+      <a:fillRef idx="1">
+        <a:scrgbClr r="0" g="0" b="0"/>
+      </a:fillRef>
+      <a:effectRef idx="0">
+        <a:scrgbClr r="0" g="0" b="0"/>
+      </a:effectRef>
+      <a:fontRef idx="minor"/>
+    </dgm:style>
+  </dgm:styleLbl>
+  <dgm:styleLbl name="fgAcc0">
+    <dgm:scene3d>
+      <a:camera prst="orthographicFront"/>
+      <a:lightRig rig="threePt" dir="t"/>
+    </dgm:scene3d>
+    <dgm:sp3d/>
+    <dgm:txPr/>
+    <dgm:style>
+      <a:lnRef idx="1">
+        <a:scrgbClr r="0" g="0" b="0"/>
+      </a:lnRef>
+      <a:fillRef idx="1">
+        <a:scrgbClr r="0" g="0" b="0"/>
+      </a:fillRef>
+      <a:effectRef idx="0">
+        <a:scrgbClr r="0" g="0" b="0"/>
+      </a:effectRef>
+      <a:fontRef idx="minor"/>
+    </dgm:style>
+  </dgm:styleLbl>
+  <dgm:styleLbl name="fgAcc2">
+    <dgm:scene3d>
+      <a:camera prst="orthographicFront"/>
+      <a:lightRig rig="threePt" dir="t"/>
+    </dgm:scene3d>
+    <dgm:sp3d/>
+    <dgm:txPr/>
+    <dgm:style>
+      <a:lnRef idx="1">
+        <a:scrgbClr r="0" g="0" b="0"/>
+      </a:lnRef>
+      <a:fillRef idx="1">
+        <a:scrgbClr r="0" g="0" b="0"/>
+      </a:fillRef>
+      <a:effectRef idx="0">
+        <a:scrgbClr r="0" g="0" b="0"/>
+      </a:effectRef>
+      <a:fontRef idx="minor"/>
+    </dgm:style>
+  </dgm:styleLbl>
+  <dgm:styleLbl name="fgAcc3">
+    <dgm:scene3d>
+      <a:camera prst="orthographicFront"/>
+      <a:lightRig rig="threePt" dir="t"/>
+    </dgm:scene3d>
+    <dgm:sp3d/>
+    <dgm:txPr/>
+    <dgm:style>
+      <a:lnRef idx="1">
+        <a:scrgbClr r="0" g="0" b="0"/>
+      </a:lnRef>
+      <a:fillRef idx="1">
+        <a:scrgbClr r="0" g="0" b="0"/>
+      </a:fillRef>
+      <a:effectRef idx="0">
+        <a:scrgbClr r="0" g="0" b="0"/>
+      </a:effectRef>
+      <a:fontRef idx="minor"/>
+    </dgm:style>
+  </dgm:styleLbl>
+  <dgm:styleLbl name="fgAcc4">
+    <dgm:scene3d>
+      <a:camera prst="orthographicFront"/>
+      <a:lightRig rig="threePt" dir="t"/>
+    </dgm:scene3d>
+    <dgm:sp3d/>
+    <dgm:txPr/>
+    <dgm:style>
+      <a:lnRef idx="1">
+        <a:scrgbClr r="0" g="0" b="0"/>
+      </a:lnRef>
+      <a:fillRef idx="1">
+        <a:scrgbClr r="0" g="0" b="0"/>
+      </a:fillRef>
+      <a:effectRef idx="0">
+        <a:scrgbClr r="0" g="0" b="0"/>
+      </a:effectRef>
+      <a:fontRef idx="minor"/>
+    </dgm:style>
+  </dgm:styleLbl>
+  <dgm:styleLbl name="bgShp">
+    <dgm:scene3d>
+      <a:camera prst="orthographicFront"/>
+      <a:lightRig rig="threePt" dir="t"/>
+    </dgm:scene3d>
+    <dgm:sp3d/>
+    <dgm:txPr/>
+    <dgm:style>
+      <a:lnRef idx="0">
+        <a:scrgbClr r="0" g="0" b="0"/>
+      </a:lnRef>
+      <a:fillRef idx="1">
+        <a:scrgbClr r="0" g="0" b="0"/>
+      </a:fillRef>
+      <a:effectRef idx="2">
+        <a:scrgbClr r="0" g="0" b="0"/>
+      </a:effectRef>
+      <a:fontRef idx="minor"/>
+    </dgm:style>
+  </dgm:styleLbl>
+  <dgm:styleLbl name="dkBgShp">
+    <dgm:scene3d>
+      <a:camera prst="orthographicFront"/>
+      <a:lightRig rig="threePt" dir="t"/>
+    </dgm:scene3d>
+    <dgm:sp3d/>
+    <dgm:txPr/>
+    <dgm:style>
+      <a:lnRef idx="0">
+        <a:scrgbClr r="0" g="0" b="0"/>
+      </a:lnRef>
+      <a:fillRef idx="1">
+        <a:scrgbClr r="0" g="0" b="0"/>
+      </a:fillRef>
+      <a:effectRef idx="2">
+        <a:scrgbClr r="0" g="0" b="0"/>
+      </a:effectRef>
+      <a:fontRef idx="minor"/>
+    </dgm:style>
+  </dgm:styleLbl>
+  <dgm:styleLbl name="trBgShp">
+    <dgm:scene3d>
+      <a:camera prst="orthographicFront"/>
+      <a:lightRig rig="threePt" dir="t"/>
+    </dgm:scene3d>
+    <dgm:sp3d/>
+    <dgm:txPr/>
+    <dgm:style>
+      <a:lnRef idx="0">
+        <a:scrgbClr r="0" g="0" b="0"/>
+      </a:lnRef>
+      <a:fillRef idx="1">
+        <a:scrgbClr r="0" g="0" b="0"/>
+      </a:fillRef>
+      <a:effectRef idx="0">
+        <a:scrgbClr r="0" g="0" b="0"/>
+      </a:effectRef>
+      <a:fontRef idx="minor"/>
+    </dgm:style>
+  </dgm:styleLbl>
+  <dgm:styleLbl name="fgShp">
+    <dgm:scene3d>
+      <a:camera prst="orthographicFront"/>
+      <a:lightRig rig="threePt" dir="t"/>
+    </dgm:scene3d>
+    <dgm:sp3d/>
+    <dgm:txPr/>
+    <dgm:style>
+      <a:lnRef idx="0">
+        <a:scrgbClr r="0" g="0" b="0"/>
+      </a:lnRef>
+      <a:fillRef idx="3">
+        <a:scrgbClr r="0" g="0" b="0"/>
+      </a:fillRef>
+      <a:effectRef idx="2">
+        <a:scrgbClr r="0" g="0" b="0"/>
+      </a:effectRef>
+      <a:fontRef idx="minor"/>
+    </dgm:style>
+  </dgm:styleLbl>
+  <dgm:styleLbl name="revTx">
+    <dgm:scene3d>
+      <a:camera prst="orthographicFront"/>
+      <a:lightRig rig="threePt" dir="t"/>
+    </dgm:scene3d>
+    <dgm:sp3d/>
+    <dgm:txPr/>
+    <dgm:style>
+      <a:lnRef idx="0">
+        <a:scrgbClr r="0" g="0" b="0"/>
+      </a:lnRef>
+      <a:fillRef idx="0">
+        <a:scrgbClr r="0" g="0" b="0"/>
+      </a:fillRef>
+      <a:effectRef idx="0">
+        <a:scrgbClr r="0" g="0" b="0"/>
+      </a:effectRef>
+      <a:fontRef idx="minor"/>
+    </dgm:style>
+  </dgm:styleLbl>
+</dgm:styleDef>
+</file>
+
+<file path=ppt/diagrams/quickStyle6.xml><?xml version="1.0" encoding="utf-8"?>
 <dgm:styleDef xmlns:dgm="http://schemas.openxmlformats.org/drawingml/2006/diagram" xmlns:a="http://schemas.openxmlformats.org/drawingml/2006/main" uniqueId="urn:microsoft.com/office/officeart/2005/8/quickstyle/simple4">
   <dgm:title val=""/>
   <dgm:desc val=""/>
@@ -16887,7 +19126,7 @@
             <a:pPr rtl="0"/>
             <a:fld id="{D5939589-3E79-4C82-AA4A-FE78234FAA59}" type="slidenum">
               <a:rPr lang="de-DE" smtClean="0"/>
-              <a:t>7</a:t>
+              <a:t>8</a:t>
             </a:fld>
             <a:endParaRPr lang="de-DE"/>
           </a:p>
@@ -16975,7 +19214,7 @@
             <a:pPr rtl="0"/>
             <a:fld id="{D5939589-3E79-4C82-AA4A-FE78234FAA59}" type="slidenum">
               <a:rPr lang="de-DE" noProof="0" smtClean="0"/>
-              <a:t>9</a:t>
+              <a:t>10</a:t>
             </a:fld>
             <a:endParaRPr lang="de-DE" noProof="0"/>
           </a:p>
@@ -17063,7 +19302,7 @@
             <a:pPr rtl="0"/>
             <a:fld id="{D5939589-3E79-4C82-AA4A-FE78234FAA59}" type="slidenum">
               <a:rPr lang="de-DE" noProof="0" smtClean="0"/>
-              <a:t>10</a:t>
+              <a:t>11</a:t>
             </a:fld>
             <a:endParaRPr lang="de-DE" noProof="0"/>
           </a:p>
@@ -17148,7 +19387,7 @@
             <a:pPr rtl="0"/>
             <a:fld id="{D5939589-3E79-4C82-AA4A-FE78234FAA59}" type="slidenum">
               <a:rPr lang="de-DE" smtClean="0"/>
-              <a:t>13</a:t>
+              <a:t>14</a:t>
             </a:fld>
             <a:endParaRPr lang="de-DE"/>
           </a:p>
@@ -28061,6 +30300,255 @@
       </p:grpSpPr>
       <p:pic>
         <p:nvPicPr>
+          <p:cNvPr id="1030" name="Picture 6" descr="Lehrgang: C# Programmierer – Lehrgang Ausbildung, Kurs, Schulung, Training,  Seminar und Ausbildung in Wien und Graz | tecTrain GmbH">
+            <a:extLst>
+              <a:ext uri="{FF2B5EF4-FFF2-40B4-BE49-F238E27FC236}">
+                <a16:creationId xmlns:a16="http://schemas.microsoft.com/office/drawing/2014/main" id="{2CC3E47E-2EC9-EF2C-657A-9ED61A5F0A43}"/>
+              </a:ext>
+            </a:extLst>
+          </p:cNvPr>
+          <p:cNvPicPr>
+            <a:picLocks noChangeAspect="1" noChangeArrowheads="1"/>
+          </p:cNvPicPr>
+          <p:nvPr/>
+        </p:nvPicPr>
+        <p:blipFill>
+          <a:blip r:embed="rId3">
+            <a:extLst>
+              <a:ext uri="{28A0092B-C50C-407E-A947-70E740481C1C}">
+                <a14:useLocalDpi xmlns:a14="http://schemas.microsoft.com/office/drawing/2010/main" val="0"/>
+              </a:ext>
+            </a:extLst>
+          </a:blip>
+          <a:srcRect/>
+          <a:stretch>
+            <a:fillRect/>
+          </a:stretch>
+        </p:blipFill>
+        <p:spPr bwMode="auto">
+          <a:xfrm>
+            <a:off x="838200" y="2392363"/>
+            <a:ext cx="3219450" cy="3219450"/>
+          </a:xfrm>
+          <a:prstGeom prst="rect">
+            <a:avLst/>
+          </a:prstGeom>
+          <a:extLst>
+            <a:ext uri="{909E8E84-426E-40DD-AFC4-6F175D3DCCD1}">
+              <a14:hiddenFill xmlns:a14="http://schemas.microsoft.com/office/drawing/2010/main">
+                <a:solidFill>
+                  <a:srgbClr val="FFFFFF"/>
+                </a:solidFill>
+              </a14:hiddenFill>
+            </a:ext>
+          </a:extLst>
+        </p:spPr>
+      </p:pic>
+      <p:pic>
+        <p:nvPicPr>
+          <p:cNvPr id="1034" name="Picture 10" descr="NuGet Gallery | aspnet">
+            <a:extLst>
+              <a:ext uri="{FF2B5EF4-FFF2-40B4-BE49-F238E27FC236}">
+                <a16:creationId xmlns:a16="http://schemas.microsoft.com/office/drawing/2014/main" id="{ABEC3662-8819-F171-1FDB-B80A6DE0C96A}"/>
+              </a:ext>
+            </a:extLst>
+          </p:cNvPr>
+          <p:cNvPicPr>
+            <a:picLocks noChangeAspect="1" noChangeArrowheads="1"/>
+          </p:cNvPicPr>
+          <p:nvPr/>
+        </p:nvPicPr>
+        <p:blipFill>
+          <a:blip r:embed="rId4">
+            <a:extLst>
+              <a:ext uri="{28A0092B-C50C-407E-A947-70E740481C1C}">
+                <a14:useLocalDpi xmlns:a14="http://schemas.microsoft.com/office/drawing/2010/main" val="0"/>
+              </a:ext>
+            </a:extLst>
+          </a:blip>
+          <a:srcRect/>
+          <a:stretch>
+            <a:fillRect/>
+          </a:stretch>
+        </p:blipFill>
+        <p:spPr bwMode="auto">
+          <a:xfrm>
+            <a:off x="4127500" y="2392363"/>
+            <a:ext cx="3214688" cy="3219450"/>
+          </a:xfrm>
+          <a:prstGeom prst="rect">
+            <a:avLst/>
+          </a:prstGeom>
+          <a:extLst>
+            <a:ext uri="{909E8E84-426E-40DD-AFC4-6F175D3DCCD1}">
+              <a14:hiddenFill xmlns:a14="http://schemas.microsoft.com/office/drawing/2010/main">
+                <a:solidFill>
+                  <a:srgbClr val="FFFFFF"/>
+                </a:solidFill>
+              </a14:hiddenFill>
+            </a:ext>
+          </a:extLst>
+        </p:spPr>
+      </p:pic>
+      <p:pic>
+        <p:nvPicPr>
+          <p:cNvPr id="1032" name="Picture 8" descr="Bootstrap · The most popular HTML, CSS, and JS library in the world.">
+            <a:extLst>
+              <a:ext uri="{FF2B5EF4-FFF2-40B4-BE49-F238E27FC236}">
+                <a16:creationId xmlns:a16="http://schemas.microsoft.com/office/drawing/2014/main" id="{4354E452-40E7-6ADD-326D-29A66E424876}"/>
+              </a:ext>
+            </a:extLst>
+          </p:cNvPr>
+          <p:cNvPicPr>
+            <a:picLocks noChangeAspect="1" noChangeArrowheads="1"/>
+          </p:cNvPicPr>
+          <p:nvPr/>
+        </p:nvPicPr>
+        <p:blipFill>
+          <a:blip r:embed="rId5">
+            <a:extLst>
+              <a:ext uri="{28A0092B-C50C-407E-A947-70E740481C1C}">
+                <a14:useLocalDpi xmlns:a14="http://schemas.microsoft.com/office/drawing/2010/main" val="0"/>
+              </a:ext>
+            </a:extLst>
+          </a:blip>
+          <a:srcRect/>
+          <a:stretch>
+            <a:fillRect/>
+          </a:stretch>
+        </p:blipFill>
+        <p:spPr bwMode="auto">
+          <a:xfrm>
+            <a:off x="7415213" y="2392363"/>
+            <a:ext cx="3938588" cy="3219450"/>
+          </a:xfrm>
+          <a:prstGeom prst="rect">
+            <a:avLst/>
+          </a:prstGeom>
+          <a:extLst>
+            <a:ext uri="{909E8E84-426E-40DD-AFC4-6F175D3DCCD1}">
+              <a14:hiddenFill xmlns:a14="http://schemas.microsoft.com/office/drawing/2010/main">
+                <a:solidFill>
+                  <a:srgbClr val="FFFFFF"/>
+                </a:solidFill>
+              </a14:hiddenFill>
+            </a:ext>
+          </a:extLst>
+        </p:spPr>
+      </p:pic>
+      <p:sp>
+        <p:nvSpPr>
+          <p:cNvPr id="2" name="Titel 1">
+            <a:extLst>
+              <a:ext uri="{FF2B5EF4-FFF2-40B4-BE49-F238E27FC236}">
+                <a16:creationId xmlns:a16="http://schemas.microsoft.com/office/drawing/2014/main" id="{0BE559A4-EC8A-E351-CC45-74D2A464AD0B}"/>
+              </a:ext>
+            </a:extLst>
+          </p:cNvPr>
+          <p:cNvSpPr>
+            <a:spLocks noGrp="1"/>
+          </p:cNvSpPr>
+          <p:nvPr>
+            <p:ph type="title"/>
+          </p:nvPr>
+        </p:nvSpPr>
+        <p:spPr>
+          <a:xfrm>
+            <a:off x="838200" y="365125"/>
+            <a:ext cx="10515600" cy="1325563"/>
+          </a:xfrm>
+        </p:spPr>
+        <p:txBody>
+          <a:bodyPr anchor="ctr">
+            <a:normAutofit/>
+          </a:bodyPr>
+          <a:lstStyle/>
+          <a:p>
+            <a:r>
+              <a:rPr lang="de-AT" dirty="0"/>
+              <a:t>Technologien Frontend</a:t>
+            </a:r>
+          </a:p>
+        </p:txBody>
+      </p:sp>
+      <p:sp>
+        <p:nvSpPr>
+          <p:cNvPr id="6" name="Foliennummernplatzhalter 5">
+            <a:extLst>
+              <a:ext uri="{FF2B5EF4-FFF2-40B4-BE49-F238E27FC236}">
+                <a16:creationId xmlns:a16="http://schemas.microsoft.com/office/drawing/2014/main" id="{EE876BD7-2DD6-A08E-0F83-3401518CE54E}"/>
+              </a:ext>
+            </a:extLst>
+          </p:cNvPr>
+          <p:cNvSpPr>
+            <a:spLocks noGrp="1"/>
+          </p:cNvSpPr>
+          <p:nvPr>
+            <p:ph type="sldNum" sz="quarter" idx="12"/>
+          </p:nvPr>
+        </p:nvSpPr>
+        <p:spPr>
+          <a:xfrm>
+            <a:off x="8610600" y="6356350"/>
+            <a:ext cx="2743200" cy="365125"/>
+          </a:xfrm>
+        </p:spPr>
+        <p:txBody>
+          <a:bodyPr anchor="ctr">
+            <a:normAutofit/>
+          </a:bodyPr>
+          <a:lstStyle/>
+          <a:p>
+            <a:pPr rtl="0">
+              <a:spcAft>
+                <a:spcPts val="600"/>
+              </a:spcAft>
+            </a:pPr>
+            <a:fld id="{D8DA9DAA-006C-4F4B-980E-E3DF019B24E2}" type="slidenum">
+              <a:rPr lang="de-DE" noProof="0" smtClean="0"/>
+              <a:pPr rtl="0">
+                <a:spcAft>
+                  <a:spcPts val="600"/>
+                </a:spcAft>
+              </a:pPr>
+              <a:t>10</a:t>
+            </a:fld>
+            <a:endParaRPr lang="de-DE" noProof="0"/>
+          </a:p>
+        </p:txBody>
+      </p:sp>
+    </p:spTree>
+    <p:extLst>
+      <p:ext uri="{BB962C8B-B14F-4D97-AF65-F5344CB8AC3E}">
+        <p14:creationId xmlns:p14="http://schemas.microsoft.com/office/powerpoint/2010/main" val="4210807430"/>
+      </p:ext>
+    </p:extLst>
+  </p:cSld>
+  <p:clrMapOvr>
+    <a:masterClrMapping/>
+  </p:clrMapOvr>
+</p:sld>
+</file>
+
+<file path=ppt/slides/slide11.xml><?xml version="1.0" encoding="utf-8"?>
+<p:sld xmlns:a="http://schemas.openxmlformats.org/drawingml/2006/main" xmlns:r="http://schemas.openxmlformats.org/officeDocument/2006/relationships" xmlns:p="http://schemas.openxmlformats.org/presentationml/2006/main">
+  <p:cSld>
+    <p:spTree>
+      <p:nvGrpSpPr>
+        <p:cNvPr id="1" name=""/>
+        <p:cNvGrpSpPr/>
+        <p:nvPr/>
+      </p:nvGrpSpPr>
+      <p:grpSpPr>
+        <a:xfrm>
+          <a:off x="0" y="0"/>
+          <a:ext cx="0" cy="0"/>
+          <a:chOff x="0" y="0"/>
+          <a:chExt cx="0" cy="0"/>
+        </a:xfrm>
+      </p:grpSpPr>
+      <p:pic>
+        <p:nvPicPr>
           <p:cNvPr id="1026" name="Picture 2" descr="Image result for docker">
             <a:extLst>
               <a:ext uri="{FF2B5EF4-FFF2-40B4-BE49-F238E27FC236}">
@@ -28318,7 +30806,7 @@
                   <a:spcPts val="600"/>
                 </a:spcAft>
               </a:pPr>
-              <a:t>10</a:t>
+              <a:t>11</a:t>
             </a:fld>
             <a:endParaRPr lang="de-DE" noProof="0"/>
           </a:p>
@@ -28337,7 +30825,7 @@
 </p:sld>
 </file>
 
-<file path=ppt/slides/slide11.xml><?xml version="1.0" encoding="utf-8"?>
+<file path=ppt/slides/slide12.xml><?xml version="1.0" encoding="utf-8"?>
 <p:sld xmlns:a="http://schemas.openxmlformats.org/drawingml/2006/main" xmlns:r="http://schemas.openxmlformats.org/officeDocument/2006/relationships" xmlns:p="http://schemas.openxmlformats.org/presentationml/2006/main">
   <p:cSld>
     <p:spTree>
@@ -28558,7 +31046,7 @@
                   <a:spcPts val="600"/>
                 </a:spcAft>
               </a:pPr>
-              <a:t>11</a:t>
+              <a:t>12</a:t>
             </a:fld>
             <a:endParaRPr lang="de-DE" noProof="0"/>
           </a:p>
@@ -28577,7 +31065,7 @@
 </p:sld>
 </file>
 
-<file path=ppt/slides/slide12.xml><?xml version="1.0" encoding="utf-8"?>
+<file path=ppt/slides/slide13.xml><?xml version="1.0" encoding="utf-8"?>
 <p:sld xmlns:a="http://schemas.openxmlformats.org/drawingml/2006/main" xmlns:r="http://schemas.openxmlformats.org/officeDocument/2006/relationships" xmlns:p="http://schemas.openxmlformats.org/presentationml/2006/main">
   <p:cSld>
     <p:spTree>
@@ -28741,7 +31229,7 @@
                   <a:spcPts val="600"/>
                 </a:spcAft>
               </a:pPr>
-              <a:t>12</a:t>
+              <a:t>13</a:t>
             </a:fld>
             <a:endParaRPr lang="de-DE" noProof="0"/>
           </a:p>
@@ -28760,7 +31248,7 @@
 </p:sld>
 </file>
 
-<file path=ppt/slides/slide13.xml><?xml version="1.0" encoding="utf-8"?>
+<file path=ppt/slides/slide14.xml><?xml version="1.0" encoding="utf-8"?>
 <p:sld xmlns:a="http://schemas.openxmlformats.org/drawingml/2006/main" xmlns:r="http://schemas.openxmlformats.org/officeDocument/2006/relationships" xmlns:p="http://schemas.openxmlformats.org/presentationml/2006/main">
   <p:cSld>
     <p:spTree>
@@ -28802,7 +31290,7 @@
             <a:fld id="{D8DA9DAA-006C-4F4B-980E-E3DF019B24E2}" type="slidenum">
               <a:rPr lang="de-DE" smtClean="0"/>
               <a:pPr rtl="0"/>
-              <a:t>13</a:t>
+              <a:t>14</a:t>
             </a:fld>
             <a:endParaRPr lang="de-DE"/>
           </a:p>
@@ -29070,37 +31558,6 @@
           </a:p>
         </p:txBody>
       </p:sp>
-      <p:graphicFrame>
-        <p:nvGraphicFramePr>
-          <p:cNvPr id="8" name="Inhaltsplatzhalter 2">
-            <a:extLst>
-              <a:ext uri="{FF2B5EF4-FFF2-40B4-BE49-F238E27FC236}">
-                <a16:creationId xmlns:a16="http://schemas.microsoft.com/office/drawing/2014/main" id="{EC7450D4-319B-08F8-C41D-B96E47837276}"/>
-              </a:ext>
-            </a:extLst>
-          </p:cNvPr>
-          <p:cNvGraphicFramePr>
-            <a:graphicFrameLocks noGrp="1"/>
-          </p:cNvGraphicFramePr>
-          <p:nvPr>
-            <p:ph idx="1"/>
-            <p:extLst>
-              <p:ext uri="{D42A27DB-BD31-4B8C-83A1-F6EECF244321}">
-                <p14:modId xmlns:p14="http://schemas.microsoft.com/office/powerpoint/2010/main" val="2682268916"/>
-              </p:ext>
-            </p:extLst>
-          </p:nvPr>
-        </p:nvGraphicFramePr>
-        <p:xfrm>
-          <a:off x="838200" y="1825625"/>
-          <a:ext cx="10515600" cy="4351338"/>
-        </p:xfrm>
-        <a:graphic>
-          <a:graphicData uri="http://schemas.openxmlformats.org/drawingml/2006/diagram">
-            <dgm:relIds xmlns:dgm="http://schemas.openxmlformats.org/drawingml/2006/diagram" xmlns:r="http://schemas.openxmlformats.org/officeDocument/2006/relationships" r:dm="rId2" r:lo="rId3" r:qs="rId4" r:cs="rId5"/>
-          </a:graphicData>
-        </a:graphic>
-      </p:graphicFrame>
       <p:sp>
         <p:nvSpPr>
           <p:cNvPr id="4" name="Datumsplatzhalter 3" hidden="1">
@@ -29140,6 +31597,37 @@
           </a:p>
         </p:txBody>
       </p:sp>
+      <p:graphicFrame>
+        <p:nvGraphicFramePr>
+          <p:cNvPr id="8" name="Inhaltsplatzhalter 2">
+            <a:extLst>
+              <a:ext uri="{FF2B5EF4-FFF2-40B4-BE49-F238E27FC236}">
+                <a16:creationId xmlns:a16="http://schemas.microsoft.com/office/drawing/2014/main" id="{EC7450D4-319B-08F8-C41D-B96E47837276}"/>
+              </a:ext>
+            </a:extLst>
+          </p:cNvPr>
+          <p:cNvGraphicFramePr>
+            <a:graphicFrameLocks noGrp="1"/>
+          </p:cNvGraphicFramePr>
+          <p:nvPr>
+            <p:ph idx="1"/>
+            <p:extLst>
+              <p:ext uri="{D42A27DB-BD31-4B8C-83A1-F6EECF244321}">
+                <p14:modId xmlns:p14="http://schemas.microsoft.com/office/powerpoint/2010/main" val="58708193"/>
+              </p:ext>
+            </p:extLst>
+          </p:nvPr>
+        </p:nvGraphicFramePr>
+        <p:xfrm>
+          <a:off x="838200" y="1825625"/>
+          <a:ext cx="10515600" cy="4351338"/>
+        </p:xfrm>
+        <a:graphic>
+          <a:graphicData uri="http://schemas.openxmlformats.org/drawingml/2006/diagram">
+            <dgm:relIds xmlns:dgm="http://schemas.openxmlformats.org/drawingml/2006/diagram" xmlns:r="http://schemas.openxmlformats.org/officeDocument/2006/relationships" r:dm="rId2" r:lo="rId3" r:qs="rId4" r:cs="rId5"/>
+          </a:graphicData>
+        </a:graphic>
+      </p:graphicFrame>
     </p:spTree>
     <p:extLst>
       <p:ext uri="{BB962C8B-B14F-4D97-AF65-F5344CB8AC3E}">
@@ -30107,6 +32595,347 @@
           <p:cNvPr id="2" name="Titel 1">
             <a:extLst>
               <a:ext uri="{FF2B5EF4-FFF2-40B4-BE49-F238E27FC236}">
+                <a16:creationId xmlns:a16="http://schemas.microsoft.com/office/drawing/2014/main" id="{26545EE8-6472-5D35-BE39-C649C44652D9}"/>
+              </a:ext>
+            </a:extLst>
+          </p:cNvPr>
+          <p:cNvSpPr>
+            <a:spLocks noGrp="1"/>
+          </p:cNvSpPr>
+          <p:nvPr>
+            <p:ph type="title"/>
+          </p:nvPr>
+        </p:nvSpPr>
+        <p:spPr>
+          <a:xfrm>
+            <a:off x="838200" y="365125"/>
+            <a:ext cx="10515600" cy="1325563"/>
+          </a:xfrm>
+        </p:spPr>
+        <p:txBody>
+          <a:bodyPr anchor="ctr">
+            <a:normAutofit/>
+          </a:bodyPr>
+          <a:lstStyle/>
+          <a:p>
+            <a:r>
+              <a:rPr lang="de-AT" dirty="0"/>
+              <a:t>Nutzen</a:t>
+            </a:r>
+          </a:p>
+        </p:txBody>
+      </p:sp>
+      <p:sp>
+        <p:nvSpPr>
+          <p:cNvPr id="11" name="Slide Number Placeholder 3">
+            <a:extLst>
+              <a:ext uri="{FF2B5EF4-FFF2-40B4-BE49-F238E27FC236}">
+                <a16:creationId xmlns:a16="http://schemas.microsoft.com/office/drawing/2014/main" id="{58970B72-FCC1-960E-28D7-5085DE69F321}"/>
+              </a:ext>
+            </a:extLst>
+          </p:cNvPr>
+          <p:cNvSpPr>
+            <a:spLocks noGrp="1"/>
+          </p:cNvSpPr>
+          <p:nvPr>
+            <p:ph type="sldNum" sz="quarter" idx="12"/>
+          </p:nvPr>
+        </p:nvSpPr>
+        <p:spPr>
+          <a:xfrm>
+            <a:off x="8610600" y="6356350"/>
+            <a:ext cx="2743200" cy="365125"/>
+          </a:xfrm>
+        </p:spPr>
+        <p:txBody>
+          <a:bodyPr anchor="ctr">
+            <a:normAutofit/>
+          </a:bodyPr>
+          <a:lstStyle/>
+          <a:p>
+            <a:pPr rtl="0">
+              <a:spcAft>
+                <a:spcPts val="600"/>
+              </a:spcAft>
+            </a:pPr>
+            <a:fld id="{D8DA9DAA-006C-4F4B-980E-E3DF019B24E2}" type="slidenum">
+              <a:rPr lang="de-DE" noProof="0" smtClean="0"/>
+              <a:pPr rtl="0">
+                <a:spcAft>
+                  <a:spcPts val="600"/>
+                </a:spcAft>
+              </a:pPr>
+              <a:t>7</a:t>
+            </a:fld>
+            <a:endParaRPr lang="de-DE" noProof="0"/>
+          </a:p>
+        </p:txBody>
+      </p:sp>
+      <p:sp>
+        <p:nvSpPr>
+          <p:cNvPr id="4" name="Datumsplatzhalter 3" hidden="1">
+            <a:extLst>
+              <a:ext uri="{FF2B5EF4-FFF2-40B4-BE49-F238E27FC236}">
+                <a16:creationId xmlns:a16="http://schemas.microsoft.com/office/drawing/2014/main" id="{0F25A421-9530-33E4-5992-CEF3A6B0D626}"/>
+              </a:ext>
+            </a:extLst>
+          </p:cNvPr>
+          <p:cNvSpPr>
+            <a:spLocks noGrp="1"/>
+          </p:cNvSpPr>
+          <p:nvPr>
+            <p:ph type="dt" sz="half" idx="4294967295"/>
+          </p:nvPr>
+        </p:nvSpPr>
+        <p:spPr>
+          <a:xfrm>
+            <a:off x="658368" y="6356350"/>
+            <a:ext cx="2743200" cy="365125"/>
+          </a:xfrm>
+        </p:spPr>
+        <p:txBody>
+          <a:bodyPr/>
+          <a:lstStyle/>
+          <a:p>
+            <a:pPr rtl="0">
+              <a:spcAft>
+                <a:spcPts val="600"/>
+              </a:spcAft>
+            </a:pPr>
+            <a:r>
+              <a:rPr lang="de-DE" noProof="0"/>
+              <a:t>13.3.2023</a:t>
+            </a:r>
+          </a:p>
+        </p:txBody>
+      </p:sp>
+      <p:sp>
+        <p:nvSpPr>
+          <p:cNvPr id="6" name="Foliennummernplatzhalter 5" hidden="1">
+            <a:extLst>
+              <a:ext uri="{FF2B5EF4-FFF2-40B4-BE49-F238E27FC236}">
+                <a16:creationId xmlns:a16="http://schemas.microsoft.com/office/drawing/2014/main" id="{B9059A83-583D-782E-7C59-64FBC3504F26}"/>
+              </a:ext>
+            </a:extLst>
+          </p:cNvPr>
+          <p:cNvSpPr>
+            <a:spLocks noGrp="1"/>
+          </p:cNvSpPr>
+          <p:nvPr>
+            <p:ph type="sldNum" sz="quarter" idx="4294967295"/>
+          </p:nvPr>
+        </p:nvSpPr>
+        <p:spPr>
+          <a:xfrm>
+            <a:off x="8610600" y="6356350"/>
+            <a:ext cx="2743200" cy="365125"/>
+          </a:xfrm>
+        </p:spPr>
+        <p:txBody>
+          <a:bodyPr/>
+          <a:lstStyle/>
+          <a:p>
+            <a:pPr rtl="0">
+              <a:spcAft>
+                <a:spcPts val="600"/>
+              </a:spcAft>
+            </a:pPr>
+            <a:fld id="{D8DA9DAA-006C-4F4B-980E-E3DF019B24E2}" type="slidenum">
+              <a:rPr lang="de-DE" noProof="0" smtClean="0"/>
+              <a:pPr rtl="0">
+                <a:spcAft>
+                  <a:spcPts val="600"/>
+                </a:spcAft>
+              </a:pPr>
+              <a:t>7</a:t>
+            </a:fld>
+            <a:endParaRPr lang="de-DE" noProof="0"/>
+          </a:p>
+        </p:txBody>
+      </p:sp>
+      <p:graphicFrame>
+        <p:nvGraphicFramePr>
+          <p:cNvPr id="15" name="Inhaltsplatzhalter 2">
+            <a:extLst>
+              <a:ext uri="{FF2B5EF4-FFF2-40B4-BE49-F238E27FC236}">
+                <a16:creationId xmlns:a16="http://schemas.microsoft.com/office/drawing/2014/main" id="{FD8316C9-6101-78B9-EAF2-FF6ACF4E01B7}"/>
+              </a:ext>
+            </a:extLst>
+          </p:cNvPr>
+          <p:cNvGraphicFramePr>
+            <a:graphicFrameLocks noGrp="1"/>
+          </p:cNvGraphicFramePr>
+          <p:nvPr>
+            <p:ph idx="1"/>
+            <p:extLst>
+              <p:ext uri="{D42A27DB-BD31-4B8C-83A1-F6EECF244321}">
+                <p14:modId xmlns:p14="http://schemas.microsoft.com/office/powerpoint/2010/main" val="3268696451"/>
+              </p:ext>
+            </p:extLst>
+          </p:nvPr>
+        </p:nvGraphicFramePr>
+        <p:xfrm>
+          <a:off x="838200" y="1825625"/>
+          <a:ext cx="10515600" cy="4351338"/>
+        </p:xfrm>
+        <a:graphic>
+          <a:graphicData uri="http://schemas.openxmlformats.org/drawingml/2006/diagram">
+            <dgm:relIds xmlns:dgm="http://schemas.openxmlformats.org/drawingml/2006/diagram" xmlns:r="http://schemas.openxmlformats.org/officeDocument/2006/relationships" r:dm="rId2" r:lo="rId3" r:qs="rId4" r:cs="rId5"/>
+          </a:graphicData>
+        </a:graphic>
+      </p:graphicFrame>
+      <p:sp>
+        <p:nvSpPr>
+          <p:cNvPr id="7" name="Textfeld 6">
+            <a:extLst>
+              <a:ext uri="{FF2B5EF4-FFF2-40B4-BE49-F238E27FC236}">
+                <a16:creationId xmlns:a16="http://schemas.microsoft.com/office/drawing/2014/main" id="{D903750B-EAAA-BBD7-5ABF-433BA942E9C0}"/>
+              </a:ext>
+            </a:extLst>
+          </p:cNvPr>
+          <p:cNvSpPr txBox="1"/>
+          <p:nvPr/>
+        </p:nvSpPr>
+        <p:spPr>
+          <a:xfrm>
+            <a:off x="8240109" y="2504521"/>
+            <a:ext cx="2953407" cy="661720"/>
+          </a:xfrm>
+          <a:prstGeom prst="rect">
+            <a:avLst/>
+          </a:prstGeom>
+          <a:noFill/>
+        </p:spPr>
+        <p:txBody>
+          <a:bodyPr wrap="square" rtlCol="0">
+            <a:spAutoFit/>
+          </a:bodyPr>
+          <a:lstStyle/>
+          <a:p>
+            <a:r>
+              <a:rPr lang="de-AT" sz="3700" dirty="0">
+                <a:solidFill>
+                  <a:schemeClr val="bg1"/>
+                </a:solidFill>
+              </a:rPr>
+              <a:t>03</a:t>
+            </a:r>
+          </a:p>
+        </p:txBody>
+      </p:sp>
+      <p:sp>
+        <p:nvSpPr>
+          <p:cNvPr id="8" name="Textfeld 7">
+            <a:extLst>
+              <a:ext uri="{FF2B5EF4-FFF2-40B4-BE49-F238E27FC236}">
+                <a16:creationId xmlns:a16="http://schemas.microsoft.com/office/drawing/2014/main" id="{A2EA6B14-5042-34E3-EDAB-6615A4E2BEE1}"/>
+              </a:ext>
+            </a:extLst>
+          </p:cNvPr>
+          <p:cNvSpPr txBox="1"/>
+          <p:nvPr/>
+        </p:nvSpPr>
+        <p:spPr>
+          <a:xfrm>
+            <a:off x="4619296" y="2504521"/>
+            <a:ext cx="2953407" cy="661720"/>
+          </a:xfrm>
+          <a:prstGeom prst="rect">
+            <a:avLst/>
+          </a:prstGeom>
+          <a:noFill/>
+        </p:spPr>
+        <p:txBody>
+          <a:bodyPr wrap="square" rtlCol="0">
+            <a:spAutoFit/>
+          </a:bodyPr>
+          <a:lstStyle/>
+          <a:p>
+            <a:r>
+              <a:rPr lang="de-AT" sz="3700" dirty="0">
+                <a:solidFill>
+                  <a:schemeClr val="bg1"/>
+                </a:solidFill>
+              </a:rPr>
+              <a:t>02</a:t>
+            </a:r>
+          </a:p>
+        </p:txBody>
+      </p:sp>
+      <p:sp>
+        <p:nvSpPr>
+          <p:cNvPr id="9" name="Textfeld 8">
+            <a:extLst>
+              <a:ext uri="{FF2B5EF4-FFF2-40B4-BE49-F238E27FC236}">
+                <a16:creationId xmlns:a16="http://schemas.microsoft.com/office/drawing/2014/main" id="{D6F570AC-FCB6-70BA-97F0-4A88190B18BF}"/>
+              </a:ext>
+            </a:extLst>
+          </p:cNvPr>
+          <p:cNvSpPr txBox="1"/>
+          <p:nvPr/>
+        </p:nvSpPr>
+        <p:spPr>
+          <a:xfrm>
+            <a:off x="998484" y="2504521"/>
+            <a:ext cx="2953407" cy="661720"/>
+          </a:xfrm>
+          <a:prstGeom prst="rect">
+            <a:avLst/>
+          </a:prstGeom>
+          <a:noFill/>
+        </p:spPr>
+        <p:txBody>
+          <a:bodyPr wrap="square" rtlCol="0">
+            <a:spAutoFit/>
+          </a:bodyPr>
+          <a:lstStyle/>
+          <a:p>
+            <a:r>
+              <a:rPr lang="de-AT" sz="3700" dirty="0">
+                <a:solidFill>
+                  <a:schemeClr val="bg1"/>
+                </a:solidFill>
+              </a:rPr>
+              <a:t>01</a:t>
+            </a:r>
+          </a:p>
+        </p:txBody>
+      </p:sp>
+    </p:spTree>
+    <p:extLst>
+      <p:ext uri="{BB962C8B-B14F-4D97-AF65-F5344CB8AC3E}">
+        <p14:creationId xmlns:p14="http://schemas.microsoft.com/office/powerpoint/2010/main" val="3436673757"/>
+      </p:ext>
+    </p:extLst>
+  </p:cSld>
+  <p:clrMapOvr>
+    <a:masterClrMapping/>
+  </p:clrMapOvr>
+</p:sld>
+</file>
+
+<file path=ppt/slides/slide8.xml><?xml version="1.0" encoding="utf-8"?>
+<p:sld xmlns:a="http://schemas.openxmlformats.org/drawingml/2006/main" xmlns:r="http://schemas.openxmlformats.org/officeDocument/2006/relationships" xmlns:p="http://schemas.openxmlformats.org/presentationml/2006/main">
+  <p:cSld>
+    <p:spTree>
+      <p:nvGrpSpPr>
+        <p:cNvPr id="1" name=""/>
+        <p:cNvGrpSpPr/>
+        <p:nvPr/>
+      </p:nvGrpSpPr>
+      <p:grpSpPr>
+        <a:xfrm>
+          <a:off x="0" y="0"/>
+          <a:ext cx="0" cy="0"/>
+          <a:chOff x="0" y="0"/>
+          <a:chExt cx="0" cy="0"/>
+        </a:xfrm>
+      </p:grpSpPr>
+      <p:sp>
+        <p:nvSpPr>
+          <p:cNvPr id="2" name="Titel 1">
+            <a:extLst>
+              <a:ext uri="{FF2B5EF4-FFF2-40B4-BE49-F238E27FC236}">
                 <a16:creationId xmlns:a16="http://schemas.microsoft.com/office/drawing/2014/main" id="{94FDFB95-2803-4882-8DE6-333A75D37240}"/>
               </a:ext>
             </a:extLst>
@@ -30435,7 +33264,7 @@
 </p:sld>
 </file>
 
-<file path=ppt/slides/slide8.xml><?xml version="1.0" encoding="utf-8"?>
+<file path=ppt/slides/slide9.xml><?xml version="1.0" encoding="utf-8"?>
 <p:sld xmlns:a="http://schemas.openxmlformats.org/drawingml/2006/main" xmlns:r="http://schemas.openxmlformats.org/officeDocument/2006/relationships" xmlns:p="http://schemas.openxmlformats.org/presentationml/2006/main">
   <p:cSld>
     <p:spTree>
@@ -30558,7 +33387,7 @@
                   <a:spcPts val="600"/>
                 </a:spcAft>
               </a:pPr>
-              <a:t>8</a:t>
+              <a:t>9</a:t>
             </a:fld>
             <a:endParaRPr lang="de-DE" noProof="0"/>
           </a:p>
@@ -30568,255 +33397,6 @@
     <p:extLst>
       <p:ext uri="{BB962C8B-B14F-4D97-AF65-F5344CB8AC3E}">
         <p14:creationId xmlns:p14="http://schemas.microsoft.com/office/powerpoint/2010/main" val="3031134635"/>
-      </p:ext>
-    </p:extLst>
-  </p:cSld>
-  <p:clrMapOvr>
-    <a:masterClrMapping/>
-  </p:clrMapOvr>
-</p:sld>
-</file>
-
-<file path=ppt/slides/slide9.xml><?xml version="1.0" encoding="utf-8"?>
-<p:sld xmlns:a="http://schemas.openxmlformats.org/drawingml/2006/main" xmlns:r="http://schemas.openxmlformats.org/officeDocument/2006/relationships" xmlns:p="http://schemas.openxmlformats.org/presentationml/2006/main">
-  <p:cSld>
-    <p:spTree>
-      <p:nvGrpSpPr>
-        <p:cNvPr id="1" name=""/>
-        <p:cNvGrpSpPr/>
-        <p:nvPr/>
-      </p:nvGrpSpPr>
-      <p:grpSpPr>
-        <a:xfrm>
-          <a:off x="0" y="0"/>
-          <a:ext cx="0" cy="0"/>
-          <a:chOff x="0" y="0"/>
-          <a:chExt cx="0" cy="0"/>
-        </a:xfrm>
-      </p:grpSpPr>
-      <p:pic>
-        <p:nvPicPr>
-          <p:cNvPr id="1030" name="Picture 6" descr="Lehrgang: C# Programmierer – Lehrgang Ausbildung, Kurs, Schulung, Training,  Seminar und Ausbildung in Wien und Graz | tecTrain GmbH">
-            <a:extLst>
-              <a:ext uri="{FF2B5EF4-FFF2-40B4-BE49-F238E27FC236}">
-                <a16:creationId xmlns:a16="http://schemas.microsoft.com/office/drawing/2014/main" id="{2CC3E47E-2EC9-EF2C-657A-9ED61A5F0A43}"/>
-              </a:ext>
-            </a:extLst>
-          </p:cNvPr>
-          <p:cNvPicPr>
-            <a:picLocks noChangeAspect="1" noChangeArrowheads="1"/>
-          </p:cNvPicPr>
-          <p:nvPr/>
-        </p:nvPicPr>
-        <p:blipFill>
-          <a:blip r:embed="rId3">
-            <a:extLst>
-              <a:ext uri="{28A0092B-C50C-407E-A947-70E740481C1C}">
-                <a14:useLocalDpi xmlns:a14="http://schemas.microsoft.com/office/drawing/2010/main" val="0"/>
-              </a:ext>
-            </a:extLst>
-          </a:blip>
-          <a:srcRect/>
-          <a:stretch>
-            <a:fillRect/>
-          </a:stretch>
-        </p:blipFill>
-        <p:spPr bwMode="auto">
-          <a:xfrm>
-            <a:off x="838200" y="2392363"/>
-            <a:ext cx="3219450" cy="3219450"/>
-          </a:xfrm>
-          <a:prstGeom prst="rect">
-            <a:avLst/>
-          </a:prstGeom>
-          <a:extLst>
-            <a:ext uri="{909E8E84-426E-40DD-AFC4-6F175D3DCCD1}">
-              <a14:hiddenFill xmlns:a14="http://schemas.microsoft.com/office/drawing/2010/main">
-                <a:solidFill>
-                  <a:srgbClr val="FFFFFF"/>
-                </a:solidFill>
-              </a14:hiddenFill>
-            </a:ext>
-          </a:extLst>
-        </p:spPr>
-      </p:pic>
-      <p:pic>
-        <p:nvPicPr>
-          <p:cNvPr id="1034" name="Picture 10" descr="NuGet Gallery | aspnet">
-            <a:extLst>
-              <a:ext uri="{FF2B5EF4-FFF2-40B4-BE49-F238E27FC236}">
-                <a16:creationId xmlns:a16="http://schemas.microsoft.com/office/drawing/2014/main" id="{ABEC3662-8819-F171-1FDB-B80A6DE0C96A}"/>
-              </a:ext>
-            </a:extLst>
-          </p:cNvPr>
-          <p:cNvPicPr>
-            <a:picLocks noChangeAspect="1" noChangeArrowheads="1"/>
-          </p:cNvPicPr>
-          <p:nvPr/>
-        </p:nvPicPr>
-        <p:blipFill>
-          <a:blip r:embed="rId4">
-            <a:extLst>
-              <a:ext uri="{28A0092B-C50C-407E-A947-70E740481C1C}">
-                <a14:useLocalDpi xmlns:a14="http://schemas.microsoft.com/office/drawing/2010/main" val="0"/>
-              </a:ext>
-            </a:extLst>
-          </a:blip>
-          <a:srcRect/>
-          <a:stretch>
-            <a:fillRect/>
-          </a:stretch>
-        </p:blipFill>
-        <p:spPr bwMode="auto">
-          <a:xfrm>
-            <a:off x="4127500" y="2392363"/>
-            <a:ext cx="3214688" cy="3219450"/>
-          </a:xfrm>
-          <a:prstGeom prst="rect">
-            <a:avLst/>
-          </a:prstGeom>
-          <a:extLst>
-            <a:ext uri="{909E8E84-426E-40DD-AFC4-6F175D3DCCD1}">
-              <a14:hiddenFill xmlns:a14="http://schemas.microsoft.com/office/drawing/2010/main">
-                <a:solidFill>
-                  <a:srgbClr val="FFFFFF"/>
-                </a:solidFill>
-              </a14:hiddenFill>
-            </a:ext>
-          </a:extLst>
-        </p:spPr>
-      </p:pic>
-      <p:pic>
-        <p:nvPicPr>
-          <p:cNvPr id="1032" name="Picture 8" descr="Bootstrap · The most popular HTML, CSS, and JS library in the world.">
-            <a:extLst>
-              <a:ext uri="{FF2B5EF4-FFF2-40B4-BE49-F238E27FC236}">
-                <a16:creationId xmlns:a16="http://schemas.microsoft.com/office/drawing/2014/main" id="{4354E452-40E7-6ADD-326D-29A66E424876}"/>
-              </a:ext>
-            </a:extLst>
-          </p:cNvPr>
-          <p:cNvPicPr>
-            <a:picLocks noChangeAspect="1" noChangeArrowheads="1"/>
-          </p:cNvPicPr>
-          <p:nvPr/>
-        </p:nvPicPr>
-        <p:blipFill>
-          <a:blip r:embed="rId5">
-            <a:extLst>
-              <a:ext uri="{28A0092B-C50C-407E-A947-70E740481C1C}">
-                <a14:useLocalDpi xmlns:a14="http://schemas.microsoft.com/office/drawing/2010/main" val="0"/>
-              </a:ext>
-            </a:extLst>
-          </a:blip>
-          <a:srcRect/>
-          <a:stretch>
-            <a:fillRect/>
-          </a:stretch>
-        </p:blipFill>
-        <p:spPr bwMode="auto">
-          <a:xfrm>
-            <a:off x="7415213" y="2392363"/>
-            <a:ext cx="3938588" cy="3219450"/>
-          </a:xfrm>
-          <a:prstGeom prst="rect">
-            <a:avLst/>
-          </a:prstGeom>
-          <a:extLst>
-            <a:ext uri="{909E8E84-426E-40DD-AFC4-6F175D3DCCD1}">
-              <a14:hiddenFill xmlns:a14="http://schemas.microsoft.com/office/drawing/2010/main">
-                <a:solidFill>
-                  <a:srgbClr val="FFFFFF"/>
-                </a:solidFill>
-              </a14:hiddenFill>
-            </a:ext>
-          </a:extLst>
-        </p:spPr>
-      </p:pic>
-      <p:sp>
-        <p:nvSpPr>
-          <p:cNvPr id="2" name="Titel 1">
-            <a:extLst>
-              <a:ext uri="{FF2B5EF4-FFF2-40B4-BE49-F238E27FC236}">
-                <a16:creationId xmlns:a16="http://schemas.microsoft.com/office/drawing/2014/main" id="{0BE559A4-EC8A-E351-CC45-74D2A464AD0B}"/>
-              </a:ext>
-            </a:extLst>
-          </p:cNvPr>
-          <p:cNvSpPr>
-            <a:spLocks noGrp="1"/>
-          </p:cNvSpPr>
-          <p:nvPr>
-            <p:ph type="title"/>
-          </p:nvPr>
-        </p:nvSpPr>
-        <p:spPr>
-          <a:xfrm>
-            <a:off x="838200" y="365125"/>
-            <a:ext cx="10515600" cy="1325563"/>
-          </a:xfrm>
-        </p:spPr>
-        <p:txBody>
-          <a:bodyPr anchor="ctr">
-            <a:normAutofit/>
-          </a:bodyPr>
-          <a:lstStyle/>
-          <a:p>
-            <a:r>
-              <a:rPr lang="de-AT" dirty="0"/>
-              <a:t>Technologien Frontend</a:t>
-            </a:r>
-          </a:p>
-        </p:txBody>
-      </p:sp>
-      <p:sp>
-        <p:nvSpPr>
-          <p:cNvPr id="6" name="Foliennummernplatzhalter 5">
-            <a:extLst>
-              <a:ext uri="{FF2B5EF4-FFF2-40B4-BE49-F238E27FC236}">
-                <a16:creationId xmlns:a16="http://schemas.microsoft.com/office/drawing/2014/main" id="{EE876BD7-2DD6-A08E-0F83-3401518CE54E}"/>
-              </a:ext>
-            </a:extLst>
-          </p:cNvPr>
-          <p:cNvSpPr>
-            <a:spLocks noGrp="1"/>
-          </p:cNvSpPr>
-          <p:nvPr>
-            <p:ph type="sldNum" sz="quarter" idx="12"/>
-          </p:nvPr>
-        </p:nvSpPr>
-        <p:spPr>
-          <a:xfrm>
-            <a:off x="8610600" y="6356350"/>
-            <a:ext cx="2743200" cy="365125"/>
-          </a:xfrm>
-        </p:spPr>
-        <p:txBody>
-          <a:bodyPr anchor="ctr">
-            <a:normAutofit/>
-          </a:bodyPr>
-          <a:lstStyle/>
-          <a:p>
-            <a:pPr rtl="0">
-              <a:spcAft>
-                <a:spcPts val="600"/>
-              </a:spcAft>
-            </a:pPr>
-            <a:fld id="{D8DA9DAA-006C-4F4B-980E-E3DF019B24E2}" type="slidenum">
-              <a:rPr lang="de-DE" noProof="0" smtClean="0"/>
-              <a:pPr rtl="0">
-                <a:spcAft>
-                  <a:spcPts val="600"/>
-                </a:spcAft>
-              </a:pPr>
-              <a:t>9</a:t>
-            </a:fld>
-            <a:endParaRPr lang="de-DE" noProof="0"/>
-          </a:p>
-        </p:txBody>
-      </p:sp>
-    </p:spTree>
-    <p:extLst>
-      <p:ext uri="{BB962C8B-B14F-4D97-AF65-F5344CB8AC3E}">
-        <p14:creationId xmlns:p14="http://schemas.microsoft.com/office/powerpoint/2010/main" val="4210807430"/>
       </p:ext>
     </p:extLst>
   </p:cSld>

--- a/Präsentation/ProjectAward.pptx
+++ b/Präsentation/ProjectAward.pptx
@@ -5,10 +5,10 @@
     <p:sldMasterId id="2147483696" r:id="rId4"/>
   </p:sldMasterIdLst>
   <p:notesMasterIdLst>
-    <p:notesMasterId r:id="rId19"/>
+    <p:notesMasterId r:id="rId20"/>
   </p:notesMasterIdLst>
   <p:handoutMasterIdLst>
-    <p:handoutMasterId r:id="rId20"/>
+    <p:handoutMasterId r:id="rId21"/>
   </p:handoutMasterIdLst>
   <p:sldIdLst>
     <p:sldId id="306" r:id="rId5"/>
@@ -18,13 +18,14 @@
     <p:sldId id="323" r:id="rId9"/>
     <p:sldId id="324" r:id="rId10"/>
     <p:sldId id="327" r:id="rId11"/>
-    <p:sldId id="310" r:id="rId12"/>
-    <p:sldId id="325" r:id="rId13"/>
-    <p:sldId id="316" r:id="rId14"/>
-    <p:sldId id="320" r:id="rId15"/>
-    <p:sldId id="326" r:id="rId16"/>
-    <p:sldId id="319" r:id="rId17"/>
-    <p:sldId id="312" r:id="rId18"/>
+    <p:sldId id="328" r:id="rId12"/>
+    <p:sldId id="310" r:id="rId13"/>
+    <p:sldId id="325" r:id="rId14"/>
+    <p:sldId id="326" r:id="rId15"/>
+    <p:sldId id="316" r:id="rId16"/>
+    <p:sldId id="320" r:id="rId17"/>
+    <p:sldId id="319" r:id="rId18"/>
+    <p:sldId id="312" r:id="rId19"/>
   </p:sldIdLst>
   <p:sldSz cx="12192000" cy="6858000"/>
   <p:notesSz cx="6858000" cy="9144000"/>
@@ -18311,7 +18312,7 @@
           <a:p>
             <a:fld id="{67702A17-7AE3-4B44-889C-4D77A0FC7177}" type="datetime1">
               <a:rPr lang="de-DE" smtClean="0"/>
-              <a:t>15.03.2023</a:t>
+              <a:t>21.03.2023</a:t>
             </a:fld>
             <a:endParaRPr lang="de-DE" dirty="0"/>
           </a:p>
@@ -18491,7 +18492,7 @@
             <a:fld id="{82650ACC-C7DD-445E-BC27-71FC31906D7B}" type="datetime1">
               <a:rPr lang="de-DE" smtClean="0"/>
               <a:pPr/>
-              <a:t>15.03.2023</a:t>
+              <a:t>21.03.2023</a:t>
             </a:fld>
             <a:endParaRPr lang="de-DE" dirty="0"/>
           </a:p>
@@ -18812,21 +18813,29 @@
             </a:pPr>
             <a:r>
               <a:rPr lang="de-AT" dirty="0"/>
-              <a:t>Sehr Geehrter Herr Direktor, Sehr Geehrter Herr Abteilungsvorstand, sehr geehrte Professoren und </a:t>
+              <a:t>Sehr Geehrter Herr Direktor, Sehr Geehrter Herr Abteilungsvorstand, sehr geehrte Professoren </a:t>
             </a:r>
             <a:r>
-              <a:rPr lang="de-AT" b="0" i="0" dirty="0">
+              <a:rPr lang="de-AT"/>
+              <a:t>und </a:t>
+            </a:r>
+            <a:r>
+              <a:rPr lang="de-AT" b="0" i="0">
                 <a:solidFill>
                   <a:srgbClr val="D1D5DB"/>
                 </a:solidFill>
                 <a:effectLst/>
                 <a:latin typeface="Söhne"/>
               </a:rPr>
-              <a:t>Professorinnen</a:t>
+              <a:t>Professorinnen, </a:t>
+            </a:r>
+            <a:r>
+              <a:rPr lang="de-AT"/>
+              <a:t>sehr </a:t>
             </a:r>
             <a:r>
               <a:rPr lang="de-AT" dirty="0"/>
-              <a:t> und sehr geehrte Damen und Herren und sehr geehrte Kollegen und Kolleginnen</a:t>
+              <a:t>geehrte Damen und Herren und sehr geehrte Kollegen und Kolleginnen</a:t>
             </a:r>
             <a:endParaRPr lang="de-AT" b="0" i="0" dirty="0">
               <a:solidFill>
@@ -19104,7 +19113,23 @@
           <a:bodyPr/>
           <a:lstStyle/>
           <a:p>
-            <a:endParaRPr lang="de-DE" dirty="0"/>
+            <a:r>
+              <a:rPr lang="de-AT" dirty="0"/>
+              <a:t>Kurtzes </a:t>
+            </a:r>
+            <a:r>
+              <a:rPr lang="de-AT" dirty="0" err="1"/>
+              <a:t>projekt</a:t>
+            </a:r>
+            <a:r>
+              <a:rPr lang="de-AT" dirty="0"/>
+              <a:t> </a:t>
+            </a:r>
+            <a:r>
+              <a:rPr lang="de-AT" dirty="0" err="1"/>
+              <a:t>tutorial</a:t>
+            </a:r>
+            <a:endParaRPr lang="de-AT" dirty="0"/>
           </a:p>
         </p:txBody>
       </p:sp>
@@ -19125,17 +19150,17 @@
           <a:p>
             <a:pPr rtl="0"/>
             <a:fld id="{D5939589-3E79-4C82-AA4A-FE78234FAA59}" type="slidenum">
-              <a:rPr lang="de-DE" smtClean="0"/>
+              <a:rPr lang="de-DE" noProof="0" smtClean="0"/>
               <a:t>8</a:t>
             </a:fld>
-            <a:endParaRPr lang="de-DE"/>
+            <a:endParaRPr lang="de-DE" noProof="0"/>
           </a:p>
         </p:txBody>
       </p:sp>
     </p:spTree>
     <p:extLst>
       <p:ext uri="{BB962C8B-B14F-4D97-AF65-F5344CB8AC3E}">
-        <p14:creationId xmlns:p14="http://schemas.microsoft.com/office/powerpoint/2010/main" val="3347935889"/>
+        <p14:creationId xmlns:p14="http://schemas.microsoft.com/office/powerpoint/2010/main" val="2577073594"/>
       </p:ext>
     </p:extLst>
   </p:cSld>
@@ -19189,10 +19214,7 @@
           <a:bodyPr/>
           <a:lstStyle/>
           <a:p>
-            <a:r>
-              <a:rPr lang="de-AT" dirty="0"/>
-              <a:t>Als Technologien Haben wie … verwendet</a:t>
-            </a:r>
+            <a:endParaRPr lang="de-DE" dirty="0"/>
           </a:p>
         </p:txBody>
       </p:sp>
@@ -19213,17 +19235,17 @@
           <a:p>
             <a:pPr rtl="0"/>
             <a:fld id="{D5939589-3E79-4C82-AA4A-FE78234FAA59}" type="slidenum">
-              <a:rPr lang="de-DE" noProof="0" smtClean="0"/>
-              <a:t>10</a:t>
+              <a:rPr lang="de-DE" smtClean="0"/>
+              <a:t>9</a:t>
             </a:fld>
-            <a:endParaRPr lang="de-DE" noProof="0"/>
+            <a:endParaRPr lang="de-DE"/>
           </a:p>
         </p:txBody>
       </p:sp>
     </p:spTree>
     <p:extLst>
       <p:ext uri="{BB962C8B-B14F-4D97-AF65-F5344CB8AC3E}">
-        <p14:creationId xmlns:p14="http://schemas.microsoft.com/office/powerpoint/2010/main" val="2190886567"/>
+        <p14:creationId xmlns:p14="http://schemas.microsoft.com/office/powerpoint/2010/main" val="3347935889"/>
       </p:ext>
     </p:extLst>
   </p:cSld>
@@ -19302,7 +19324,95 @@
             <a:pPr rtl="0"/>
             <a:fld id="{D5939589-3E79-4C82-AA4A-FE78234FAA59}" type="slidenum">
               <a:rPr lang="de-DE" noProof="0" smtClean="0"/>
-              <a:t>11</a:t>
+              <a:t>12</a:t>
+            </a:fld>
+            <a:endParaRPr lang="de-DE" noProof="0"/>
+          </a:p>
+        </p:txBody>
+      </p:sp>
+    </p:spTree>
+    <p:extLst>
+      <p:ext uri="{BB962C8B-B14F-4D97-AF65-F5344CB8AC3E}">
+        <p14:creationId xmlns:p14="http://schemas.microsoft.com/office/powerpoint/2010/main" val="2190886567"/>
+      </p:ext>
+    </p:extLst>
+  </p:cSld>
+  <p:clrMapOvr>
+    <a:masterClrMapping/>
+  </p:clrMapOvr>
+</p:notes>
+</file>
+
+<file path=ppt/notesSlides/notesSlide7.xml><?xml version="1.0" encoding="utf-8"?>
+<p:notes xmlns:a="http://schemas.openxmlformats.org/drawingml/2006/main" xmlns:r="http://schemas.openxmlformats.org/officeDocument/2006/relationships" xmlns:p="http://schemas.openxmlformats.org/presentationml/2006/main">
+  <p:cSld>
+    <p:spTree>
+      <p:nvGrpSpPr>
+        <p:cNvPr id="1" name=""/>
+        <p:cNvGrpSpPr/>
+        <p:nvPr/>
+      </p:nvGrpSpPr>
+      <p:grpSpPr>
+        <a:xfrm>
+          <a:off x="0" y="0"/>
+          <a:ext cx="0" cy="0"/>
+          <a:chOff x="0" y="0"/>
+          <a:chExt cx="0" cy="0"/>
+        </a:xfrm>
+      </p:grpSpPr>
+      <p:sp>
+        <p:nvSpPr>
+          <p:cNvPr id="2" name="Folienbildplatzhalter 1"/>
+          <p:cNvSpPr>
+            <a:spLocks noGrp="1" noRot="1" noChangeAspect="1"/>
+          </p:cNvSpPr>
+          <p:nvPr>
+            <p:ph type="sldImg"/>
+          </p:nvPr>
+        </p:nvSpPr>
+        <p:spPr/>
+      </p:sp>
+      <p:sp>
+        <p:nvSpPr>
+          <p:cNvPr id="3" name="Notizenplatzhalter 2"/>
+          <p:cNvSpPr>
+            <a:spLocks noGrp="1"/>
+          </p:cNvSpPr>
+          <p:nvPr>
+            <p:ph type="body" idx="1"/>
+          </p:nvPr>
+        </p:nvSpPr>
+        <p:spPr/>
+        <p:txBody>
+          <a:bodyPr/>
+          <a:lstStyle/>
+          <a:p>
+            <a:r>
+              <a:rPr lang="de-AT" dirty="0"/>
+              <a:t>Als Technologien Haben wie … verwendet</a:t>
+            </a:r>
+          </a:p>
+        </p:txBody>
+      </p:sp>
+      <p:sp>
+        <p:nvSpPr>
+          <p:cNvPr id="4" name="Foliennummernplatzhalter 3"/>
+          <p:cNvSpPr>
+            <a:spLocks noGrp="1"/>
+          </p:cNvSpPr>
+          <p:nvPr>
+            <p:ph type="sldNum" sz="quarter" idx="5"/>
+          </p:nvPr>
+        </p:nvSpPr>
+        <p:spPr/>
+        <p:txBody>
+          <a:bodyPr/>
+          <a:lstStyle/>
+          <a:p>
+            <a:pPr rtl="0"/>
+            <a:fld id="{D5939589-3E79-4C82-AA4A-FE78234FAA59}" type="slidenum">
+              <a:rPr lang="de-DE" noProof="0" smtClean="0"/>
+              <a:t>13</a:t>
             </a:fld>
             <a:endParaRPr lang="de-DE" noProof="0"/>
           </a:p>
@@ -19321,7 +19431,7 @@
 </p:notes>
 </file>
 
-<file path=ppt/notesSlides/notesSlide7.xml><?xml version="1.0" encoding="utf-8"?>
+<file path=ppt/notesSlides/notesSlide8.xml><?xml version="1.0" encoding="utf-8"?>
 <p:notes xmlns:a="http://schemas.openxmlformats.org/drawingml/2006/main" xmlns:r="http://schemas.openxmlformats.org/officeDocument/2006/relationships" xmlns:p="http://schemas.openxmlformats.org/presentationml/2006/main">
   <p:cSld>
     <p:spTree>
@@ -19387,7 +19497,7 @@
             <a:pPr rtl="0"/>
             <a:fld id="{D5939589-3E79-4C82-AA4A-FE78234FAA59}" type="slidenum">
               <a:rPr lang="de-DE" smtClean="0"/>
-              <a:t>14</a:t>
+              <a:t>15</a:t>
             </a:fld>
             <a:endParaRPr lang="de-DE"/>
           </a:p>
@@ -30300,6 +30410,388 @@
       </p:grpSpPr>
       <p:pic>
         <p:nvPicPr>
+          <p:cNvPr id="6" name="Grafik 5" descr="Ein Bild, das Diagramm enthält.&#10;&#10;Automatisch generierte Beschreibung">
+            <a:extLst>
+              <a:ext uri="{FF2B5EF4-FFF2-40B4-BE49-F238E27FC236}">
+                <a16:creationId xmlns:a16="http://schemas.microsoft.com/office/drawing/2014/main" id="{50FDB4C2-4D4F-2F3C-2927-3267953BD1B7}"/>
+              </a:ext>
+            </a:extLst>
+          </p:cNvPr>
+          <p:cNvPicPr>
+            <a:picLocks noChangeAspect="1"/>
+          </p:cNvPicPr>
+          <p:nvPr/>
+        </p:nvPicPr>
+        <p:blipFill>
+          <a:blip r:embed="rId2"/>
+          <a:stretch>
+            <a:fillRect/>
+          </a:stretch>
+        </p:blipFill>
+        <p:spPr>
+          <a:xfrm>
+            <a:off x="724789" y="1124607"/>
+            <a:ext cx="11429996" cy="5486400"/>
+          </a:xfrm>
+          <a:prstGeom prst="rect">
+            <a:avLst/>
+          </a:prstGeom>
+          <a:noFill/>
+        </p:spPr>
+      </p:pic>
+      <p:sp>
+        <p:nvSpPr>
+          <p:cNvPr id="2" name="Titel 1">
+            <a:extLst>
+              <a:ext uri="{FF2B5EF4-FFF2-40B4-BE49-F238E27FC236}">
+                <a16:creationId xmlns:a16="http://schemas.microsoft.com/office/drawing/2014/main" id="{00F94A2C-41F4-5230-148F-7918941DC9FD}"/>
+              </a:ext>
+            </a:extLst>
+          </p:cNvPr>
+          <p:cNvSpPr>
+            <a:spLocks noGrp="1"/>
+          </p:cNvSpPr>
+          <p:nvPr>
+            <p:ph type="title"/>
+          </p:nvPr>
+        </p:nvSpPr>
+        <p:spPr>
+          <a:xfrm>
+            <a:off x="838200" y="365125"/>
+            <a:ext cx="10515600" cy="1325563"/>
+          </a:xfrm>
+        </p:spPr>
+        <p:txBody>
+          <a:bodyPr anchor="ctr">
+            <a:normAutofit/>
+          </a:bodyPr>
+          <a:lstStyle/>
+          <a:p>
+            <a:r>
+              <a:rPr lang="de-AT" dirty="0"/>
+              <a:t>Konzept</a:t>
+            </a:r>
+          </a:p>
+        </p:txBody>
+      </p:sp>
+      <p:sp>
+        <p:nvSpPr>
+          <p:cNvPr id="4" name="Foliennummernplatzhalter 3">
+            <a:extLst>
+              <a:ext uri="{FF2B5EF4-FFF2-40B4-BE49-F238E27FC236}">
+                <a16:creationId xmlns:a16="http://schemas.microsoft.com/office/drawing/2014/main" id="{93E0F4FC-7F1E-DC06-6E1A-F8C16110C094}"/>
+              </a:ext>
+            </a:extLst>
+          </p:cNvPr>
+          <p:cNvSpPr>
+            <a:spLocks noGrp="1"/>
+          </p:cNvSpPr>
+          <p:nvPr>
+            <p:ph type="sldNum" sz="quarter" idx="12"/>
+          </p:nvPr>
+        </p:nvSpPr>
+        <p:spPr>
+          <a:xfrm>
+            <a:off x="8610600" y="6356350"/>
+            <a:ext cx="2743200" cy="365125"/>
+          </a:xfrm>
+        </p:spPr>
+        <p:txBody>
+          <a:bodyPr anchor="ctr">
+            <a:normAutofit/>
+          </a:bodyPr>
+          <a:lstStyle/>
+          <a:p>
+            <a:pPr rtl="0">
+              <a:spcAft>
+                <a:spcPts val="600"/>
+              </a:spcAft>
+            </a:pPr>
+            <a:fld id="{D8DA9DAA-006C-4F4B-980E-E3DF019B24E2}" type="slidenum">
+              <a:rPr lang="de-DE" noProof="0" smtClean="0"/>
+              <a:pPr rtl="0">
+                <a:spcAft>
+                  <a:spcPts val="600"/>
+                </a:spcAft>
+              </a:pPr>
+              <a:t>10</a:t>
+            </a:fld>
+            <a:endParaRPr lang="de-DE" noProof="0"/>
+          </a:p>
+        </p:txBody>
+      </p:sp>
+    </p:spTree>
+    <p:extLst>
+      <p:ext uri="{BB962C8B-B14F-4D97-AF65-F5344CB8AC3E}">
+        <p14:creationId xmlns:p14="http://schemas.microsoft.com/office/powerpoint/2010/main" val="3031134635"/>
+      </p:ext>
+    </p:extLst>
+  </p:cSld>
+  <p:clrMapOvr>
+    <a:masterClrMapping/>
+  </p:clrMapOvr>
+</p:sld>
+</file>
+
+<file path=ppt/slides/slide11.xml><?xml version="1.0" encoding="utf-8"?>
+<p:sld xmlns:a="http://schemas.openxmlformats.org/drawingml/2006/main" xmlns:r="http://schemas.openxmlformats.org/officeDocument/2006/relationships" xmlns:p="http://schemas.openxmlformats.org/presentationml/2006/main">
+  <p:cSld>
+    <p:spTree>
+      <p:nvGrpSpPr>
+        <p:cNvPr id="1" name=""/>
+        <p:cNvGrpSpPr/>
+        <p:nvPr/>
+      </p:nvGrpSpPr>
+      <p:grpSpPr>
+        <a:xfrm>
+          <a:off x="0" y="0"/>
+          <a:ext cx="0" cy="0"/>
+          <a:chOff x="0" y="0"/>
+          <a:chExt cx="0" cy="0"/>
+        </a:xfrm>
+      </p:grpSpPr>
+      <p:pic>
+        <p:nvPicPr>
+          <p:cNvPr id="6" name="Bildplatzhalter 5">
+            <a:extLst>
+              <a:ext uri="{FF2B5EF4-FFF2-40B4-BE49-F238E27FC236}">
+                <a16:creationId xmlns:a16="http://schemas.microsoft.com/office/drawing/2014/main" id="{2B4C9C3B-2D4A-E54F-807D-0128923B2030}"/>
+              </a:ext>
+            </a:extLst>
+          </p:cNvPr>
+          <p:cNvPicPr>
+            <a:picLocks noGrp="1" noChangeAspect="1"/>
+          </p:cNvPicPr>
+          <p:nvPr>
+            <p:ph type="pic" sz="quarter" idx="13"/>
+          </p:nvPr>
+        </p:nvPicPr>
+        <p:blipFill>
+          <a:blip r:embed="rId2"/>
+          <a:srcRect/>
+          <a:stretch>
+            <a:fillRect/>
+          </a:stretch>
+        </p:blipFill>
+        <p:spPr>
+          <a:xfrm>
+            <a:off x="7451725" y="1665288"/>
+            <a:ext cx="4267200" cy="4267200"/>
+          </a:xfrm>
+        </p:spPr>
+      </p:pic>
+      <p:sp>
+        <p:nvSpPr>
+          <p:cNvPr id="2" name="Titel 1">
+            <a:extLst>
+              <a:ext uri="{FF2B5EF4-FFF2-40B4-BE49-F238E27FC236}">
+                <a16:creationId xmlns:a16="http://schemas.microsoft.com/office/drawing/2014/main" id="{4F705FD3-31C3-039D-AB4B-83984F7C3076}"/>
+              </a:ext>
+            </a:extLst>
+          </p:cNvPr>
+          <p:cNvSpPr>
+            <a:spLocks noGrp="1"/>
+          </p:cNvSpPr>
+          <p:nvPr>
+            <p:ph type="title"/>
+          </p:nvPr>
+        </p:nvSpPr>
+        <p:spPr>
+          <a:xfrm>
+            <a:off x="804672" y="1335024"/>
+            <a:ext cx="6190488" cy="1179576"/>
+          </a:xfrm>
+        </p:spPr>
+        <p:txBody>
+          <a:bodyPr anchor="b">
+            <a:normAutofit/>
+          </a:bodyPr>
+          <a:lstStyle/>
+          <a:p>
+            <a:r>
+              <a:rPr lang="de-AT" dirty="0" err="1"/>
+              <a:t>BillBee</a:t>
+            </a:r>
+            <a:endParaRPr lang="de-AT" dirty="0"/>
+          </a:p>
+        </p:txBody>
+      </p:sp>
+      <p:sp>
+        <p:nvSpPr>
+          <p:cNvPr id="3" name="Inhaltsplatzhalter 2">
+            <a:extLst>
+              <a:ext uri="{FF2B5EF4-FFF2-40B4-BE49-F238E27FC236}">
+                <a16:creationId xmlns:a16="http://schemas.microsoft.com/office/drawing/2014/main" id="{353837B3-B512-475F-03DF-53113EF606CB}"/>
+              </a:ext>
+            </a:extLst>
+          </p:cNvPr>
+          <p:cNvSpPr>
+            <a:spLocks noGrp="1"/>
+          </p:cNvSpPr>
+          <p:nvPr>
+            <p:ph idx="1"/>
+          </p:nvPr>
+        </p:nvSpPr>
+        <p:spPr>
+          <a:xfrm>
+            <a:off x="850392" y="2825496"/>
+            <a:ext cx="6190488" cy="3346704"/>
+          </a:xfrm>
+        </p:spPr>
+        <p:txBody>
+          <a:bodyPr>
+            <a:normAutofit/>
+          </a:bodyPr>
+          <a:lstStyle/>
+          <a:p>
+            <a:r>
+              <a:rPr lang="de-AT" dirty="0" err="1"/>
+              <a:t>BillBee</a:t>
+            </a:r>
+            <a:r>
+              <a:rPr lang="de-AT" dirty="0"/>
+              <a:t> ist eine E-</a:t>
+            </a:r>
+            <a:r>
+              <a:rPr lang="de-AT" dirty="0" err="1"/>
+              <a:t>Comerce</a:t>
+            </a:r>
+            <a:r>
+              <a:rPr lang="de-AT" dirty="0"/>
+              <a:t>-Software</a:t>
+            </a:r>
+          </a:p>
+          <a:p>
+            <a:r>
+              <a:rPr lang="de-DE" dirty="0"/>
+              <a:t>Wird für alle Rechnungen verwendet</a:t>
+            </a:r>
+          </a:p>
+          <a:p>
+            <a:r>
+              <a:rPr lang="de-AT" dirty="0"/>
+              <a:t>Stellt REST-Schnittstellen zur Verfügung</a:t>
+            </a:r>
+          </a:p>
+        </p:txBody>
+      </p:sp>
+      <p:sp>
+        <p:nvSpPr>
+          <p:cNvPr id="13" name="Footer Placeholder 5">
+            <a:extLst>
+              <a:ext uri="{FF2B5EF4-FFF2-40B4-BE49-F238E27FC236}">
+                <a16:creationId xmlns:a16="http://schemas.microsoft.com/office/drawing/2014/main" id="{86F39A4B-0194-C4E6-47D0-6E37E096C5D3}"/>
+              </a:ext>
+            </a:extLst>
+          </p:cNvPr>
+          <p:cNvSpPr>
+            <a:spLocks noGrp="1"/>
+          </p:cNvSpPr>
+          <p:nvPr>
+            <p:ph type="ftr" sz="quarter" idx="11"/>
+          </p:nvPr>
+        </p:nvSpPr>
+        <p:spPr>
+          <a:xfrm>
+            <a:off x="7964424" y="621792"/>
+            <a:ext cx="4114800" cy="365125"/>
+          </a:xfrm>
+        </p:spPr>
+        <p:txBody>
+          <a:bodyPr/>
+          <a:lstStyle/>
+          <a:p>
+            <a:pPr rtl="0">
+              <a:spcAft>
+                <a:spcPts val="600"/>
+              </a:spcAft>
+            </a:pPr>
+            <a:r>
+              <a:rPr lang="de-DE" noProof="0" dirty="0" err="1"/>
+              <a:t>Multiflex</a:t>
+            </a:r>
+            <a:endParaRPr lang="de-DE" noProof="0" dirty="0"/>
+          </a:p>
+        </p:txBody>
+      </p:sp>
+      <p:sp>
+        <p:nvSpPr>
+          <p:cNvPr id="4" name="Foliennummernplatzhalter 3">
+            <a:extLst>
+              <a:ext uri="{FF2B5EF4-FFF2-40B4-BE49-F238E27FC236}">
+                <a16:creationId xmlns:a16="http://schemas.microsoft.com/office/drawing/2014/main" id="{FE4EB147-2DBD-71B3-124C-371E0061CBD7}"/>
+              </a:ext>
+            </a:extLst>
+          </p:cNvPr>
+          <p:cNvSpPr>
+            <a:spLocks noGrp="1"/>
+          </p:cNvSpPr>
+          <p:nvPr>
+            <p:ph type="sldNum" sz="quarter" idx="12"/>
+          </p:nvPr>
+        </p:nvSpPr>
+        <p:spPr>
+          <a:xfrm>
+            <a:off x="8610600" y="6356350"/>
+            <a:ext cx="2743200" cy="365125"/>
+          </a:xfrm>
+        </p:spPr>
+        <p:txBody>
+          <a:bodyPr anchor="ctr">
+            <a:normAutofit/>
+          </a:bodyPr>
+          <a:lstStyle/>
+          <a:p>
+            <a:pPr rtl="0">
+              <a:spcAft>
+                <a:spcPts val="600"/>
+              </a:spcAft>
+            </a:pPr>
+            <a:fld id="{D8DA9DAA-006C-4F4B-980E-E3DF019B24E2}" type="slidenum">
+              <a:rPr lang="de-DE" noProof="0" smtClean="0"/>
+              <a:pPr rtl="0">
+                <a:spcAft>
+                  <a:spcPts val="600"/>
+                </a:spcAft>
+              </a:pPr>
+              <a:t>11</a:t>
+            </a:fld>
+            <a:endParaRPr lang="de-DE" noProof="0"/>
+          </a:p>
+        </p:txBody>
+      </p:sp>
+    </p:spTree>
+    <p:extLst>
+      <p:ext uri="{BB962C8B-B14F-4D97-AF65-F5344CB8AC3E}">
+        <p14:creationId xmlns:p14="http://schemas.microsoft.com/office/powerpoint/2010/main" val="154619109"/>
+      </p:ext>
+    </p:extLst>
+  </p:cSld>
+  <p:clrMapOvr>
+    <a:masterClrMapping/>
+  </p:clrMapOvr>
+</p:sld>
+</file>
+
+<file path=ppt/slides/slide12.xml><?xml version="1.0" encoding="utf-8"?>
+<p:sld xmlns:a="http://schemas.openxmlformats.org/drawingml/2006/main" xmlns:r="http://schemas.openxmlformats.org/officeDocument/2006/relationships" xmlns:p="http://schemas.openxmlformats.org/presentationml/2006/main">
+  <p:cSld>
+    <p:spTree>
+      <p:nvGrpSpPr>
+        <p:cNvPr id="1" name=""/>
+        <p:cNvGrpSpPr/>
+        <p:nvPr/>
+      </p:nvGrpSpPr>
+      <p:grpSpPr>
+        <a:xfrm>
+          <a:off x="0" y="0"/>
+          <a:ext cx="0" cy="0"/>
+          <a:chOff x="0" y="0"/>
+          <a:chExt cx="0" cy="0"/>
+        </a:xfrm>
+      </p:grpSpPr>
+      <p:pic>
+        <p:nvPicPr>
           <p:cNvPr id="1030" name="Picture 6" descr="Lehrgang: C# Programmierer – Lehrgang Ausbildung, Kurs, Schulung, Training,  Seminar und Ausbildung in Wien und Graz | tecTrain GmbH">
             <a:extLst>
               <a:ext uri="{FF2B5EF4-FFF2-40B4-BE49-F238E27FC236}">
@@ -30511,7 +31003,7 @@
                   <a:spcPts val="600"/>
                 </a:spcAft>
               </a:pPr>
-              <a:t>10</a:t>
+              <a:t>12</a:t>
             </a:fld>
             <a:endParaRPr lang="de-DE" noProof="0"/>
           </a:p>
@@ -30530,7 +31022,7 @@
 </p:sld>
 </file>
 
-<file path=ppt/slides/slide11.xml><?xml version="1.0" encoding="utf-8"?>
+<file path=ppt/slides/slide13.xml><?xml version="1.0" encoding="utf-8"?>
 <p:sld xmlns:a="http://schemas.openxmlformats.org/drawingml/2006/main" xmlns:r="http://schemas.openxmlformats.org/officeDocument/2006/relationships" xmlns:p="http://schemas.openxmlformats.org/presentationml/2006/main">
   <p:cSld>
     <p:spTree>
@@ -30806,7 +31298,7 @@
                   <a:spcPts val="600"/>
                 </a:spcAft>
               </a:pPr>
-              <a:t>11</a:t>
+              <a:t>13</a:t>
             </a:fld>
             <a:endParaRPr lang="de-DE" noProof="0"/>
           </a:p>
@@ -30825,247 +31317,7 @@
 </p:sld>
 </file>
 
-<file path=ppt/slides/slide12.xml><?xml version="1.0" encoding="utf-8"?>
-<p:sld xmlns:a="http://schemas.openxmlformats.org/drawingml/2006/main" xmlns:r="http://schemas.openxmlformats.org/officeDocument/2006/relationships" xmlns:p="http://schemas.openxmlformats.org/presentationml/2006/main">
-  <p:cSld>
-    <p:spTree>
-      <p:nvGrpSpPr>
-        <p:cNvPr id="1" name=""/>
-        <p:cNvGrpSpPr/>
-        <p:nvPr/>
-      </p:nvGrpSpPr>
-      <p:grpSpPr>
-        <a:xfrm>
-          <a:off x="0" y="0"/>
-          <a:ext cx="0" cy="0"/>
-          <a:chOff x="0" y="0"/>
-          <a:chExt cx="0" cy="0"/>
-        </a:xfrm>
-      </p:grpSpPr>
-      <p:pic>
-        <p:nvPicPr>
-          <p:cNvPr id="6" name="Bildplatzhalter 5">
-            <a:extLst>
-              <a:ext uri="{FF2B5EF4-FFF2-40B4-BE49-F238E27FC236}">
-                <a16:creationId xmlns:a16="http://schemas.microsoft.com/office/drawing/2014/main" id="{2B4C9C3B-2D4A-E54F-807D-0128923B2030}"/>
-              </a:ext>
-            </a:extLst>
-          </p:cNvPr>
-          <p:cNvPicPr>
-            <a:picLocks noGrp="1" noChangeAspect="1"/>
-          </p:cNvPicPr>
-          <p:nvPr>
-            <p:ph type="pic" sz="quarter" idx="13"/>
-          </p:nvPr>
-        </p:nvPicPr>
-        <p:blipFill>
-          <a:blip r:embed="rId2"/>
-          <a:srcRect/>
-          <a:stretch>
-            <a:fillRect/>
-          </a:stretch>
-        </p:blipFill>
-        <p:spPr>
-          <a:xfrm>
-            <a:off x="7451725" y="1665288"/>
-            <a:ext cx="4267200" cy="4267200"/>
-          </a:xfrm>
-        </p:spPr>
-      </p:pic>
-      <p:sp>
-        <p:nvSpPr>
-          <p:cNvPr id="2" name="Titel 1">
-            <a:extLst>
-              <a:ext uri="{FF2B5EF4-FFF2-40B4-BE49-F238E27FC236}">
-                <a16:creationId xmlns:a16="http://schemas.microsoft.com/office/drawing/2014/main" id="{4F705FD3-31C3-039D-AB4B-83984F7C3076}"/>
-              </a:ext>
-            </a:extLst>
-          </p:cNvPr>
-          <p:cNvSpPr>
-            <a:spLocks noGrp="1"/>
-          </p:cNvSpPr>
-          <p:nvPr>
-            <p:ph type="title"/>
-          </p:nvPr>
-        </p:nvSpPr>
-        <p:spPr>
-          <a:xfrm>
-            <a:off x="804672" y="1335024"/>
-            <a:ext cx="6190488" cy="1179576"/>
-          </a:xfrm>
-        </p:spPr>
-        <p:txBody>
-          <a:bodyPr anchor="b">
-            <a:normAutofit/>
-          </a:bodyPr>
-          <a:lstStyle/>
-          <a:p>
-            <a:r>
-              <a:rPr lang="de-AT" dirty="0" err="1"/>
-              <a:t>BillBee</a:t>
-            </a:r>
-            <a:endParaRPr lang="de-AT" dirty="0"/>
-          </a:p>
-        </p:txBody>
-      </p:sp>
-      <p:sp>
-        <p:nvSpPr>
-          <p:cNvPr id="3" name="Inhaltsplatzhalter 2">
-            <a:extLst>
-              <a:ext uri="{FF2B5EF4-FFF2-40B4-BE49-F238E27FC236}">
-                <a16:creationId xmlns:a16="http://schemas.microsoft.com/office/drawing/2014/main" id="{353837B3-B512-475F-03DF-53113EF606CB}"/>
-              </a:ext>
-            </a:extLst>
-          </p:cNvPr>
-          <p:cNvSpPr>
-            <a:spLocks noGrp="1"/>
-          </p:cNvSpPr>
-          <p:nvPr>
-            <p:ph idx="1"/>
-          </p:nvPr>
-        </p:nvSpPr>
-        <p:spPr>
-          <a:xfrm>
-            <a:off x="850392" y="2825496"/>
-            <a:ext cx="6190488" cy="3346704"/>
-          </a:xfrm>
-        </p:spPr>
-        <p:txBody>
-          <a:bodyPr>
-            <a:normAutofit/>
-          </a:bodyPr>
-          <a:lstStyle/>
-          <a:p>
-            <a:r>
-              <a:rPr lang="de-AT" dirty="0" err="1"/>
-              <a:t>BillBee</a:t>
-            </a:r>
-            <a:r>
-              <a:rPr lang="de-AT" dirty="0"/>
-              <a:t> ist eine E-</a:t>
-            </a:r>
-            <a:r>
-              <a:rPr lang="de-AT" dirty="0" err="1"/>
-              <a:t>Comerce</a:t>
-            </a:r>
-            <a:r>
-              <a:rPr lang="de-AT" dirty="0"/>
-              <a:t>-Software</a:t>
-            </a:r>
-          </a:p>
-          <a:p>
-            <a:r>
-              <a:rPr lang="de-DE" dirty="0"/>
-              <a:t>Wird für alle Rechnungen verwendet</a:t>
-            </a:r>
-          </a:p>
-          <a:p>
-            <a:r>
-              <a:rPr lang="de-AT" dirty="0"/>
-              <a:t>Stellt REST-Schnittstellen zur Verfügung</a:t>
-            </a:r>
-          </a:p>
-        </p:txBody>
-      </p:sp>
-      <p:sp>
-        <p:nvSpPr>
-          <p:cNvPr id="13" name="Footer Placeholder 5">
-            <a:extLst>
-              <a:ext uri="{FF2B5EF4-FFF2-40B4-BE49-F238E27FC236}">
-                <a16:creationId xmlns:a16="http://schemas.microsoft.com/office/drawing/2014/main" id="{86F39A4B-0194-C4E6-47D0-6E37E096C5D3}"/>
-              </a:ext>
-            </a:extLst>
-          </p:cNvPr>
-          <p:cNvSpPr>
-            <a:spLocks noGrp="1"/>
-          </p:cNvSpPr>
-          <p:nvPr>
-            <p:ph type="ftr" sz="quarter" idx="11"/>
-          </p:nvPr>
-        </p:nvSpPr>
-        <p:spPr>
-          <a:xfrm>
-            <a:off x="7964424" y="621792"/>
-            <a:ext cx="4114800" cy="365125"/>
-          </a:xfrm>
-        </p:spPr>
-        <p:txBody>
-          <a:bodyPr/>
-          <a:lstStyle/>
-          <a:p>
-            <a:pPr rtl="0">
-              <a:spcAft>
-                <a:spcPts val="600"/>
-              </a:spcAft>
-            </a:pPr>
-            <a:r>
-              <a:rPr lang="de-DE" noProof="0" dirty="0" err="1"/>
-              <a:t>Multiflex</a:t>
-            </a:r>
-            <a:endParaRPr lang="de-DE" noProof="0" dirty="0"/>
-          </a:p>
-        </p:txBody>
-      </p:sp>
-      <p:sp>
-        <p:nvSpPr>
-          <p:cNvPr id="4" name="Foliennummernplatzhalter 3">
-            <a:extLst>
-              <a:ext uri="{FF2B5EF4-FFF2-40B4-BE49-F238E27FC236}">
-                <a16:creationId xmlns:a16="http://schemas.microsoft.com/office/drawing/2014/main" id="{FE4EB147-2DBD-71B3-124C-371E0061CBD7}"/>
-              </a:ext>
-            </a:extLst>
-          </p:cNvPr>
-          <p:cNvSpPr>
-            <a:spLocks noGrp="1"/>
-          </p:cNvSpPr>
-          <p:nvPr>
-            <p:ph type="sldNum" sz="quarter" idx="12"/>
-          </p:nvPr>
-        </p:nvSpPr>
-        <p:spPr>
-          <a:xfrm>
-            <a:off x="8610600" y="6356350"/>
-            <a:ext cx="2743200" cy="365125"/>
-          </a:xfrm>
-        </p:spPr>
-        <p:txBody>
-          <a:bodyPr anchor="ctr">
-            <a:normAutofit/>
-          </a:bodyPr>
-          <a:lstStyle/>
-          <a:p>
-            <a:pPr rtl="0">
-              <a:spcAft>
-                <a:spcPts val="600"/>
-              </a:spcAft>
-            </a:pPr>
-            <a:fld id="{D8DA9DAA-006C-4F4B-980E-E3DF019B24E2}" type="slidenum">
-              <a:rPr lang="de-DE" noProof="0" smtClean="0"/>
-              <a:pPr rtl="0">
-                <a:spcAft>
-                  <a:spcPts val="600"/>
-                </a:spcAft>
-              </a:pPr>
-              <a:t>12</a:t>
-            </a:fld>
-            <a:endParaRPr lang="de-DE" noProof="0"/>
-          </a:p>
-        </p:txBody>
-      </p:sp>
-    </p:spTree>
-    <p:extLst>
-      <p:ext uri="{BB962C8B-B14F-4D97-AF65-F5344CB8AC3E}">
-        <p14:creationId xmlns:p14="http://schemas.microsoft.com/office/powerpoint/2010/main" val="154619109"/>
-      </p:ext>
-    </p:extLst>
-  </p:cSld>
-  <p:clrMapOvr>
-    <a:masterClrMapping/>
-  </p:clrMapOvr>
-</p:sld>
-</file>
-
-<file path=ppt/slides/slide13.xml><?xml version="1.0" encoding="utf-8"?>
+<file path=ppt/slides/slide14.xml><?xml version="1.0" encoding="utf-8"?>
 <p:sld xmlns:a="http://schemas.openxmlformats.org/drawingml/2006/main" xmlns:r="http://schemas.openxmlformats.org/officeDocument/2006/relationships" xmlns:p="http://schemas.openxmlformats.org/presentationml/2006/main">
   <p:cSld>
     <p:spTree>
@@ -31229,7 +31481,7 @@
                   <a:spcPts val="600"/>
                 </a:spcAft>
               </a:pPr>
-              <a:t>13</a:t>
+              <a:t>14</a:t>
             </a:fld>
             <a:endParaRPr lang="de-DE" noProof="0"/>
           </a:p>
@@ -31248,7 +31500,7 @@
 </p:sld>
 </file>
 
-<file path=ppt/slides/slide14.xml><?xml version="1.0" encoding="utf-8"?>
+<file path=ppt/slides/slide15.xml><?xml version="1.0" encoding="utf-8"?>
 <p:sld xmlns:a="http://schemas.openxmlformats.org/drawingml/2006/main" xmlns:r="http://schemas.openxmlformats.org/officeDocument/2006/relationships" xmlns:p="http://schemas.openxmlformats.org/presentationml/2006/main">
   <p:cSld>
     <p:spTree>
@@ -31290,7 +31542,7 @@
             <a:fld id="{D8DA9DAA-006C-4F4B-980E-E3DF019B24E2}" type="slidenum">
               <a:rPr lang="de-DE" smtClean="0"/>
               <a:pPr rtl="0"/>
-              <a:t>14</a:t>
+              <a:t>15</a:t>
             </a:fld>
             <a:endParaRPr lang="de-DE"/>
           </a:p>
@@ -32933,6 +33185,186 @@
       </p:grpSpPr>
       <p:sp>
         <p:nvSpPr>
+          <p:cNvPr id="12" name="Picture Placeholder 1">
+            <a:extLst>
+              <a:ext uri="{FF2B5EF4-FFF2-40B4-BE49-F238E27FC236}">
+                <a16:creationId xmlns:a16="http://schemas.microsoft.com/office/drawing/2014/main" id="{EF2F3F4C-3A59-FB70-654B-4FC51507A921}"/>
+              </a:ext>
+            </a:extLst>
+          </p:cNvPr>
+          <p:cNvSpPr>
+            <a:spLocks noGrp="1"/>
+          </p:cNvSpPr>
+          <p:nvPr>
+            <p:ph type="pic" sz="quarter" idx="13"/>
+          </p:nvPr>
+        </p:nvSpPr>
+        <p:spPr>
+          <a:xfrm>
+            <a:off x="7451965" y="1665520"/>
+            <a:ext cx="4266960" cy="4266968"/>
+          </a:xfrm>
+        </p:spPr>
+      </p:sp>
+      <p:sp>
+        <p:nvSpPr>
+          <p:cNvPr id="2" name="Titel 1">
+            <a:extLst>
+              <a:ext uri="{FF2B5EF4-FFF2-40B4-BE49-F238E27FC236}">
+                <a16:creationId xmlns:a16="http://schemas.microsoft.com/office/drawing/2014/main" id="{79CFB80D-3565-B2FE-04BF-98154FBA8B63}"/>
+              </a:ext>
+            </a:extLst>
+          </p:cNvPr>
+          <p:cNvSpPr>
+            <a:spLocks noGrp="1"/>
+          </p:cNvSpPr>
+          <p:nvPr>
+            <p:ph type="title"/>
+          </p:nvPr>
+        </p:nvSpPr>
+        <p:spPr>
+          <a:xfrm>
+            <a:off x="804672" y="1335024"/>
+            <a:ext cx="6190488" cy="1179576"/>
+          </a:xfrm>
+        </p:spPr>
+        <p:txBody>
+          <a:bodyPr anchor="b">
+            <a:normAutofit/>
+          </a:bodyPr>
+          <a:lstStyle/>
+          <a:p>
+            <a:r>
+              <a:rPr lang="de-AT" dirty="0"/>
+              <a:t>Projektübergabe</a:t>
+            </a:r>
+          </a:p>
+        </p:txBody>
+      </p:sp>
+      <p:sp>
+        <p:nvSpPr>
+          <p:cNvPr id="3" name="Inhaltsplatzhalter 2">
+            <a:extLst>
+              <a:ext uri="{FF2B5EF4-FFF2-40B4-BE49-F238E27FC236}">
+                <a16:creationId xmlns:a16="http://schemas.microsoft.com/office/drawing/2014/main" id="{FD329C19-754A-1F8D-CDE2-9293437F4EA5}"/>
+              </a:ext>
+            </a:extLst>
+          </p:cNvPr>
+          <p:cNvSpPr>
+            <a:spLocks noGrp="1"/>
+          </p:cNvSpPr>
+          <p:nvPr>
+            <p:ph idx="1"/>
+          </p:nvPr>
+        </p:nvSpPr>
+        <p:spPr>
+          <a:xfrm>
+            <a:off x="850392" y="2825496"/>
+            <a:ext cx="6190488" cy="3346704"/>
+          </a:xfrm>
+        </p:spPr>
+        <p:txBody>
+          <a:bodyPr>
+            <a:normAutofit/>
+          </a:bodyPr>
+          <a:lstStyle/>
+          <a:p>
+            <a:r>
+              <a:rPr lang="de-DE" dirty="0"/>
+              <a:t>Das Projekt wurde bereits übergeben.</a:t>
+            </a:r>
+          </a:p>
+          <a:p>
+            <a:r>
+              <a:rPr lang="de-DE" dirty="0" err="1"/>
+              <a:t>Multiflex</a:t>
+            </a:r>
+            <a:r>
+              <a:rPr lang="de-DE" dirty="0"/>
+              <a:t> wurde auf dem lokalen Server des Unternehmens installiert.</a:t>
+            </a:r>
+            <a:endParaRPr lang="de-AT" dirty="0"/>
+          </a:p>
+        </p:txBody>
+      </p:sp>
+      <p:sp>
+        <p:nvSpPr>
+          <p:cNvPr id="4" name="Foliennummernplatzhalter 3">
+            <a:extLst>
+              <a:ext uri="{FF2B5EF4-FFF2-40B4-BE49-F238E27FC236}">
+                <a16:creationId xmlns:a16="http://schemas.microsoft.com/office/drawing/2014/main" id="{DA2516F3-FA1B-128C-50BC-7CB6705C3D44}"/>
+              </a:ext>
+            </a:extLst>
+          </p:cNvPr>
+          <p:cNvSpPr>
+            <a:spLocks noGrp="1"/>
+          </p:cNvSpPr>
+          <p:nvPr>
+            <p:ph type="sldNum" sz="quarter" idx="12"/>
+          </p:nvPr>
+        </p:nvSpPr>
+        <p:spPr>
+          <a:xfrm>
+            <a:off x="8610600" y="6356350"/>
+            <a:ext cx="2743200" cy="365125"/>
+          </a:xfrm>
+        </p:spPr>
+        <p:txBody>
+          <a:bodyPr anchor="ctr">
+            <a:normAutofit/>
+          </a:bodyPr>
+          <a:lstStyle/>
+          <a:p>
+            <a:pPr rtl="0">
+              <a:spcAft>
+                <a:spcPts val="600"/>
+              </a:spcAft>
+            </a:pPr>
+            <a:fld id="{D8DA9DAA-006C-4F4B-980E-E3DF019B24E2}" type="slidenum">
+              <a:rPr lang="de-DE" noProof="0" smtClean="0"/>
+              <a:pPr rtl="0">
+                <a:spcAft>
+                  <a:spcPts val="600"/>
+                </a:spcAft>
+              </a:pPr>
+              <a:t>8</a:t>
+            </a:fld>
+            <a:endParaRPr lang="de-DE" noProof="0"/>
+          </a:p>
+        </p:txBody>
+      </p:sp>
+    </p:spTree>
+    <p:extLst>
+      <p:ext uri="{BB962C8B-B14F-4D97-AF65-F5344CB8AC3E}">
+        <p14:creationId xmlns:p14="http://schemas.microsoft.com/office/powerpoint/2010/main" val="3325231987"/>
+      </p:ext>
+    </p:extLst>
+  </p:cSld>
+  <p:clrMapOvr>
+    <a:masterClrMapping/>
+  </p:clrMapOvr>
+</p:sld>
+</file>
+
+<file path=ppt/slides/slide9.xml><?xml version="1.0" encoding="utf-8"?>
+<p:sld xmlns:a="http://schemas.openxmlformats.org/drawingml/2006/main" xmlns:r="http://schemas.openxmlformats.org/officeDocument/2006/relationships" xmlns:p="http://schemas.openxmlformats.org/presentationml/2006/main">
+  <p:cSld>
+    <p:spTree>
+      <p:nvGrpSpPr>
+        <p:cNvPr id="1" name=""/>
+        <p:cNvGrpSpPr/>
+        <p:nvPr/>
+      </p:nvGrpSpPr>
+      <p:grpSpPr>
+        <a:xfrm>
+          <a:off x="0" y="0"/>
+          <a:ext cx="0" cy="0"/>
+          <a:chOff x="0" y="0"/>
+          <a:chExt cx="0" cy="0"/>
+        </a:xfrm>
+      </p:grpSpPr>
+      <p:sp>
+        <p:nvSpPr>
           <p:cNvPr id="2" name="Titel 1">
             <a:extLst>
               <a:ext uri="{FF2B5EF4-FFF2-40B4-BE49-F238E27FC236}">
@@ -33261,148 +33693,6 @@
       </p:par>
     </p:tnLst>
   </p:timing>
-</p:sld>
-</file>
-
-<file path=ppt/slides/slide9.xml><?xml version="1.0" encoding="utf-8"?>
-<p:sld xmlns:a="http://schemas.openxmlformats.org/drawingml/2006/main" xmlns:r="http://schemas.openxmlformats.org/officeDocument/2006/relationships" xmlns:p="http://schemas.openxmlformats.org/presentationml/2006/main">
-  <p:cSld>
-    <p:spTree>
-      <p:nvGrpSpPr>
-        <p:cNvPr id="1" name=""/>
-        <p:cNvGrpSpPr/>
-        <p:nvPr/>
-      </p:nvGrpSpPr>
-      <p:grpSpPr>
-        <a:xfrm>
-          <a:off x="0" y="0"/>
-          <a:ext cx="0" cy="0"/>
-          <a:chOff x="0" y="0"/>
-          <a:chExt cx="0" cy="0"/>
-        </a:xfrm>
-      </p:grpSpPr>
-      <p:pic>
-        <p:nvPicPr>
-          <p:cNvPr id="6" name="Grafik 5" descr="Ein Bild, das Diagramm enthält.&#10;&#10;Automatisch generierte Beschreibung">
-            <a:extLst>
-              <a:ext uri="{FF2B5EF4-FFF2-40B4-BE49-F238E27FC236}">
-                <a16:creationId xmlns:a16="http://schemas.microsoft.com/office/drawing/2014/main" id="{50FDB4C2-4D4F-2F3C-2927-3267953BD1B7}"/>
-              </a:ext>
-            </a:extLst>
-          </p:cNvPr>
-          <p:cNvPicPr>
-            <a:picLocks noChangeAspect="1"/>
-          </p:cNvPicPr>
-          <p:nvPr/>
-        </p:nvPicPr>
-        <p:blipFill>
-          <a:blip r:embed="rId2"/>
-          <a:stretch>
-            <a:fillRect/>
-          </a:stretch>
-        </p:blipFill>
-        <p:spPr>
-          <a:xfrm>
-            <a:off x="724789" y="1124607"/>
-            <a:ext cx="11429996" cy="5486400"/>
-          </a:xfrm>
-          <a:prstGeom prst="rect">
-            <a:avLst/>
-          </a:prstGeom>
-          <a:noFill/>
-        </p:spPr>
-      </p:pic>
-      <p:sp>
-        <p:nvSpPr>
-          <p:cNvPr id="2" name="Titel 1">
-            <a:extLst>
-              <a:ext uri="{FF2B5EF4-FFF2-40B4-BE49-F238E27FC236}">
-                <a16:creationId xmlns:a16="http://schemas.microsoft.com/office/drawing/2014/main" id="{00F94A2C-41F4-5230-148F-7918941DC9FD}"/>
-              </a:ext>
-            </a:extLst>
-          </p:cNvPr>
-          <p:cNvSpPr>
-            <a:spLocks noGrp="1"/>
-          </p:cNvSpPr>
-          <p:nvPr>
-            <p:ph type="title"/>
-          </p:nvPr>
-        </p:nvSpPr>
-        <p:spPr>
-          <a:xfrm>
-            <a:off x="838200" y="365125"/>
-            <a:ext cx="10515600" cy="1325563"/>
-          </a:xfrm>
-        </p:spPr>
-        <p:txBody>
-          <a:bodyPr anchor="ctr">
-            <a:normAutofit/>
-          </a:bodyPr>
-          <a:lstStyle/>
-          <a:p>
-            <a:r>
-              <a:rPr lang="de-AT" dirty="0"/>
-              <a:t>Konzept</a:t>
-            </a:r>
-          </a:p>
-        </p:txBody>
-      </p:sp>
-      <p:sp>
-        <p:nvSpPr>
-          <p:cNvPr id="4" name="Foliennummernplatzhalter 3">
-            <a:extLst>
-              <a:ext uri="{FF2B5EF4-FFF2-40B4-BE49-F238E27FC236}">
-                <a16:creationId xmlns:a16="http://schemas.microsoft.com/office/drawing/2014/main" id="{93E0F4FC-7F1E-DC06-6E1A-F8C16110C094}"/>
-              </a:ext>
-            </a:extLst>
-          </p:cNvPr>
-          <p:cNvSpPr>
-            <a:spLocks noGrp="1"/>
-          </p:cNvSpPr>
-          <p:nvPr>
-            <p:ph type="sldNum" sz="quarter" idx="12"/>
-          </p:nvPr>
-        </p:nvSpPr>
-        <p:spPr>
-          <a:xfrm>
-            <a:off x="8610600" y="6356350"/>
-            <a:ext cx="2743200" cy="365125"/>
-          </a:xfrm>
-        </p:spPr>
-        <p:txBody>
-          <a:bodyPr anchor="ctr">
-            <a:normAutofit/>
-          </a:bodyPr>
-          <a:lstStyle/>
-          <a:p>
-            <a:pPr rtl="0">
-              <a:spcAft>
-                <a:spcPts val="600"/>
-              </a:spcAft>
-            </a:pPr>
-            <a:fld id="{D8DA9DAA-006C-4F4B-980E-E3DF019B24E2}" type="slidenum">
-              <a:rPr lang="de-DE" noProof="0" smtClean="0"/>
-              <a:pPr rtl="0">
-                <a:spcAft>
-                  <a:spcPts val="600"/>
-                </a:spcAft>
-              </a:pPr>
-              <a:t>9</a:t>
-            </a:fld>
-            <a:endParaRPr lang="de-DE" noProof="0"/>
-          </a:p>
-        </p:txBody>
-      </p:sp>
-    </p:spTree>
-    <p:extLst>
-      <p:ext uri="{BB962C8B-B14F-4D97-AF65-F5344CB8AC3E}">
-        <p14:creationId xmlns:p14="http://schemas.microsoft.com/office/powerpoint/2010/main" val="3031134635"/>
-      </p:ext>
-    </p:extLst>
-  </p:cSld>
-  <p:clrMapOvr>
-    <a:masterClrMapping/>
-  </p:clrMapOvr>
 </p:sld>
 </file>
 
@@ -34198,12 +34488,12 @@
 </file>
 
 <file path=customXml/item1.xml><?xml version="1.0" encoding="utf-8"?>
-<?mso-contentType ?>
-<FormTemplates xmlns="http://schemas.microsoft.com/sharepoint/v3/contenttype/forms">
-  <Display>DocumentLibraryForm</Display>
-  <Edit>DocumentLibraryForm</Edit>
-  <New>DocumentLibraryForm</New>
-</FormTemplates>
+<p:properties xmlns:p="http://schemas.microsoft.com/office/2006/metadata/properties" xmlns:xsi="http://www.w3.org/2001/XMLSchema-instance" xmlns:pc="http://schemas.microsoft.com/office/infopath/2007/PartnerControls">
+  <documentManagement>
+    <Status xmlns="71af3243-3dd4-4a8d-8c0d-dd76da1f02a5">Not started</Status>
+    <MediaServiceKeyPoints xmlns="71af3243-3dd4-4a8d-8c0d-dd76da1f02a5" xsi:nil="true"/>
+  </documentManagement>
+</p:properties>
 </file>
 
 <file path=customXml/item2.xml><?xml version="1.0" encoding="utf-8"?>
@@ -34428,18 +34718,20 @@
 </file>
 
 <file path=customXml/item3.xml><?xml version="1.0" encoding="utf-8"?>
-<p:properties xmlns:p="http://schemas.microsoft.com/office/2006/metadata/properties" xmlns:xsi="http://www.w3.org/2001/XMLSchema-instance" xmlns:pc="http://schemas.microsoft.com/office/infopath/2007/PartnerControls">
-  <documentManagement>
-    <Status xmlns="71af3243-3dd4-4a8d-8c0d-dd76da1f02a5">Not started</Status>
-    <MediaServiceKeyPoints xmlns="71af3243-3dd4-4a8d-8c0d-dd76da1f02a5" xsi:nil="true"/>
-  </documentManagement>
-</p:properties>
+<?mso-contentType ?>
+<FormTemplates xmlns="http://schemas.microsoft.com/sharepoint/v3/contenttype/forms">
+  <Display>DocumentLibraryForm</Display>
+  <Edit>DocumentLibraryForm</Edit>
+  <New>DocumentLibraryForm</New>
+</FormTemplates>
 </file>
 
 <file path=customXml/itemProps1.xml><?xml version="1.0" encoding="utf-8"?>
-<ds:datastoreItem xmlns:ds="http://schemas.openxmlformats.org/officeDocument/2006/customXml" ds:itemID="{3C8E00D1-8EA3-4E42-801D-0253E1EAFC21}">
+<ds:datastoreItem xmlns:ds="http://schemas.openxmlformats.org/officeDocument/2006/customXml" ds:itemID="{99919F73-B6C2-4A43-95E2-833EC48925FE}">
   <ds:schemaRefs>
-    <ds:schemaRef ds:uri="http://schemas.microsoft.com/sharepoint/v3/contenttype/forms"/>
+    <ds:schemaRef ds:uri="http://schemas.microsoft.com/office/2006/metadata/properties"/>
+    <ds:schemaRef ds:uri="http://schemas.microsoft.com/office/infopath/2007/PartnerControls"/>
+    <ds:schemaRef ds:uri="71af3243-3dd4-4a8d-8c0d-dd76da1f02a5"/>
   </ds:schemaRefs>
 </ds:datastoreItem>
 </file>
@@ -34464,11 +34756,9 @@
 </file>
 
 <file path=customXml/itemProps3.xml><?xml version="1.0" encoding="utf-8"?>
-<ds:datastoreItem xmlns:ds="http://schemas.openxmlformats.org/officeDocument/2006/customXml" ds:itemID="{99919F73-B6C2-4A43-95E2-833EC48925FE}">
+<ds:datastoreItem xmlns:ds="http://schemas.openxmlformats.org/officeDocument/2006/customXml" ds:itemID="{3C8E00D1-8EA3-4E42-801D-0253E1EAFC21}">
   <ds:schemaRefs>
-    <ds:schemaRef ds:uri="http://schemas.microsoft.com/office/2006/metadata/properties"/>
-    <ds:schemaRef ds:uri="http://schemas.microsoft.com/office/infopath/2007/PartnerControls"/>
-    <ds:schemaRef ds:uri="71af3243-3dd4-4a8d-8c0d-dd76da1f02a5"/>
+    <ds:schemaRef ds:uri="http://schemas.microsoft.com/sharepoint/v3/contenttype/forms"/>
   </ds:schemaRefs>
 </ds:datastoreItem>
 </file>